--- a/exo-sysAdmin/970-LdapConfig-XSys.pptx
+++ b/exo-sysAdmin/970-LdapConfig-XSys.pptx
@@ -7,7 +7,7 @@
     <p:sldMasterId id="2147483650" r:id="rId3"/>
   </p:sldMasterIdLst>
   <p:notesMasterIdLst>
-    <p:notesMasterId r:id="rId35"/>
+    <p:notesMasterId r:id="rId38"/>
   </p:notesMasterIdLst>
   <p:sldIdLst>
     <p:sldId id="256" r:id="rId4"/>
@@ -33,14 +33,17 @@
     <p:sldId id="425" r:id="rId24"/>
     <p:sldId id="427" r:id="rId25"/>
     <p:sldId id="426" r:id="rId26"/>
-    <p:sldId id="428" r:id="rId27"/>
-    <p:sldId id="431" r:id="rId28"/>
-    <p:sldId id="429" r:id="rId29"/>
-    <p:sldId id="433" r:id="rId30"/>
-    <p:sldId id="434" r:id="rId31"/>
-    <p:sldId id="430" r:id="rId32"/>
-    <p:sldId id="432" r:id="rId33"/>
-    <p:sldId id="394" r:id="rId34"/>
+    <p:sldId id="436" r:id="rId27"/>
+    <p:sldId id="437" r:id="rId28"/>
+    <p:sldId id="428" r:id="rId29"/>
+    <p:sldId id="431" r:id="rId30"/>
+    <p:sldId id="429" r:id="rId31"/>
+    <p:sldId id="433" r:id="rId32"/>
+    <p:sldId id="434" r:id="rId33"/>
+    <p:sldId id="435" r:id="rId34"/>
+    <p:sldId id="430" r:id="rId35"/>
+    <p:sldId id="432" r:id="rId36"/>
+    <p:sldId id="394" r:id="rId37"/>
   </p:sldIdLst>
   <p:sldSz cx="11160125" cy="7559675"/>
   <p:notesSz cx="7772400" cy="10058400"/>
@@ -2135,7 +2138,7 @@
                 </a:solidFill>
               </a:rPr>
               <a:pPr/>
-              <a:t>24</a:t>
+              <a:t>26</a:t>
             </a:fld>
             <a:endParaRPr lang="en-GB">
               <a:solidFill>
@@ -2242,7 +2245,7 @@
                   <a:tab pos="9144000" algn="l"/>
                 </a:tabLst>
               </a:pPr>
-              <a:t>24</a:t>
+              <a:t>26</a:t>
             </a:fld>
             <a:endParaRPr lang="en-GB" sz="1400">
               <a:solidFill>
@@ -2380,7 +2383,7 @@
                 </a:solidFill>
               </a:rPr>
               <a:pPr/>
-              <a:t>26</a:t>
+              <a:t>28</a:t>
             </a:fld>
             <a:endParaRPr lang="en-GB">
               <a:solidFill>
@@ -2487,7 +2490,7 @@
                   <a:tab pos="9144000" algn="l"/>
                 </a:tabLst>
               </a:pPr>
-              <a:t>26</a:t>
+              <a:t>28</a:t>
             </a:fld>
             <a:endParaRPr lang="en-GB" sz="1400">
               <a:solidFill>
@@ -2625,7 +2628,7 @@
                 </a:solidFill>
               </a:rPr>
               <a:pPr/>
-              <a:t>29</a:t>
+              <a:t>32</a:t>
             </a:fld>
             <a:endParaRPr lang="en-GB">
               <a:solidFill>
@@ -2732,7 +2735,7 @@
                   <a:tab pos="9144000" algn="l"/>
                 </a:tabLst>
               </a:pPr>
-              <a:t>29</a:t>
+              <a:t>32</a:t>
             </a:fld>
             <a:endParaRPr lang="en-GB" sz="1400">
               <a:solidFill>
@@ -2866,7 +2869,7 @@
             <a:fld id="{43F345E1-DE08-49C4-9805-072619C6BD24}" type="slidenum">
               <a:rPr lang="en-GB"/>
               <a:pPr/>
-              <a:t>31</a:t>
+              <a:t>34</a:t>
             </a:fld>
             <a:endParaRPr lang="en-GB"/>
           </a:p>
@@ -2969,7 +2972,7 @@
                   <a:tab pos="9144000" algn="l"/>
                 </a:tabLst>
               </a:pPr>
-              <a:t>31</a:t>
+              <a:t>34</a:t>
             </a:fld>
             <a:endParaRPr lang="en-GB" sz="1400">
               <a:solidFill>
@@ -23129,7 +23132,6 @@
               <a:rPr lang="fr-FR" i="0" dirty="0" smtClean="0"/>
               <a:t> configuration file : </a:t>
             </a:r>
-            <a:endParaRPr lang="fr-FR" i="0" dirty="0" smtClean="0"/>
           </a:p>
           <a:p>
             <a:pPr marL="0" lvl="1" indent="0">
@@ -25607,7 +25609,6 @@
               <a:rPr lang="fr-FR" i="0" dirty="0" smtClean="0"/>
               <a:t>.</a:t>
             </a:r>
-            <a:endParaRPr lang="fr-FR" i="0" dirty="0" smtClean="0"/>
           </a:p>
           <a:p>
             <a:pPr marL="265113" lvl="1" indent="-265113">
@@ -28419,14 +28420,6 @@
               </a:rPr>
               <a:t> Intégration configuration</a:t>
             </a:r>
-            <a:endParaRPr lang="fr-FR" sz="2800" i="0" dirty="0" smtClean="0">
-              <a:solidFill>
-                <a:schemeClr val="tx1">
-                  <a:lumMod val="75000"/>
-                  <a:lumOff val="25000"/>
-                </a:schemeClr>
-              </a:solidFill>
-            </a:endParaRPr>
           </a:p>
           <a:p>
             <a:pPr marL="584962" lvl="1" indent="-219361">
@@ -34170,191 +34163,1392 @@
       </p:grpSpPr>
       <p:sp>
         <p:nvSpPr>
-          <p:cNvPr id="81922" name="Text Box 1"/>
-          <p:cNvSpPr txBox="1">
-            <a:spLocks noChangeArrowheads="1"/>
+          <p:cNvPr id="15362" name="Rectangle 1"/>
+          <p:cNvSpPr>
+            <a:spLocks noGrp="1" noChangeArrowheads="1"/>
           </p:cNvSpPr>
-          <p:nvPr/>
+          <p:nvPr>
+            <p:ph type="title"/>
+          </p:nvPr>
         </p:nvSpPr>
-        <p:spPr bwMode="auto">
+        <p:spPr>
           <a:xfrm>
-            <a:off x="8001000" y="6886575"/>
-            <a:ext cx="2598738" cy="520700"/>
+            <a:off x="490435" y="255926"/>
+            <a:ext cx="10179255" cy="454024"/>
           </a:xfrm>
-          <a:prstGeom prst="rect">
-            <a:avLst/>
-          </a:prstGeom>
-          <a:noFill/>
-          <a:ln w="9525">
-            <a:noFill/>
-            <a:round/>
-            <a:headEnd/>
-            <a:tailEnd/>
-          </a:ln>
         </p:spPr>
         <p:txBody>
-          <a:bodyPr lIns="0" tIns="0" rIns="0" bIns="0"/>
+          <a:bodyPr rIns="41783" anchor="b"/>
           <a:lstStyle/>
           <a:p>
-            <a:pPr algn="r">
-              <a:lnSpc>
-                <a:spcPct val="98000"/>
-              </a:lnSpc>
-              <a:buFont typeface="Wingdings" pitchFamily="2" charset="2"/>
-              <a:buNone/>
-              <a:tabLst>
-                <a:tab pos="0" algn="l"/>
-                <a:tab pos="457200" algn="l"/>
-                <a:tab pos="914400" algn="l"/>
-                <a:tab pos="1371600" algn="l"/>
-                <a:tab pos="1828800" algn="l"/>
-                <a:tab pos="2286000" algn="l"/>
-                <a:tab pos="2743200" algn="l"/>
-                <a:tab pos="3200400" algn="l"/>
-                <a:tab pos="3657600" algn="l"/>
-                <a:tab pos="4114800" algn="l"/>
-                <a:tab pos="4572000" algn="l"/>
-                <a:tab pos="5029200" algn="l"/>
-                <a:tab pos="5486400" algn="l"/>
-                <a:tab pos="5943600" algn="l"/>
-                <a:tab pos="6400800" algn="l"/>
-                <a:tab pos="6858000" algn="l"/>
-                <a:tab pos="7315200" algn="l"/>
-                <a:tab pos="7772400" algn="l"/>
-                <a:tab pos="8229600" algn="l"/>
-                <a:tab pos="8686800" algn="l"/>
-                <a:tab pos="9144000" algn="l"/>
-              </a:tabLst>
-            </a:pPr>
-            <a:fld id="{9439DB4F-8062-4B9F-B45E-68F1B7A6624D}" type="slidenum">
-              <a:rPr lang="en-GB" sz="1400">
-                <a:solidFill>
-                  <a:srgbClr val="000000"/>
-                </a:solidFill>
-                <a:latin typeface="Times New Roman" pitchFamily="18" charset="0"/>
-                <a:ea typeface="Arial Unicode MS" pitchFamily="34" charset="-128"/>
-                <a:cs typeface="Arial Unicode MS" pitchFamily="34" charset="-128"/>
-              </a:rPr>
-              <a:pPr algn="r">
-                <a:lnSpc>
-                  <a:spcPct val="98000"/>
-                </a:lnSpc>
-                <a:buFont typeface="Wingdings" pitchFamily="2" charset="2"/>
-                <a:buNone/>
-                <a:tabLst>
-                  <a:tab pos="0" algn="l"/>
-                  <a:tab pos="457200" algn="l"/>
-                  <a:tab pos="914400" algn="l"/>
-                  <a:tab pos="1371600" algn="l"/>
-                  <a:tab pos="1828800" algn="l"/>
-                  <a:tab pos="2286000" algn="l"/>
-                  <a:tab pos="2743200" algn="l"/>
-                  <a:tab pos="3200400" algn="l"/>
-                  <a:tab pos="3657600" algn="l"/>
-                  <a:tab pos="4114800" algn="l"/>
-                  <a:tab pos="4572000" algn="l"/>
-                  <a:tab pos="5029200" algn="l"/>
-                  <a:tab pos="5486400" algn="l"/>
-                  <a:tab pos="5943600" algn="l"/>
-                  <a:tab pos="6400800" algn="l"/>
-                  <a:tab pos="6858000" algn="l"/>
-                  <a:tab pos="7315200" algn="l"/>
-                  <a:tab pos="7772400" algn="l"/>
-                  <a:tab pos="8229600" algn="l"/>
-                  <a:tab pos="8686800" algn="l"/>
-                  <a:tab pos="9144000" algn="l"/>
-                </a:tabLst>
-              </a:pPr>
-              <a:t>24</a:t>
-            </a:fld>
-            <a:endParaRPr lang="en-GB" sz="1400">
-              <a:solidFill>
-                <a:srgbClr val="000000"/>
-              </a:solidFill>
-              <a:latin typeface="Times New Roman" pitchFamily="18" charset="0"/>
-              <a:ea typeface="Arial Unicode MS" pitchFamily="34" charset="-128"/>
-              <a:cs typeface="Arial Unicode MS" pitchFamily="34" charset="-128"/>
-            </a:endParaRPr>
+            <a:r>
+              <a:rPr lang="fr-FR" dirty="0" err="1" smtClean="0"/>
+              <a:t>Exercise</a:t>
+            </a:r>
+            <a:r>
+              <a:rPr lang="fr-FR" dirty="0" smtClean="0"/>
+              <a:t> 70a : Configuration </a:t>
+            </a:r>
+            <a:r>
+              <a:rPr lang="fr-FR" dirty="0" err="1" smtClean="0"/>
+              <a:t>ldap</a:t>
+            </a:r>
+            <a:r>
+              <a:rPr lang="fr-FR" dirty="0" smtClean="0"/>
+              <a:t> - </a:t>
+            </a:r>
+            <a:r>
+              <a:rPr lang="fr-FR" dirty="0" err="1" smtClean="0"/>
+              <a:t>Orgservice</a:t>
+            </a:r>
+            <a:endParaRPr lang="fr-FR" dirty="0"/>
           </a:p>
         </p:txBody>
       </p:sp>
       <p:sp>
         <p:nvSpPr>
-          <p:cNvPr id="81923" name="Text Box 2"/>
-          <p:cNvSpPr txBox="1">
-            <a:spLocks noChangeArrowheads="1"/>
+          <p:cNvPr id="15363" name="Rectangle 2"/>
+          <p:cNvSpPr>
+            <a:spLocks noGrp="1" noChangeArrowheads="1"/>
           </p:cNvSpPr>
-          <p:nvPr/>
+          <p:nvPr>
+            <p:ph type="body" idx="1"/>
+          </p:nvPr>
         </p:nvSpPr>
-        <p:spPr bwMode="auto">
+        <p:spPr>
           <a:xfrm>
-            <a:off x="550863" y="4692650"/>
-            <a:ext cx="10044112" cy="1492250"/>
+            <a:off x="467494" y="971525"/>
+            <a:ext cx="10219725" cy="5688632"/>
           </a:xfrm>
-          <a:prstGeom prst="rect">
-            <a:avLst/>
-          </a:prstGeom>
-          <a:noFill/>
-          <a:ln w="9525">
-            <a:noFill/>
-            <a:round/>
-            <a:headEnd/>
-            <a:tailEnd/>
-          </a:ln>
         </p:spPr>
         <p:txBody>
-          <a:bodyPr lIns="0" tIns="0" rIns="0" bIns="0" anchor="ctr"/>
+          <a:bodyPr rIns="41783" anchor="t"/>
           <a:lstStyle/>
           <a:p>
-            <a:pPr marL="584962" lvl="1" indent="-219361">
+            <a:pPr>
               <a:lnSpc>
                 <a:spcPct val="100000"/>
               </a:lnSpc>
+              <a:buClr>
+                <a:srgbClr val="FF9900"/>
+              </a:buClr>
+              <a:buSzPct val="120000"/>
+              <a:buFont typeface="Lucida Grande"/>
+              <a:buChar char="»"/>
             </a:pPr>
             <a:r>
-              <a:rPr lang="fr-FR" sz="4800" dirty="0"/>
-              <a:t>Active Directory configuration</a:t>
-            </a:r>
+              <a:rPr lang="fr-FR" sz="2200" i="0" dirty="0" err="1" smtClean="0">
+                <a:solidFill>
+                  <a:schemeClr val="tx1">
+                    <a:lumMod val="75000"/>
+                    <a:lumOff val="25000"/>
+                  </a:schemeClr>
+                </a:solidFill>
+              </a:rPr>
+              <a:t>Unzip</a:t>
+            </a:r>
+            <a:r>
+              <a:rPr lang="fr-FR" sz="2200" i="0" dirty="0" smtClean="0">
+                <a:solidFill>
+                  <a:schemeClr val="tx1">
+                    <a:lumMod val="75000"/>
+                    <a:lumOff val="25000"/>
+                  </a:schemeClr>
+                </a:solidFill>
+              </a:rPr>
+              <a:t> </a:t>
+            </a:r>
+            <a:r>
+              <a:rPr lang="fr-FR" sz="2200" i="0" dirty="0">
+                <a:solidFill>
+                  <a:schemeClr val="tx1">
+                    <a:lumMod val="75000"/>
+                    <a:lumOff val="25000"/>
+                  </a:schemeClr>
+                </a:solidFill>
+              </a:rPr>
+              <a:t>the OpenDJ-</a:t>
+            </a:r>
+            <a:r>
+              <a:rPr lang="fr-FR" sz="2200" i="0" dirty="0" smtClean="0">
+                <a:solidFill>
+                  <a:schemeClr val="tx1">
+                    <a:lumMod val="75000"/>
+                    <a:lumOff val="25000"/>
+                  </a:schemeClr>
+                </a:solidFill>
+              </a:rPr>
+              <a:t>2.4.3</a:t>
+            </a:r>
+          </a:p>
+          <a:p>
+            <a:pPr>
+              <a:lnSpc>
+                <a:spcPct val="100000"/>
+              </a:lnSpc>
+              <a:buClr>
+                <a:srgbClr val="FF9900"/>
+              </a:buClr>
+              <a:buSzPct val="120000"/>
+              <a:buFont typeface="Lucida Grande"/>
+              <a:buChar char="»"/>
+            </a:pPr>
+            <a:r>
+              <a:rPr lang="fr-FR" sz="2200" i="0" dirty="0" err="1" smtClean="0">
+                <a:solidFill>
+                  <a:schemeClr val="tx1">
+                    <a:lumMod val="75000"/>
+                    <a:lumOff val="25000"/>
+                  </a:schemeClr>
+                </a:solidFill>
+              </a:rPr>
+              <a:t>Run</a:t>
+            </a:r>
+            <a:r>
+              <a:rPr lang="fr-FR" sz="2200" i="0" dirty="0" smtClean="0">
+                <a:solidFill>
+                  <a:schemeClr val="tx1">
+                    <a:lumMod val="75000"/>
+                    <a:lumOff val="25000"/>
+                  </a:schemeClr>
+                </a:solidFill>
+              </a:rPr>
+              <a:t> the </a:t>
+            </a:r>
+            <a:r>
+              <a:rPr lang="fr-FR" sz="2200" i="0" dirty="0">
+                <a:solidFill>
+                  <a:schemeClr val="tx1">
+                    <a:lumMod val="75000"/>
+                    <a:lumOff val="25000"/>
+                  </a:schemeClr>
+                </a:solidFill>
+              </a:rPr>
+              <a:t>OpenDJ-2.4.3/</a:t>
+            </a:r>
+            <a:r>
+              <a:rPr lang="fr-FR" sz="2200" i="0" dirty="0" err="1" smtClean="0">
+                <a:solidFill>
+                  <a:schemeClr val="tx1">
+                    <a:lumMod val="75000"/>
+                    <a:lumOff val="25000"/>
+                  </a:schemeClr>
+                </a:solidFill>
+              </a:rPr>
+              <a:t>quickSetup</a:t>
+            </a:r>
+            <a:r>
+              <a:rPr lang="fr-FR" sz="2200" i="0" dirty="0" smtClean="0">
+                <a:solidFill>
+                  <a:schemeClr val="tx1">
+                    <a:lumMod val="75000"/>
+                    <a:lumOff val="25000"/>
+                  </a:schemeClr>
+                </a:solidFill>
+              </a:rPr>
+              <a:t> (linux or </a:t>
+            </a:r>
+            <a:r>
+              <a:rPr lang="fr-FR" sz="2200" i="0" dirty="0" err="1" smtClean="0">
+                <a:solidFill>
+                  <a:schemeClr val="tx1">
+                    <a:lumMod val="75000"/>
+                    <a:lumOff val="25000"/>
+                  </a:schemeClr>
+                </a:solidFill>
+              </a:rPr>
+              <a:t>osx</a:t>
+            </a:r>
+            <a:r>
+              <a:rPr lang="fr-FR" sz="2200" i="0" dirty="0" smtClean="0">
+                <a:solidFill>
+                  <a:schemeClr val="tx1">
+                    <a:lumMod val="75000"/>
+                    <a:lumOff val="25000"/>
+                  </a:schemeClr>
+                </a:solidFill>
+              </a:rPr>
+              <a:t>) or the </a:t>
+            </a:r>
+            <a:r>
+              <a:rPr lang="fr-FR" sz="2200" i="0" dirty="0">
+                <a:solidFill>
+                  <a:schemeClr val="tx1">
+                    <a:lumMod val="75000"/>
+                    <a:lumOff val="25000"/>
+                  </a:schemeClr>
+                </a:solidFill>
+              </a:rPr>
+              <a:t>OpenDJ-2.4.3/</a:t>
+            </a:r>
+            <a:r>
+              <a:rPr lang="fr-FR" sz="2200" i="0" dirty="0" err="1" smtClean="0">
+                <a:solidFill>
+                  <a:schemeClr val="tx1">
+                    <a:lumMod val="75000"/>
+                    <a:lumOff val="25000"/>
+                  </a:schemeClr>
+                </a:solidFill>
+              </a:rPr>
+              <a:t>setup.bat</a:t>
+            </a:r>
+            <a:r>
+              <a:rPr lang="fr-FR" sz="2200" i="0" dirty="0" smtClean="0">
+                <a:solidFill>
+                  <a:schemeClr val="tx1">
+                    <a:lumMod val="75000"/>
+                    <a:lumOff val="25000"/>
+                  </a:schemeClr>
+                </a:solidFill>
+              </a:rPr>
+              <a:t> on </a:t>
+            </a:r>
+            <a:r>
+              <a:rPr lang="fr-FR" sz="2200" i="0" dirty="0" err="1" smtClean="0">
+                <a:solidFill>
+                  <a:schemeClr val="tx1">
+                    <a:lumMod val="75000"/>
+                    <a:lumOff val="25000"/>
+                  </a:schemeClr>
+                </a:solidFill>
+              </a:rPr>
+              <a:t>windows</a:t>
+            </a:r>
+            <a:endParaRPr lang="fr-FR" sz="2200" i="0" dirty="0" smtClean="0">
+              <a:solidFill>
+                <a:schemeClr val="tx1">
+                  <a:lumMod val="75000"/>
+                  <a:lumOff val="25000"/>
+                </a:schemeClr>
+              </a:solidFill>
+            </a:endParaRPr>
+          </a:p>
+          <a:p>
+            <a:pPr>
+              <a:lnSpc>
+                <a:spcPct val="100000"/>
+              </a:lnSpc>
+              <a:buClr>
+                <a:srgbClr val="FF9900"/>
+              </a:buClr>
+              <a:buSzPct val="120000"/>
+              <a:buFont typeface="Lucida Grande"/>
+              <a:buChar char="»"/>
+            </a:pPr>
+            <a:r>
+              <a:rPr lang="fr-FR" sz="2200" i="0" dirty="0" err="1" smtClean="0">
+                <a:solidFill>
+                  <a:schemeClr val="tx1">
+                    <a:lumMod val="75000"/>
+                    <a:lumOff val="25000"/>
+                  </a:schemeClr>
+                </a:solidFill>
+              </a:rPr>
+              <a:t>Keep</a:t>
+            </a:r>
+            <a:r>
+              <a:rPr lang="fr-FR" sz="2200" i="0" dirty="0" smtClean="0">
+                <a:solidFill>
+                  <a:schemeClr val="tx1">
+                    <a:lumMod val="75000"/>
+                    <a:lumOff val="25000"/>
+                  </a:schemeClr>
+                </a:solidFill>
+              </a:rPr>
+              <a:t> the default </a:t>
+            </a:r>
+            <a:r>
+              <a:rPr lang="fr-FR" sz="2200" i="0" dirty="0" err="1" smtClean="0">
+                <a:solidFill>
+                  <a:schemeClr val="tx1">
+                    <a:lumMod val="75000"/>
+                    <a:lumOff val="25000"/>
+                  </a:schemeClr>
+                </a:solidFill>
+              </a:rPr>
+              <a:t>ldap</a:t>
+            </a:r>
+            <a:r>
+              <a:rPr lang="fr-FR" sz="2200" i="0" dirty="0" smtClean="0">
+                <a:solidFill>
+                  <a:schemeClr val="tx1">
+                    <a:lumMod val="75000"/>
+                    <a:lumOff val="25000"/>
+                  </a:schemeClr>
+                </a:solidFill>
+              </a:rPr>
+              <a:t> port 389 or 1389 (on </a:t>
+            </a:r>
+            <a:r>
+              <a:rPr lang="fr-FR" sz="2200" i="0" dirty="0" err="1" smtClean="0">
+                <a:solidFill>
+                  <a:schemeClr val="tx1">
+                    <a:lumMod val="75000"/>
+                    <a:lumOff val="25000"/>
+                  </a:schemeClr>
+                </a:solidFill>
+              </a:rPr>
+              <a:t>osx</a:t>
+            </a:r>
+            <a:r>
+              <a:rPr lang="fr-FR" sz="2200" i="0" dirty="0" smtClean="0">
+                <a:solidFill>
+                  <a:schemeClr val="tx1">
+                    <a:lumMod val="75000"/>
+                    <a:lumOff val="25000"/>
+                  </a:schemeClr>
+                </a:solidFill>
+              </a:rPr>
+              <a:t> port 389 </a:t>
+            </a:r>
+            <a:r>
+              <a:rPr lang="fr-FR" sz="2200" i="0" dirty="0" err="1" smtClean="0">
+                <a:solidFill>
+                  <a:schemeClr val="tx1">
+                    <a:lumMod val="75000"/>
+                    <a:lumOff val="25000"/>
+                  </a:schemeClr>
+                </a:solidFill>
+              </a:rPr>
+              <a:t>is</a:t>
+            </a:r>
+            <a:r>
+              <a:rPr lang="fr-FR" sz="2200" i="0" dirty="0" smtClean="0">
+                <a:solidFill>
+                  <a:schemeClr val="tx1">
+                    <a:lumMod val="75000"/>
+                    <a:lumOff val="25000"/>
+                  </a:schemeClr>
+                </a:solidFill>
+              </a:rPr>
+              <a:t> </a:t>
+            </a:r>
+            <a:r>
+              <a:rPr lang="fr-FR" sz="2200" i="0" dirty="0" err="1" smtClean="0">
+                <a:solidFill>
+                  <a:schemeClr val="tx1">
+                    <a:lumMod val="75000"/>
+                    <a:lumOff val="25000"/>
+                  </a:schemeClr>
+                </a:solidFill>
+              </a:rPr>
+              <a:t>already</a:t>
+            </a:r>
+            <a:r>
+              <a:rPr lang="fr-FR" sz="2200" i="0" dirty="0" smtClean="0">
+                <a:solidFill>
+                  <a:schemeClr val="tx1">
+                    <a:lumMod val="75000"/>
+                    <a:lumOff val="25000"/>
+                  </a:schemeClr>
+                </a:solidFill>
+              </a:rPr>
+              <a:t> in use)</a:t>
+            </a:r>
+          </a:p>
+          <a:p>
+            <a:pPr>
+              <a:lnSpc>
+                <a:spcPct val="100000"/>
+              </a:lnSpc>
+              <a:buClr>
+                <a:srgbClr val="FF9900"/>
+              </a:buClr>
+              <a:buSzPct val="120000"/>
+              <a:buFont typeface="Lucida Grande"/>
+              <a:buChar char="»"/>
+            </a:pPr>
+            <a:r>
+              <a:rPr lang="fr-FR" sz="2200" i="0" dirty="0" smtClean="0">
+                <a:solidFill>
+                  <a:schemeClr val="tx1">
+                    <a:lumMod val="75000"/>
+                    <a:lumOff val="25000"/>
+                  </a:schemeClr>
+                </a:solidFill>
+              </a:rPr>
+              <a:t>Change the user </a:t>
+            </a:r>
+            <a:r>
+              <a:rPr lang="fr-FR" sz="2200" i="0" dirty="0" err="1" smtClean="0">
+                <a:solidFill>
+                  <a:schemeClr val="tx1">
+                    <a:lumMod val="75000"/>
+                    <a:lumOff val="25000"/>
+                  </a:schemeClr>
+                </a:solidFill>
+              </a:rPr>
+              <a:t>dn</a:t>
+            </a:r>
+            <a:r>
+              <a:rPr lang="fr-FR" sz="2200" i="0" dirty="0" smtClean="0">
+                <a:solidFill>
+                  <a:schemeClr val="tx1">
+                    <a:lumMod val="75000"/>
+                    <a:lumOff val="25000"/>
+                  </a:schemeClr>
+                </a:solidFill>
+              </a:rPr>
+              <a:t> to </a:t>
+            </a:r>
+            <a:r>
+              <a:rPr lang="fr-FR" sz="2200" i="0" dirty="0" err="1" smtClean="0">
+                <a:solidFill>
+                  <a:schemeClr val="tx1">
+                    <a:lumMod val="75000"/>
+                    <a:lumOff val="25000"/>
+                  </a:schemeClr>
+                </a:solidFill>
+              </a:rPr>
+              <a:t>cn</a:t>
+            </a:r>
+            <a:r>
+              <a:rPr lang="fr-FR" sz="2200" i="0" dirty="0" smtClean="0">
+                <a:solidFill>
+                  <a:schemeClr val="tx1">
+                    <a:lumMod val="75000"/>
+                    <a:lumOff val="25000"/>
+                  </a:schemeClr>
+                </a:solidFill>
+              </a:rPr>
+              <a:t>=</a:t>
+            </a:r>
+            <a:r>
+              <a:rPr lang="fr-FR" sz="2200" i="0" dirty="0" err="1" smtClean="0">
+                <a:solidFill>
+                  <a:schemeClr val="tx1">
+                    <a:lumMod val="75000"/>
+                    <a:lumOff val="25000"/>
+                  </a:schemeClr>
+                </a:solidFill>
+              </a:rPr>
+              <a:t>admin</a:t>
+            </a:r>
+            <a:r>
+              <a:rPr lang="fr-FR" sz="2200" i="0" dirty="0" smtClean="0">
+                <a:solidFill>
+                  <a:schemeClr val="tx1">
+                    <a:lumMod val="75000"/>
+                    <a:lumOff val="25000"/>
+                  </a:schemeClr>
+                </a:solidFill>
+              </a:rPr>
+              <a:t> and </a:t>
+            </a:r>
+            <a:r>
+              <a:rPr lang="fr-FR" sz="2200" i="0" dirty="0" err="1" smtClean="0">
+                <a:solidFill>
+                  <a:schemeClr val="tx1">
+                    <a:lumMod val="75000"/>
+                    <a:lumOff val="25000"/>
+                  </a:schemeClr>
+                </a:solidFill>
+              </a:rPr>
+              <a:t>password</a:t>
+            </a:r>
+            <a:r>
+              <a:rPr lang="fr-FR" sz="2200" i="0" dirty="0" smtClean="0">
+                <a:solidFill>
+                  <a:schemeClr val="tx1">
+                    <a:lumMod val="75000"/>
+                    <a:lumOff val="25000"/>
+                  </a:schemeClr>
+                </a:solidFill>
+              </a:rPr>
+              <a:t>=</a:t>
+            </a:r>
+            <a:r>
+              <a:rPr lang="fr-FR" sz="2200" i="0" dirty="0" err="1" smtClean="0">
+                <a:solidFill>
+                  <a:schemeClr val="tx1">
+                    <a:lumMod val="75000"/>
+                    <a:lumOff val="25000"/>
+                  </a:schemeClr>
+                </a:solidFill>
+              </a:rPr>
+              <a:t>admin</a:t>
+            </a:r>
+            <a:r>
+              <a:rPr lang="fr-FR" sz="2200" i="0" dirty="0" smtClean="0">
+                <a:solidFill>
+                  <a:schemeClr val="tx1">
+                    <a:lumMod val="75000"/>
+                    <a:lumOff val="25000"/>
+                  </a:schemeClr>
+                </a:solidFill>
+              </a:rPr>
+              <a:t> </a:t>
+            </a:r>
+          </a:p>
+          <a:p>
+            <a:pPr>
+              <a:lnSpc>
+                <a:spcPct val="100000"/>
+              </a:lnSpc>
+              <a:buClr>
+                <a:srgbClr val="FF9900"/>
+              </a:buClr>
+              <a:buSzPct val="120000"/>
+              <a:buFont typeface="Lucida Grande"/>
+              <a:buChar char="»"/>
+            </a:pPr>
+            <a:r>
+              <a:rPr lang="fr-FR" sz="2200" i="0" dirty="0" smtClean="0">
+                <a:solidFill>
+                  <a:schemeClr val="tx1">
+                    <a:lumMod val="75000"/>
+                    <a:lumOff val="25000"/>
+                  </a:schemeClr>
+                </a:solidFill>
+              </a:rPr>
+              <a:t>Click </a:t>
+            </a:r>
+            <a:r>
+              <a:rPr lang="fr-FR" sz="2200" i="0" dirty="0" err="1" smtClean="0">
+                <a:solidFill>
+                  <a:schemeClr val="tx1">
+                    <a:lumMod val="75000"/>
+                    <a:lumOff val="25000"/>
+                  </a:schemeClr>
+                </a:solidFill>
+              </a:rPr>
+              <a:t>next</a:t>
+            </a:r>
+            <a:r>
+              <a:rPr lang="fr-FR" sz="2200" i="0" dirty="0" smtClean="0">
+                <a:solidFill>
+                  <a:schemeClr val="tx1">
+                    <a:lumMod val="75000"/>
+                    <a:lumOff val="25000"/>
+                  </a:schemeClr>
+                </a:solidFill>
+              </a:rPr>
+              <a:t>, </a:t>
+            </a:r>
+            <a:r>
+              <a:rPr lang="fr-FR" sz="2200" i="0" dirty="0" err="1" smtClean="0">
+                <a:solidFill>
+                  <a:schemeClr val="tx1">
+                    <a:lumMod val="75000"/>
+                    <a:lumOff val="25000"/>
+                  </a:schemeClr>
+                </a:solidFill>
+              </a:rPr>
+              <a:t>next</a:t>
+            </a:r>
+            <a:r>
+              <a:rPr lang="fr-FR" sz="2200" i="0" dirty="0" smtClean="0">
+                <a:solidFill>
+                  <a:schemeClr val="tx1">
+                    <a:lumMod val="75000"/>
+                    <a:lumOff val="25000"/>
+                  </a:schemeClr>
+                </a:solidFill>
+              </a:rPr>
+              <a:t>, </a:t>
+            </a:r>
+            <a:r>
+              <a:rPr lang="fr-FR" sz="2200" i="0" dirty="0" err="1" smtClean="0">
+                <a:solidFill>
+                  <a:schemeClr val="tx1">
+                    <a:lumMod val="75000"/>
+                    <a:lumOff val="25000"/>
+                  </a:schemeClr>
+                </a:solidFill>
+              </a:rPr>
+              <a:t>next</a:t>
+            </a:r>
+            <a:r>
+              <a:rPr lang="fr-FR" sz="2200" i="0" dirty="0" smtClean="0">
+                <a:solidFill>
+                  <a:schemeClr val="tx1">
+                    <a:lumMod val="75000"/>
+                    <a:lumOff val="25000"/>
+                  </a:schemeClr>
+                </a:solidFill>
+              </a:rPr>
+              <a:t>, finish </a:t>
+            </a:r>
+            <a:r>
+              <a:rPr lang="fr-FR" sz="2200" i="0" dirty="0" err="1" smtClean="0">
+                <a:solidFill>
+                  <a:schemeClr val="tx1">
+                    <a:lumMod val="75000"/>
+                    <a:lumOff val="25000"/>
+                  </a:schemeClr>
+                </a:solidFill>
+              </a:rPr>
+              <a:t>then</a:t>
+            </a:r>
+            <a:r>
+              <a:rPr lang="fr-FR" sz="2200" i="0" dirty="0" smtClean="0">
+                <a:solidFill>
+                  <a:schemeClr val="tx1">
+                    <a:lumMod val="75000"/>
+                    <a:lumOff val="25000"/>
+                  </a:schemeClr>
+                </a:solidFill>
+              </a:rPr>
+              <a:t> close the </a:t>
+            </a:r>
+            <a:r>
+              <a:rPr lang="fr-FR" sz="2200" i="0" dirty="0" err="1" smtClean="0">
+                <a:solidFill>
+                  <a:schemeClr val="tx1">
+                    <a:lumMod val="75000"/>
+                    <a:lumOff val="25000"/>
+                  </a:schemeClr>
+                </a:solidFill>
+              </a:rPr>
+              <a:t>wizard</a:t>
+            </a:r>
+            <a:r>
+              <a:rPr lang="fr-FR" sz="2200" i="0" dirty="0" smtClean="0">
+                <a:solidFill>
+                  <a:schemeClr val="tx1">
+                    <a:lumMod val="75000"/>
+                    <a:lumOff val="25000"/>
+                  </a:schemeClr>
+                </a:solidFill>
+              </a:rPr>
+              <a:t>.</a:t>
+            </a:r>
+            <a:endParaRPr lang="fr-FR" sz="2200" i="0" dirty="0" smtClean="0">
+              <a:solidFill>
+                <a:schemeClr val="tx1">
+                  <a:lumMod val="75000"/>
+                  <a:lumOff val="25000"/>
+                </a:schemeClr>
+              </a:solidFill>
+            </a:endParaRPr>
+          </a:p>
+          <a:p>
+            <a:pPr>
+              <a:lnSpc>
+                <a:spcPct val="100000"/>
+              </a:lnSpc>
+              <a:buClr>
+                <a:srgbClr val="FF9900"/>
+              </a:buClr>
+              <a:buSzPct val="120000"/>
+              <a:buFont typeface="Lucida Grande"/>
+              <a:buChar char="»"/>
+            </a:pPr>
+            <a:r>
+              <a:rPr lang="fr-FR" sz="2200" i="0" dirty="0" err="1" smtClean="0">
+                <a:solidFill>
+                  <a:schemeClr val="tx1">
+                    <a:lumMod val="75000"/>
+                    <a:lumOff val="25000"/>
+                  </a:schemeClr>
+                </a:solidFill>
+              </a:rPr>
+              <a:t>Run</a:t>
+            </a:r>
+            <a:r>
+              <a:rPr lang="fr-FR" sz="2200" i="0" dirty="0" smtClean="0">
+                <a:solidFill>
+                  <a:schemeClr val="tx1">
+                    <a:lumMod val="75000"/>
+                    <a:lumOff val="25000"/>
+                  </a:schemeClr>
+                </a:solidFill>
+              </a:rPr>
+              <a:t> OpenDJ-2.4.3  via </a:t>
+            </a:r>
+            <a:r>
+              <a:rPr lang="fr-FR" sz="2200" i="0" dirty="0">
+                <a:solidFill>
+                  <a:schemeClr val="tx1">
+                    <a:lumMod val="75000"/>
+                    <a:lumOff val="25000"/>
+                  </a:schemeClr>
+                </a:solidFill>
+              </a:rPr>
+              <a:t>OpenDJ-</a:t>
+            </a:r>
+            <a:r>
+              <a:rPr lang="fr-FR" sz="2200" i="0" dirty="0" smtClean="0">
+                <a:solidFill>
+                  <a:schemeClr val="tx1">
+                    <a:lumMod val="75000"/>
+                    <a:lumOff val="25000"/>
+                  </a:schemeClr>
+                </a:solidFill>
+              </a:rPr>
+              <a:t>2.4.3/bin</a:t>
+            </a:r>
+            <a:r>
+              <a:rPr lang="fr-FR" sz="2200" i="0" dirty="0">
+                <a:solidFill>
+                  <a:schemeClr val="tx1">
+                    <a:lumMod val="75000"/>
+                    <a:lumOff val="25000"/>
+                  </a:schemeClr>
+                </a:solidFill>
+              </a:rPr>
+              <a:t>/control-</a:t>
+            </a:r>
+            <a:r>
+              <a:rPr lang="fr-FR" sz="2200" i="0" dirty="0" smtClean="0">
+                <a:solidFill>
+                  <a:schemeClr val="tx1">
+                    <a:lumMod val="75000"/>
+                    <a:lumOff val="25000"/>
+                  </a:schemeClr>
+                </a:solidFill>
+              </a:rPr>
+              <a:t>panel on linux or </a:t>
+            </a:r>
+            <a:r>
+              <a:rPr lang="fr-FR" sz="2200" i="0" dirty="0" err="1" smtClean="0">
+                <a:solidFill>
+                  <a:schemeClr val="tx1">
+                    <a:lumMod val="75000"/>
+                    <a:lumOff val="25000"/>
+                  </a:schemeClr>
+                </a:solidFill>
+              </a:rPr>
+              <a:t>osx</a:t>
+            </a:r>
+            <a:r>
+              <a:rPr lang="fr-FR" sz="2200" i="0" dirty="0" smtClean="0">
+                <a:solidFill>
+                  <a:schemeClr val="tx1">
+                    <a:lumMod val="75000"/>
+                    <a:lumOff val="25000"/>
+                  </a:schemeClr>
+                </a:solidFill>
+              </a:rPr>
+              <a:t>, </a:t>
+            </a:r>
+            <a:r>
+              <a:rPr lang="fr-FR" sz="2200" i="0" dirty="0">
+                <a:solidFill>
+                  <a:schemeClr val="tx1">
+                    <a:lumMod val="75000"/>
+                    <a:lumOff val="25000"/>
+                  </a:schemeClr>
+                </a:solidFill>
+              </a:rPr>
+              <a:t>via OpenDJ-</a:t>
+            </a:r>
+            <a:r>
+              <a:rPr lang="fr-FR" sz="2200" i="0" dirty="0" smtClean="0">
+                <a:solidFill>
+                  <a:schemeClr val="tx1">
+                    <a:lumMod val="75000"/>
+                    <a:lumOff val="25000"/>
+                  </a:schemeClr>
+                </a:solidFill>
+              </a:rPr>
+              <a:t>2.4.3/bat</a:t>
+            </a:r>
+            <a:r>
+              <a:rPr lang="fr-FR" sz="2200" i="0" dirty="0">
+                <a:solidFill>
+                  <a:schemeClr val="tx1">
+                    <a:lumMod val="75000"/>
+                    <a:lumOff val="25000"/>
+                  </a:schemeClr>
+                </a:solidFill>
+              </a:rPr>
+              <a:t>/</a:t>
+            </a:r>
+            <a:r>
+              <a:rPr lang="fr-FR" sz="2200" i="0" dirty="0" err="1">
+                <a:solidFill>
+                  <a:schemeClr val="tx1">
+                    <a:lumMod val="75000"/>
+                    <a:lumOff val="25000"/>
+                  </a:schemeClr>
+                </a:solidFill>
+              </a:rPr>
+              <a:t>control-</a:t>
+            </a:r>
+            <a:r>
+              <a:rPr lang="fr-FR" sz="2200" i="0" dirty="0" err="1" smtClean="0">
+                <a:solidFill>
+                  <a:schemeClr val="tx1">
+                    <a:lumMod val="75000"/>
+                    <a:lumOff val="25000"/>
+                  </a:schemeClr>
+                </a:solidFill>
+              </a:rPr>
+              <a:t>panel.bat</a:t>
+            </a:r>
+            <a:r>
+              <a:rPr lang="fr-FR" sz="2200" i="0" dirty="0" smtClean="0">
+                <a:solidFill>
+                  <a:schemeClr val="tx1">
+                    <a:lumMod val="75000"/>
+                    <a:lumOff val="25000"/>
+                  </a:schemeClr>
+                </a:solidFill>
+              </a:rPr>
+              <a:t> on </a:t>
+            </a:r>
+            <a:r>
+              <a:rPr lang="fr-FR" sz="2200" i="0" dirty="0" err="1" smtClean="0">
+                <a:solidFill>
+                  <a:schemeClr val="tx1">
+                    <a:lumMod val="75000"/>
+                    <a:lumOff val="25000"/>
+                  </a:schemeClr>
+                </a:solidFill>
+              </a:rPr>
+              <a:t>windows</a:t>
+            </a:r>
+            <a:endParaRPr lang="fr-FR" sz="2200" i="0" dirty="0" smtClean="0">
+              <a:solidFill>
+                <a:schemeClr val="tx1">
+                  <a:lumMod val="75000"/>
+                  <a:lumOff val="25000"/>
+                </a:schemeClr>
+              </a:solidFill>
+            </a:endParaRPr>
+          </a:p>
+          <a:p>
+            <a:pPr>
+              <a:lnSpc>
+                <a:spcPct val="100000"/>
+              </a:lnSpc>
+              <a:buClr>
+                <a:srgbClr val="FF9900"/>
+              </a:buClr>
+              <a:buSzPct val="120000"/>
+              <a:buFont typeface="Lucida Grande"/>
+              <a:buChar char="»"/>
+            </a:pPr>
+            <a:r>
+              <a:rPr lang="fr-FR" sz="2200" i="0" dirty="0" err="1" smtClean="0">
+                <a:solidFill>
+                  <a:schemeClr val="tx1">
+                    <a:lumMod val="75000"/>
+                    <a:lumOff val="25000"/>
+                  </a:schemeClr>
+                </a:solidFill>
+              </a:rPr>
+              <a:t>Choose</a:t>
+            </a:r>
+            <a:r>
+              <a:rPr lang="fr-FR" sz="2200" i="0" dirty="0" smtClean="0">
+                <a:solidFill>
+                  <a:schemeClr val="tx1">
+                    <a:lumMod val="75000"/>
+                    <a:lumOff val="25000"/>
+                  </a:schemeClr>
+                </a:solidFill>
+              </a:rPr>
+              <a:t> « local </a:t>
+            </a:r>
+            <a:r>
+              <a:rPr lang="fr-FR" sz="2200" i="0" dirty="0" smtClean="0">
+                <a:solidFill>
+                  <a:schemeClr val="tx1">
+                    <a:lumMod val="75000"/>
+                    <a:lumOff val="25000"/>
+                  </a:schemeClr>
+                </a:solidFill>
+              </a:rPr>
+              <a:t>server» </a:t>
+            </a:r>
+            <a:r>
+              <a:rPr lang="fr-FR" sz="2200" i="0" dirty="0" smtClean="0">
+                <a:solidFill>
+                  <a:schemeClr val="tx1">
+                    <a:lumMod val="75000"/>
+                    <a:lumOff val="25000"/>
+                  </a:schemeClr>
+                </a:solidFill>
+              </a:rPr>
+              <a:t>as the server to </a:t>
+            </a:r>
+            <a:r>
+              <a:rPr lang="fr-FR" sz="2200" i="0" dirty="0" err="1" smtClean="0">
+                <a:solidFill>
+                  <a:schemeClr val="tx1">
+                    <a:lumMod val="75000"/>
+                    <a:lumOff val="25000"/>
+                  </a:schemeClr>
+                </a:solidFill>
+              </a:rPr>
+              <a:t>administrate</a:t>
+            </a:r>
+            <a:r>
+              <a:rPr lang="fr-FR" sz="2200" i="0" dirty="0" smtClean="0">
+                <a:solidFill>
+                  <a:schemeClr val="tx1">
+                    <a:lumMod val="75000"/>
+                    <a:lumOff val="25000"/>
+                  </a:schemeClr>
+                </a:solidFill>
+              </a:rPr>
+              <a:t>, enter </a:t>
+            </a:r>
+            <a:r>
+              <a:rPr lang="fr-FR" sz="2200" i="0" dirty="0" err="1" smtClean="0">
+                <a:solidFill>
+                  <a:schemeClr val="tx1">
+                    <a:lumMod val="75000"/>
+                    <a:lumOff val="25000"/>
+                  </a:schemeClr>
+                </a:solidFill>
+              </a:rPr>
+              <a:t>cn</a:t>
+            </a:r>
+            <a:r>
+              <a:rPr lang="fr-FR" sz="2200" i="0" dirty="0" smtClean="0">
+                <a:solidFill>
+                  <a:schemeClr val="tx1">
+                    <a:lumMod val="75000"/>
+                    <a:lumOff val="25000"/>
+                  </a:schemeClr>
+                </a:solidFill>
+              </a:rPr>
+              <a:t>=</a:t>
+            </a:r>
+            <a:r>
+              <a:rPr lang="fr-FR" sz="2200" i="0" dirty="0" err="1" smtClean="0">
+                <a:solidFill>
+                  <a:schemeClr val="tx1">
+                    <a:lumMod val="75000"/>
+                    <a:lumOff val="25000"/>
+                  </a:schemeClr>
+                </a:solidFill>
+              </a:rPr>
+              <a:t>admin</a:t>
+            </a:r>
+            <a:r>
+              <a:rPr lang="fr-FR" sz="2200" i="0" dirty="0" smtClean="0">
+                <a:solidFill>
+                  <a:schemeClr val="tx1">
+                    <a:lumMod val="75000"/>
+                    <a:lumOff val="25000"/>
+                  </a:schemeClr>
+                </a:solidFill>
+              </a:rPr>
+              <a:t> and </a:t>
+            </a:r>
+            <a:r>
+              <a:rPr lang="fr-FR" sz="2200" i="0" dirty="0" err="1" smtClean="0">
+                <a:solidFill>
+                  <a:schemeClr val="tx1">
+                    <a:lumMod val="75000"/>
+                    <a:lumOff val="25000"/>
+                  </a:schemeClr>
+                </a:solidFill>
+              </a:rPr>
+              <a:t>password</a:t>
+            </a:r>
+            <a:r>
+              <a:rPr lang="fr-FR" sz="2200" i="0" dirty="0" smtClean="0">
+                <a:solidFill>
+                  <a:schemeClr val="tx1">
+                    <a:lumMod val="75000"/>
+                    <a:lumOff val="25000"/>
+                  </a:schemeClr>
+                </a:solidFill>
+              </a:rPr>
+              <a:t>=</a:t>
+            </a:r>
+            <a:r>
+              <a:rPr lang="fr-FR" sz="2200" i="0" dirty="0" err="1" smtClean="0">
+                <a:solidFill>
+                  <a:schemeClr val="tx1">
+                    <a:lumMod val="75000"/>
+                    <a:lumOff val="25000"/>
+                  </a:schemeClr>
+                </a:solidFill>
+              </a:rPr>
+              <a:t>admin</a:t>
+            </a:r>
+            <a:endParaRPr lang="fr-FR" sz="2200" i="0" dirty="0" smtClean="0">
+              <a:solidFill>
+                <a:schemeClr val="tx1">
+                  <a:lumMod val="75000"/>
+                  <a:lumOff val="25000"/>
+                </a:schemeClr>
+              </a:solidFill>
+            </a:endParaRPr>
+          </a:p>
+          <a:p>
+            <a:pPr>
+              <a:lnSpc>
+                <a:spcPct val="100000"/>
+              </a:lnSpc>
+              <a:buClr>
+                <a:srgbClr val="FF9900"/>
+              </a:buClr>
+              <a:buSzPct val="120000"/>
+              <a:buFont typeface="Lucida Grande"/>
+              <a:buChar char="»"/>
+            </a:pPr>
+            <a:r>
+              <a:rPr lang="fr-FR" sz="2200" i="0" dirty="0" smtClean="0">
+                <a:solidFill>
+                  <a:schemeClr val="tx1">
+                    <a:lumMod val="75000"/>
+                    <a:lumOff val="25000"/>
+                  </a:schemeClr>
+                </a:solidFill>
+              </a:rPr>
+              <a:t>Check if </a:t>
+            </a:r>
+            <a:r>
+              <a:rPr lang="fr-FR" sz="2200" i="0" dirty="0">
+                <a:solidFill>
+                  <a:schemeClr val="tx1">
+                    <a:lumMod val="75000"/>
+                    <a:lumOff val="25000"/>
+                  </a:schemeClr>
+                </a:solidFill>
+              </a:rPr>
+              <a:t>the OpenDJ-</a:t>
+            </a:r>
+            <a:r>
+              <a:rPr lang="fr-FR" sz="2200" i="0" dirty="0" smtClean="0">
+                <a:solidFill>
+                  <a:schemeClr val="tx1">
+                    <a:lumMod val="75000"/>
+                    <a:lumOff val="25000"/>
+                  </a:schemeClr>
+                </a:solidFill>
+              </a:rPr>
+              <a:t>2.4.3 </a:t>
+            </a:r>
+            <a:r>
+              <a:rPr lang="fr-FR" sz="2200" i="0" dirty="0" smtClean="0">
+                <a:solidFill>
+                  <a:schemeClr val="tx1">
+                    <a:lumMod val="75000"/>
+                    <a:lumOff val="25000"/>
+                  </a:schemeClr>
+                </a:solidFill>
+              </a:rPr>
+              <a:t>server </a:t>
+            </a:r>
+            <a:r>
+              <a:rPr lang="fr-FR" sz="2200" i="0" dirty="0" err="1" smtClean="0">
+                <a:solidFill>
+                  <a:schemeClr val="tx1">
+                    <a:lumMod val="75000"/>
+                    <a:lumOff val="25000"/>
+                  </a:schemeClr>
+                </a:solidFill>
+              </a:rPr>
+              <a:t>is</a:t>
+            </a:r>
+            <a:r>
+              <a:rPr lang="fr-FR" sz="2200" i="0" dirty="0" smtClean="0">
+                <a:solidFill>
+                  <a:schemeClr val="tx1">
+                    <a:lumMod val="75000"/>
+                    <a:lumOff val="25000"/>
+                  </a:schemeClr>
+                </a:solidFill>
+              </a:rPr>
+              <a:t> </a:t>
+            </a:r>
+            <a:r>
+              <a:rPr lang="fr-FR" sz="2200" i="0" dirty="0" err="1" smtClean="0">
+                <a:solidFill>
+                  <a:schemeClr val="tx1">
+                    <a:lumMod val="75000"/>
+                    <a:lumOff val="25000"/>
+                  </a:schemeClr>
+                </a:solidFill>
+              </a:rPr>
+              <a:t>started</a:t>
+            </a:r>
+            <a:endParaRPr lang="fr-FR" sz="2200" i="0" dirty="0" smtClean="0">
+              <a:solidFill>
+                <a:schemeClr val="tx1">
+                  <a:lumMod val="75000"/>
+                  <a:lumOff val="25000"/>
+                </a:schemeClr>
+              </a:solidFill>
+            </a:endParaRPr>
+          </a:p>
+          <a:p>
+            <a:pPr>
+              <a:lnSpc>
+                <a:spcPct val="100000"/>
+              </a:lnSpc>
+              <a:buClr>
+                <a:srgbClr val="FF9900"/>
+              </a:buClr>
+              <a:buSzPct val="120000"/>
+              <a:buFont typeface="Lucida Grande"/>
+              <a:buChar char="»"/>
+            </a:pPr>
+            <a:r>
+              <a:rPr lang="fr-FR" sz="2200" i="0" dirty="0" err="1">
+                <a:solidFill>
+                  <a:schemeClr val="tx1">
+                    <a:lumMod val="75000"/>
+                    <a:lumOff val="25000"/>
+                  </a:schemeClr>
+                </a:solidFill>
+              </a:rPr>
+              <a:t>Create</a:t>
+            </a:r>
+            <a:r>
+              <a:rPr lang="fr-FR" sz="2200" i="0" dirty="0">
+                <a:solidFill>
+                  <a:schemeClr val="tx1">
+                    <a:lumMod val="75000"/>
+                    <a:lumOff val="25000"/>
+                  </a:schemeClr>
+                </a:solidFill>
+              </a:rPr>
+              <a:t> a new « </a:t>
+            </a:r>
+            <a:r>
+              <a:rPr lang="fr-FR" sz="2200" i="0" dirty="0" err="1">
+                <a:solidFill>
+                  <a:schemeClr val="tx1">
+                    <a:lumMod val="75000"/>
+                    <a:lumOff val="25000"/>
+                  </a:schemeClr>
+                </a:solidFill>
+              </a:rPr>
+              <a:t>dn</a:t>
+            </a:r>
+            <a:r>
+              <a:rPr lang="fr-FR" sz="2200" i="0" dirty="0">
+                <a:solidFill>
+                  <a:schemeClr val="tx1">
+                    <a:lumMod val="75000"/>
+                    <a:lumOff val="25000"/>
+                  </a:schemeClr>
+                </a:solidFill>
+              </a:rPr>
+              <a:t> » to store </a:t>
+            </a:r>
+            <a:r>
+              <a:rPr lang="fr-FR" sz="2200" i="0" dirty="0" err="1">
+                <a:solidFill>
+                  <a:schemeClr val="tx1">
+                    <a:lumMod val="75000"/>
+                    <a:lumOff val="25000"/>
+                  </a:schemeClr>
+                </a:solidFill>
+              </a:rPr>
+              <a:t>eXo</a:t>
+            </a:r>
+            <a:r>
+              <a:rPr lang="fr-FR" sz="2200" i="0" dirty="0">
+                <a:solidFill>
+                  <a:schemeClr val="tx1">
+                    <a:lumMod val="75000"/>
+                    <a:lumOff val="25000"/>
+                  </a:schemeClr>
+                </a:solidFill>
+              </a:rPr>
+              <a:t> </a:t>
+            </a:r>
+            <a:r>
+              <a:rPr lang="fr-FR" sz="2200" i="0" dirty="0" err="1">
+                <a:solidFill>
+                  <a:schemeClr val="tx1">
+                    <a:lumMod val="75000"/>
+                    <a:lumOff val="25000"/>
+                  </a:schemeClr>
+                </a:solidFill>
+              </a:rPr>
+              <a:t>platform</a:t>
+            </a:r>
+            <a:r>
+              <a:rPr lang="fr-FR" sz="2200" i="0" dirty="0">
+                <a:solidFill>
+                  <a:schemeClr val="tx1">
+                    <a:lumMod val="75000"/>
+                    <a:lumOff val="25000"/>
+                  </a:schemeClr>
+                </a:solidFill>
+              </a:rPr>
+              <a:t> organisation model (new base </a:t>
+            </a:r>
+            <a:r>
+              <a:rPr lang="fr-FR" sz="2200" i="0" dirty="0" err="1">
+                <a:solidFill>
+                  <a:schemeClr val="tx1">
+                    <a:lumMod val="75000"/>
+                    <a:lumOff val="25000"/>
+                  </a:schemeClr>
+                </a:solidFill>
+              </a:rPr>
+              <a:t>dn</a:t>
+            </a:r>
+            <a:r>
+              <a:rPr lang="fr-FR" sz="2200" i="0" dirty="0">
+                <a:solidFill>
+                  <a:schemeClr val="tx1">
+                    <a:lumMod val="75000"/>
+                    <a:lumOff val="25000"/>
+                  </a:schemeClr>
+                </a:solidFill>
+              </a:rPr>
+              <a:t> on </a:t>
+            </a:r>
+            <a:r>
+              <a:rPr lang="fr-FR" sz="2200" i="0" dirty="0" err="1">
+                <a:solidFill>
+                  <a:schemeClr val="tx1">
+                    <a:lumMod val="75000"/>
+                    <a:lumOff val="25000"/>
+                  </a:schemeClr>
+                </a:solidFill>
+              </a:rPr>
+              <a:t>left</a:t>
+            </a:r>
+            <a:r>
+              <a:rPr lang="fr-FR" sz="2200" i="0" dirty="0">
+                <a:solidFill>
+                  <a:schemeClr val="tx1">
+                    <a:lumMod val="75000"/>
+                    <a:lumOff val="25000"/>
+                  </a:schemeClr>
+                </a:solidFill>
+              </a:rPr>
+              <a:t> panel) </a:t>
+            </a:r>
+            <a:r>
+              <a:rPr lang="fr-FR" sz="2200" i="0" dirty="0" smtClean="0">
+                <a:solidFill>
+                  <a:schemeClr val="tx1">
+                    <a:lumMod val="75000"/>
+                    <a:lumOff val="25000"/>
+                  </a:schemeClr>
+                </a:solidFill>
+              </a:rPr>
+              <a:t>: ou</a:t>
+            </a:r>
+            <a:r>
+              <a:rPr lang="fr-FR" sz="2200" i="0" dirty="0">
+                <a:solidFill>
+                  <a:schemeClr val="tx1">
+                    <a:lumMod val="75000"/>
+                    <a:lumOff val="25000"/>
+                  </a:schemeClr>
+                </a:solidFill>
+              </a:rPr>
+              <a:t>=</a:t>
+            </a:r>
+            <a:r>
+              <a:rPr lang="fr-FR" sz="2200" i="0" dirty="0" err="1">
+                <a:solidFill>
+                  <a:schemeClr val="tx1">
+                    <a:lumMod val="75000"/>
+                    <a:lumOff val="25000"/>
+                  </a:schemeClr>
+                </a:solidFill>
+              </a:rPr>
+              <a:t>portal,dc</a:t>
+            </a:r>
+            <a:r>
+              <a:rPr lang="fr-FR" sz="2200" i="0" dirty="0">
+                <a:solidFill>
+                  <a:schemeClr val="tx1">
+                    <a:lumMod val="75000"/>
+                    <a:lumOff val="25000"/>
+                  </a:schemeClr>
+                </a:solidFill>
+              </a:rPr>
+              <a:t>=</a:t>
+            </a:r>
+            <a:r>
+              <a:rPr lang="fr-FR" sz="2200" i="0" dirty="0" err="1">
+                <a:solidFill>
+                  <a:schemeClr val="tx1">
+                    <a:lumMod val="75000"/>
+                    <a:lumOff val="25000"/>
+                  </a:schemeClr>
+                </a:solidFill>
+              </a:rPr>
+              <a:t>exoplatform,dc</a:t>
+            </a:r>
+            <a:r>
+              <a:rPr lang="fr-FR" sz="2200" i="0" dirty="0">
+                <a:solidFill>
+                  <a:schemeClr val="tx1">
+                    <a:lumMod val="75000"/>
+                    <a:lumOff val="25000"/>
+                  </a:schemeClr>
+                </a:solidFill>
+              </a:rPr>
+              <a:t>=</a:t>
+            </a:r>
+            <a:r>
+              <a:rPr lang="fr-FR" sz="2200" i="0" dirty="0" err="1">
+                <a:solidFill>
+                  <a:schemeClr val="tx1">
+                    <a:lumMod val="75000"/>
+                    <a:lumOff val="25000"/>
+                  </a:schemeClr>
+                </a:solidFill>
+              </a:rPr>
+              <a:t>org</a:t>
+            </a:r>
+            <a:r>
+              <a:rPr lang="fr-FR" sz="2200" i="0" dirty="0">
+                <a:solidFill>
+                  <a:schemeClr val="tx1">
+                    <a:lumMod val="75000"/>
+                    <a:lumOff val="25000"/>
+                  </a:schemeClr>
+                </a:solidFill>
+              </a:rPr>
+              <a:t> </a:t>
+            </a:r>
+            <a:endParaRPr lang="fr-FR" sz="2200" i="0" dirty="0" smtClean="0">
+              <a:solidFill>
+                <a:schemeClr val="tx1">
+                  <a:lumMod val="75000"/>
+                  <a:lumOff val="25000"/>
+                </a:schemeClr>
+              </a:solidFill>
+            </a:endParaRPr>
+          </a:p>
+          <a:p>
+            <a:pPr>
+              <a:lnSpc>
+                <a:spcPct val="100000"/>
+              </a:lnSpc>
+              <a:buClr>
+                <a:srgbClr val="FF9900"/>
+              </a:buClr>
+              <a:buSzPct val="120000"/>
+              <a:buFont typeface="Lucida Grande"/>
+              <a:buChar char="»"/>
+            </a:pPr>
+            <a:endParaRPr lang="fr-FR" sz="1800" b="0" dirty="0" smtClean="0">
+              <a:solidFill>
+                <a:schemeClr val="tx1">
+                  <a:lumMod val="75000"/>
+                  <a:lumOff val="25000"/>
+                </a:schemeClr>
+              </a:solidFill>
+            </a:endParaRPr>
           </a:p>
         </p:txBody>
       </p:sp>
     </p:spTree>
     <p:extLst>
       <p:ext uri="{BB962C8B-B14F-4D97-AF65-F5344CB8AC3E}">
-        <p14:creationId xmlns:p14="http://schemas.microsoft.com/office/powerpoint/2010/main" val="4211843412"/>
+        <p14:creationId xmlns:p14="http://schemas.microsoft.com/office/powerpoint/2010/main" val="2407400237"/>
       </p:ext>
     </p:extLst>
   </p:cSld>
   <p:clrMapOvr>
     <a:masterClrMapping/>
   </p:clrMapOvr>
-  <p:transition xmlns:p14="http://schemas.microsoft.com/office/powerpoint/2010/main" spd="med">
-    <p:wipe dir="r"/>
-  </p:transition>
+  <p:transition xmlns:p14="http://schemas.microsoft.com/office/powerpoint/2010/main"/>
   <p:timing>
     <p:tnLst>
       <p:par>
-        <p:cTn xmlns:p14="http://schemas.microsoft.com/office/powerpoint/2010/main" id="1" dur="indefinite" restart="never" nodeType="tmRoot">
-          <p:childTnLst>
-            <p:seq concurrent="1" nextAc="seek">
-              <p:cTn id="2" dur="indefinite" nodeType="mainSeq"/>
-              <p:prevCondLst>
-                <p:cond evt="onPrev" delay="0">
-                  <p:tgtEl>
-                    <p:sldTgt/>
-                  </p:tgtEl>
-                </p:cond>
-              </p:prevCondLst>
-              <p:nextCondLst>
-                <p:cond evt="onNext" delay="0">
-                  <p:tgtEl>
-                    <p:sldTgt/>
-                  </p:tgtEl>
-                </p:cond>
-              </p:nextCondLst>
-            </p:seq>
-          </p:childTnLst>
-        </p:cTn>
+        <p:cTn xmlns:p14="http://schemas.microsoft.com/office/powerpoint/2010/main" id="1" dur="indefinite" restart="never" nodeType="tmRoot"/>
       </p:par>
     </p:tnLst>
   </p:timing>
@@ -34398,14 +35592,29 @@
           <a:bodyPr rIns="41783" anchor="b"/>
           <a:lstStyle/>
           <a:p>
-            <a:pPr marL="584962" lvl="1" indent="-219361">
-              <a:lnSpc>
-                <a:spcPct val="100000"/>
-              </a:lnSpc>
-            </a:pPr>
-            <a:r>
-              <a:rPr lang="fr-FR" dirty="0"/>
-              <a:t>Active Directory configuration</a:t>
+            <a:r>
+              <a:rPr lang="fr-FR" dirty="0" err="1" smtClean="0"/>
+              <a:t>Exercise</a:t>
+            </a:r>
+            <a:r>
+              <a:rPr lang="fr-FR" dirty="0" smtClean="0"/>
+              <a:t> 70a : Configuration </a:t>
+            </a:r>
+            <a:r>
+              <a:rPr lang="fr-FR" dirty="0" err="1" smtClean="0"/>
+              <a:t>ldap</a:t>
+            </a:r>
+            <a:r>
+              <a:rPr lang="fr-FR" dirty="0" smtClean="0"/>
+              <a:t> </a:t>
+            </a:r>
+            <a:r>
+              <a:rPr lang="fr-FR" dirty="0" smtClean="0"/>
+              <a:t>– </a:t>
+            </a:r>
+            <a:r>
+              <a:rPr lang="fr-FR" dirty="0" err="1" smtClean="0"/>
+              <a:t>Orgservice</a:t>
             </a:r>
             <a:endParaRPr lang="fr-FR" dirty="0"/>
           </a:p>
@@ -34423,297 +35632,15 @@
         </p:nvSpPr>
         <p:spPr>
           <a:xfrm>
-            <a:off x="467494" y="1043533"/>
-            <a:ext cx="10219725" cy="5089000"/>
+            <a:off x="467494" y="971525"/>
+            <a:ext cx="10219725" cy="5688632"/>
           </a:xfrm>
         </p:spPr>
         <p:txBody>
           <a:bodyPr rIns="41783" anchor="t"/>
           <a:lstStyle/>
           <a:p>
-            <a:pPr marL="258763" lvl="1" indent="-255588">
-              <a:lnSpc>
-                <a:spcPct val="67000"/>
-              </a:lnSpc>
-              <a:buClr>
-                <a:srgbClr val="FF9900"/>
-              </a:buClr>
-              <a:buFont typeface="Lucida Grande"/>
-              <a:buChar char="»"/>
-            </a:pPr>
-            <a:r>
-              <a:rPr lang="fr-FR" i="0" dirty="0"/>
-              <a:t>A</a:t>
-            </a:r>
-            <a:r>
-              <a:rPr lang="fr-FR" i="0" dirty="0" smtClean="0"/>
-              <a:t>lternative </a:t>
-            </a:r>
-            <a:r>
-              <a:rPr lang="fr-FR" i="0" dirty="0"/>
-              <a:t>configuration for active directory </a:t>
-            </a:r>
-            <a:r>
-              <a:rPr lang="fr-FR" i="0" dirty="0" smtClean="0"/>
-              <a:t>:</a:t>
-            </a:r>
-          </a:p>
-          <a:p>
-            <a:pPr marL="3175" lvl="1" indent="0">
-              <a:lnSpc>
-                <a:spcPct val="67000"/>
-              </a:lnSpc>
-              <a:buClr>
-                <a:srgbClr val="FF9900"/>
-              </a:buClr>
-              <a:buNone/>
-            </a:pPr>
-            <a:r>
-              <a:rPr lang="fr-FR" b="0" i="0" dirty="0">
-                <a:solidFill>
-                  <a:schemeClr val="tx1">
-                    <a:lumMod val="75000"/>
-                    <a:lumOff val="25000"/>
-                  </a:schemeClr>
-                </a:solidFill>
-              </a:rPr>
-              <a:t>portal/portal/</a:t>
-            </a:r>
-            <a:r>
-              <a:rPr lang="fr-FR" b="0" i="0" dirty="0" err="1">
-                <a:solidFill>
-                  <a:schemeClr val="tx1">
-                    <a:lumMod val="75000"/>
-                    <a:lumOff val="25000"/>
-                  </a:schemeClr>
-                </a:solidFill>
-              </a:rPr>
-              <a:t>conf</a:t>
-            </a:r>
-            <a:r>
-              <a:rPr lang="fr-FR" b="0" i="0" dirty="0">
-                <a:solidFill>
-                  <a:schemeClr val="tx1">
-                    <a:lumMod val="75000"/>
-                    <a:lumOff val="25000"/>
-                  </a:schemeClr>
-                </a:solidFill>
-              </a:rPr>
-              <a:t>/</a:t>
-            </a:r>
-            <a:r>
-              <a:rPr lang="fr-FR" b="0" i="0" dirty="0" err="1">
-                <a:solidFill>
-                  <a:schemeClr val="tx1">
-                    <a:lumMod val="75000"/>
-                    <a:lumOff val="25000"/>
-                  </a:schemeClr>
-                </a:solidFill>
-              </a:rPr>
-              <a:t>organization</a:t>
-            </a:r>
-            <a:r>
-              <a:rPr lang="fr-FR" b="0" i="0" dirty="0">
-                <a:solidFill>
-                  <a:schemeClr val="tx1">
-                    <a:lumMod val="75000"/>
-                    <a:lumOff val="25000"/>
-                  </a:schemeClr>
-                </a:solidFill>
-              </a:rPr>
-              <a:t>/exo/</a:t>
-            </a:r>
-            <a:r>
-              <a:rPr lang="fr-FR" b="0" i="0" dirty="0" err="1"/>
-              <a:t>activedirectory-</a:t>
-            </a:r>
-            <a:r>
-              <a:rPr lang="fr-FR" b="0" i="0" dirty="0" err="1" smtClean="0"/>
-              <a:t>configuration.xml</a:t>
-            </a:r>
-            <a:endParaRPr lang="fr-FR" i="0" dirty="0" smtClean="0"/>
-          </a:p>
-          <a:p>
-            <a:pPr marL="258763" lvl="1" indent="-255588">
-              <a:lnSpc>
-                <a:spcPct val="67000"/>
-              </a:lnSpc>
-              <a:buClr>
-                <a:srgbClr val="FF9900"/>
-              </a:buClr>
-              <a:buFont typeface="Lucida Grande"/>
-              <a:buChar char="»"/>
-            </a:pPr>
-            <a:r>
-              <a:rPr lang="fr-FR" i="0" dirty="0" smtClean="0"/>
-              <a:t>There </a:t>
-            </a:r>
-            <a:r>
-              <a:rPr lang="fr-FR" i="0" dirty="0" err="1"/>
-              <a:t>is</a:t>
-            </a:r>
-            <a:r>
-              <a:rPr lang="fr-FR" i="0" dirty="0"/>
-              <a:t> a </a:t>
-            </a:r>
-            <a:r>
-              <a:rPr lang="fr-FR" i="0" dirty="0" err="1"/>
-              <a:t>microsoft</a:t>
-            </a:r>
-            <a:r>
-              <a:rPr lang="fr-FR" i="0" dirty="0"/>
-              <a:t> limitation: </a:t>
-            </a:r>
-            <a:r>
-              <a:rPr lang="fr-FR" i="0" dirty="0" err="1"/>
-              <a:t>password</a:t>
-            </a:r>
-            <a:r>
-              <a:rPr lang="fr-FR" i="0" dirty="0"/>
-              <a:t> </a:t>
-            </a:r>
-            <a:r>
-              <a:rPr lang="fr-FR" i="0" dirty="0" err="1"/>
-              <a:t>can't</a:t>
-            </a:r>
-            <a:r>
-              <a:rPr lang="fr-FR" i="0" dirty="0"/>
-              <a:t> </a:t>
-            </a:r>
-            <a:r>
-              <a:rPr lang="fr-FR" i="0" dirty="0" err="1"/>
-              <a:t>be</a:t>
-            </a:r>
-            <a:r>
-              <a:rPr lang="fr-FR" i="0" dirty="0"/>
-              <a:t> set in AD via </a:t>
-            </a:r>
-            <a:r>
-              <a:rPr lang="fr-FR" i="0" dirty="0" err="1"/>
-              <a:t>unsecured</a:t>
-            </a:r>
-            <a:r>
-              <a:rPr lang="fr-FR" i="0" dirty="0"/>
-              <a:t> </a:t>
-            </a:r>
-            <a:r>
-              <a:rPr lang="fr-FR" i="0" dirty="0" err="1"/>
-              <a:t>connection</a:t>
-            </a:r>
-            <a:r>
-              <a:rPr lang="fr-FR" i="0" dirty="0"/>
-              <a:t> </a:t>
-            </a:r>
-            <a:endParaRPr lang="fr-FR" i="0" dirty="0" smtClean="0"/>
-          </a:p>
-          <a:p>
-            <a:pPr marL="258763" lvl="1" indent="-255588">
-              <a:lnSpc>
-                <a:spcPct val="67000"/>
-              </a:lnSpc>
-              <a:buClr>
-                <a:srgbClr val="FF9900"/>
-              </a:buClr>
-              <a:buFont typeface="Lucida Grande"/>
-              <a:buChar char="»"/>
-            </a:pPr>
-            <a:r>
-              <a:rPr lang="fr-FR" i="0" dirty="0"/>
-              <a:t>Y</a:t>
-            </a:r>
-            <a:r>
-              <a:rPr lang="fr-FR" i="0" dirty="0" smtClean="0"/>
-              <a:t>ou </a:t>
-            </a:r>
-            <a:r>
-              <a:rPr lang="fr-FR" i="0" dirty="0"/>
-              <a:t>have to use the </a:t>
-            </a:r>
-            <a:r>
-              <a:rPr lang="fr-FR" i="0" dirty="0" err="1"/>
-              <a:t>ldaps</a:t>
-            </a:r>
-            <a:r>
-              <a:rPr lang="fr-FR" i="0" dirty="0"/>
-              <a:t> </a:t>
-            </a:r>
-            <a:r>
-              <a:rPr lang="fr-FR" i="0" dirty="0" err="1" smtClean="0"/>
-              <a:t>protocol</a:t>
-            </a:r>
-            <a:r>
-              <a:rPr lang="fr-FR" i="0" dirty="0" smtClean="0"/>
-              <a:t>, to </a:t>
-            </a:r>
-            <a:r>
-              <a:rPr lang="fr-FR" i="0" dirty="0"/>
-              <a:t>use LDAPS </a:t>
-            </a:r>
-            <a:r>
-              <a:rPr lang="fr-FR" i="0" dirty="0" err="1"/>
-              <a:t>protocol</a:t>
-            </a:r>
-            <a:r>
-              <a:rPr lang="fr-FR" i="0" dirty="0"/>
-              <a:t> </a:t>
-            </a:r>
-            <a:r>
-              <a:rPr lang="fr-FR" i="0" dirty="0" err="1"/>
-              <a:t>with</a:t>
-            </a:r>
-            <a:r>
-              <a:rPr lang="fr-FR" i="0" dirty="0"/>
-              <a:t> Active </a:t>
-            </a:r>
-            <a:r>
-              <a:rPr lang="fr-FR" i="0" dirty="0" smtClean="0"/>
-              <a:t>Directory:</a:t>
-            </a:r>
-          </a:p>
-          <a:p>
-            <a:pPr marL="1371600" lvl="2" indent="-342900">
-              <a:lnSpc>
-                <a:spcPct val="67000"/>
-              </a:lnSpc>
-              <a:buClr>
-                <a:srgbClr val="FF9900"/>
-              </a:buClr>
-              <a:buSzPct val="120000"/>
-              <a:buFont typeface="Lucida Grande"/>
-              <a:buChar char="-"/>
-            </a:pPr>
-            <a:r>
-              <a:rPr lang="fr-FR" i="0" dirty="0" err="1" smtClean="0"/>
-              <a:t>Add</a:t>
-            </a:r>
-            <a:r>
-              <a:rPr lang="fr-FR" i="0" dirty="0" smtClean="0"/>
-              <a:t> </a:t>
-            </a:r>
-            <a:r>
-              <a:rPr lang="fr-FR" i="0" dirty="0"/>
-              <a:t>Active Directory </a:t>
-            </a:r>
-            <a:r>
-              <a:rPr lang="fr-FR" i="0" dirty="0" err="1"/>
-              <a:t>Certificate</a:t>
-            </a:r>
-            <a:r>
-              <a:rPr lang="fr-FR" i="0" dirty="0"/>
-              <a:t> Services </a:t>
-            </a:r>
-            <a:r>
-              <a:rPr lang="fr-FR" i="0" dirty="0" err="1"/>
-              <a:t>role</a:t>
-            </a:r>
-            <a:r>
-              <a:rPr lang="fr-FR" i="0" dirty="0"/>
-              <a:t> </a:t>
-            </a:r>
-            <a:endParaRPr lang="fr-FR" i="0" dirty="0" smtClean="0"/>
-          </a:p>
-          <a:p>
-            <a:pPr marL="1371600" lvl="2" indent="-342900">
+            <a:pPr>
               <a:lnSpc>
                 <a:spcPct val="100000"/>
               </a:lnSpc>
@@ -34722,105 +35649,63 @@
               </a:buClr>
               <a:buSzPct val="120000"/>
               <a:buFont typeface="Lucida Grande"/>
-              <a:buChar char="-"/>
+              <a:buChar char="»"/>
             </a:pPr>
             <a:r>
-              <a:rPr lang="fr-FR" i="0" dirty="0" err="1" smtClean="0"/>
-              <a:t>install</a:t>
-            </a:r>
-            <a:r>
-              <a:rPr lang="fr-FR" i="0" dirty="0" smtClean="0"/>
-              <a:t> </a:t>
-            </a:r>
-            <a:r>
-              <a:rPr lang="fr-FR" i="0" dirty="0"/>
-              <a:t>right </a:t>
-            </a:r>
-            <a:r>
-              <a:rPr lang="fr-FR" i="0" dirty="0" err="1"/>
-              <a:t>certificate</a:t>
-            </a:r>
-            <a:r>
-              <a:rPr lang="fr-FR" i="0" dirty="0"/>
-              <a:t> for DC machine 2 </a:t>
-            </a:r>
-            <a:r>
-              <a:rPr lang="fr-FR" i="0" dirty="0" err="1"/>
-              <a:t>enable</a:t>
-            </a:r>
-            <a:r>
-              <a:rPr lang="fr-FR" i="0" dirty="0"/>
-              <a:t> Java VM to use </a:t>
-            </a:r>
-            <a:r>
-              <a:rPr lang="fr-FR" i="0" dirty="0" err="1"/>
-              <a:t>certificate</a:t>
-            </a:r>
-            <a:r>
-              <a:rPr lang="fr-FR" i="0" dirty="0"/>
-              <a:t> </a:t>
-            </a:r>
-            <a:r>
-              <a:rPr lang="fr-FR" i="0" dirty="0" err="1"/>
-              <a:t>from</a:t>
-            </a:r>
-            <a:r>
-              <a:rPr lang="fr-FR" i="0" dirty="0"/>
-              <a:t> </a:t>
-            </a:r>
-            <a:r>
-              <a:rPr lang="fr-FR" i="0" dirty="0" smtClean="0"/>
-              <a:t>AD</a:t>
-            </a:r>
-          </a:p>
-          <a:p>
-            <a:pPr marL="1371600" lvl="2" indent="-342900">
-              <a:lnSpc>
-                <a:spcPct val="67000"/>
-              </a:lnSpc>
-              <a:buClr>
-                <a:srgbClr val="FF9900"/>
-              </a:buClr>
-              <a:buSzPct val="120000"/>
-              <a:buFont typeface="Lucida Grande"/>
-              <a:buChar char="-"/>
-            </a:pPr>
-            <a:r>
-              <a:rPr lang="fr-FR" i="0" dirty="0"/>
-              <a:t>I</a:t>
-            </a:r>
-            <a:r>
-              <a:rPr lang="fr-FR" i="0" dirty="0" smtClean="0"/>
-              <a:t>mport </a:t>
-            </a:r>
-            <a:r>
-              <a:rPr lang="fr-FR" i="0" dirty="0" err="1"/>
-              <a:t>root</a:t>
-            </a:r>
-            <a:r>
-              <a:rPr lang="fr-FR" i="0" dirty="0"/>
-              <a:t> CA </a:t>
-            </a:r>
-            <a:r>
-              <a:rPr lang="fr-FR" i="0" dirty="0" err="1"/>
-              <a:t>used</a:t>
-            </a:r>
-            <a:r>
-              <a:rPr lang="fr-FR" i="0" dirty="0"/>
-              <a:t> in AD, to </a:t>
-            </a:r>
-            <a:r>
-              <a:rPr lang="fr-FR" i="0" dirty="0" err="1"/>
-              <a:t>keystore</a:t>
-            </a:r>
-            <a:r>
-              <a:rPr lang="fr-FR" i="0" dirty="0"/>
-              <a:t>, </a:t>
-            </a:r>
-            <a:endParaRPr lang="fr-FR" i="0" dirty="0" smtClean="0"/>
-          </a:p>
-          <a:p>
-            <a:pPr marL="1371600" lvl="2" indent="-342900">
+              <a:rPr lang="fr-FR" sz="2200" i="0" dirty="0" smtClean="0">
+                <a:solidFill>
+                  <a:schemeClr val="tx1">
+                    <a:lumMod val="75000"/>
+                    <a:lumOff val="25000"/>
+                  </a:schemeClr>
+                </a:solidFill>
+              </a:rPr>
+              <a:t> To configure </a:t>
+            </a:r>
+            <a:r>
+              <a:rPr lang="fr-FR" sz="2200" i="0" dirty="0" err="1" smtClean="0">
+                <a:solidFill>
+                  <a:schemeClr val="tx1">
+                    <a:lumMod val="75000"/>
+                    <a:lumOff val="25000"/>
+                  </a:schemeClr>
+                </a:solidFill>
+              </a:rPr>
+              <a:t>eXo</a:t>
+            </a:r>
+            <a:r>
+              <a:rPr lang="fr-FR" sz="2200" i="0" dirty="0" smtClean="0">
+                <a:solidFill>
+                  <a:schemeClr val="tx1">
+                    <a:lumMod val="75000"/>
+                    <a:lumOff val="25000"/>
+                  </a:schemeClr>
+                </a:solidFill>
+              </a:rPr>
+              <a:t> to use </a:t>
+            </a:r>
+            <a:r>
+              <a:rPr lang="fr-FR" sz="2200" i="0" dirty="0" err="1" smtClean="0">
+                <a:solidFill>
+                  <a:schemeClr val="tx1">
+                    <a:lumMod val="75000"/>
+                    <a:lumOff val="25000"/>
+                  </a:schemeClr>
+                </a:solidFill>
+              </a:rPr>
+              <a:t>ldap</a:t>
+            </a:r>
+            <a:endParaRPr lang="fr-FR" sz="2200" i="0" dirty="0">
+              <a:solidFill>
+                <a:schemeClr val="tx1">
+                  <a:lumMod val="75000"/>
+                  <a:lumOff val="25000"/>
+                </a:schemeClr>
+              </a:solidFill>
+            </a:endParaRPr>
+          </a:p>
+          <a:p>
+            <a:pPr>
               <a:lnSpc>
                 <a:spcPct val="100000"/>
               </a:lnSpc>
@@ -34829,20 +35714,293 @@
               </a:buClr>
               <a:buSzPct val="120000"/>
               <a:buFont typeface="Lucida Grande"/>
-              <a:buChar char="-"/>
+              <a:buChar char="»"/>
             </a:pPr>
             <a:r>
-              <a:rPr lang="fr-FR" i="0" dirty="0" smtClean="0"/>
-              <a:t>set </a:t>
-            </a:r>
-            <a:r>
-              <a:rPr lang="fr-FR" i="0" dirty="0"/>
-              <a:t>java options JAVA_OPTS="${JAVA_OPTS} </a:t>
-            </a:r>
-            <a:endParaRPr lang="fr-FR" i="0" dirty="0" smtClean="0"/>
-          </a:p>
-          <a:p>
-            <a:pPr marL="1028700" lvl="2" indent="0">
+              <a:rPr lang="fr-FR" sz="2200" i="0" dirty="0">
+                <a:solidFill>
+                  <a:schemeClr val="tx1">
+                    <a:lumMod val="75000"/>
+                    <a:lumOff val="25000"/>
+                  </a:schemeClr>
+                </a:solidFill>
+              </a:rPr>
+              <a:t> Copy the </a:t>
+            </a:r>
+            <a:r>
+              <a:rPr lang="fr-FR" sz="2200" i="0" dirty="0" smtClean="0">
+                <a:solidFill>
+                  <a:schemeClr val="tx1">
+                    <a:lumMod val="75000"/>
+                    <a:lumOff val="25000"/>
+                  </a:schemeClr>
+                </a:solidFill>
+              </a:rPr>
+              <a:t>portal </a:t>
+            </a:r>
+            <a:r>
+              <a:rPr lang="fr-FR" sz="2200" i="0" dirty="0" err="1" smtClean="0">
+                <a:solidFill>
+                  <a:schemeClr val="tx1">
+                    <a:lumMod val="75000"/>
+                    <a:lumOff val="25000"/>
+                  </a:schemeClr>
+                </a:solidFill>
+              </a:rPr>
+              <a:t>folder</a:t>
+            </a:r>
+            <a:r>
+              <a:rPr lang="fr-FR" sz="2200" i="0" dirty="0" smtClean="0">
+                <a:solidFill>
+                  <a:schemeClr val="tx1">
+                    <a:lumMod val="75000"/>
+                    <a:lumOff val="25000"/>
+                  </a:schemeClr>
+                </a:solidFill>
+              </a:rPr>
+              <a:t> in </a:t>
+            </a:r>
+            <a:r>
+              <a:rPr lang="fr-FR" sz="2200" i="0" dirty="0" err="1" smtClean="0">
+                <a:solidFill>
+                  <a:schemeClr val="tx1">
+                    <a:lumMod val="75000"/>
+                    <a:lumOff val="25000"/>
+                  </a:schemeClr>
+                </a:solidFill>
+              </a:rPr>
+              <a:t>tomcat_home</a:t>
+            </a:r>
+            <a:r>
+              <a:rPr lang="fr-FR" sz="2200" i="0" dirty="0" smtClean="0">
+                <a:solidFill>
+                  <a:schemeClr val="tx1">
+                    <a:lumMod val="75000"/>
+                    <a:lumOff val="25000"/>
+                  </a:schemeClr>
+                </a:solidFill>
+              </a:rPr>
+              <a:t>/</a:t>
+            </a:r>
+            <a:r>
+              <a:rPr lang="fr-FR" sz="2200" i="0" dirty="0" err="1" smtClean="0">
+                <a:solidFill>
+                  <a:schemeClr val="tx1">
+                    <a:lumMod val="75000"/>
+                    <a:lumOff val="25000"/>
+                  </a:schemeClr>
+                </a:solidFill>
+              </a:rPr>
+              <a:t>gatein</a:t>
+            </a:r>
+            <a:r>
+              <a:rPr lang="fr-FR" sz="2200" i="0" dirty="0" smtClean="0">
+                <a:solidFill>
+                  <a:schemeClr val="tx1">
+                    <a:lumMod val="75000"/>
+                    <a:lumOff val="25000"/>
+                  </a:schemeClr>
+                </a:solidFill>
+              </a:rPr>
+              <a:t>/</a:t>
+            </a:r>
+            <a:r>
+              <a:rPr lang="fr-FR" sz="2200" i="0" dirty="0" err="1" smtClean="0">
+                <a:solidFill>
+                  <a:schemeClr val="tx1">
+                    <a:lumMod val="75000"/>
+                    <a:lumOff val="25000"/>
+                  </a:schemeClr>
+                </a:solidFill>
+              </a:rPr>
+              <a:t>conf</a:t>
+            </a:r>
+            <a:r>
+              <a:rPr lang="fr-FR" sz="2200" i="0" dirty="0" smtClean="0">
+                <a:solidFill>
+                  <a:schemeClr val="tx1">
+                    <a:lumMod val="75000"/>
+                    <a:lumOff val="25000"/>
+                  </a:schemeClr>
+                </a:solidFill>
+              </a:rPr>
+              <a:t> directory</a:t>
+            </a:r>
+            <a:endParaRPr lang="fr-FR" sz="2200" i="0" dirty="0" smtClean="0">
+              <a:solidFill>
+                <a:schemeClr val="tx1">
+                  <a:lumMod val="75000"/>
+                  <a:lumOff val="25000"/>
+                </a:schemeClr>
+              </a:solidFill>
+            </a:endParaRPr>
+          </a:p>
+          <a:p>
+            <a:pPr>
+              <a:lnSpc>
+                <a:spcPct val="100000"/>
+              </a:lnSpc>
+              <a:buClr>
+                <a:srgbClr val="FF9900"/>
+              </a:buClr>
+              <a:buSzPct val="120000"/>
+              <a:buFont typeface="Lucida Grande"/>
+              <a:buChar char="»"/>
+            </a:pPr>
+            <a:r>
+              <a:rPr lang="fr-FR" sz="2200" i="0" dirty="0" smtClean="0">
+                <a:solidFill>
+                  <a:schemeClr val="tx1">
+                    <a:lumMod val="75000"/>
+                    <a:lumOff val="25000"/>
+                  </a:schemeClr>
+                </a:solidFill>
+              </a:rPr>
+              <a:t> Edit the main portal configuration file to </a:t>
+            </a:r>
+            <a:r>
+              <a:rPr lang="fr-FR" sz="2200" i="0" dirty="0" err="1" smtClean="0">
+                <a:solidFill>
+                  <a:schemeClr val="tx1">
+                    <a:lumMod val="75000"/>
+                    <a:lumOff val="25000"/>
+                  </a:schemeClr>
+                </a:solidFill>
+              </a:rPr>
+              <a:t>enable</a:t>
+            </a:r>
+            <a:r>
+              <a:rPr lang="fr-FR" sz="2200" i="0" dirty="0" smtClean="0">
+                <a:solidFill>
+                  <a:schemeClr val="tx1">
+                    <a:lumMod val="75000"/>
+                    <a:lumOff val="25000"/>
+                  </a:schemeClr>
+                </a:solidFill>
+              </a:rPr>
+              <a:t> the organisation service </a:t>
+            </a:r>
+            <a:r>
+              <a:rPr lang="fr-FR" sz="2200" i="0" dirty="0" err="1" smtClean="0">
+                <a:solidFill>
+                  <a:schemeClr val="tx1">
+                    <a:lumMod val="75000"/>
+                    <a:lumOff val="25000"/>
+                  </a:schemeClr>
+                </a:solidFill>
+              </a:rPr>
+              <a:t>ldap</a:t>
+            </a:r>
+            <a:r>
+              <a:rPr lang="fr-FR" sz="2200" i="0" dirty="0" smtClean="0">
+                <a:solidFill>
+                  <a:schemeClr val="tx1">
+                    <a:lumMod val="75000"/>
+                    <a:lumOff val="25000"/>
+                  </a:schemeClr>
+                </a:solidFill>
+              </a:rPr>
+              <a:t> configuration </a:t>
+            </a:r>
+            <a:r>
+              <a:rPr lang="fr-FR" sz="2200" i="0" dirty="0" err="1" smtClean="0">
+                <a:solidFill>
+                  <a:schemeClr val="tx1">
+                    <a:lumMod val="75000"/>
+                    <a:lumOff val="25000"/>
+                  </a:schemeClr>
+                </a:solidFill>
+              </a:rPr>
+              <a:t>instead</a:t>
+            </a:r>
+            <a:r>
+              <a:rPr lang="fr-FR" sz="2200" i="0" dirty="0" smtClean="0">
+                <a:solidFill>
+                  <a:schemeClr val="tx1">
+                    <a:lumMod val="75000"/>
+                    <a:lumOff val="25000"/>
+                  </a:schemeClr>
+                </a:solidFill>
+              </a:rPr>
+              <a:t> of the </a:t>
+            </a:r>
+            <a:r>
+              <a:rPr lang="fr-FR" sz="2200" i="0" dirty="0" err="1" smtClean="0">
+                <a:solidFill>
+                  <a:schemeClr val="tx1">
+                    <a:lumMod val="75000"/>
+                    <a:lumOff val="25000"/>
+                  </a:schemeClr>
+                </a:solidFill>
+              </a:rPr>
+              <a:t>PicketLink</a:t>
+            </a:r>
+            <a:r>
+              <a:rPr lang="fr-FR" sz="2200" i="0" dirty="0" smtClean="0">
+                <a:solidFill>
+                  <a:schemeClr val="tx1">
+                    <a:lumMod val="75000"/>
+                    <a:lumOff val="25000"/>
+                  </a:schemeClr>
+                </a:solidFill>
+              </a:rPr>
+              <a:t> </a:t>
+            </a:r>
+            <a:r>
+              <a:rPr lang="fr-FR" sz="2200" i="0" dirty="0" err="1" smtClean="0">
+                <a:solidFill>
+                  <a:schemeClr val="tx1">
+                    <a:lumMod val="75000"/>
+                    <a:lumOff val="25000"/>
+                  </a:schemeClr>
+                </a:solidFill>
+              </a:rPr>
+              <a:t>hibernate</a:t>
+            </a:r>
+            <a:r>
+              <a:rPr lang="fr-FR" sz="2200" i="0" dirty="0" smtClean="0">
+                <a:solidFill>
+                  <a:schemeClr val="tx1">
+                    <a:lumMod val="75000"/>
+                    <a:lumOff val="25000"/>
+                  </a:schemeClr>
+                </a:solidFill>
+              </a:rPr>
+              <a:t> (default configuration) : </a:t>
+            </a:r>
+            <a:r>
+              <a:rPr lang="fr-FR" sz="2200" b="0" i="0" dirty="0" smtClean="0">
+                <a:solidFill>
+                  <a:schemeClr val="tx1">
+                    <a:lumMod val="75000"/>
+                    <a:lumOff val="25000"/>
+                  </a:schemeClr>
+                </a:solidFill>
+              </a:rPr>
+              <a:t>portal/portal/</a:t>
+            </a:r>
+            <a:r>
+              <a:rPr lang="fr-FR" sz="2200" b="0" i="0" dirty="0" err="1" smtClean="0">
+                <a:solidFill>
+                  <a:schemeClr val="tx1">
+                    <a:lumMod val="75000"/>
+                    <a:lumOff val="25000"/>
+                  </a:schemeClr>
+                </a:solidFill>
+              </a:rPr>
+              <a:t>configuration.xml</a:t>
+            </a:r>
+            <a:endParaRPr lang="fr-FR" sz="2200" b="0" i="0" dirty="0" smtClean="0">
+              <a:solidFill>
+                <a:schemeClr val="tx1">
+                  <a:lumMod val="75000"/>
+                  <a:lumOff val="25000"/>
+                </a:schemeClr>
+              </a:solidFill>
+            </a:endParaRPr>
+          </a:p>
+          <a:p>
+            <a:pPr marL="3175" indent="0">
               <a:lnSpc>
                 <a:spcPct val="100000"/>
               </a:lnSpc>
@@ -34853,33 +36011,195 @@
               <a:buNone/>
             </a:pPr>
             <a:r>
-              <a:rPr lang="fr-FR" i="0" dirty="0"/>
-              <a:t>	</a:t>
-            </a:r>
-            <a:r>
-              <a:rPr lang="fr-FR" i="0" dirty="0" smtClean="0"/>
-              <a:t>	-</a:t>
-            </a:r>
-            <a:r>
-              <a:rPr lang="fr-FR" i="0" dirty="0" err="1"/>
-              <a:t>Djavax.net.ssl.trustStorePassword</a:t>
-            </a:r>
-            <a:r>
-              <a:rPr lang="fr-FR" i="0" dirty="0"/>
-              <a:t>=</a:t>
-            </a:r>
-            <a:r>
-              <a:rPr lang="fr-FR" i="0" dirty="0" err="1"/>
-              <a:t>changeit</a:t>
-            </a:r>
-            <a:r>
-              <a:rPr lang="fr-FR" i="0" dirty="0"/>
+              <a:rPr lang="fr-FR" sz="2200" b="0" i="0" dirty="0">
+                <a:solidFill>
+                  <a:schemeClr val="tx1">
+                    <a:lumMod val="75000"/>
+                    <a:lumOff val="25000"/>
+                  </a:schemeClr>
+                </a:solidFill>
+              </a:rPr>
               <a:t> </a:t>
             </a:r>
-            <a:endParaRPr lang="fr-FR" i="0" dirty="0" smtClean="0"/>
-          </a:p>
-          <a:p>
-            <a:pPr marL="1028700" lvl="2" indent="0">
+            <a:r>
+              <a:rPr lang="fr-FR" sz="2200" b="0" i="0" dirty="0" smtClean="0">
+                <a:solidFill>
+                  <a:schemeClr val="tx1">
+                    <a:lumMod val="75000"/>
+                    <a:lumOff val="25000"/>
+                  </a:schemeClr>
+                </a:solidFill>
+              </a:rPr>
+              <a:t>   </a:t>
+            </a:r>
+            <a:r>
+              <a:rPr lang="fr-FR" sz="2200" i="0" dirty="0" smtClean="0">
+                <a:solidFill>
+                  <a:schemeClr val="tx1">
+                    <a:lumMod val="75000"/>
+                    <a:lumOff val="25000"/>
+                  </a:schemeClr>
+                </a:solidFill>
+              </a:rPr>
+              <a:t>- Comment the </a:t>
+            </a:r>
+            <a:r>
+              <a:rPr lang="fr-FR" sz="2200" i="0" dirty="0" err="1" smtClean="0">
+                <a:solidFill>
+                  <a:schemeClr val="tx1">
+                    <a:lumMod val="75000"/>
+                    <a:lumOff val="25000"/>
+                  </a:schemeClr>
+                </a:solidFill>
+              </a:rPr>
+              <a:t>Picketlink</a:t>
+            </a:r>
+            <a:r>
+              <a:rPr lang="fr-FR" sz="2200" i="0" dirty="0" smtClean="0">
+                <a:solidFill>
+                  <a:schemeClr val="tx1">
+                    <a:lumMod val="75000"/>
+                    <a:lumOff val="25000"/>
+                  </a:schemeClr>
+                </a:solidFill>
+              </a:rPr>
+              <a:t> import </a:t>
+            </a:r>
+            <a:r>
+              <a:rPr lang="fr-FR" sz="1400" i="0" dirty="0" smtClean="0">
+                <a:solidFill>
+                  <a:schemeClr val="tx1">
+                    <a:lumMod val="75000"/>
+                    <a:lumOff val="25000"/>
+                  </a:schemeClr>
+                </a:solidFill>
+              </a:rPr>
+              <a:t>:  </a:t>
+            </a:r>
+            <a:r>
+              <a:rPr lang="fr-FR" sz="1400" b="0" i="0" dirty="0" smtClean="0">
+                <a:solidFill>
+                  <a:schemeClr val="tx1">
+                    <a:lumMod val="75000"/>
+                    <a:lumOff val="25000"/>
+                  </a:schemeClr>
+                </a:solidFill>
+              </a:rPr>
+              <a:t>&lt;</a:t>
+            </a:r>
+            <a:r>
+              <a:rPr lang="fr-FR" sz="1400" b="0" i="0" dirty="0">
+                <a:solidFill>
+                  <a:schemeClr val="tx1">
+                    <a:lumMod val="75000"/>
+                    <a:lumOff val="25000"/>
+                  </a:schemeClr>
+                </a:solidFill>
+              </a:rPr>
+              <a:t>import&gt;</a:t>
+            </a:r>
+            <a:r>
+              <a:rPr lang="fr-FR" sz="1400" b="0" i="0" dirty="0" err="1">
+                <a:solidFill>
+                  <a:schemeClr val="tx1">
+                    <a:lumMod val="75000"/>
+                    <a:lumOff val="25000"/>
+                  </a:schemeClr>
+                </a:solidFill>
+              </a:rPr>
+              <a:t>war</a:t>
+            </a:r>
+            <a:r>
+              <a:rPr lang="fr-FR" sz="1400" b="0" i="0" dirty="0">
+                <a:solidFill>
+                  <a:schemeClr val="tx1">
+                    <a:lumMod val="75000"/>
+                    <a:lumOff val="25000"/>
+                  </a:schemeClr>
+                </a:solidFill>
+              </a:rPr>
+              <a:t>:/</a:t>
+            </a:r>
+            <a:r>
+              <a:rPr lang="fr-FR" sz="1400" b="0" i="0" dirty="0" err="1">
+                <a:solidFill>
+                  <a:schemeClr val="tx1">
+                    <a:lumMod val="75000"/>
+                    <a:lumOff val="25000"/>
+                  </a:schemeClr>
+                </a:solidFill>
+              </a:rPr>
+              <a:t>conf</a:t>
+            </a:r>
+            <a:r>
+              <a:rPr lang="fr-FR" sz="1400" b="0" i="0" dirty="0">
+                <a:solidFill>
+                  <a:schemeClr val="tx1">
+                    <a:lumMod val="75000"/>
+                    <a:lumOff val="25000"/>
+                  </a:schemeClr>
+                </a:solidFill>
+              </a:rPr>
+              <a:t>/</a:t>
+            </a:r>
+            <a:r>
+              <a:rPr lang="fr-FR" sz="1400" b="0" i="0" dirty="0" err="1">
+                <a:solidFill>
+                  <a:schemeClr val="tx1">
+                    <a:lumMod val="75000"/>
+                    <a:lumOff val="25000"/>
+                  </a:schemeClr>
+                </a:solidFill>
+              </a:rPr>
+              <a:t>organization</a:t>
+            </a:r>
+            <a:r>
+              <a:rPr lang="fr-FR" sz="1400" b="0" i="0" dirty="0">
+                <a:solidFill>
+                  <a:schemeClr val="tx1">
+                    <a:lumMod val="75000"/>
+                    <a:lumOff val="25000"/>
+                  </a:schemeClr>
+                </a:solidFill>
+              </a:rPr>
+              <a:t>/</a:t>
+            </a:r>
+            <a:r>
+              <a:rPr lang="fr-FR" sz="1400" b="0" i="0" dirty="0" err="1">
+                <a:solidFill>
+                  <a:schemeClr val="tx1">
+                    <a:lumMod val="75000"/>
+                    <a:lumOff val="25000"/>
+                  </a:schemeClr>
+                </a:solidFill>
+              </a:rPr>
+              <a:t>idm-configuration.xml</a:t>
+            </a:r>
+            <a:r>
+              <a:rPr lang="fr-FR" sz="1400" b="0" i="0" dirty="0">
+                <a:solidFill>
+                  <a:schemeClr val="tx1">
+                    <a:lumMod val="75000"/>
+                    <a:lumOff val="25000"/>
+                  </a:schemeClr>
+                </a:solidFill>
+              </a:rPr>
+              <a:t>&lt;/import</a:t>
+            </a:r>
+            <a:r>
+              <a:rPr lang="fr-FR" sz="1400" b="0" i="0" dirty="0" smtClean="0">
+                <a:solidFill>
+                  <a:schemeClr val="tx1">
+                    <a:lumMod val="75000"/>
+                    <a:lumOff val="25000"/>
+                  </a:schemeClr>
+                </a:solidFill>
+              </a:rPr>
+              <a:t>&gt;</a:t>
+            </a:r>
+          </a:p>
+          <a:p>
+            <a:pPr marL="3175" indent="0">
               <a:lnSpc>
                 <a:spcPct val="100000"/>
               </a:lnSpc>
@@ -34890,43 +36210,617 @@
               <a:buNone/>
             </a:pPr>
             <a:r>
-              <a:rPr lang="fr-FR" i="0" dirty="0" smtClean="0"/>
-              <a:t>		-</a:t>
-            </a:r>
-            <a:r>
-              <a:rPr lang="fr-FR" i="0" dirty="0" err="1"/>
-              <a:t>Djavax.net.ssl.trustStore</a:t>
-            </a:r>
-            <a:r>
-              <a:rPr lang="fr-FR" i="0" dirty="0" smtClean="0"/>
-              <a:t>=</a:t>
-            </a:r>
-            <a:r>
-              <a:rPr lang="fr-FR" i="0" dirty="0" err="1" smtClean="0"/>
-              <a:t>cacerts_path</a:t>
-            </a:r>
-            <a:r>
-              <a:rPr lang="fr-FR" i="0" dirty="0" smtClean="0"/>
-              <a:t>"</a:t>
-            </a:r>
-            <a:endParaRPr lang="fr-FR" b="0" i="0" dirty="0"/>
+              <a:rPr lang="fr-FR" sz="2200" b="0" i="0" dirty="0">
+                <a:solidFill>
+                  <a:schemeClr val="tx1">
+                    <a:lumMod val="75000"/>
+                    <a:lumOff val="25000"/>
+                  </a:schemeClr>
+                </a:solidFill>
+              </a:rPr>
+              <a:t> </a:t>
+            </a:r>
+            <a:r>
+              <a:rPr lang="fr-FR" sz="2200" b="0" i="0" dirty="0" smtClean="0">
+                <a:solidFill>
+                  <a:schemeClr val="tx1">
+                    <a:lumMod val="75000"/>
+                    <a:lumOff val="25000"/>
+                  </a:schemeClr>
+                </a:solidFill>
+              </a:rPr>
+              <a:t>  </a:t>
+            </a:r>
+            <a:r>
+              <a:rPr lang="fr-FR" sz="2200" i="0" dirty="0" smtClean="0">
+                <a:solidFill>
+                  <a:schemeClr val="tx1">
+                    <a:lumMod val="75000"/>
+                    <a:lumOff val="25000"/>
+                  </a:schemeClr>
+                </a:solidFill>
+              </a:rPr>
+              <a:t> - </a:t>
+            </a:r>
+            <a:r>
+              <a:rPr lang="fr-FR" sz="2200" i="0" dirty="0" err="1" smtClean="0">
+                <a:solidFill>
+                  <a:schemeClr val="tx1">
+                    <a:lumMod val="75000"/>
+                    <a:lumOff val="25000"/>
+                  </a:schemeClr>
+                </a:solidFill>
+              </a:rPr>
+              <a:t>Uncomment</a:t>
+            </a:r>
+            <a:r>
+              <a:rPr lang="fr-FR" sz="2200" i="0" dirty="0" smtClean="0">
+                <a:solidFill>
+                  <a:schemeClr val="tx1">
+                    <a:lumMod val="75000"/>
+                    <a:lumOff val="25000"/>
+                  </a:schemeClr>
+                </a:solidFill>
+              </a:rPr>
+              <a:t> the </a:t>
+            </a:r>
+            <a:r>
+              <a:rPr lang="fr-FR" sz="2200" i="0" dirty="0" err="1" smtClean="0">
+                <a:solidFill>
+                  <a:schemeClr val="tx1">
+                    <a:lumMod val="75000"/>
+                    <a:lumOff val="25000"/>
+                  </a:schemeClr>
+                </a:solidFill>
+              </a:rPr>
+              <a:t>ldap</a:t>
+            </a:r>
+            <a:r>
+              <a:rPr lang="fr-FR" sz="2200" i="0" dirty="0" smtClean="0">
+                <a:solidFill>
+                  <a:schemeClr val="tx1">
+                    <a:lumMod val="75000"/>
+                    <a:lumOff val="25000"/>
+                  </a:schemeClr>
+                </a:solidFill>
+              </a:rPr>
+              <a:t> configuration :</a:t>
+            </a:r>
+            <a:r>
+              <a:rPr lang="fr-FR" sz="1400" b="0" i="0" dirty="0" smtClean="0">
+                <a:solidFill>
+                  <a:schemeClr val="tx1">
+                    <a:lumMod val="75000"/>
+                    <a:lumOff val="25000"/>
+                  </a:schemeClr>
+                </a:solidFill>
+              </a:rPr>
+              <a:t>&lt;</a:t>
+            </a:r>
+            <a:r>
+              <a:rPr lang="fr-FR" sz="1400" b="0" i="0" dirty="0">
+                <a:solidFill>
+                  <a:schemeClr val="tx1">
+                    <a:lumMod val="75000"/>
+                    <a:lumOff val="25000"/>
+                  </a:schemeClr>
+                </a:solidFill>
+              </a:rPr>
+              <a:t>import&gt;</a:t>
+            </a:r>
+            <a:r>
+              <a:rPr lang="fr-FR" sz="1400" b="0" i="0" dirty="0" err="1">
+                <a:solidFill>
+                  <a:schemeClr val="tx1">
+                    <a:lumMod val="75000"/>
+                    <a:lumOff val="25000"/>
+                  </a:schemeClr>
+                </a:solidFill>
+              </a:rPr>
+              <a:t>organization</a:t>
+            </a:r>
+            <a:r>
+              <a:rPr lang="fr-FR" sz="1400" b="0" i="0" dirty="0">
+                <a:solidFill>
+                  <a:schemeClr val="tx1">
+                    <a:lumMod val="75000"/>
+                    <a:lumOff val="25000"/>
+                  </a:schemeClr>
+                </a:solidFill>
+              </a:rPr>
+              <a:t>/exo/</a:t>
+            </a:r>
+            <a:r>
+              <a:rPr lang="fr-FR" sz="1400" b="0" i="0" dirty="0" err="1">
+                <a:solidFill>
+                  <a:schemeClr val="tx1">
+                    <a:lumMod val="75000"/>
+                    <a:lumOff val="25000"/>
+                  </a:schemeClr>
+                </a:solidFill>
+              </a:rPr>
+              <a:t>ldap-configuration.xml</a:t>
+            </a:r>
+            <a:r>
+              <a:rPr lang="fr-FR" sz="1400" b="0" i="0" dirty="0">
+                <a:solidFill>
+                  <a:schemeClr val="tx1">
+                    <a:lumMod val="75000"/>
+                    <a:lumOff val="25000"/>
+                  </a:schemeClr>
+                </a:solidFill>
+              </a:rPr>
+              <a:t>&lt;/import</a:t>
+            </a:r>
+            <a:r>
+              <a:rPr lang="fr-FR" sz="1400" b="0" i="0" dirty="0" smtClean="0">
+                <a:solidFill>
+                  <a:schemeClr val="tx1">
+                    <a:lumMod val="75000"/>
+                    <a:lumOff val="25000"/>
+                  </a:schemeClr>
+                </a:solidFill>
+              </a:rPr>
+              <a:t>&gt;</a:t>
+            </a:r>
+            <a:endParaRPr lang="fr-FR" sz="1400" i="0" dirty="0" smtClean="0">
+              <a:solidFill>
+                <a:schemeClr val="tx1">
+                  <a:lumMod val="75000"/>
+                  <a:lumOff val="25000"/>
+                </a:schemeClr>
+              </a:solidFill>
+            </a:endParaRPr>
+          </a:p>
+          <a:p>
+            <a:pPr>
+              <a:lnSpc>
+                <a:spcPct val="100000"/>
+              </a:lnSpc>
+              <a:buClr>
+                <a:srgbClr val="FF9900"/>
+              </a:buClr>
+              <a:buSzPct val="120000"/>
+              <a:buFont typeface="Lucida Grande"/>
+              <a:buChar char="»"/>
+            </a:pPr>
+            <a:r>
+              <a:rPr lang="fr-FR" sz="2200" i="0" dirty="0" smtClean="0">
+                <a:solidFill>
+                  <a:schemeClr val="tx1">
+                    <a:lumMod val="75000"/>
+                    <a:lumOff val="25000"/>
+                  </a:schemeClr>
+                </a:solidFill>
+              </a:rPr>
+              <a:t> Edit the </a:t>
+            </a:r>
+            <a:r>
+              <a:rPr lang="fr-FR" sz="2200" i="0" dirty="0" err="1" smtClean="0">
+                <a:solidFill>
+                  <a:schemeClr val="tx1">
+                    <a:lumMod val="75000"/>
+                    <a:lumOff val="25000"/>
+                  </a:schemeClr>
+                </a:solidFill>
+              </a:rPr>
+              <a:t>ldap</a:t>
+            </a:r>
+            <a:r>
+              <a:rPr lang="fr-FR" sz="2200" i="0" dirty="0" smtClean="0">
+                <a:solidFill>
+                  <a:schemeClr val="tx1">
+                    <a:lumMod val="75000"/>
+                    <a:lumOff val="25000"/>
+                  </a:schemeClr>
+                </a:solidFill>
+              </a:rPr>
+              <a:t> configuration file : </a:t>
+            </a:r>
           </a:p>
           <a:p>
             <a:pPr marL="3175" indent="0">
+              <a:lnSpc>
+                <a:spcPct val="100000"/>
+              </a:lnSpc>
               <a:buClr>
                 <a:srgbClr val="FF9900"/>
               </a:buClr>
               <a:buSzPct val="120000"/>
               <a:buNone/>
             </a:pPr>
-            <a:endParaRPr lang="fr-FR" sz="2200" i="0" dirty="0"/>
+            <a:r>
+              <a:rPr lang="fr-FR" sz="2200" b="0" i="0" dirty="0" smtClean="0">
+                <a:solidFill>
+                  <a:schemeClr val="tx1">
+                    <a:lumMod val="75000"/>
+                    <a:lumOff val="25000"/>
+                  </a:schemeClr>
+                </a:solidFill>
+              </a:rPr>
+              <a:t>	portal</a:t>
+            </a:r>
+            <a:r>
+              <a:rPr lang="fr-FR" sz="2200" b="0" i="0" dirty="0">
+                <a:solidFill>
+                  <a:schemeClr val="tx1">
+                    <a:lumMod val="75000"/>
+                    <a:lumOff val="25000"/>
+                  </a:schemeClr>
+                </a:solidFill>
+              </a:rPr>
+              <a:t>/portal</a:t>
+            </a:r>
+            <a:r>
+              <a:rPr lang="fr-FR" sz="2200" b="0" i="0" dirty="0" smtClean="0">
+                <a:solidFill>
+                  <a:schemeClr val="tx1">
+                    <a:lumMod val="75000"/>
+                    <a:lumOff val="25000"/>
+                  </a:schemeClr>
+                </a:solidFill>
+              </a:rPr>
+              <a:t>/</a:t>
+            </a:r>
+            <a:r>
+              <a:rPr lang="fr-FR" sz="2200" b="0" i="0" dirty="0" err="1">
+                <a:solidFill>
+                  <a:schemeClr val="tx1">
+                    <a:lumMod val="75000"/>
+                    <a:lumOff val="25000"/>
+                  </a:schemeClr>
+                </a:solidFill>
+              </a:rPr>
+              <a:t>organization</a:t>
+            </a:r>
+            <a:r>
+              <a:rPr lang="fr-FR" sz="2200" b="0" i="0" dirty="0">
+                <a:solidFill>
+                  <a:schemeClr val="tx1">
+                    <a:lumMod val="75000"/>
+                    <a:lumOff val="25000"/>
+                  </a:schemeClr>
+                </a:solidFill>
+              </a:rPr>
+              <a:t>/exo/</a:t>
+            </a:r>
+            <a:r>
+              <a:rPr lang="fr-FR" sz="2200" b="0" i="0" dirty="0" err="1">
+                <a:solidFill>
+                  <a:schemeClr val="tx1">
+                    <a:lumMod val="75000"/>
+                    <a:lumOff val="25000"/>
+                  </a:schemeClr>
+                </a:solidFill>
+              </a:rPr>
+              <a:t>ldap-configuration.xml</a:t>
+            </a:r>
+            <a:endParaRPr lang="fr-FR" sz="2200" i="0" dirty="0" smtClean="0">
+              <a:solidFill>
+                <a:schemeClr val="tx1">
+                  <a:lumMod val="75000"/>
+                  <a:lumOff val="25000"/>
+                </a:schemeClr>
+              </a:solidFill>
+            </a:endParaRPr>
+          </a:p>
+          <a:p>
+            <a:pPr>
+              <a:lnSpc>
+                <a:spcPct val="100000"/>
+              </a:lnSpc>
+              <a:buClr>
+                <a:srgbClr val="FF9900"/>
+              </a:buClr>
+              <a:buSzPct val="120000"/>
+              <a:buFont typeface="Lucida Grande"/>
+              <a:buChar char="»"/>
+            </a:pPr>
+            <a:r>
+              <a:rPr lang="fr-FR" sz="2200" i="0" dirty="0" smtClean="0">
+                <a:solidFill>
+                  <a:schemeClr val="tx1">
+                    <a:lumMod val="75000"/>
+                    <a:lumOff val="25000"/>
+                  </a:schemeClr>
+                </a:solidFill>
+              </a:rPr>
+              <a:t>Change the </a:t>
+            </a:r>
+            <a:r>
+              <a:rPr lang="fr-FR" sz="2200" i="0" dirty="0" err="1" smtClean="0">
+                <a:solidFill>
+                  <a:schemeClr val="tx1">
+                    <a:lumMod val="75000"/>
+                    <a:lumOff val="25000"/>
+                  </a:schemeClr>
+                </a:solidFill>
+              </a:rPr>
+              <a:t>ldap</a:t>
+            </a:r>
+            <a:r>
+              <a:rPr lang="fr-FR" sz="2200" i="0" dirty="0" smtClean="0">
+                <a:solidFill>
+                  <a:schemeClr val="tx1">
+                    <a:lumMod val="75000"/>
+                    <a:lumOff val="25000"/>
+                  </a:schemeClr>
+                </a:solidFill>
+              </a:rPr>
+              <a:t> port, </a:t>
+            </a:r>
+            <a:r>
+              <a:rPr lang="fr-FR" sz="2200" i="0" dirty="0" err="1" smtClean="0">
+                <a:solidFill>
+                  <a:schemeClr val="tx1">
+                    <a:lumMod val="75000"/>
+                    <a:lumOff val="25000"/>
+                  </a:schemeClr>
+                </a:solidFill>
+              </a:rPr>
+              <a:t>dn</a:t>
+            </a:r>
+            <a:r>
+              <a:rPr lang="fr-FR" sz="2200" i="0" dirty="0" smtClean="0">
+                <a:solidFill>
+                  <a:schemeClr val="tx1">
+                    <a:lumMod val="75000"/>
+                    <a:lumOff val="25000"/>
+                  </a:schemeClr>
+                </a:solidFill>
+              </a:rPr>
+              <a:t>, </a:t>
+            </a:r>
+            <a:r>
+              <a:rPr lang="fr-FR" sz="2200" i="0" dirty="0" err="1" smtClean="0">
+                <a:solidFill>
+                  <a:schemeClr val="tx1">
+                    <a:lumMod val="75000"/>
+                    <a:lumOff val="25000"/>
+                  </a:schemeClr>
+                </a:solidFill>
+              </a:rPr>
+              <a:t>password</a:t>
+            </a:r>
+            <a:r>
+              <a:rPr lang="fr-FR" sz="2200" i="0" dirty="0" smtClean="0">
+                <a:solidFill>
+                  <a:schemeClr val="tx1">
+                    <a:lumMod val="75000"/>
+                    <a:lumOff val="25000"/>
+                  </a:schemeClr>
+                </a:solidFill>
+              </a:rPr>
+              <a:t> to fit </a:t>
+            </a:r>
+            <a:r>
+              <a:rPr lang="fr-FR" sz="2200" i="0" dirty="0" err="1" smtClean="0">
+                <a:solidFill>
+                  <a:schemeClr val="tx1">
+                    <a:lumMod val="75000"/>
+                    <a:lumOff val="25000"/>
+                  </a:schemeClr>
+                </a:solidFill>
+              </a:rPr>
+              <a:t>with</a:t>
+            </a:r>
+            <a:r>
+              <a:rPr lang="fr-FR" sz="2200" i="0" dirty="0" smtClean="0">
+                <a:solidFill>
+                  <a:schemeClr val="tx1">
+                    <a:lumMod val="75000"/>
+                    <a:lumOff val="25000"/>
+                  </a:schemeClr>
+                </a:solidFill>
+              </a:rPr>
+              <a:t> </a:t>
+            </a:r>
+            <a:r>
+              <a:rPr lang="fr-FR" sz="2200" i="0" dirty="0" err="1" smtClean="0">
+                <a:solidFill>
+                  <a:schemeClr val="tx1">
+                    <a:lumMod val="75000"/>
+                    <a:lumOff val="25000"/>
+                  </a:schemeClr>
+                </a:solidFill>
+              </a:rPr>
+              <a:t>your</a:t>
+            </a:r>
+            <a:r>
+              <a:rPr lang="fr-FR" sz="2200" i="0" dirty="0" smtClean="0">
+                <a:solidFill>
+                  <a:schemeClr val="tx1">
+                    <a:lumMod val="75000"/>
+                    <a:lumOff val="25000"/>
+                  </a:schemeClr>
+                </a:solidFill>
+              </a:rPr>
+              <a:t> configuration</a:t>
+            </a:r>
+          </a:p>
+          <a:p>
+            <a:pPr>
+              <a:lnSpc>
+                <a:spcPct val="100000"/>
+              </a:lnSpc>
+              <a:buClr>
+                <a:srgbClr val="FF9900"/>
+              </a:buClr>
+              <a:buSzPct val="120000"/>
+              <a:buFont typeface="Lucida Grande"/>
+              <a:buChar char="»"/>
+            </a:pPr>
+            <a:r>
+              <a:rPr lang="fr-FR" sz="2200" i="0" dirty="0">
+                <a:solidFill>
+                  <a:schemeClr val="tx1">
+                    <a:lumMod val="75000"/>
+                    <a:lumOff val="25000"/>
+                  </a:schemeClr>
+                </a:solidFill>
+              </a:rPr>
+              <a:t> Check if the organisation model are in the </a:t>
+            </a:r>
+            <a:r>
+              <a:rPr lang="fr-FR" sz="2200" i="0" dirty="0" err="1">
+                <a:solidFill>
+                  <a:schemeClr val="tx1">
+                    <a:lumMod val="75000"/>
+                    <a:lumOff val="25000"/>
+                  </a:schemeClr>
+                </a:solidFill>
+              </a:rPr>
+              <a:t>ldap</a:t>
+            </a:r>
+            <a:r>
+              <a:rPr lang="fr-FR" sz="2200" i="0" dirty="0">
+                <a:solidFill>
+                  <a:schemeClr val="tx1">
+                    <a:lumMod val="75000"/>
+                    <a:lumOff val="25000"/>
+                  </a:schemeClr>
+                </a:solidFill>
+              </a:rPr>
+              <a:t> (</a:t>
+            </a:r>
+            <a:r>
+              <a:rPr lang="fr-FR" sz="2200" i="0" dirty="0" err="1">
+                <a:solidFill>
+                  <a:schemeClr val="tx1">
+                    <a:lumMod val="75000"/>
+                    <a:lumOff val="25000"/>
+                  </a:schemeClr>
+                </a:solidFill>
+              </a:rPr>
+              <a:t>left</a:t>
+            </a:r>
+            <a:r>
+              <a:rPr lang="fr-FR" sz="2200" i="0" dirty="0">
+                <a:solidFill>
+                  <a:schemeClr val="tx1">
+                    <a:lumMod val="75000"/>
+                    <a:lumOff val="25000"/>
+                  </a:schemeClr>
+                </a:solidFill>
+              </a:rPr>
+              <a:t> panel, manage entry, select the ou=</a:t>
+            </a:r>
+            <a:r>
+              <a:rPr lang="fr-FR" sz="2200" i="0" dirty="0" err="1">
+                <a:solidFill>
+                  <a:schemeClr val="tx1">
+                    <a:lumMod val="75000"/>
+                    <a:lumOff val="25000"/>
+                  </a:schemeClr>
+                </a:solidFill>
+              </a:rPr>
+              <a:t>portal,dc</a:t>
+            </a:r>
+            <a:r>
+              <a:rPr lang="fr-FR" sz="2200" i="0" dirty="0">
+                <a:solidFill>
+                  <a:schemeClr val="tx1">
+                    <a:lumMod val="75000"/>
+                    <a:lumOff val="25000"/>
+                  </a:schemeClr>
+                </a:solidFill>
+              </a:rPr>
+              <a:t>=</a:t>
+            </a:r>
+            <a:r>
+              <a:rPr lang="fr-FR" sz="2200" i="0" dirty="0" err="1">
+                <a:solidFill>
+                  <a:schemeClr val="tx1">
+                    <a:lumMod val="75000"/>
+                    <a:lumOff val="25000"/>
+                  </a:schemeClr>
+                </a:solidFill>
+              </a:rPr>
+              <a:t>exoplatform,dc</a:t>
+            </a:r>
+            <a:r>
+              <a:rPr lang="fr-FR" sz="2200" i="0" dirty="0">
+                <a:solidFill>
+                  <a:schemeClr val="tx1">
+                    <a:lumMod val="75000"/>
+                    <a:lumOff val="25000"/>
+                  </a:schemeClr>
+                </a:solidFill>
+              </a:rPr>
+              <a:t>=</a:t>
+            </a:r>
+            <a:r>
+              <a:rPr lang="fr-FR" sz="2200" i="0" dirty="0" err="1">
+                <a:solidFill>
+                  <a:schemeClr val="tx1">
+                    <a:lumMod val="75000"/>
+                    <a:lumOff val="25000"/>
+                  </a:schemeClr>
+                </a:solidFill>
+              </a:rPr>
+              <a:t>org</a:t>
+            </a:r>
+            <a:r>
+              <a:rPr lang="fr-FR" sz="2200" i="0" dirty="0">
+                <a:solidFill>
+                  <a:schemeClr val="tx1">
+                    <a:lumMod val="75000"/>
+                    <a:lumOff val="25000"/>
+                  </a:schemeClr>
+                </a:solidFill>
+              </a:rPr>
+              <a:t> </a:t>
+            </a:r>
+            <a:r>
+              <a:rPr lang="fr-FR" sz="2200" i="0" dirty="0" err="1">
+                <a:solidFill>
+                  <a:schemeClr val="tx1">
+                    <a:lumMod val="75000"/>
+                    <a:lumOff val="25000"/>
+                  </a:schemeClr>
+                </a:solidFill>
+              </a:rPr>
+              <a:t>dn</a:t>
+            </a:r>
+            <a:r>
+              <a:rPr lang="fr-FR" sz="2200" i="0" dirty="0">
+                <a:solidFill>
+                  <a:schemeClr val="tx1">
+                    <a:lumMod val="75000"/>
+                    <a:lumOff val="25000"/>
+                  </a:schemeClr>
+                </a:solidFill>
+              </a:rPr>
+              <a:t>.</a:t>
+            </a:r>
+          </a:p>
+          <a:p>
+            <a:pPr>
+              <a:lnSpc>
+                <a:spcPct val="100000"/>
+              </a:lnSpc>
+              <a:buClr>
+                <a:srgbClr val="FF9900"/>
+              </a:buClr>
+              <a:buSzPct val="120000"/>
+              <a:buFont typeface="Lucida Grande"/>
+              <a:buChar char="»"/>
+            </a:pPr>
+            <a:endParaRPr lang="fr-FR" sz="2200" i="0" dirty="0" smtClean="0">
+              <a:solidFill>
+                <a:schemeClr val="tx1">
+                  <a:lumMod val="75000"/>
+                  <a:lumOff val="25000"/>
+                </a:schemeClr>
+              </a:solidFill>
+            </a:endParaRPr>
           </a:p>
         </p:txBody>
       </p:sp>
     </p:spTree>
     <p:extLst>
       <p:ext uri="{BB962C8B-B14F-4D97-AF65-F5344CB8AC3E}">
-        <p14:creationId xmlns:p14="http://schemas.microsoft.com/office/powerpoint/2010/main" val="953738383"/>
+        <p14:creationId xmlns:p14="http://schemas.microsoft.com/office/powerpoint/2010/main" val="3512135546"/>
       </p:ext>
     </p:extLst>
   </p:cSld>
@@ -35105,20 +36999,8 @@
               </a:lnSpc>
             </a:pPr>
             <a:r>
-              <a:rPr lang="fr-FR" sz="4800" dirty="0" err="1">
-                <a:solidFill>
-                  <a:srgbClr val="FFFFFF"/>
-                </a:solidFill>
-              </a:rPr>
-              <a:t>PicketLink</a:t>
-            </a:r>
-            <a:r>
-              <a:rPr lang="fr-FR" sz="4800" dirty="0">
-                <a:solidFill>
-                  <a:srgbClr val="FFFFFF"/>
-                </a:solidFill>
-              </a:rPr>
-              <a:t> configuration</a:t>
+              <a:rPr lang="fr-FR" sz="4800" dirty="0"/>
+              <a:t>Active Directory configuration</a:t>
             </a:r>
           </a:p>
         </p:txBody>
@@ -35126,7 +37008,7 @@
     </p:spTree>
     <p:extLst>
       <p:ext uri="{BB962C8B-B14F-4D97-AF65-F5344CB8AC3E}">
-        <p14:creationId xmlns:p14="http://schemas.microsoft.com/office/powerpoint/2010/main" val="593159174"/>
+        <p14:creationId xmlns:p14="http://schemas.microsoft.com/office/powerpoint/2010/main" val="4211843412"/>
       </p:ext>
     </p:extLst>
   </p:cSld>
@@ -35209,34 +37091,9 @@
               </a:lnSpc>
             </a:pPr>
             <a:r>
-              <a:rPr lang="fr-FR" dirty="0" err="1">
-                <a:solidFill>
-                  <a:srgbClr val="FF9900"/>
-                </a:solidFill>
-              </a:rPr>
-              <a:t>PicketLink</a:t>
-            </a:r>
-            <a:r>
-              <a:rPr lang="fr-FR" dirty="0">
-                <a:solidFill>
-                  <a:srgbClr val="FF9900"/>
-                </a:solidFill>
-              </a:rPr>
-              <a:t> </a:t>
-            </a:r>
-            <a:r>
-              <a:rPr lang="fr-FR" dirty="0" smtClean="0">
-                <a:solidFill>
-                  <a:srgbClr val="FF9900"/>
-                </a:solidFill>
-              </a:rPr>
-              <a:t>Intégration configuration</a:t>
-            </a:r>
-            <a:endParaRPr lang="fr-FR" dirty="0">
-              <a:solidFill>
-                <a:srgbClr val="FF9900"/>
-              </a:solidFill>
-            </a:endParaRPr>
+              <a:rPr lang="fr-FR" dirty="0"/>
+              <a:t>Active Directory configuration</a:t>
+            </a:r>
           </a:p>
         </p:txBody>
       </p:sp>
@@ -35252,7 +37109,7 @@
         </p:nvSpPr>
         <p:spPr>
           <a:xfrm>
-            <a:off x="467494" y="1283125"/>
+            <a:off x="467494" y="1043533"/>
             <a:ext cx="10219725" cy="5089000"/>
           </a:xfrm>
         </p:spPr>
@@ -35260,74 +37117,485 @@
           <a:bodyPr rIns="41783" anchor="t"/>
           <a:lstStyle/>
           <a:p>
-            <a:pPr>
+            <a:pPr marL="258763" lvl="1" indent="-255588">
+              <a:lnSpc>
+                <a:spcPct val="67000"/>
+              </a:lnSpc>
+              <a:buClr>
+                <a:srgbClr val="FF9900"/>
+              </a:buClr>
+              <a:buFont typeface="Lucida Grande"/>
+              <a:buChar char="»"/>
+            </a:pPr>
+            <a:r>
+              <a:rPr lang="fr-FR" i="0" dirty="0"/>
+              <a:t>A</a:t>
+            </a:r>
+            <a:r>
+              <a:rPr lang="fr-FR" i="0" dirty="0" smtClean="0"/>
+              <a:t>lternative </a:t>
+            </a:r>
+            <a:r>
+              <a:rPr lang="fr-FR" i="0" dirty="0"/>
+              <a:t>configuration for active directory </a:t>
+            </a:r>
+            <a:r>
+              <a:rPr lang="fr-FR" i="0" dirty="0" smtClean="0"/>
+              <a:t>:</a:t>
+            </a:r>
+          </a:p>
+          <a:p>
+            <a:pPr marL="3175" lvl="1" indent="0">
+              <a:lnSpc>
+                <a:spcPct val="67000"/>
+              </a:lnSpc>
+              <a:buClr>
+                <a:srgbClr val="FF9900"/>
+              </a:buClr>
+              <a:buNone/>
+            </a:pPr>
+            <a:r>
+              <a:rPr lang="fr-FR" b="0" i="0" dirty="0">
+                <a:solidFill>
+                  <a:schemeClr val="tx1">
+                    <a:lumMod val="75000"/>
+                    <a:lumOff val="25000"/>
+                  </a:schemeClr>
+                </a:solidFill>
+              </a:rPr>
+              <a:t>portal/portal/</a:t>
+            </a:r>
+            <a:r>
+              <a:rPr lang="fr-FR" b="0" i="0" dirty="0" err="1">
+                <a:solidFill>
+                  <a:schemeClr val="tx1">
+                    <a:lumMod val="75000"/>
+                    <a:lumOff val="25000"/>
+                  </a:schemeClr>
+                </a:solidFill>
+              </a:rPr>
+              <a:t>conf</a:t>
+            </a:r>
+            <a:r>
+              <a:rPr lang="fr-FR" b="0" i="0" dirty="0">
+                <a:solidFill>
+                  <a:schemeClr val="tx1">
+                    <a:lumMod val="75000"/>
+                    <a:lumOff val="25000"/>
+                  </a:schemeClr>
+                </a:solidFill>
+              </a:rPr>
+              <a:t>/</a:t>
+            </a:r>
+            <a:r>
+              <a:rPr lang="fr-FR" b="0" i="0" dirty="0" err="1">
+                <a:solidFill>
+                  <a:schemeClr val="tx1">
+                    <a:lumMod val="75000"/>
+                    <a:lumOff val="25000"/>
+                  </a:schemeClr>
+                </a:solidFill>
+              </a:rPr>
+              <a:t>organization</a:t>
+            </a:r>
+            <a:r>
+              <a:rPr lang="fr-FR" b="0" i="0" dirty="0">
+                <a:solidFill>
+                  <a:schemeClr val="tx1">
+                    <a:lumMod val="75000"/>
+                    <a:lumOff val="25000"/>
+                  </a:schemeClr>
+                </a:solidFill>
+              </a:rPr>
+              <a:t>/exo/</a:t>
+            </a:r>
+            <a:r>
+              <a:rPr lang="fr-FR" b="0" i="0" dirty="0" err="1"/>
+              <a:t>activedirectory-</a:t>
+            </a:r>
+            <a:r>
+              <a:rPr lang="fr-FR" b="0" i="0" dirty="0" err="1" smtClean="0"/>
+              <a:t>configuration.xml</a:t>
+            </a:r>
+            <a:endParaRPr lang="fr-FR" i="0" dirty="0" smtClean="0"/>
+          </a:p>
+          <a:p>
+            <a:pPr marL="258763" lvl="1" indent="-255588">
+              <a:lnSpc>
+                <a:spcPct val="67000"/>
+              </a:lnSpc>
+              <a:buClr>
+                <a:srgbClr val="FF9900"/>
+              </a:buClr>
+              <a:buFont typeface="Lucida Grande"/>
+              <a:buChar char="»"/>
+            </a:pPr>
+            <a:r>
+              <a:rPr lang="fr-FR" i="0" dirty="0" smtClean="0"/>
+              <a:t>There </a:t>
+            </a:r>
+            <a:r>
+              <a:rPr lang="fr-FR" i="0" dirty="0" err="1"/>
+              <a:t>is</a:t>
+            </a:r>
+            <a:r>
+              <a:rPr lang="fr-FR" i="0" dirty="0"/>
+              <a:t> a </a:t>
+            </a:r>
+            <a:r>
+              <a:rPr lang="fr-FR" i="0" dirty="0" err="1"/>
+              <a:t>microsoft</a:t>
+            </a:r>
+            <a:r>
+              <a:rPr lang="fr-FR" i="0" dirty="0"/>
+              <a:t> limitation: </a:t>
+            </a:r>
+            <a:r>
+              <a:rPr lang="fr-FR" i="0" dirty="0" err="1"/>
+              <a:t>password</a:t>
+            </a:r>
+            <a:r>
+              <a:rPr lang="fr-FR" i="0" dirty="0"/>
+              <a:t> </a:t>
+            </a:r>
+            <a:r>
+              <a:rPr lang="fr-FR" i="0" dirty="0" err="1"/>
+              <a:t>can't</a:t>
+            </a:r>
+            <a:r>
+              <a:rPr lang="fr-FR" i="0" dirty="0"/>
+              <a:t> </a:t>
+            </a:r>
+            <a:r>
+              <a:rPr lang="fr-FR" i="0" dirty="0" err="1"/>
+              <a:t>be</a:t>
+            </a:r>
+            <a:r>
+              <a:rPr lang="fr-FR" i="0" dirty="0"/>
+              <a:t> set in AD via </a:t>
+            </a:r>
+            <a:r>
+              <a:rPr lang="fr-FR" i="0" dirty="0" err="1"/>
+              <a:t>unsecured</a:t>
+            </a:r>
+            <a:r>
+              <a:rPr lang="fr-FR" i="0" dirty="0"/>
+              <a:t> </a:t>
+            </a:r>
+            <a:r>
+              <a:rPr lang="fr-FR" i="0" dirty="0" err="1"/>
+              <a:t>connection</a:t>
+            </a:r>
+            <a:r>
+              <a:rPr lang="fr-FR" i="0" dirty="0"/>
+              <a:t> </a:t>
+            </a:r>
+            <a:endParaRPr lang="fr-FR" i="0" dirty="0" smtClean="0"/>
+          </a:p>
+          <a:p>
+            <a:pPr marL="258763" lvl="1" indent="-255588">
+              <a:lnSpc>
+                <a:spcPct val="67000"/>
+              </a:lnSpc>
+              <a:buClr>
+                <a:srgbClr val="FF9900"/>
+              </a:buClr>
+              <a:buFont typeface="Lucida Grande"/>
+              <a:buChar char="»"/>
+            </a:pPr>
+            <a:r>
+              <a:rPr lang="fr-FR" i="0" dirty="0"/>
+              <a:t>Y</a:t>
+            </a:r>
+            <a:r>
+              <a:rPr lang="fr-FR" i="0" dirty="0" smtClean="0"/>
+              <a:t>ou </a:t>
+            </a:r>
+            <a:r>
+              <a:rPr lang="fr-FR" i="0" dirty="0"/>
+              <a:t>have to use the </a:t>
+            </a:r>
+            <a:r>
+              <a:rPr lang="fr-FR" i="0" dirty="0" err="1"/>
+              <a:t>ldaps</a:t>
+            </a:r>
+            <a:r>
+              <a:rPr lang="fr-FR" i="0" dirty="0"/>
+              <a:t> </a:t>
+            </a:r>
+            <a:r>
+              <a:rPr lang="fr-FR" i="0" dirty="0" err="1" smtClean="0"/>
+              <a:t>protocol</a:t>
+            </a:r>
+            <a:r>
+              <a:rPr lang="fr-FR" i="0" dirty="0" smtClean="0"/>
+              <a:t>, to </a:t>
+            </a:r>
+            <a:r>
+              <a:rPr lang="fr-FR" i="0" dirty="0"/>
+              <a:t>use LDAPS </a:t>
+            </a:r>
+            <a:r>
+              <a:rPr lang="fr-FR" i="0" dirty="0" err="1"/>
+              <a:t>protocol</a:t>
+            </a:r>
+            <a:r>
+              <a:rPr lang="fr-FR" i="0" dirty="0"/>
+              <a:t> </a:t>
+            </a:r>
+            <a:r>
+              <a:rPr lang="fr-FR" i="0" dirty="0" err="1"/>
+              <a:t>with</a:t>
+            </a:r>
+            <a:r>
+              <a:rPr lang="fr-FR" i="0" dirty="0"/>
+              <a:t> Active </a:t>
+            </a:r>
+            <a:r>
+              <a:rPr lang="fr-FR" i="0" dirty="0" smtClean="0"/>
+              <a:t>Directory:</a:t>
+            </a:r>
+          </a:p>
+          <a:p>
+            <a:pPr marL="1371600" lvl="2" indent="-342900">
+              <a:lnSpc>
+                <a:spcPct val="67000"/>
+              </a:lnSpc>
               <a:buClr>
                 <a:srgbClr val="FF9900"/>
               </a:buClr>
               <a:buSzPct val="120000"/>
               <a:buFont typeface="Lucida Grande"/>
-              <a:buChar char="»"/>
+              <a:buChar char="-"/>
             </a:pPr>
             <a:r>
-              <a:rPr lang="fr-FR" sz="2200" i="0" dirty="0" err="1"/>
-              <a:t>GateIn</a:t>
-            </a:r>
-            <a:r>
-              <a:rPr lang="fr-FR" sz="2200" i="0" dirty="0"/>
-              <a:t> 3.1 uses </a:t>
-            </a:r>
-            <a:r>
-              <a:rPr lang="fr-FR" sz="2200" i="0" dirty="0" err="1"/>
-              <a:t>PicketLink</a:t>
-            </a:r>
-            <a:r>
-              <a:rPr lang="fr-FR" sz="2200" i="0" dirty="0"/>
-              <a:t> IDM component to </a:t>
-            </a:r>
-            <a:r>
-              <a:rPr lang="fr-FR" sz="2200" i="0" dirty="0" err="1"/>
-              <a:t>keep</a:t>
-            </a:r>
-            <a:r>
-              <a:rPr lang="fr-FR" sz="2200" i="0" dirty="0"/>
-              <a:t> the </a:t>
-            </a:r>
-            <a:r>
-              <a:rPr lang="fr-FR" sz="2200" i="0" dirty="0" err="1"/>
-              <a:t>necessary</a:t>
-            </a:r>
-            <a:r>
-              <a:rPr lang="fr-FR" sz="2200" i="0" dirty="0"/>
+              <a:rPr lang="fr-FR" i="0" dirty="0" err="1" smtClean="0"/>
+              <a:t>Add</a:t>
+            </a:r>
+            <a:r>
+              <a:rPr lang="fr-FR" i="0" dirty="0" smtClean="0"/>
               <a:t> </a:t>
             </a:r>
             <a:r>
-              <a:rPr lang="fr-FR" sz="2200" i="0" dirty="0" err="1"/>
-              <a:t>identity</a:t>
-            </a:r>
-            <a:r>
-              <a:rPr lang="fr-FR" sz="2200" i="0" dirty="0"/>
-              <a:t> information (</a:t>
-            </a:r>
-            <a:r>
-              <a:rPr lang="fr-FR" sz="2200" i="0" dirty="0" err="1"/>
-              <a:t>users</a:t>
-            </a:r>
-            <a:r>
-              <a:rPr lang="fr-FR" sz="2200" i="0" dirty="0"/>
-              <a:t>, groups, </a:t>
-            </a:r>
-            <a:r>
-              <a:rPr lang="fr-FR" sz="2200" i="0" dirty="0" err="1"/>
-              <a:t>memberships</a:t>
-            </a:r>
-            <a:r>
-              <a:rPr lang="fr-FR" sz="2200" i="0" dirty="0"/>
-              <a:t>, etc.</a:t>
-            </a:r>
-            <a:r>
-              <a:rPr lang="fr-FR" sz="2200" i="0" dirty="0" smtClean="0"/>
-              <a:t>)</a:t>
-            </a:r>
+              <a:rPr lang="fr-FR" i="0" dirty="0"/>
+              <a:t>Active Directory </a:t>
+            </a:r>
+            <a:r>
+              <a:rPr lang="fr-FR" i="0" dirty="0" err="1"/>
+              <a:t>Certificate</a:t>
+            </a:r>
+            <a:r>
+              <a:rPr lang="fr-FR" i="0" dirty="0"/>
+              <a:t> Services </a:t>
+            </a:r>
+            <a:r>
+              <a:rPr lang="fr-FR" i="0" dirty="0" err="1"/>
+              <a:t>role</a:t>
+            </a:r>
+            <a:r>
+              <a:rPr lang="fr-FR" i="0" dirty="0"/>
+              <a:t> </a:t>
+            </a:r>
+            <a:endParaRPr lang="fr-FR" i="0" dirty="0" smtClean="0"/>
+          </a:p>
+          <a:p>
+            <a:pPr marL="1371600" lvl="2" indent="-342900">
+              <a:lnSpc>
+                <a:spcPct val="100000"/>
+              </a:lnSpc>
+              <a:buClr>
+                <a:srgbClr val="FF9900"/>
+              </a:buClr>
+              <a:buSzPct val="120000"/>
+              <a:buFont typeface="Lucida Grande"/>
+              <a:buChar char="-"/>
+            </a:pPr>
+            <a:r>
+              <a:rPr lang="fr-FR" i="0" dirty="0" err="1" smtClean="0"/>
+              <a:t>install</a:t>
+            </a:r>
+            <a:r>
+              <a:rPr lang="fr-FR" i="0" dirty="0" smtClean="0"/>
+              <a:t> </a:t>
+            </a:r>
+            <a:r>
+              <a:rPr lang="fr-FR" i="0" dirty="0"/>
+              <a:t>right </a:t>
+            </a:r>
+            <a:r>
+              <a:rPr lang="fr-FR" i="0" dirty="0" err="1"/>
+              <a:t>certificate</a:t>
+            </a:r>
+            <a:r>
+              <a:rPr lang="fr-FR" i="0" dirty="0"/>
+              <a:t> for DC machine 2 </a:t>
+            </a:r>
+            <a:r>
+              <a:rPr lang="fr-FR" i="0" dirty="0" err="1"/>
+              <a:t>enable</a:t>
+            </a:r>
+            <a:r>
+              <a:rPr lang="fr-FR" i="0" dirty="0"/>
+              <a:t> Java VM to use </a:t>
+            </a:r>
+            <a:r>
+              <a:rPr lang="fr-FR" i="0" dirty="0" err="1"/>
+              <a:t>certificate</a:t>
+            </a:r>
+            <a:r>
+              <a:rPr lang="fr-FR" i="0" dirty="0"/>
+              <a:t> </a:t>
+            </a:r>
+            <a:r>
+              <a:rPr lang="fr-FR" i="0" dirty="0" err="1"/>
+              <a:t>from</a:t>
+            </a:r>
+            <a:r>
+              <a:rPr lang="fr-FR" i="0" dirty="0"/>
+              <a:t> </a:t>
+            </a:r>
+            <a:r>
+              <a:rPr lang="fr-FR" i="0" dirty="0" smtClean="0"/>
+              <a:t>AD</a:t>
+            </a:r>
+          </a:p>
+          <a:p>
+            <a:pPr marL="1371600" lvl="2" indent="-342900">
+              <a:lnSpc>
+                <a:spcPct val="67000"/>
+              </a:lnSpc>
+              <a:buClr>
+                <a:srgbClr val="FF9900"/>
+              </a:buClr>
+              <a:buSzPct val="120000"/>
+              <a:buFont typeface="Lucida Grande"/>
+              <a:buChar char="-"/>
+            </a:pPr>
+            <a:r>
+              <a:rPr lang="fr-FR" i="0" dirty="0"/>
+              <a:t>I</a:t>
+            </a:r>
+            <a:r>
+              <a:rPr lang="fr-FR" i="0" dirty="0" smtClean="0"/>
+              <a:t>mport </a:t>
+            </a:r>
+            <a:r>
+              <a:rPr lang="fr-FR" i="0" dirty="0" err="1"/>
+              <a:t>root</a:t>
+            </a:r>
+            <a:r>
+              <a:rPr lang="fr-FR" i="0" dirty="0"/>
+              <a:t> CA </a:t>
+            </a:r>
+            <a:r>
+              <a:rPr lang="fr-FR" i="0" dirty="0" err="1"/>
+              <a:t>used</a:t>
+            </a:r>
+            <a:r>
+              <a:rPr lang="fr-FR" i="0" dirty="0"/>
+              <a:t> in AD, to </a:t>
+            </a:r>
+            <a:r>
+              <a:rPr lang="fr-FR" i="0" dirty="0" err="1"/>
+              <a:t>keystore</a:t>
+            </a:r>
+            <a:r>
+              <a:rPr lang="fr-FR" i="0" dirty="0"/>
+              <a:t>, </a:t>
+            </a:r>
+            <a:endParaRPr lang="fr-FR" i="0" dirty="0" smtClean="0"/>
+          </a:p>
+          <a:p>
+            <a:pPr marL="1371600" lvl="2" indent="-342900">
+              <a:lnSpc>
+                <a:spcPct val="100000"/>
+              </a:lnSpc>
+              <a:buClr>
+                <a:srgbClr val="FF9900"/>
+              </a:buClr>
+              <a:buSzPct val="120000"/>
+              <a:buFont typeface="Lucida Grande"/>
+              <a:buChar char="-"/>
+            </a:pPr>
+            <a:r>
+              <a:rPr lang="fr-FR" i="0" dirty="0" smtClean="0"/>
+              <a:t>set </a:t>
+            </a:r>
+            <a:r>
+              <a:rPr lang="fr-FR" i="0" dirty="0"/>
+              <a:t>java options JAVA_OPTS="${JAVA_OPTS} </a:t>
+            </a:r>
+            <a:endParaRPr lang="fr-FR" i="0" dirty="0" smtClean="0"/>
+          </a:p>
+          <a:p>
+            <a:pPr marL="1028700" lvl="2" indent="0">
+              <a:lnSpc>
+                <a:spcPct val="100000"/>
+              </a:lnSpc>
+              <a:buClr>
+                <a:srgbClr val="FF9900"/>
+              </a:buClr>
+              <a:buSzPct val="120000"/>
+              <a:buNone/>
+            </a:pPr>
+            <a:r>
+              <a:rPr lang="fr-FR" i="0" dirty="0"/>
+              <a:t>	</a:t>
+            </a:r>
+            <a:r>
+              <a:rPr lang="fr-FR" i="0" dirty="0" smtClean="0"/>
+              <a:t>	-</a:t>
+            </a:r>
+            <a:r>
+              <a:rPr lang="fr-FR" i="0" dirty="0" err="1"/>
+              <a:t>Djavax.net.ssl.trustStorePassword</a:t>
+            </a:r>
+            <a:r>
+              <a:rPr lang="fr-FR" i="0" dirty="0"/>
+              <a:t>=</a:t>
+            </a:r>
+            <a:r>
+              <a:rPr lang="fr-FR" i="0" dirty="0" err="1"/>
+              <a:t>changeit</a:t>
+            </a:r>
+            <a:r>
+              <a:rPr lang="fr-FR" i="0" dirty="0"/>
+              <a:t> </a:t>
+            </a:r>
+            <a:endParaRPr lang="fr-FR" i="0" dirty="0" smtClean="0"/>
+          </a:p>
+          <a:p>
+            <a:pPr marL="1028700" lvl="2" indent="0">
+              <a:lnSpc>
+                <a:spcPct val="100000"/>
+              </a:lnSpc>
+              <a:buClr>
+                <a:srgbClr val="FF9900"/>
+              </a:buClr>
+              <a:buSzPct val="120000"/>
+              <a:buNone/>
+            </a:pPr>
+            <a:r>
+              <a:rPr lang="fr-FR" i="0" dirty="0" smtClean="0"/>
+              <a:t>		-</a:t>
+            </a:r>
+            <a:r>
+              <a:rPr lang="fr-FR" i="0" dirty="0" err="1"/>
+              <a:t>Djavax.net.ssl.trustStore</a:t>
+            </a:r>
+            <a:r>
+              <a:rPr lang="fr-FR" i="0" dirty="0" smtClean="0"/>
+              <a:t>=</a:t>
+            </a:r>
+            <a:r>
+              <a:rPr lang="fr-FR" i="0" dirty="0" err="1" smtClean="0"/>
+              <a:t>cacerts_path</a:t>
+            </a:r>
+            <a:r>
+              <a:rPr lang="fr-FR" i="0" dirty="0" smtClean="0"/>
+              <a:t>"</a:t>
+            </a:r>
+            <a:endParaRPr lang="fr-FR" b="0" i="0" dirty="0"/>
           </a:p>
           <a:p>
             <a:pPr marL="3175" indent="0">
@@ -35337,322 +37605,6 @@
               <a:buSzPct val="120000"/>
               <a:buNone/>
             </a:pPr>
-            <a:endParaRPr lang="fr-FR" sz="2200" i="0" dirty="0" smtClean="0"/>
-          </a:p>
-          <a:p>
-            <a:pPr>
-              <a:buClr>
-                <a:srgbClr val="FF9900"/>
-              </a:buClr>
-              <a:buSzPct val="120000"/>
-              <a:buFont typeface="Lucida Grande"/>
-              <a:buChar char="»"/>
-            </a:pPr>
-            <a:r>
-              <a:rPr lang="fr-FR" sz="2200" i="0" dirty="0" err="1" smtClean="0"/>
-              <a:t>legacy</a:t>
-            </a:r>
-            <a:r>
-              <a:rPr lang="fr-FR" sz="2200" i="0" dirty="0" smtClean="0"/>
-              <a:t> </a:t>
-            </a:r>
-            <a:r>
-              <a:rPr lang="fr-FR" sz="2200" i="0" dirty="0"/>
-              <a:t>interfaces are </a:t>
-            </a:r>
-            <a:r>
-              <a:rPr lang="fr-FR" sz="2200" i="0" dirty="0" err="1"/>
-              <a:t>still</a:t>
-            </a:r>
-            <a:r>
-              <a:rPr lang="fr-FR" sz="2200" i="0" dirty="0"/>
-              <a:t> </a:t>
-            </a:r>
-            <a:r>
-              <a:rPr lang="fr-FR" sz="2200" i="0" dirty="0" err="1"/>
-              <a:t>used</a:t>
-            </a:r>
-            <a:r>
-              <a:rPr lang="fr-FR" sz="2200" i="0" dirty="0"/>
-              <a:t> (</a:t>
-            </a:r>
-            <a:r>
-              <a:rPr lang="fr-FR" sz="2200" i="0" dirty="0" err="1"/>
-              <a:t>org.exoplatform.services.organization</a:t>
-            </a:r>
-            <a:r>
-              <a:rPr lang="fr-FR" sz="2200" i="0" dirty="0"/>
-              <a:t>) for </a:t>
-            </a:r>
-            <a:r>
-              <a:rPr lang="fr-FR" sz="2200" i="0" dirty="0" err="1"/>
-              <a:t>identity</a:t>
-            </a:r>
-            <a:r>
-              <a:rPr lang="fr-FR" sz="2200" i="0" dirty="0"/>
-              <a:t> </a:t>
-            </a:r>
-            <a:r>
-              <a:rPr lang="fr-FR" sz="2200" i="0" dirty="0" smtClean="0"/>
-              <a:t>management</a:t>
-            </a:r>
-          </a:p>
-          <a:p>
-            <a:pPr marL="3175" indent="0">
-              <a:buClr>
-                <a:srgbClr val="FF9900"/>
-              </a:buClr>
-              <a:buSzPct val="120000"/>
-              <a:buNone/>
-            </a:pPr>
-            <a:endParaRPr lang="fr-FR" sz="2200" i="0" dirty="0" smtClean="0"/>
-          </a:p>
-          <a:p>
-            <a:pPr>
-              <a:buClr>
-                <a:srgbClr val="FF9900"/>
-              </a:buClr>
-              <a:buSzPct val="120000"/>
-              <a:buFont typeface="Lucida Grande"/>
-              <a:buChar char="»"/>
-            </a:pPr>
-            <a:r>
-              <a:rPr lang="fr-FR" sz="2200" i="0" dirty="0" smtClean="0"/>
-              <a:t>The </a:t>
-            </a:r>
-            <a:r>
-              <a:rPr lang="fr-FR" sz="2200" i="0" dirty="0" err="1"/>
-              <a:t>identity</a:t>
-            </a:r>
-            <a:r>
-              <a:rPr lang="fr-FR" sz="2200" i="0" dirty="0"/>
-              <a:t> model </a:t>
-            </a:r>
-            <a:r>
-              <a:rPr lang="fr-FR" sz="2200" i="0" dirty="0" err="1"/>
-              <a:t>represented</a:t>
-            </a:r>
-            <a:r>
-              <a:rPr lang="fr-FR" sz="2200" i="0" dirty="0"/>
-              <a:t> in '</a:t>
-            </a:r>
-            <a:r>
-              <a:rPr lang="fr-FR" sz="2200" i="0" dirty="0" err="1"/>
-              <a:t>org.exoplatform.services.organization</a:t>
-            </a:r>
-            <a:r>
-              <a:rPr lang="fr-FR" sz="2200" i="0" dirty="0"/>
-              <a:t>' interfaces and the one </a:t>
-            </a:r>
-            <a:r>
-              <a:rPr lang="fr-FR" sz="2200" i="0" dirty="0" err="1"/>
-              <a:t>used</a:t>
-            </a:r>
-            <a:r>
-              <a:rPr lang="fr-FR" sz="2200" i="0" dirty="0"/>
-              <a:t> in </a:t>
-            </a:r>
-            <a:r>
-              <a:rPr lang="fr-FR" sz="2200" i="0" dirty="0" err="1"/>
-              <a:t>PicketLink</a:t>
-            </a:r>
-            <a:r>
-              <a:rPr lang="fr-FR" sz="2200" i="0" dirty="0"/>
-              <a:t> IDM have </a:t>
-            </a:r>
-            <a:r>
-              <a:rPr lang="fr-FR" sz="2200" i="0" dirty="0" err="1"/>
-              <a:t>some</a:t>
-            </a:r>
-            <a:r>
-              <a:rPr lang="fr-FR" sz="2200" i="0" dirty="0"/>
-              <a:t> major </a:t>
-            </a:r>
-            <a:r>
-              <a:rPr lang="fr-FR" sz="2200" i="0" dirty="0" err="1" smtClean="0"/>
-              <a:t>differences</a:t>
-            </a:r>
-            <a:r>
-              <a:rPr lang="fr-FR" sz="2200" i="0" dirty="0" smtClean="0"/>
-              <a:t>.</a:t>
-            </a:r>
-          </a:p>
-          <a:p>
-            <a:pPr>
-              <a:buClr>
-                <a:srgbClr val="FF9900"/>
-              </a:buClr>
-              <a:buSzPct val="120000"/>
-              <a:buFont typeface="Lucida Grande"/>
-              <a:buChar char="»"/>
-            </a:pPr>
-            <a:r>
-              <a:rPr lang="fr-FR" sz="2200" i="0" dirty="0" smtClean="0"/>
-              <a:t>The </a:t>
-            </a:r>
-            <a:r>
-              <a:rPr lang="fr-FR" sz="2200" i="0" dirty="0"/>
-              <a:t>main configuration file </a:t>
-            </a:r>
-            <a:r>
-              <a:rPr lang="fr-FR" sz="2200" i="0" dirty="0" err="1"/>
-              <a:t>is</a:t>
-            </a:r>
-            <a:r>
-              <a:rPr lang="fr-FR" sz="2200" i="0" dirty="0"/>
-              <a:t> </a:t>
-            </a:r>
-            <a:r>
-              <a:rPr lang="fr-FR" sz="2200" i="0" dirty="0" smtClean="0"/>
-              <a:t>:</a:t>
-            </a:r>
-            <a:endParaRPr lang="fr-FR" sz="2200" i="0" dirty="0"/>
-          </a:p>
-          <a:p>
-            <a:pPr marL="3175" indent="0">
-              <a:buNone/>
-            </a:pPr>
-            <a:r>
-              <a:rPr lang="fr-FR" sz="2200" b="0" i="0" dirty="0"/>
-              <a:t>portal/portal/</a:t>
-            </a:r>
-            <a:r>
-              <a:rPr lang="fr-FR" sz="2200" b="0" i="0" dirty="0" err="1">
-                <a:solidFill>
-                  <a:schemeClr val="tx1">
-                    <a:lumMod val="75000"/>
-                    <a:lumOff val="25000"/>
-                  </a:schemeClr>
-                </a:solidFill>
-              </a:rPr>
-              <a:t>conf</a:t>
-            </a:r>
-            <a:r>
-              <a:rPr lang="fr-FR" sz="2200" b="0" i="0" dirty="0">
-                <a:solidFill>
-                  <a:schemeClr val="tx1">
-                    <a:lumMod val="75000"/>
-                    <a:lumOff val="25000"/>
-                  </a:schemeClr>
-                </a:solidFill>
-              </a:rPr>
-              <a:t>/</a:t>
-            </a:r>
-            <a:r>
-              <a:rPr lang="fr-FR" sz="2200" b="0" i="0" dirty="0" err="1">
-                <a:solidFill>
-                  <a:schemeClr val="tx1">
-                    <a:lumMod val="75000"/>
-                    <a:lumOff val="25000"/>
-                  </a:schemeClr>
-                </a:solidFill>
-              </a:rPr>
-              <a:t>organization</a:t>
-            </a:r>
-            <a:r>
-              <a:rPr lang="fr-FR" sz="2200" b="0" i="0" dirty="0">
-                <a:solidFill>
-                  <a:schemeClr val="tx1">
-                    <a:lumMod val="75000"/>
-                    <a:lumOff val="25000"/>
-                  </a:schemeClr>
-                </a:solidFill>
-              </a:rPr>
-              <a:t>/</a:t>
-            </a:r>
-            <a:r>
-              <a:rPr lang="fr-FR" sz="2200" b="0" i="0" dirty="0" err="1"/>
-              <a:t>idm-configuration.xml</a:t>
-            </a:r>
-            <a:r>
-              <a:rPr lang="fr-FR" sz="2200" b="0" i="0" dirty="0"/>
-              <a:t>  </a:t>
-            </a:r>
-          </a:p>
-          <a:p>
-            <a:pPr>
-              <a:buClr>
-                <a:srgbClr val="FF9900"/>
-              </a:buClr>
-              <a:buSzPct val="120000"/>
-              <a:buFont typeface="Lucida Grande"/>
-              <a:buChar char="»"/>
-            </a:pPr>
-            <a:endParaRPr lang="fr-FR" sz="2200" i="0" dirty="0" smtClean="0"/>
-          </a:p>
-          <a:p>
-            <a:pPr>
-              <a:buClr>
-                <a:srgbClr val="FF9900"/>
-              </a:buClr>
-              <a:buSzPct val="120000"/>
-              <a:buFont typeface="Lucida Grande"/>
-              <a:buChar char="»"/>
-            </a:pPr>
-            <a:r>
-              <a:rPr lang="fr-FR" sz="2200" i="0" dirty="0" smtClean="0"/>
-              <a:t>By setting the config </a:t>
-            </a:r>
-            <a:r>
-              <a:rPr lang="fr-FR" sz="2200" i="0" dirty="0" err="1" smtClean="0"/>
-              <a:t>parameter</a:t>
-            </a:r>
-            <a:r>
-              <a:rPr lang="fr-FR" sz="2200" i="0" dirty="0" smtClean="0"/>
-              <a:t> of the </a:t>
-            </a:r>
-            <a:r>
-              <a:rPr lang="fr-FR" sz="2200" b="0" i="0" dirty="0" err="1" smtClean="0"/>
-              <a:t>org.exoplatform.services.organization.idm.PicketLinkIDMService</a:t>
-            </a:r>
-            <a:r>
-              <a:rPr lang="fr-FR" sz="2200" i="0" dirty="0" smtClean="0"/>
-              <a:t>, </a:t>
-            </a:r>
-            <a:r>
-              <a:rPr lang="fr-FR" sz="2200" i="0" dirty="0" err="1" smtClean="0"/>
-              <a:t>you</a:t>
-            </a:r>
-            <a:r>
-              <a:rPr lang="fr-FR" sz="2200" i="0" dirty="0" smtClean="0"/>
-              <a:t> </a:t>
-            </a:r>
-            <a:r>
-              <a:rPr lang="fr-FR" sz="2200" i="0" dirty="0" err="1" smtClean="0"/>
-              <a:t>can</a:t>
-            </a:r>
-            <a:r>
-              <a:rPr lang="fr-FR" sz="2200" i="0" dirty="0" smtClean="0"/>
-              <a:t> </a:t>
-            </a:r>
-            <a:r>
-              <a:rPr lang="fr-FR" sz="2200" i="0" dirty="0" err="1" smtClean="0"/>
-              <a:t>specify</a:t>
-            </a:r>
-            <a:r>
-              <a:rPr lang="fr-FR" sz="2200" i="0" dirty="0" smtClean="0"/>
-              <a:t> </a:t>
-            </a:r>
-            <a:r>
-              <a:rPr lang="fr-FR" sz="2200" i="0" dirty="0" err="1" smtClean="0"/>
-              <a:t>your</a:t>
-            </a:r>
-            <a:r>
-              <a:rPr lang="fr-FR" sz="2200" i="0" dirty="0" smtClean="0"/>
-              <a:t> configuration</a:t>
-            </a:r>
-          </a:p>
-          <a:p>
-            <a:pPr marL="3175" indent="0">
-              <a:lnSpc>
-                <a:spcPct val="50000"/>
-              </a:lnSpc>
-              <a:buClr>
-                <a:srgbClr val="FF9900"/>
-              </a:buClr>
-              <a:buSzPct val="120000"/>
-              <a:buNone/>
-            </a:pPr>
             <a:endParaRPr lang="fr-FR" sz="2200" i="0" dirty="0"/>
           </a:p>
         </p:txBody>
@@ -35660,7 +37612,7 @@
     </p:spTree>
     <p:extLst>
       <p:ext uri="{BB962C8B-B14F-4D97-AF65-F5344CB8AC3E}">
-        <p14:creationId xmlns:p14="http://schemas.microsoft.com/office/powerpoint/2010/main" val="1474768834"/>
+        <p14:creationId xmlns:p14="http://schemas.microsoft.com/office/powerpoint/2010/main" val="953738383"/>
       </p:ext>
     </p:extLst>
   </p:cSld>
@@ -35679,547 +37631,6 @@
 </file>
 
 <file path=ppt/slides/slide28.xml><?xml version="1.0" encoding="utf-8"?>
-<p:sld xmlns:a="http://schemas.openxmlformats.org/drawingml/2006/main" xmlns:r="http://schemas.openxmlformats.org/officeDocument/2006/relationships" xmlns:p="http://schemas.openxmlformats.org/presentationml/2006/main">
-  <p:cSld>
-    <p:spTree>
-      <p:nvGrpSpPr>
-        <p:cNvPr id="1" name=""/>
-        <p:cNvGrpSpPr/>
-        <p:nvPr/>
-      </p:nvGrpSpPr>
-      <p:grpSpPr>
-        <a:xfrm>
-          <a:off x="0" y="0"/>
-          <a:ext cx="0" cy="0"/>
-          <a:chOff x="0" y="0"/>
-          <a:chExt cx="0" cy="0"/>
-        </a:xfrm>
-      </p:grpSpPr>
-      <p:sp>
-        <p:nvSpPr>
-          <p:cNvPr id="15362" name="Rectangle 1"/>
-          <p:cNvSpPr>
-            <a:spLocks noGrp="1" noChangeArrowheads="1"/>
-          </p:cNvSpPr>
-          <p:nvPr>
-            <p:ph type="title"/>
-          </p:nvPr>
-        </p:nvSpPr>
-        <p:spPr>
-          <a:xfrm>
-            <a:off x="490435" y="255926"/>
-            <a:ext cx="10179255" cy="454024"/>
-          </a:xfrm>
-        </p:spPr>
-        <p:txBody>
-          <a:bodyPr rIns="41783" anchor="b"/>
-          <a:lstStyle/>
-          <a:p>
-            <a:pPr marL="584962" lvl="1" indent="-219361">
-              <a:lnSpc>
-                <a:spcPct val="100000"/>
-              </a:lnSpc>
-            </a:pPr>
-            <a:r>
-              <a:rPr lang="fr-FR" dirty="0" err="1">
-                <a:solidFill>
-                  <a:srgbClr val="FF9900"/>
-                </a:solidFill>
-              </a:rPr>
-              <a:t>PicketLink</a:t>
-            </a:r>
-            <a:r>
-              <a:rPr lang="fr-FR" dirty="0">
-                <a:solidFill>
-                  <a:srgbClr val="FF9900"/>
-                </a:solidFill>
-              </a:rPr>
-              <a:t> </a:t>
-            </a:r>
-            <a:r>
-              <a:rPr lang="fr-FR" dirty="0" smtClean="0">
-                <a:solidFill>
-                  <a:srgbClr val="FF9900"/>
-                </a:solidFill>
-              </a:rPr>
-              <a:t>Intégration configuration</a:t>
-            </a:r>
-            <a:endParaRPr lang="fr-FR" dirty="0">
-              <a:solidFill>
-                <a:srgbClr val="FF9900"/>
-              </a:solidFill>
-            </a:endParaRPr>
-          </a:p>
-        </p:txBody>
-      </p:sp>
-      <p:sp>
-        <p:nvSpPr>
-          <p:cNvPr id="15363" name="Rectangle 2"/>
-          <p:cNvSpPr>
-            <a:spLocks noGrp="1" noChangeArrowheads="1"/>
-          </p:cNvSpPr>
-          <p:nvPr>
-            <p:ph type="body" idx="1"/>
-          </p:nvPr>
-        </p:nvSpPr>
-        <p:spPr>
-          <a:xfrm>
-            <a:off x="467494" y="1283125"/>
-            <a:ext cx="10585176" cy="5089000"/>
-          </a:xfrm>
-        </p:spPr>
-        <p:txBody>
-          <a:bodyPr rIns="41783" anchor="t"/>
-          <a:lstStyle/>
-          <a:p>
-            <a:pPr marL="3175" indent="0">
-              <a:lnSpc>
-                <a:spcPct val="100000"/>
-              </a:lnSpc>
-              <a:buClr>
-                <a:srgbClr val="FF9900"/>
-              </a:buClr>
-              <a:buSzPct val="120000"/>
-              <a:buNone/>
-            </a:pPr>
-            <a:endParaRPr lang="fr-FR" sz="2200" i="0" dirty="0" smtClean="0"/>
-          </a:p>
-          <a:p>
-            <a:pPr>
-              <a:lnSpc>
-                <a:spcPct val="100000"/>
-              </a:lnSpc>
-              <a:buClr>
-                <a:srgbClr val="FF9900"/>
-              </a:buClr>
-              <a:buSzPct val="120000"/>
-              <a:buFont typeface="Lucida Grande"/>
-              <a:buChar char="»"/>
-            </a:pPr>
-            <a:r>
-              <a:rPr lang="fr-FR" sz="2200" i="0" dirty="0" smtClean="0"/>
-              <a:t>By setting the config </a:t>
-            </a:r>
-            <a:r>
-              <a:rPr lang="fr-FR" sz="2200" i="0" dirty="0" err="1" smtClean="0"/>
-              <a:t>parameter</a:t>
-            </a:r>
-            <a:r>
-              <a:rPr lang="fr-FR" sz="2200" i="0" dirty="0" smtClean="0"/>
-              <a:t> of the </a:t>
-            </a:r>
-            <a:r>
-              <a:rPr lang="fr-FR" sz="2200" b="0" i="0" dirty="0" err="1" smtClean="0"/>
-              <a:t>org.exoplatform.services.organization.idm.PicketLinkIDMService</a:t>
-            </a:r>
-            <a:r>
-              <a:rPr lang="fr-FR" sz="2200" i="0" dirty="0" smtClean="0"/>
-              <a:t>, </a:t>
-            </a:r>
-            <a:r>
-              <a:rPr lang="fr-FR" sz="2200" i="0" dirty="0" err="1" smtClean="0"/>
-              <a:t>you</a:t>
-            </a:r>
-            <a:r>
-              <a:rPr lang="fr-FR" sz="2200" i="0" dirty="0" smtClean="0"/>
-              <a:t> </a:t>
-            </a:r>
-            <a:r>
-              <a:rPr lang="fr-FR" sz="2200" i="0" dirty="0" err="1" smtClean="0"/>
-              <a:t>can</a:t>
-            </a:r>
-            <a:r>
-              <a:rPr lang="fr-FR" sz="2200" i="0" dirty="0" smtClean="0"/>
-              <a:t> </a:t>
-            </a:r>
-            <a:r>
-              <a:rPr lang="fr-FR" sz="2200" i="0" dirty="0" err="1" smtClean="0"/>
-              <a:t>specify</a:t>
-            </a:r>
-            <a:r>
-              <a:rPr lang="fr-FR" sz="2200" i="0" dirty="0" smtClean="0"/>
-              <a:t> </a:t>
-            </a:r>
-            <a:r>
-              <a:rPr lang="fr-FR" sz="2200" i="0" dirty="0" err="1" smtClean="0"/>
-              <a:t>which</a:t>
-            </a:r>
-            <a:r>
-              <a:rPr lang="fr-FR" sz="2200" i="0" dirty="0" smtClean="0"/>
-              <a:t> configuration to use</a:t>
-            </a:r>
-          </a:p>
-          <a:p>
-            <a:pPr marL="3175" indent="0">
-              <a:lnSpc>
-                <a:spcPct val="50000"/>
-              </a:lnSpc>
-              <a:buClr>
-                <a:srgbClr val="FF9900"/>
-              </a:buClr>
-              <a:buSzPct val="120000"/>
-              <a:buNone/>
-            </a:pPr>
-            <a:r>
-              <a:rPr lang="fr-FR" sz="1200" i="0" dirty="0"/>
-              <a:t>&lt;component</a:t>
-            </a:r>
-            <a:r>
-              <a:rPr lang="fr-FR" sz="1200" i="0" dirty="0" smtClean="0"/>
-              <a:t>&gt;</a:t>
-            </a:r>
-          </a:p>
-          <a:p>
-            <a:pPr marL="3175" indent="0">
-              <a:lnSpc>
-                <a:spcPct val="50000"/>
-              </a:lnSpc>
-              <a:buClr>
-                <a:srgbClr val="FF9900"/>
-              </a:buClr>
-              <a:buSzPct val="120000"/>
-              <a:buNone/>
-            </a:pPr>
-            <a:r>
-              <a:rPr lang="fr-FR" sz="1200" i="0" dirty="0" smtClean="0"/>
-              <a:t>&lt;</a:t>
-            </a:r>
-            <a:r>
-              <a:rPr lang="fr-FR" sz="1200" i="0" dirty="0" err="1"/>
-              <a:t>key</a:t>
-            </a:r>
-            <a:r>
-              <a:rPr lang="fr-FR" sz="1200" i="0" dirty="0"/>
-              <a:t>&gt;</a:t>
-            </a:r>
-            <a:r>
-              <a:rPr lang="fr-FR" sz="1200" i="0" dirty="0" err="1"/>
-              <a:t>org.exoplatform.services.organization.idm.PicketLinkIDMService</a:t>
-            </a:r>
-            <a:r>
-              <a:rPr lang="fr-FR" sz="1200" i="0" dirty="0"/>
-              <a:t>&lt;/</a:t>
-            </a:r>
-            <a:r>
-              <a:rPr lang="fr-FR" sz="1200" i="0" dirty="0" err="1"/>
-              <a:t>key</a:t>
-            </a:r>
-            <a:r>
-              <a:rPr lang="fr-FR" sz="1200" i="0" dirty="0" smtClean="0"/>
-              <a:t>&gt;</a:t>
-            </a:r>
-          </a:p>
-          <a:p>
-            <a:pPr marL="3175" indent="0">
-              <a:lnSpc>
-                <a:spcPct val="50000"/>
-              </a:lnSpc>
-              <a:buClr>
-                <a:srgbClr val="FF9900"/>
-              </a:buClr>
-              <a:buSzPct val="120000"/>
-              <a:buNone/>
-            </a:pPr>
-            <a:r>
-              <a:rPr lang="fr-FR" sz="1200" i="0" dirty="0" smtClean="0"/>
-              <a:t>&lt;</a:t>
-            </a:r>
-            <a:r>
-              <a:rPr lang="fr-FR" sz="1200" i="0" dirty="0"/>
-              <a:t>type&gt;org.exoplatform.services.organization.idm.PicketLinkIDMServiceImpl&lt;/type</a:t>
-            </a:r>
-            <a:r>
-              <a:rPr lang="fr-FR" sz="1200" i="0" dirty="0" smtClean="0"/>
-              <a:t>&gt;</a:t>
-            </a:r>
-          </a:p>
-          <a:p>
-            <a:pPr marL="3175" indent="0">
-              <a:lnSpc>
-                <a:spcPct val="50000"/>
-              </a:lnSpc>
-              <a:buClr>
-                <a:srgbClr val="FF9900"/>
-              </a:buClr>
-              <a:buSzPct val="120000"/>
-              <a:buNone/>
-            </a:pPr>
-            <a:r>
-              <a:rPr lang="fr-FR" sz="1200" i="0" dirty="0" smtClean="0"/>
-              <a:t>&lt;</a:t>
-            </a:r>
-            <a:r>
-              <a:rPr lang="fr-FR" sz="1200" i="0" dirty="0" err="1"/>
-              <a:t>init-params</a:t>
-            </a:r>
-            <a:r>
-              <a:rPr lang="fr-FR" sz="1200" i="0" dirty="0" smtClean="0"/>
-              <a:t>&gt;</a:t>
-            </a:r>
-          </a:p>
-          <a:p>
-            <a:pPr marL="3175" indent="0">
-              <a:lnSpc>
-                <a:spcPct val="50000"/>
-              </a:lnSpc>
-              <a:buClr>
-                <a:srgbClr val="FF9900"/>
-              </a:buClr>
-              <a:buSzPct val="120000"/>
-              <a:buNone/>
-            </a:pPr>
-            <a:r>
-              <a:rPr lang="fr-FR" sz="1200" i="0" dirty="0"/>
-              <a:t>	</a:t>
-            </a:r>
-            <a:r>
-              <a:rPr lang="fr-FR" sz="1200" i="0" dirty="0" smtClean="0"/>
-              <a:t>&lt;</a:t>
-            </a:r>
-            <a:r>
-              <a:rPr lang="fr-FR" sz="1200" i="0" dirty="0"/>
-              <a:t>value-</a:t>
-            </a:r>
-            <a:r>
-              <a:rPr lang="fr-FR" sz="1200" i="0" dirty="0" err="1"/>
-              <a:t>param</a:t>
-            </a:r>
-            <a:r>
-              <a:rPr lang="fr-FR" sz="1200" i="0" dirty="0" smtClean="0"/>
-              <a:t>&gt;</a:t>
-            </a:r>
-          </a:p>
-          <a:p>
-            <a:pPr marL="3175" indent="0">
-              <a:lnSpc>
-                <a:spcPct val="50000"/>
-              </a:lnSpc>
-              <a:buClr>
-                <a:srgbClr val="FF9900"/>
-              </a:buClr>
-              <a:buSzPct val="120000"/>
-              <a:buNone/>
-            </a:pPr>
-            <a:r>
-              <a:rPr lang="fr-FR" sz="1200" i="0" dirty="0"/>
-              <a:t>	</a:t>
-            </a:r>
-            <a:r>
-              <a:rPr lang="fr-FR" sz="1200" i="0" dirty="0" smtClean="0"/>
-              <a:t>	&lt;</a:t>
-            </a:r>
-            <a:r>
-              <a:rPr lang="fr-FR" sz="1200" i="0" dirty="0" err="1"/>
-              <a:t>name</a:t>
-            </a:r>
-            <a:r>
-              <a:rPr lang="fr-FR" sz="1200" i="0" dirty="0"/>
-              <a:t>&gt;config&lt;/</a:t>
-            </a:r>
-            <a:r>
-              <a:rPr lang="fr-FR" sz="1200" i="0" dirty="0" err="1"/>
-              <a:t>name</a:t>
-            </a:r>
-            <a:r>
-              <a:rPr lang="fr-FR" sz="1200" i="0" dirty="0" smtClean="0"/>
-              <a:t>&gt;</a:t>
-            </a:r>
-          </a:p>
-          <a:p>
-            <a:pPr marL="3175" indent="0">
-              <a:lnSpc>
-                <a:spcPct val="50000"/>
-              </a:lnSpc>
-              <a:buClr>
-                <a:srgbClr val="FF9900"/>
-              </a:buClr>
-              <a:buSzPct val="120000"/>
-              <a:buNone/>
-            </a:pPr>
-            <a:r>
-              <a:rPr lang="fr-FR" sz="1200" i="0" dirty="0"/>
-              <a:t>	</a:t>
-            </a:r>
-            <a:r>
-              <a:rPr lang="fr-FR" sz="1200" i="0" dirty="0" smtClean="0"/>
-              <a:t>	&lt;</a:t>
-            </a:r>
-            <a:r>
-              <a:rPr lang="fr-FR" sz="1200" i="0" dirty="0"/>
-              <a:t>value&gt;</a:t>
-            </a:r>
-            <a:r>
-              <a:rPr lang="fr-FR" sz="1200" i="0" dirty="0" err="1"/>
-              <a:t>war</a:t>
-            </a:r>
-            <a:r>
-              <a:rPr lang="fr-FR" sz="1200" i="0" dirty="0"/>
-              <a:t>:/</a:t>
-            </a:r>
-            <a:r>
-              <a:rPr lang="fr-FR" sz="1200" i="0" dirty="0" err="1"/>
-              <a:t>conf</a:t>
-            </a:r>
-            <a:r>
-              <a:rPr lang="fr-FR" sz="1200" i="0" dirty="0"/>
-              <a:t>/</a:t>
-            </a:r>
-            <a:r>
-              <a:rPr lang="fr-FR" sz="1200" i="0" dirty="0" err="1"/>
-              <a:t>organization</a:t>
-            </a:r>
-            <a:r>
-              <a:rPr lang="fr-FR" sz="1200" i="0" dirty="0"/>
-              <a:t>/</a:t>
-            </a:r>
-            <a:r>
-              <a:rPr lang="fr-FR" sz="1200" i="0" dirty="0" err="1"/>
-              <a:t>picketlink-idm</a:t>
-            </a:r>
-            <a:r>
-              <a:rPr lang="fr-FR" sz="1200" i="0" dirty="0"/>
-              <a:t>/</a:t>
-            </a:r>
-            <a:r>
-              <a:rPr lang="fr-FR" sz="1200" i="0" dirty="0" err="1"/>
-              <a:t>picketlink-idm-config.xml</a:t>
-            </a:r>
-            <a:r>
-              <a:rPr lang="fr-FR" sz="1200" i="0" dirty="0"/>
-              <a:t>&lt;/value</a:t>
-            </a:r>
-            <a:r>
-              <a:rPr lang="fr-FR" sz="1200" i="0" dirty="0" smtClean="0"/>
-              <a:t>&gt;</a:t>
-            </a:r>
-          </a:p>
-          <a:p>
-            <a:pPr marL="3175" indent="0">
-              <a:lnSpc>
-                <a:spcPct val="50000"/>
-              </a:lnSpc>
-              <a:buClr>
-                <a:srgbClr val="FF9900"/>
-              </a:buClr>
-              <a:buSzPct val="120000"/>
-              <a:buNone/>
-            </a:pPr>
-            <a:endParaRPr lang="fr-FR" sz="2200" b="0" i="0" dirty="0" smtClean="0"/>
-          </a:p>
-          <a:p>
-            <a:pPr>
-              <a:lnSpc>
-                <a:spcPct val="100000"/>
-              </a:lnSpc>
-              <a:buClr>
-                <a:srgbClr val="FF9900"/>
-              </a:buClr>
-              <a:buSzPct val="120000"/>
-              <a:buFont typeface="Lucida Grande"/>
-              <a:buChar char="»"/>
-            </a:pPr>
-            <a:r>
-              <a:rPr lang="fr-FR" sz="1800" b="0" i="0" dirty="0"/>
-              <a:t>p</a:t>
-            </a:r>
-            <a:r>
-              <a:rPr lang="fr-FR" sz="1800" b="0" i="0" dirty="0" smtClean="0"/>
-              <a:t>ortal/portal/</a:t>
-            </a:r>
-            <a:r>
-              <a:rPr lang="fr-FR" sz="1800" b="0" i="0" dirty="0" err="1"/>
-              <a:t>conf</a:t>
-            </a:r>
-            <a:r>
-              <a:rPr lang="fr-FR" sz="1800" b="0" i="0" dirty="0"/>
-              <a:t>/</a:t>
-            </a:r>
-            <a:r>
-              <a:rPr lang="fr-FR" sz="1800" b="0" i="0" dirty="0" err="1"/>
-              <a:t>organization</a:t>
-            </a:r>
-            <a:r>
-              <a:rPr lang="fr-FR" sz="1800" b="0" i="0" dirty="0"/>
-              <a:t>/</a:t>
-            </a:r>
-            <a:r>
-              <a:rPr lang="fr-FR" sz="1800" b="0" i="0" dirty="0" err="1"/>
-              <a:t>picketlink-idm</a:t>
-            </a:r>
-            <a:r>
-              <a:rPr lang="fr-FR" sz="1800" b="0" i="0" dirty="0"/>
-              <a:t>/</a:t>
-            </a:r>
-            <a:r>
-              <a:rPr lang="fr-FR" sz="1800" b="0" i="0" dirty="0" err="1"/>
-              <a:t>examples</a:t>
-            </a:r>
-            <a:r>
-              <a:rPr lang="fr-FR" sz="1800" b="0" i="0" dirty="0"/>
-              <a:t>/</a:t>
-            </a:r>
-            <a:r>
-              <a:rPr lang="fr-FR" sz="1800" b="0" i="0" dirty="0" err="1"/>
-              <a:t>picketlink-idm-ldap-</a:t>
-            </a:r>
-            <a:r>
-              <a:rPr lang="fr-FR" sz="1800" b="0" i="0" dirty="0" err="1" smtClean="0"/>
-              <a:t>config.xml</a:t>
-            </a:r>
-            <a:r>
-              <a:rPr lang="fr-FR" sz="1800" b="0" i="0" dirty="0" smtClean="0"/>
-              <a:t> </a:t>
-            </a:r>
-            <a:r>
-              <a:rPr lang="fr-FR" sz="2200" i="0" dirty="0" err="1" smtClean="0"/>
-              <a:t>is</a:t>
-            </a:r>
-            <a:r>
-              <a:rPr lang="fr-FR" sz="2200" i="0" dirty="0" smtClean="0"/>
-              <a:t> the </a:t>
-            </a:r>
-            <a:r>
-              <a:rPr lang="fr-FR" sz="2200" i="0" dirty="0" err="1" smtClean="0"/>
-              <a:t>template</a:t>
-            </a:r>
-            <a:r>
-              <a:rPr lang="fr-FR" sz="2200" i="0" dirty="0" smtClean="0"/>
-              <a:t> to use for standard </a:t>
-            </a:r>
-            <a:r>
-              <a:rPr lang="fr-FR" sz="2200" i="0" dirty="0" err="1" smtClean="0"/>
-              <a:t>ldap</a:t>
-            </a:r>
-            <a:r>
-              <a:rPr lang="fr-FR" sz="2200" i="0" dirty="0" smtClean="0"/>
-              <a:t> configuration</a:t>
-            </a:r>
-            <a:endParaRPr lang="fr-FR" sz="2200" i="0" dirty="0"/>
-          </a:p>
-        </p:txBody>
-      </p:sp>
-    </p:spTree>
-    <p:extLst>
-      <p:ext uri="{BB962C8B-B14F-4D97-AF65-F5344CB8AC3E}">
-        <p14:creationId xmlns:p14="http://schemas.microsoft.com/office/powerpoint/2010/main" val="3902901641"/>
-      </p:ext>
-    </p:extLst>
-  </p:cSld>
-  <p:clrMapOvr>
-    <a:masterClrMapping/>
-  </p:clrMapOvr>
-  <p:transition xmlns:p14="http://schemas.microsoft.com/office/powerpoint/2010/main"/>
-  <p:timing>
-    <p:tnLst>
-      <p:par>
-        <p:cTn xmlns:p14="http://schemas.microsoft.com/office/powerpoint/2010/main" id="1" dur="indefinite" restart="never" nodeType="tmRoot"/>
-      </p:par>
-    </p:tnLst>
-  </p:timing>
-</p:sld>
-</file>
-
-<file path=ppt/slides/slide29.xml><?xml version="1.0" encoding="utf-8"?>
 <p:sld xmlns:a="http://schemas.openxmlformats.org/drawingml/2006/main" xmlns:r="http://schemas.openxmlformats.org/officeDocument/2006/relationships" xmlns:p="http://schemas.openxmlformats.org/presentationml/2006/main">
   <p:cSld>
     <p:spTree>
@@ -36333,7 +37744,7 @@
                   <a:tab pos="9144000" algn="l"/>
                 </a:tabLst>
               </a:pPr>
-              <a:t>29</a:t>
+              <a:t>28</a:t>
             </a:fld>
             <a:endParaRPr lang="en-GB" sz="1400">
               <a:solidFill>
@@ -36380,41 +37791,28 @@
               </a:lnSpc>
             </a:pPr>
             <a:r>
+              <a:rPr lang="fr-FR" sz="4800" dirty="0" err="1">
+                <a:solidFill>
+                  <a:srgbClr val="FFFFFF"/>
+                </a:solidFill>
+              </a:rPr>
+              <a:t>PicketLink</a:t>
+            </a:r>
+            <a:r>
               <a:rPr lang="fr-FR" sz="4800" dirty="0">
                 <a:solidFill>
                   <a:srgbClr val="FFFFFF"/>
                 </a:solidFill>
               </a:rPr>
-              <a:t>SSO - Single </a:t>
-            </a:r>
-            <a:r>
-              <a:rPr lang="fr-FR" sz="4800" dirty="0" err="1">
-                <a:solidFill>
-                  <a:srgbClr val="FFFFFF"/>
-                </a:solidFill>
-              </a:rPr>
-              <a:t>Sign</a:t>
-            </a:r>
-            <a:r>
-              <a:rPr lang="fr-FR" sz="4800" dirty="0">
-                <a:solidFill>
-                  <a:srgbClr val="FFFFFF"/>
-                </a:solidFill>
-              </a:rPr>
-              <a:t> On</a:t>
-            </a:r>
-            <a:endParaRPr lang="fr-FR" sz="4800" dirty="0">
-              <a:solidFill>
-                <a:srgbClr val="FFFFFF"/>
-              </a:solidFill>
-            </a:endParaRPr>
+              <a:t> configuration</a:t>
+            </a:r>
           </a:p>
         </p:txBody>
       </p:sp>
     </p:spTree>
     <p:extLst>
       <p:ext uri="{BB962C8B-B14F-4D97-AF65-F5344CB8AC3E}">
-        <p14:creationId xmlns:p14="http://schemas.microsoft.com/office/powerpoint/2010/main" val="3144916245"/>
+        <p14:creationId xmlns:p14="http://schemas.microsoft.com/office/powerpoint/2010/main" val="593159174"/>
       </p:ext>
     </p:extLst>
   </p:cSld>
@@ -36448,6 +37846,500 @@
             </p:seq>
           </p:childTnLst>
         </p:cTn>
+      </p:par>
+    </p:tnLst>
+  </p:timing>
+</p:sld>
+</file>
+
+<file path=ppt/slides/slide29.xml><?xml version="1.0" encoding="utf-8"?>
+<p:sld xmlns:a="http://schemas.openxmlformats.org/drawingml/2006/main" xmlns:r="http://schemas.openxmlformats.org/officeDocument/2006/relationships" xmlns:p="http://schemas.openxmlformats.org/presentationml/2006/main">
+  <p:cSld>
+    <p:spTree>
+      <p:nvGrpSpPr>
+        <p:cNvPr id="1" name=""/>
+        <p:cNvGrpSpPr/>
+        <p:nvPr/>
+      </p:nvGrpSpPr>
+      <p:grpSpPr>
+        <a:xfrm>
+          <a:off x="0" y="0"/>
+          <a:ext cx="0" cy="0"/>
+          <a:chOff x="0" y="0"/>
+          <a:chExt cx="0" cy="0"/>
+        </a:xfrm>
+      </p:grpSpPr>
+      <p:sp>
+        <p:nvSpPr>
+          <p:cNvPr id="15362" name="Rectangle 1"/>
+          <p:cNvSpPr>
+            <a:spLocks noGrp="1" noChangeArrowheads="1"/>
+          </p:cNvSpPr>
+          <p:nvPr>
+            <p:ph type="title"/>
+          </p:nvPr>
+        </p:nvSpPr>
+        <p:spPr>
+          <a:xfrm>
+            <a:off x="490435" y="255926"/>
+            <a:ext cx="10179255" cy="454024"/>
+          </a:xfrm>
+        </p:spPr>
+        <p:txBody>
+          <a:bodyPr rIns="41783" anchor="b"/>
+          <a:lstStyle/>
+          <a:p>
+            <a:pPr marL="584962" lvl="1" indent="-219361">
+              <a:lnSpc>
+                <a:spcPct val="100000"/>
+              </a:lnSpc>
+            </a:pPr>
+            <a:r>
+              <a:rPr lang="fr-FR" dirty="0" err="1">
+                <a:solidFill>
+                  <a:srgbClr val="FF9900"/>
+                </a:solidFill>
+              </a:rPr>
+              <a:t>PicketLink</a:t>
+            </a:r>
+            <a:r>
+              <a:rPr lang="fr-FR" dirty="0">
+                <a:solidFill>
+                  <a:srgbClr val="FF9900"/>
+                </a:solidFill>
+              </a:rPr>
+              <a:t> </a:t>
+            </a:r>
+            <a:r>
+              <a:rPr lang="fr-FR" dirty="0" smtClean="0">
+                <a:solidFill>
+                  <a:srgbClr val="FF9900"/>
+                </a:solidFill>
+              </a:rPr>
+              <a:t>Intégration configuration</a:t>
+            </a:r>
+            <a:endParaRPr lang="fr-FR" dirty="0">
+              <a:solidFill>
+                <a:srgbClr val="FF9900"/>
+              </a:solidFill>
+            </a:endParaRPr>
+          </a:p>
+        </p:txBody>
+      </p:sp>
+      <p:sp>
+        <p:nvSpPr>
+          <p:cNvPr id="15363" name="Rectangle 2"/>
+          <p:cNvSpPr>
+            <a:spLocks noGrp="1" noChangeArrowheads="1"/>
+          </p:cNvSpPr>
+          <p:nvPr>
+            <p:ph type="body" idx="1"/>
+          </p:nvPr>
+        </p:nvSpPr>
+        <p:spPr>
+          <a:xfrm>
+            <a:off x="467494" y="1283125"/>
+            <a:ext cx="10219725" cy="5089000"/>
+          </a:xfrm>
+        </p:spPr>
+        <p:txBody>
+          <a:bodyPr rIns="41783" anchor="t"/>
+          <a:lstStyle/>
+          <a:p>
+            <a:pPr>
+              <a:lnSpc>
+                <a:spcPct val="100000"/>
+              </a:lnSpc>
+              <a:buClr>
+                <a:srgbClr val="FF9900"/>
+              </a:buClr>
+              <a:buSzPct val="120000"/>
+              <a:buFont typeface="Lucida Grande"/>
+              <a:buChar char="»"/>
+            </a:pPr>
+            <a:r>
+              <a:rPr lang="fr-FR" sz="2200" i="0" dirty="0" err="1"/>
+              <a:t>GateIn</a:t>
+            </a:r>
+            <a:r>
+              <a:rPr lang="fr-FR" sz="2200" i="0" dirty="0"/>
+              <a:t> 3.1 uses </a:t>
+            </a:r>
+            <a:r>
+              <a:rPr lang="fr-FR" sz="2200" i="0" dirty="0" err="1"/>
+              <a:t>PicketLink</a:t>
+            </a:r>
+            <a:r>
+              <a:rPr lang="fr-FR" sz="2200" i="0" dirty="0"/>
+              <a:t> IDM component to </a:t>
+            </a:r>
+            <a:r>
+              <a:rPr lang="fr-FR" sz="2200" i="0" dirty="0" err="1"/>
+              <a:t>keep</a:t>
+            </a:r>
+            <a:r>
+              <a:rPr lang="fr-FR" sz="2200" i="0" dirty="0"/>
+              <a:t> the </a:t>
+            </a:r>
+            <a:r>
+              <a:rPr lang="fr-FR" sz="2200" i="0" dirty="0" err="1"/>
+              <a:t>necessary</a:t>
+            </a:r>
+            <a:r>
+              <a:rPr lang="fr-FR" sz="2200" i="0" dirty="0"/>
+              <a:t> </a:t>
+            </a:r>
+            <a:r>
+              <a:rPr lang="fr-FR" sz="2200" i="0" dirty="0" err="1"/>
+              <a:t>identity</a:t>
+            </a:r>
+            <a:r>
+              <a:rPr lang="fr-FR" sz="2200" i="0" dirty="0"/>
+              <a:t> information (</a:t>
+            </a:r>
+            <a:r>
+              <a:rPr lang="fr-FR" sz="2200" i="0" dirty="0" err="1"/>
+              <a:t>users</a:t>
+            </a:r>
+            <a:r>
+              <a:rPr lang="fr-FR" sz="2200" i="0" dirty="0"/>
+              <a:t>, groups, </a:t>
+            </a:r>
+            <a:r>
+              <a:rPr lang="fr-FR" sz="2200" i="0" dirty="0" err="1"/>
+              <a:t>memberships</a:t>
+            </a:r>
+            <a:r>
+              <a:rPr lang="fr-FR" sz="2200" i="0" dirty="0"/>
+              <a:t>, etc.</a:t>
+            </a:r>
+            <a:r>
+              <a:rPr lang="fr-FR" sz="2200" i="0" dirty="0" smtClean="0"/>
+              <a:t>)</a:t>
+            </a:r>
+          </a:p>
+          <a:p>
+            <a:pPr>
+              <a:lnSpc>
+                <a:spcPct val="100000"/>
+              </a:lnSpc>
+              <a:buClr>
+                <a:srgbClr val="FF9900"/>
+              </a:buClr>
+              <a:buSzPct val="120000"/>
+              <a:buFont typeface="Lucida Grande"/>
+              <a:buChar char="»"/>
+            </a:pPr>
+            <a:r>
+              <a:rPr lang="fr-FR" sz="2200" i="0" dirty="0" err="1" smtClean="0"/>
+              <a:t>legacy</a:t>
+            </a:r>
+            <a:r>
+              <a:rPr lang="fr-FR" sz="2200" i="0" dirty="0" smtClean="0"/>
+              <a:t> </a:t>
+            </a:r>
+            <a:r>
+              <a:rPr lang="fr-FR" sz="2200" i="0" dirty="0"/>
+              <a:t>interfaces are </a:t>
+            </a:r>
+            <a:r>
+              <a:rPr lang="fr-FR" sz="2200" i="0" dirty="0" err="1"/>
+              <a:t>still</a:t>
+            </a:r>
+            <a:r>
+              <a:rPr lang="fr-FR" sz="2200" i="0" dirty="0"/>
+              <a:t> </a:t>
+            </a:r>
+            <a:r>
+              <a:rPr lang="fr-FR" sz="2200" i="0" dirty="0" err="1"/>
+              <a:t>used</a:t>
+            </a:r>
+            <a:r>
+              <a:rPr lang="fr-FR" sz="2200" i="0" dirty="0"/>
+              <a:t> (</a:t>
+            </a:r>
+            <a:r>
+              <a:rPr lang="fr-FR" sz="2200" i="0" dirty="0" err="1"/>
+              <a:t>org.exoplatform.services.organization</a:t>
+            </a:r>
+            <a:r>
+              <a:rPr lang="fr-FR" sz="2200" i="0" dirty="0"/>
+              <a:t>) for </a:t>
+            </a:r>
+            <a:r>
+              <a:rPr lang="fr-FR" sz="2200" i="0" dirty="0" err="1"/>
+              <a:t>identity</a:t>
+            </a:r>
+            <a:r>
+              <a:rPr lang="fr-FR" sz="2200" i="0" dirty="0"/>
+              <a:t> </a:t>
+            </a:r>
+            <a:r>
+              <a:rPr lang="fr-FR" sz="2200" i="0" dirty="0" smtClean="0"/>
+              <a:t>management</a:t>
+            </a:r>
+          </a:p>
+          <a:p>
+            <a:pPr>
+              <a:lnSpc>
+                <a:spcPct val="100000"/>
+              </a:lnSpc>
+              <a:buClr>
+                <a:srgbClr val="FF9900"/>
+              </a:buClr>
+              <a:buSzPct val="120000"/>
+              <a:buFont typeface="Lucida Grande"/>
+              <a:buChar char="»"/>
+            </a:pPr>
+            <a:r>
+              <a:rPr lang="fr-FR" sz="2200" i="0" dirty="0" smtClean="0"/>
+              <a:t>The </a:t>
+            </a:r>
+            <a:r>
+              <a:rPr lang="fr-FR" sz="2200" i="0" dirty="0" err="1"/>
+              <a:t>identity</a:t>
+            </a:r>
+            <a:r>
+              <a:rPr lang="fr-FR" sz="2200" i="0" dirty="0"/>
+              <a:t> model </a:t>
+            </a:r>
+            <a:r>
+              <a:rPr lang="fr-FR" sz="2200" i="0" dirty="0" err="1"/>
+              <a:t>represented</a:t>
+            </a:r>
+            <a:r>
+              <a:rPr lang="fr-FR" sz="2200" i="0" dirty="0"/>
+              <a:t> in '</a:t>
+            </a:r>
+            <a:r>
+              <a:rPr lang="fr-FR" sz="2200" i="0" dirty="0" err="1"/>
+              <a:t>org.exoplatform.services.organization</a:t>
+            </a:r>
+            <a:r>
+              <a:rPr lang="fr-FR" sz="2200" i="0" dirty="0"/>
+              <a:t>' interfaces and the one </a:t>
+            </a:r>
+            <a:r>
+              <a:rPr lang="fr-FR" sz="2200" i="0" dirty="0" err="1"/>
+              <a:t>used</a:t>
+            </a:r>
+            <a:r>
+              <a:rPr lang="fr-FR" sz="2200" i="0" dirty="0"/>
+              <a:t> in </a:t>
+            </a:r>
+            <a:r>
+              <a:rPr lang="fr-FR" sz="2200" i="0" dirty="0" err="1"/>
+              <a:t>PicketLink</a:t>
+            </a:r>
+            <a:r>
+              <a:rPr lang="fr-FR" sz="2200" i="0" dirty="0"/>
+              <a:t> IDM have </a:t>
+            </a:r>
+            <a:r>
+              <a:rPr lang="fr-FR" sz="2200" i="0" dirty="0" err="1"/>
+              <a:t>some</a:t>
+            </a:r>
+            <a:r>
+              <a:rPr lang="fr-FR" sz="2200" i="0" dirty="0"/>
+              <a:t> major </a:t>
+            </a:r>
+            <a:r>
+              <a:rPr lang="fr-FR" sz="2200" i="0" dirty="0" err="1" smtClean="0"/>
+              <a:t>differences</a:t>
+            </a:r>
+            <a:r>
+              <a:rPr lang="fr-FR" sz="2200" i="0" dirty="0" smtClean="0"/>
+              <a:t>.</a:t>
+            </a:r>
+          </a:p>
+          <a:p>
+            <a:pPr>
+              <a:buClr>
+                <a:srgbClr val="FF9900"/>
+              </a:buClr>
+              <a:buSzPct val="120000"/>
+              <a:buFont typeface="Lucida Grande"/>
+              <a:buChar char="»"/>
+            </a:pPr>
+            <a:r>
+              <a:rPr lang="fr-FR" sz="2200" i="0" dirty="0" smtClean="0"/>
+              <a:t>The </a:t>
+            </a:r>
+            <a:r>
+              <a:rPr lang="fr-FR" sz="2200" i="0" dirty="0"/>
+              <a:t>main configuration file </a:t>
+            </a:r>
+            <a:r>
+              <a:rPr lang="fr-FR" sz="2200" i="0" dirty="0" err="1"/>
+              <a:t>is</a:t>
+            </a:r>
+            <a:r>
+              <a:rPr lang="fr-FR" sz="2200" i="0" dirty="0"/>
+              <a:t> </a:t>
+            </a:r>
+            <a:r>
+              <a:rPr lang="fr-FR" sz="2200" i="0" dirty="0" smtClean="0"/>
+              <a:t>:</a:t>
+            </a:r>
+            <a:endParaRPr lang="fr-FR" sz="2200" i="0" dirty="0"/>
+          </a:p>
+          <a:p>
+            <a:pPr marL="3175" indent="0">
+              <a:buNone/>
+            </a:pPr>
+            <a:r>
+              <a:rPr lang="fr-FR" sz="2200" b="0" i="0" dirty="0"/>
+              <a:t>portal/portal/</a:t>
+            </a:r>
+            <a:r>
+              <a:rPr lang="fr-FR" sz="2200" b="0" i="0" dirty="0" err="1">
+                <a:solidFill>
+                  <a:schemeClr val="tx1">
+                    <a:lumMod val="75000"/>
+                    <a:lumOff val="25000"/>
+                  </a:schemeClr>
+                </a:solidFill>
+              </a:rPr>
+              <a:t>conf</a:t>
+            </a:r>
+            <a:r>
+              <a:rPr lang="fr-FR" sz="2200" b="0" i="0" dirty="0">
+                <a:solidFill>
+                  <a:schemeClr val="tx1">
+                    <a:lumMod val="75000"/>
+                    <a:lumOff val="25000"/>
+                  </a:schemeClr>
+                </a:solidFill>
+              </a:rPr>
+              <a:t>/</a:t>
+            </a:r>
+            <a:r>
+              <a:rPr lang="fr-FR" sz="2200" b="0" i="0" dirty="0" err="1">
+                <a:solidFill>
+                  <a:schemeClr val="tx1">
+                    <a:lumMod val="75000"/>
+                    <a:lumOff val="25000"/>
+                  </a:schemeClr>
+                </a:solidFill>
+              </a:rPr>
+              <a:t>organization</a:t>
+            </a:r>
+            <a:r>
+              <a:rPr lang="fr-FR" sz="2200" b="0" i="0" dirty="0">
+                <a:solidFill>
+                  <a:schemeClr val="tx1">
+                    <a:lumMod val="75000"/>
+                    <a:lumOff val="25000"/>
+                  </a:schemeClr>
+                </a:solidFill>
+              </a:rPr>
+              <a:t>/</a:t>
+            </a:r>
+            <a:r>
+              <a:rPr lang="fr-FR" sz="2200" b="0" i="0" dirty="0" err="1"/>
+              <a:t>idm-configuration.xml</a:t>
+            </a:r>
+            <a:r>
+              <a:rPr lang="fr-FR" sz="2200" b="0" i="0" dirty="0"/>
+              <a:t>  </a:t>
+            </a:r>
+            <a:endParaRPr lang="fr-FR" sz="2200" i="0" dirty="0" smtClean="0"/>
+          </a:p>
+          <a:p>
+            <a:pPr>
+              <a:lnSpc>
+                <a:spcPct val="100000"/>
+              </a:lnSpc>
+              <a:buClr>
+                <a:srgbClr val="FF9900"/>
+              </a:buClr>
+              <a:buSzPct val="120000"/>
+              <a:buFont typeface="Lucida Grande"/>
+              <a:buChar char="»"/>
+            </a:pPr>
+            <a:r>
+              <a:rPr lang="fr-FR" sz="2200" i="0" dirty="0" smtClean="0"/>
+              <a:t>By setting the config </a:t>
+            </a:r>
+            <a:r>
+              <a:rPr lang="fr-FR" sz="2200" i="0" dirty="0" err="1" smtClean="0"/>
+              <a:t>parameter</a:t>
+            </a:r>
+            <a:r>
+              <a:rPr lang="fr-FR" sz="2200" i="0" dirty="0" smtClean="0"/>
+              <a:t> of the </a:t>
+            </a:r>
+            <a:r>
+              <a:rPr lang="fr-FR" sz="2200" b="0" i="0" dirty="0" err="1" smtClean="0"/>
+              <a:t>org.exoplatform.services.organization.idm.PicketLinkIDMService</a:t>
+            </a:r>
+            <a:r>
+              <a:rPr lang="fr-FR" sz="2200" i="0" dirty="0" smtClean="0"/>
+              <a:t>, </a:t>
+            </a:r>
+            <a:r>
+              <a:rPr lang="fr-FR" sz="2200" i="0" dirty="0" err="1" smtClean="0"/>
+              <a:t>you</a:t>
+            </a:r>
+            <a:r>
+              <a:rPr lang="fr-FR" sz="2200" i="0" dirty="0" smtClean="0"/>
+              <a:t> </a:t>
+            </a:r>
+            <a:r>
+              <a:rPr lang="fr-FR" sz="2200" i="0" dirty="0" err="1" smtClean="0"/>
+              <a:t>can</a:t>
+            </a:r>
+            <a:r>
+              <a:rPr lang="fr-FR" sz="2200" i="0" dirty="0" smtClean="0"/>
+              <a:t> </a:t>
+            </a:r>
+            <a:r>
+              <a:rPr lang="fr-FR" sz="2200" i="0" dirty="0" err="1" smtClean="0"/>
+              <a:t>specify</a:t>
+            </a:r>
+            <a:r>
+              <a:rPr lang="fr-FR" sz="2200" i="0" dirty="0" smtClean="0"/>
+              <a:t> </a:t>
+            </a:r>
+            <a:r>
+              <a:rPr lang="fr-FR" sz="2200" i="0" dirty="0" err="1" smtClean="0"/>
+              <a:t>your</a:t>
+            </a:r>
+            <a:r>
+              <a:rPr lang="fr-FR" sz="2200" i="0" dirty="0" smtClean="0"/>
+              <a:t> configuration</a:t>
+            </a:r>
+          </a:p>
+          <a:p>
+            <a:pPr marL="3175" indent="0">
+              <a:lnSpc>
+                <a:spcPct val="50000"/>
+              </a:lnSpc>
+              <a:buClr>
+                <a:srgbClr val="FF9900"/>
+              </a:buClr>
+              <a:buSzPct val="120000"/>
+              <a:buNone/>
+            </a:pPr>
+            <a:endParaRPr lang="fr-FR" sz="2200" i="0" dirty="0"/>
+          </a:p>
+        </p:txBody>
+      </p:sp>
+    </p:spTree>
+    <p:extLst>
+      <p:ext uri="{BB962C8B-B14F-4D97-AF65-F5344CB8AC3E}">
+        <p14:creationId xmlns:p14="http://schemas.microsoft.com/office/powerpoint/2010/main" val="1474768834"/>
+      </p:ext>
+    </p:extLst>
+  </p:cSld>
+  <p:clrMapOvr>
+    <a:masterClrMapping/>
+  </p:clrMapOvr>
+  <p:transition xmlns:p14="http://schemas.microsoft.com/office/powerpoint/2010/main"/>
+  <p:timing>
+    <p:tnLst>
+      <p:par>
+        <p:cTn xmlns:p14="http://schemas.microsoft.com/office/powerpoint/2010/main" id="1" dur="indefinite" restart="never" nodeType="tmRoot"/>
       </p:par>
     </p:tnLst>
   </p:timing>
@@ -36711,34 +38603,1426 @@
               </a:lnSpc>
             </a:pPr>
             <a:r>
+              <a:rPr lang="fr-FR" dirty="0" err="1">
+                <a:solidFill>
+                  <a:srgbClr val="FF9900"/>
+                </a:solidFill>
+              </a:rPr>
+              <a:t>PicketLink</a:t>
+            </a:r>
+            <a:r>
               <a:rPr lang="fr-FR" dirty="0">
                 <a:solidFill>
                   <a:srgbClr val="FF9900"/>
                 </a:solidFill>
               </a:rPr>
-              <a:t>SSO - Single </a:t>
-            </a:r>
-            <a:r>
-              <a:rPr lang="fr-FR" dirty="0" err="1">
+              <a:t> </a:t>
+            </a:r>
+            <a:r>
+              <a:rPr lang="fr-FR" dirty="0" smtClean="0">
                 <a:solidFill>
                   <a:srgbClr val="FF9900"/>
                 </a:solidFill>
               </a:rPr>
-              <a:t>Sign</a:t>
-            </a:r>
-            <a:r>
-              <a:rPr lang="fr-FR" dirty="0">
-                <a:solidFill>
-                  <a:srgbClr val="FF9900"/>
-                </a:solidFill>
-              </a:rPr>
-              <a:t> On</a:t>
+              <a:t>Intégration configuration</a:t>
             </a:r>
             <a:endParaRPr lang="fr-FR" dirty="0">
               <a:solidFill>
                 <a:srgbClr val="FF9900"/>
               </a:solidFill>
             </a:endParaRPr>
+          </a:p>
+        </p:txBody>
+      </p:sp>
+      <p:sp>
+        <p:nvSpPr>
+          <p:cNvPr id="15363" name="Rectangle 2"/>
+          <p:cNvSpPr>
+            <a:spLocks noGrp="1" noChangeArrowheads="1"/>
+          </p:cNvSpPr>
+          <p:nvPr>
+            <p:ph type="body" idx="1"/>
+          </p:nvPr>
+        </p:nvSpPr>
+        <p:spPr>
+          <a:xfrm>
+            <a:off x="467494" y="1283125"/>
+            <a:ext cx="10585176" cy="5089000"/>
+          </a:xfrm>
+        </p:spPr>
+        <p:txBody>
+          <a:bodyPr rIns="41783" anchor="t"/>
+          <a:lstStyle/>
+          <a:p>
+            <a:pPr marL="3175" indent="0">
+              <a:lnSpc>
+                <a:spcPct val="100000"/>
+              </a:lnSpc>
+              <a:buClr>
+                <a:srgbClr val="FF9900"/>
+              </a:buClr>
+              <a:buSzPct val="120000"/>
+              <a:buNone/>
+            </a:pPr>
+            <a:endParaRPr lang="fr-FR" sz="2200" i="0" dirty="0" smtClean="0"/>
+          </a:p>
+          <a:p>
+            <a:pPr>
+              <a:lnSpc>
+                <a:spcPct val="100000"/>
+              </a:lnSpc>
+              <a:buClr>
+                <a:srgbClr val="FF9900"/>
+              </a:buClr>
+              <a:buSzPct val="120000"/>
+              <a:buFont typeface="Lucida Grande"/>
+              <a:buChar char="»"/>
+            </a:pPr>
+            <a:r>
+              <a:rPr lang="fr-FR" sz="2200" i="0" dirty="0" smtClean="0"/>
+              <a:t>By setting the config </a:t>
+            </a:r>
+            <a:r>
+              <a:rPr lang="fr-FR" sz="2200" i="0" dirty="0" err="1" smtClean="0"/>
+              <a:t>parameter</a:t>
+            </a:r>
+            <a:r>
+              <a:rPr lang="fr-FR" sz="2200" i="0" dirty="0" smtClean="0"/>
+              <a:t> of the </a:t>
+            </a:r>
+            <a:r>
+              <a:rPr lang="fr-FR" sz="2200" b="0" i="0" dirty="0" err="1" smtClean="0"/>
+              <a:t>org.exoplatform.services.organization.idm.PicketLinkIDMService</a:t>
+            </a:r>
+            <a:r>
+              <a:rPr lang="fr-FR" sz="2200" i="0" dirty="0" smtClean="0"/>
+              <a:t>, </a:t>
+            </a:r>
+            <a:r>
+              <a:rPr lang="fr-FR" sz="2200" i="0" dirty="0" err="1" smtClean="0"/>
+              <a:t>you</a:t>
+            </a:r>
+            <a:r>
+              <a:rPr lang="fr-FR" sz="2200" i="0" dirty="0" smtClean="0"/>
+              <a:t> </a:t>
+            </a:r>
+            <a:r>
+              <a:rPr lang="fr-FR" sz="2200" i="0" dirty="0" err="1" smtClean="0"/>
+              <a:t>can</a:t>
+            </a:r>
+            <a:r>
+              <a:rPr lang="fr-FR" sz="2200" i="0" dirty="0" smtClean="0"/>
+              <a:t> </a:t>
+            </a:r>
+            <a:r>
+              <a:rPr lang="fr-FR" sz="2200" i="0" dirty="0" err="1" smtClean="0"/>
+              <a:t>specify</a:t>
+            </a:r>
+            <a:r>
+              <a:rPr lang="fr-FR" sz="2200" i="0" dirty="0" smtClean="0"/>
+              <a:t> </a:t>
+            </a:r>
+            <a:r>
+              <a:rPr lang="fr-FR" sz="2200" i="0" dirty="0" err="1" smtClean="0"/>
+              <a:t>which</a:t>
+            </a:r>
+            <a:r>
+              <a:rPr lang="fr-FR" sz="2200" i="0" dirty="0" smtClean="0"/>
+              <a:t> configuration to use</a:t>
+            </a:r>
+          </a:p>
+          <a:p>
+            <a:pPr marL="3175" indent="0">
+              <a:lnSpc>
+                <a:spcPct val="50000"/>
+              </a:lnSpc>
+              <a:buClr>
+                <a:srgbClr val="FF9900"/>
+              </a:buClr>
+              <a:buSzPct val="120000"/>
+              <a:buNone/>
+            </a:pPr>
+            <a:r>
+              <a:rPr lang="fr-FR" sz="1200" i="0" dirty="0"/>
+              <a:t>&lt;component</a:t>
+            </a:r>
+            <a:r>
+              <a:rPr lang="fr-FR" sz="1200" i="0" dirty="0" smtClean="0"/>
+              <a:t>&gt;</a:t>
+            </a:r>
+          </a:p>
+          <a:p>
+            <a:pPr marL="3175" indent="0">
+              <a:lnSpc>
+                <a:spcPct val="50000"/>
+              </a:lnSpc>
+              <a:buClr>
+                <a:srgbClr val="FF9900"/>
+              </a:buClr>
+              <a:buSzPct val="120000"/>
+              <a:buNone/>
+            </a:pPr>
+            <a:r>
+              <a:rPr lang="fr-FR" sz="1200" i="0" dirty="0" smtClean="0"/>
+              <a:t>&lt;</a:t>
+            </a:r>
+            <a:r>
+              <a:rPr lang="fr-FR" sz="1200" i="0" dirty="0" err="1"/>
+              <a:t>key</a:t>
+            </a:r>
+            <a:r>
+              <a:rPr lang="fr-FR" sz="1200" i="0" dirty="0"/>
+              <a:t>&gt;</a:t>
+            </a:r>
+            <a:r>
+              <a:rPr lang="fr-FR" sz="1200" i="0" dirty="0" err="1"/>
+              <a:t>org.exoplatform.services.organization.idm.PicketLinkIDMService</a:t>
+            </a:r>
+            <a:r>
+              <a:rPr lang="fr-FR" sz="1200" i="0" dirty="0"/>
+              <a:t>&lt;/</a:t>
+            </a:r>
+            <a:r>
+              <a:rPr lang="fr-FR" sz="1200" i="0" dirty="0" err="1"/>
+              <a:t>key</a:t>
+            </a:r>
+            <a:r>
+              <a:rPr lang="fr-FR" sz="1200" i="0" dirty="0" smtClean="0"/>
+              <a:t>&gt;</a:t>
+            </a:r>
+          </a:p>
+          <a:p>
+            <a:pPr marL="3175" indent="0">
+              <a:lnSpc>
+                <a:spcPct val="50000"/>
+              </a:lnSpc>
+              <a:buClr>
+                <a:srgbClr val="FF9900"/>
+              </a:buClr>
+              <a:buSzPct val="120000"/>
+              <a:buNone/>
+            </a:pPr>
+            <a:r>
+              <a:rPr lang="fr-FR" sz="1200" i="0" dirty="0" smtClean="0"/>
+              <a:t>&lt;</a:t>
+            </a:r>
+            <a:r>
+              <a:rPr lang="fr-FR" sz="1200" i="0" dirty="0"/>
+              <a:t>type&gt;org.exoplatform.services.organization.idm.PicketLinkIDMServiceImpl&lt;/type</a:t>
+            </a:r>
+            <a:r>
+              <a:rPr lang="fr-FR" sz="1200" i="0" dirty="0" smtClean="0"/>
+              <a:t>&gt;</a:t>
+            </a:r>
+          </a:p>
+          <a:p>
+            <a:pPr marL="3175" indent="0">
+              <a:lnSpc>
+                <a:spcPct val="50000"/>
+              </a:lnSpc>
+              <a:buClr>
+                <a:srgbClr val="FF9900"/>
+              </a:buClr>
+              <a:buSzPct val="120000"/>
+              <a:buNone/>
+            </a:pPr>
+            <a:r>
+              <a:rPr lang="fr-FR" sz="1200" i="0" dirty="0" smtClean="0"/>
+              <a:t>&lt;</a:t>
+            </a:r>
+            <a:r>
+              <a:rPr lang="fr-FR" sz="1200" i="0" dirty="0" err="1"/>
+              <a:t>init-params</a:t>
+            </a:r>
+            <a:r>
+              <a:rPr lang="fr-FR" sz="1200" i="0" dirty="0" smtClean="0"/>
+              <a:t>&gt;</a:t>
+            </a:r>
+          </a:p>
+          <a:p>
+            <a:pPr marL="3175" indent="0">
+              <a:lnSpc>
+                <a:spcPct val="50000"/>
+              </a:lnSpc>
+              <a:buClr>
+                <a:srgbClr val="FF9900"/>
+              </a:buClr>
+              <a:buSzPct val="120000"/>
+              <a:buNone/>
+            </a:pPr>
+            <a:r>
+              <a:rPr lang="fr-FR" sz="1200" i="0" dirty="0"/>
+              <a:t>	</a:t>
+            </a:r>
+            <a:r>
+              <a:rPr lang="fr-FR" sz="1200" i="0" dirty="0" smtClean="0"/>
+              <a:t>&lt;</a:t>
+            </a:r>
+            <a:r>
+              <a:rPr lang="fr-FR" sz="1200" i="0" dirty="0"/>
+              <a:t>value-</a:t>
+            </a:r>
+            <a:r>
+              <a:rPr lang="fr-FR" sz="1200" i="0" dirty="0" err="1"/>
+              <a:t>param</a:t>
+            </a:r>
+            <a:r>
+              <a:rPr lang="fr-FR" sz="1200" i="0" dirty="0" smtClean="0"/>
+              <a:t>&gt;</a:t>
+            </a:r>
+          </a:p>
+          <a:p>
+            <a:pPr marL="3175" indent="0">
+              <a:lnSpc>
+                <a:spcPct val="50000"/>
+              </a:lnSpc>
+              <a:buClr>
+                <a:srgbClr val="FF9900"/>
+              </a:buClr>
+              <a:buSzPct val="120000"/>
+              <a:buNone/>
+            </a:pPr>
+            <a:r>
+              <a:rPr lang="fr-FR" sz="1200" i="0" dirty="0"/>
+              <a:t>	</a:t>
+            </a:r>
+            <a:r>
+              <a:rPr lang="fr-FR" sz="1200" i="0" dirty="0" smtClean="0"/>
+              <a:t>	&lt;</a:t>
+            </a:r>
+            <a:r>
+              <a:rPr lang="fr-FR" sz="1200" i="0" dirty="0" err="1"/>
+              <a:t>name</a:t>
+            </a:r>
+            <a:r>
+              <a:rPr lang="fr-FR" sz="1200" i="0" dirty="0"/>
+              <a:t>&gt;config&lt;/</a:t>
+            </a:r>
+            <a:r>
+              <a:rPr lang="fr-FR" sz="1200" i="0" dirty="0" err="1"/>
+              <a:t>name</a:t>
+            </a:r>
+            <a:r>
+              <a:rPr lang="fr-FR" sz="1200" i="0" dirty="0" smtClean="0"/>
+              <a:t>&gt;</a:t>
+            </a:r>
+          </a:p>
+          <a:p>
+            <a:pPr marL="3175" indent="0">
+              <a:lnSpc>
+                <a:spcPct val="50000"/>
+              </a:lnSpc>
+              <a:buClr>
+                <a:srgbClr val="FF9900"/>
+              </a:buClr>
+              <a:buSzPct val="120000"/>
+              <a:buNone/>
+            </a:pPr>
+            <a:r>
+              <a:rPr lang="fr-FR" sz="1200" i="0" dirty="0"/>
+              <a:t>	</a:t>
+            </a:r>
+            <a:r>
+              <a:rPr lang="fr-FR" sz="1200" i="0" dirty="0" smtClean="0"/>
+              <a:t>	&lt;</a:t>
+            </a:r>
+            <a:r>
+              <a:rPr lang="fr-FR" sz="1200" i="0" dirty="0"/>
+              <a:t>value&gt;</a:t>
+            </a:r>
+            <a:r>
+              <a:rPr lang="fr-FR" sz="1200" i="0" dirty="0" err="1"/>
+              <a:t>war</a:t>
+            </a:r>
+            <a:r>
+              <a:rPr lang="fr-FR" sz="1200" i="0" dirty="0"/>
+              <a:t>:/</a:t>
+            </a:r>
+            <a:r>
+              <a:rPr lang="fr-FR" sz="1200" i="0" dirty="0" err="1"/>
+              <a:t>conf</a:t>
+            </a:r>
+            <a:r>
+              <a:rPr lang="fr-FR" sz="1200" i="0" dirty="0"/>
+              <a:t>/</a:t>
+            </a:r>
+            <a:r>
+              <a:rPr lang="fr-FR" sz="1200" i="0" dirty="0" err="1"/>
+              <a:t>organization</a:t>
+            </a:r>
+            <a:r>
+              <a:rPr lang="fr-FR" sz="1200" i="0" dirty="0"/>
+              <a:t>/</a:t>
+            </a:r>
+            <a:r>
+              <a:rPr lang="fr-FR" sz="1200" i="0" dirty="0" err="1"/>
+              <a:t>picketlink-idm</a:t>
+            </a:r>
+            <a:r>
+              <a:rPr lang="fr-FR" sz="1200" i="0" dirty="0"/>
+              <a:t>/</a:t>
+            </a:r>
+            <a:r>
+              <a:rPr lang="fr-FR" sz="1200" i="0" dirty="0" err="1"/>
+              <a:t>picketlink-idm-config.xml</a:t>
+            </a:r>
+            <a:r>
+              <a:rPr lang="fr-FR" sz="1200" i="0" dirty="0"/>
+              <a:t>&lt;/value</a:t>
+            </a:r>
+            <a:r>
+              <a:rPr lang="fr-FR" sz="1200" i="0" dirty="0" smtClean="0"/>
+              <a:t>&gt;</a:t>
+            </a:r>
+          </a:p>
+          <a:p>
+            <a:pPr marL="3175" indent="0">
+              <a:lnSpc>
+                <a:spcPct val="50000"/>
+              </a:lnSpc>
+              <a:buClr>
+                <a:srgbClr val="FF9900"/>
+              </a:buClr>
+              <a:buSzPct val="120000"/>
+              <a:buNone/>
+            </a:pPr>
+            <a:endParaRPr lang="fr-FR" sz="2200" b="0" i="0" dirty="0" smtClean="0"/>
+          </a:p>
+          <a:p>
+            <a:pPr>
+              <a:lnSpc>
+                <a:spcPct val="100000"/>
+              </a:lnSpc>
+              <a:buClr>
+                <a:srgbClr val="FF9900"/>
+              </a:buClr>
+              <a:buSzPct val="120000"/>
+              <a:buFont typeface="Lucida Grande"/>
+              <a:buChar char="»"/>
+            </a:pPr>
+            <a:r>
+              <a:rPr lang="fr-FR" sz="1800" b="0" i="0" dirty="0"/>
+              <a:t>p</a:t>
+            </a:r>
+            <a:r>
+              <a:rPr lang="fr-FR" sz="1800" b="0" i="0" dirty="0" smtClean="0"/>
+              <a:t>ortal/portal/</a:t>
+            </a:r>
+            <a:r>
+              <a:rPr lang="fr-FR" sz="1800" b="0" i="0" dirty="0" err="1"/>
+              <a:t>conf</a:t>
+            </a:r>
+            <a:r>
+              <a:rPr lang="fr-FR" sz="1800" b="0" i="0" dirty="0"/>
+              <a:t>/</a:t>
+            </a:r>
+            <a:r>
+              <a:rPr lang="fr-FR" sz="1800" b="0" i="0" dirty="0" err="1"/>
+              <a:t>organization</a:t>
+            </a:r>
+            <a:r>
+              <a:rPr lang="fr-FR" sz="1800" b="0" i="0" dirty="0"/>
+              <a:t>/</a:t>
+            </a:r>
+            <a:r>
+              <a:rPr lang="fr-FR" sz="1800" b="0" i="0" dirty="0" err="1"/>
+              <a:t>picketlink-idm</a:t>
+            </a:r>
+            <a:r>
+              <a:rPr lang="fr-FR" sz="1800" b="0" i="0" dirty="0"/>
+              <a:t>/</a:t>
+            </a:r>
+            <a:r>
+              <a:rPr lang="fr-FR" sz="1800" b="0" i="0" dirty="0" err="1"/>
+              <a:t>examples</a:t>
+            </a:r>
+            <a:r>
+              <a:rPr lang="fr-FR" sz="1800" b="0" i="0" dirty="0"/>
+              <a:t>/</a:t>
+            </a:r>
+            <a:r>
+              <a:rPr lang="fr-FR" sz="1800" b="0" i="0" dirty="0" err="1"/>
+              <a:t>picketlink-idm-ldap-</a:t>
+            </a:r>
+            <a:r>
+              <a:rPr lang="fr-FR" sz="1800" b="0" i="0" dirty="0" err="1" smtClean="0"/>
+              <a:t>config.xml</a:t>
+            </a:r>
+            <a:r>
+              <a:rPr lang="fr-FR" sz="1800" b="0" i="0" dirty="0" smtClean="0"/>
+              <a:t> </a:t>
+            </a:r>
+            <a:r>
+              <a:rPr lang="fr-FR" sz="2200" i="0" dirty="0" err="1" smtClean="0"/>
+              <a:t>is</a:t>
+            </a:r>
+            <a:r>
+              <a:rPr lang="fr-FR" sz="2200" i="0" dirty="0" smtClean="0"/>
+              <a:t> the </a:t>
+            </a:r>
+            <a:r>
+              <a:rPr lang="fr-FR" sz="2200" i="0" dirty="0" err="1" smtClean="0"/>
+              <a:t>template</a:t>
+            </a:r>
+            <a:r>
+              <a:rPr lang="fr-FR" sz="2200" i="0" dirty="0" smtClean="0"/>
+              <a:t> to use for standard </a:t>
+            </a:r>
+            <a:r>
+              <a:rPr lang="fr-FR" sz="2200" i="0" dirty="0" err="1" smtClean="0"/>
+              <a:t>ldap</a:t>
+            </a:r>
+            <a:r>
+              <a:rPr lang="fr-FR" sz="2200" i="0" dirty="0" smtClean="0"/>
+              <a:t> configuration</a:t>
+            </a:r>
+            <a:endParaRPr lang="fr-FR" sz="2200" i="0" dirty="0"/>
+          </a:p>
+        </p:txBody>
+      </p:sp>
+    </p:spTree>
+    <p:extLst>
+      <p:ext uri="{BB962C8B-B14F-4D97-AF65-F5344CB8AC3E}">
+        <p14:creationId xmlns:p14="http://schemas.microsoft.com/office/powerpoint/2010/main" val="3902901641"/>
+      </p:ext>
+    </p:extLst>
+  </p:cSld>
+  <p:clrMapOvr>
+    <a:masterClrMapping/>
+  </p:clrMapOvr>
+  <p:transition xmlns:p14="http://schemas.microsoft.com/office/powerpoint/2010/main"/>
+  <p:timing>
+    <p:tnLst>
+      <p:par>
+        <p:cTn xmlns:p14="http://schemas.microsoft.com/office/powerpoint/2010/main" id="1" dur="indefinite" restart="never" nodeType="tmRoot"/>
+      </p:par>
+    </p:tnLst>
+  </p:timing>
+</p:sld>
+</file>
+
+<file path=ppt/slides/slide31.xml><?xml version="1.0" encoding="utf-8"?>
+<p:sld xmlns:a="http://schemas.openxmlformats.org/drawingml/2006/main" xmlns:r="http://schemas.openxmlformats.org/officeDocument/2006/relationships" xmlns:p="http://schemas.openxmlformats.org/presentationml/2006/main">
+  <p:cSld>
+    <p:spTree>
+      <p:nvGrpSpPr>
+        <p:cNvPr id="1" name=""/>
+        <p:cNvGrpSpPr/>
+        <p:nvPr/>
+      </p:nvGrpSpPr>
+      <p:grpSpPr>
+        <a:xfrm>
+          <a:off x="0" y="0"/>
+          <a:ext cx="0" cy="0"/>
+          <a:chOff x="0" y="0"/>
+          <a:chExt cx="0" cy="0"/>
+        </a:xfrm>
+      </p:grpSpPr>
+      <p:sp>
+        <p:nvSpPr>
+          <p:cNvPr id="15362" name="Rectangle 1"/>
+          <p:cNvSpPr>
+            <a:spLocks noGrp="1" noChangeArrowheads="1"/>
+          </p:cNvSpPr>
+          <p:nvPr>
+            <p:ph type="title"/>
+          </p:nvPr>
+        </p:nvSpPr>
+        <p:spPr>
+          <a:xfrm>
+            <a:off x="490435" y="255926"/>
+            <a:ext cx="10179255" cy="454024"/>
+          </a:xfrm>
+        </p:spPr>
+        <p:txBody>
+          <a:bodyPr rIns="41783" anchor="b"/>
+          <a:lstStyle/>
+          <a:p>
+            <a:pPr marL="584962" lvl="1" indent="-219361">
+              <a:lnSpc>
+                <a:spcPct val="100000"/>
+              </a:lnSpc>
+            </a:pPr>
+            <a:r>
+              <a:rPr lang="fr-FR" dirty="0" err="1">
+                <a:solidFill>
+                  <a:srgbClr val="FF9900"/>
+                </a:solidFill>
+              </a:rPr>
+              <a:t>PicketLink</a:t>
+            </a:r>
+            <a:r>
+              <a:rPr lang="fr-FR" dirty="0">
+                <a:solidFill>
+                  <a:srgbClr val="FF9900"/>
+                </a:solidFill>
+              </a:rPr>
+              <a:t> </a:t>
+            </a:r>
+            <a:r>
+              <a:rPr lang="fr-FR" dirty="0" smtClean="0">
+                <a:solidFill>
+                  <a:srgbClr val="FF9900"/>
+                </a:solidFill>
+              </a:rPr>
+              <a:t>Intégration configuration</a:t>
+            </a:r>
+            <a:endParaRPr lang="fr-FR" dirty="0">
+              <a:solidFill>
+                <a:srgbClr val="FF9900"/>
+              </a:solidFill>
+            </a:endParaRPr>
+          </a:p>
+        </p:txBody>
+      </p:sp>
+      <p:sp>
+        <p:nvSpPr>
+          <p:cNvPr id="15363" name="Rectangle 2"/>
+          <p:cNvSpPr>
+            <a:spLocks noGrp="1" noChangeArrowheads="1"/>
+          </p:cNvSpPr>
+          <p:nvPr>
+            <p:ph type="body" idx="1"/>
+          </p:nvPr>
+        </p:nvSpPr>
+        <p:spPr>
+          <a:xfrm>
+            <a:off x="467494" y="1283125"/>
+            <a:ext cx="10585176" cy="5305024"/>
+          </a:xfrm>
+        </p:spPr>
+        <p:txBody>
+          <a:bodyPr rIns="41783" anchor="t"/>
+          <a:lstStyle/>
+          <a:p>
+            <a:pPr marL="3175" indent="0">
+              <a:lnSpc>
+                <a:spcPct val="100000"/>
+              </a:lnSpc>
+              <a:buClr>
+                <a:srgbClr val="FF9900"/>
+              </a:buClr>
+              <a:buSzPct val="120000"/>
+              <a:buNone/>
+            </a:pPr>
+            <a:endParaRPr lang="fr-FR" sz="2200" i="0" dirty="0" smtClean="0"/>
+          </a:p>
+          <a:p>
+            <a:pPr>
+              <a:lnSpc>
+                <a:spcPct val="100000"/>
+              </a:lnSpc>
+              <a:buClr>
+                <a:srgbClr val="FF9900"/>
+              </a:buClr>
+              <a:buSzPct val="120000"/>
+              <a:buFont typeface="Lucida Grande"/>
+              <a:buChar char="»"/>
+            </a:pPr>
+            <a:r>
+              <a:rPr lang="fr-FR" sz="2200" i="0" dirty="0" smtClean="0"/>
+              <a:t>By setting the config </a:t>
+            </a:r>
+            <a:r>
+              <a:rPr lang="fr-FR" sz="2200" i="0" dirty="0" err="1" smtClean="0"/>
+              <a:t>parameter</a:t>
+            </a:r>
+            <a:r>
+              <a:rPr lang="fr-FR" sz="2200" i="0" dirty="0" smtClean="0"/>
+              <a:t> of the </a:t>
+            </a:r>
+            <a:r>
+              <a:rPr lang="fr-FR" sz="2200" b="0" i="0" dirty="0" err="1" smtClean="0"/>
+              <a:t>org.exoplatform.services.organization.idm.PicketLinkIDMService</a:t>
+            </a:r>
+            <a:r>
+              <a:rPr lang="fr-FR" sz="2200" i="0" dirty="0" smtClean="0"/>
+              <a:t>, </a:t>
+            </a:r>
+            <a:r>
+              <a:rPr lang="fr-FR" sz="2200" i="0" dirty="0" err="1" smtClean="0"/>
+              <a:t>you</a:t>
+            </a:r>
+            <a:r>
+              <a:rPr lang="fr-FR" sz="2200" i="0" dirty="0" smtClean="0"/>
+              <a:t> </a:t>
+            </a:r>
+            <a:r>
+              <a:rPr lang="fr-FR" sz="2200" i="0" dirty="0" err="1" smtClean="0"/>
+              <a:t>can</a:t>
+            </a:r>
+            <a:r>
+              <a:rPr lang="fr-FR" sz="2200" i="0" dirty="0" smtClean="0"/>
+              <a:t> </a:t>
+            </a:r>
+            <a:r>
+              <a:rPr lang="fr-FR" sz="2200" i="0" dirty="0" err="1" smtClean="0"/>
+              <a:t>specify</a:t>
+            </a:r>
+            <a:r>
+              <a:rPr lang="fr-FR" sz="2200" i="0" dirty="0" smtClean="0"/>
+              <a:t> </a:t>
+            </a:r>
+            <a:r>
+              <a:rPr lang="fr-FR" sz="2200" i="0" dirty="0" err="1" smtClean="0"/>
+              <a:t>which</a:t>
+            </a:r>
+            <a:r>
+              <a:rPr lang="fr-FR" sz="2200" i="0" dirty="0" smtClean="0"/>
+              <a:t> configuration to use</a:t>
+            </a:r>
+          </a:p>
+          <a:p>
+            <a:pPr marL="3175" indent="0">
+              <a:lnSpc>
+                <a:spcPct val="50000"/>
+              </a:lnSpc>
+              <a:buClr>
+                <a:srgbClr val="FF9900"/>
+              </a:buClr>
+              <a:buSzPct val="120000"/>
+              <a:buNone/>
+            </a:pPr>
+            <a:r>
+              <a:rPr lang="fr-FR" sz="1200" i="0" dirty="0"/>
+              <a:t>&lt;component</a:t>
+            </a:r>
+            <a:r>
+              <a:rPr lang="fr-FR" sz="1200" i="0" dirty="0" smtClean="0"/>
+              <a:t>&gt;</a:t>
+            </a:r>
+          </a:p>
+          <a:p>
+            <a:pPr marL="3175" indent="0">
+              <a:lnSpc>
+                <a:spcPct val="50000"/>
+              </a:lnSpc>
+              <a:buClr>
+                <a:srgbClr val="FF9900"/>
+              </a:buClr>
+              <a:buSzPct val="120000"/>
+              <a:buNone/>
+            </a:pPr>
+            <a:r>
+              <a:rPr lang="fr-FR" sz="1200" i="0" dirty="0" smtClean="0"/>
+              <a:t>&lt;</a:t>
+            </a:r>
+            <a:r>
+              <a:rPr lang="fr-FR" sz="1200" i="0" dirty="0" err="1"/>
+              <a:t>key</a:t>
+            </a:r>
+            <a:r>
+              <a:rPr lang="fr-FR" sz="1200" i="0" dirty="0"/>
+              <a:t>&gt;</a:t>
+            </a:r>
+            <a:r>
+              <a:rPr lang="fr-FR" sz="1200" i="0" dirty="0" err="1"/>
+              <a:t>org.exoplatform.services.organization.idm.PicketLinkIDMService</a:t>
+            </a:r>
+            <a:r>
+              <a:rPr lang="fr-FR" sz="1200" i="0" dirty="0"/>
+              <a:t>&lt;/</a:t>
+            </a:r>
+            <a:r>
+              <a:rPr lang="fr-FR" sz="1200" i="0" dirty="0" err="1"/>
+              <a:t>key</a:t>
+            </a:r>
+            <a:r>
+              <a:rPr lang="fr-FR" sz="1200" i="0" dirty="0" smtClean="0"/>
+              <a:t>&gt;</a:t>
+            </a:r>
+          </a:p>
+          <a:p>
+            <a:pPr marL="3175" indent="0">
+              <a:lnSpc>
+                <a:spcPct val="50000"/>
+              </a:lnSpc>
+              <a:buClr>
+                <a:srgbClr val="FF9900"/>
+              </a:buClr>
+              <a:buSzPct val="120000"/>
+              <a:buNone/>
+            </a:pPr>
+            <a:r>
+              <a:rPr lang="fr-FR" sz="1200" i="0" dirty="0" smtClean="0"/>
+              <a:t>&lt;</a:t>
+            </a:r>
+            <a:r>
+              <a:rPr lang="fr-FR" sz="1200" i="0" dirty="0"/>
+              <a:t>type&gt;org.exoplatform.services.organization.idm.PicketLinkIDMServiceImpl&lt;/type</a:t>
+            </a:r>
+            <a:r>
+              <a:rPr lang="fr-FR" sz="1200" i="0" dirty="0" smtClean="0"/>
+              <a:t>&gt;</a:t>
+            </a:r>
+          </a:p>
+          <a:p>
+            <a:pPr marL="3175" indent="0">
+              <a:lnSpc>
+                <a:spcPct val="50000"/>
+              </a:lnSpc>
+              <a:buClr>
+                <a:srgbClr val="FF9900"/>
+              </a:buClr>
+              <a:buSzPct val="120000"/>
+              <a:buNone/>
+            </a:pPr>
+            <a:r>
+              <a:rPr lang="fr-FR" sz="1200" i="0" dirty="0" smtClean="0"/>
+              <a:t>&lt;</a:t>
+            </a:r>
+            <a:r>
+              <a:rPr lang="fr-FR" sz="1200" i="0" dirty="0" err="1"/>
+              <a:t>init-params</a:t>
+            </a:r>
+            <a:r>
+              <a:rPr lang="fr-FR" sz="1200" i="0" dirty="0" smtClean="0"/>
+              <a:t>&gt;</a:t>
+            </a:r>
+          </a:p>
+          <a:p>
+            <a:pPr marL="3175" indent="0">
+              <a:lnSpc>
+                <a:spcPct val="50000"/>
+              </a:lnSpc>
+              <a:buClr>
+                <a:srgbClr val="FF9900"/>
+              </a:buClr>
+              <a:buSzPct val="120000"/>
+              <a:buNone/>
+            </a:pPr>
+            <a:r>
+              <a:rPr lang="fr-FR" sz="1200" i="0" dirty="0"/>
+              <a:t>	</a:t>
+            </a:r>
+            <a:r>
+              <a:rPr lang="fr-FR" sz="1200" i="0" dirty="0" smtClean="0"/>
+              <a:t>&lt;</a:t>
+            </a:r>
+            <a:r>
+              <a:rPr lang="fr-FR" sz="1200" i="0" dirty="0"/>
+              <a:t>value-</a:t>
+            </a:r>
+            <a:r>
+              <a:rPr lang="fr-FR" sz="1200" i="0" dirty="0" err="1"/>
+              <a:t>param</a:t>
+            </a:r>
+            <a:r>
+              <a:rPr lang="fr-FR" sz="1200" i="0" dirty="0" smtClean="0"/>
+              <a:t>&gt;</a:t>
+            </a:r>
+          </a:p>
+          <a:p>
+            <a:pPr marL="3175" indent="0">
+              <a:lnSpc>
+                <a:spcPct val="50000"/>
+              </a:lnSpc>
+              <a:buClr>
+                <a:srgbClr val="FF9900"/>
+              </a:buClr>
+              <a:buSzPct val="120000"/>
+              <a:buNone/>
+            </a:pPr>
+            <a:r>
+              <a:rPr lang="fr-FR" sz="1200" i="0" dirty="0"/>
+              <a:t>	</a:t>
+            </a:r>
+            <a:r>
+              <a:rPr lang="fr-FR" sz="1200" i="0" dirty="0" smtClean="0"/>
+              <a:t>	&lt;</a:t>
+            </a:r>
+            <a:r>
+              <a:rPr lang="fr-FR" sz="1200" i="0" dirty="0" err="1"/>
+              <a:t>name</a:t>
+            </a:r>
+            <a:r>
+              <a:rPr lang="fr-FR" sz="1200" i="0" dirty="0"/>
+              <a:t>&gt;config&lt;/</a:t>
+            </a:r>
+            <a:r>
+              <a:rPr lang="fr-FR" sz="1200" i="0" dirty="0" err="1"/>
+              <a:t>name</a:t>
+            </a:r>
+            <a:r>
+              <a:rPr lang="fr-FR" sz="1200" i="0" dirty="0" smtClean="0"/>
+              <a:t>&gt;</a:t>
+            </a:r>
+          </a:p>
+          <a:p>
+            <a:pPr marL="3175" indent="0">
+              <a:lnSpc>
+                <a:spcPct val="50000"/>
+              </a:lnSpc>
+              <a:buClr>
+                <a:srgbClr val="FF9900"/>
+              </a:buClr>
+              <a:buSzPct val="120000"/>
+              <a:buNone/>
+            </a:pPr>
+            <a:r>
+              <a:rPr lang="fr-FR" sz="1200" i="0" dirty="0"/>
+              <a:t>	</a:t>
+            </a:r>
+            <a:r>
+              <a:rPr lang="fr-FR" sz="1200" i="0" dirty="0" smtClean="0"/>
+              <a:t>	&lt;</a:t>
+            </a:r>
+            <a:r>
+              <a:rPr lang="fr-FR" sz="1200" i="0" dirty="0"/>
+              <a:t>value&gt;</a:t>
+            </a:r>
+            <a:r>
+              <a:rPr lang="fr-FR" sz="1200" i="0" dirty="0" err="1"/>
+              <a:t>war</a:t>
+            </a:r>
+            <a:r>
+              <a:rPr lang="fr-FR" sz="1200" i="0" dirty="0"/>
+              <a:t>:/</a:t>
+            </a:r>
+            <a:r>
+              <a:rPr lang="fr-FR" sz="1200" i="0" dirty="0" err="1"/>
+              <a:t>conf</a:t>
+            </a:r>
+            <a:r>
+              <a:rPr lang="fr-FR" sz="1200" i="0" dirty="0"/>
+              <a:t>/</a:t>
+            </a:r>
+            <a:r>
+              <a:rPr lang="fr-FR" sz="1200" i="0" dirty="0" err="1"/>
+              <a:t>organization</a:t>
+            </a:r>
+            <a:r>
+              <a:rPr lang="fr-FR" sz="1200" i="0" dirty="0"/>
+              <a:t>/</a:t>
+            </a:r>
+            <a:r>
+              <a:rPr lang="fr-FR" sz="1200" i="0" dirty="0" err="1"/>
+              <a:t>picketlink-idm</a:t>
+            </a:r>
+            <a:r>
+              <a:rPr lang="fr-FR" sz="1200" i="0" dirty="0"/>
+              <a:t>/</a:t>
+            </a:r>
+            <a:r>
+              <a:rPr lang="fr-FR" sz="1200" i="0" dirty="0" err="1"/>
+              <a:t>picketlink-idm-config.xml</a:t>
+            </a:r>
+            <a:r>
+              <a:rPr lang="fr-FR" sz="1200" i="0" dirty="0"/>
+              <a:t>&lt;/value</a:t>
+            </a:r>
+            <a:r>
+              <a:rPr lang="fr-FR" sz="1200" i="0" dirty="0" smtClean="0"/>
+              <a:t>&gt;</a:t>
+            </a:r>
+            <a:endParaRPr lang="fr-FR" sz="2200" b="0" i="0" dirty="0" smtClean="0"/>
+          </a:p>
+          <a:p>
+            <a:pPr>
+              <a:lnSpc>
+                <a:spcPct val="100000"/>
+              </a:lnSpc>
+              <a:buClr>
+                <a:srgbClr val="FF9900"/>
+              </a:buClr>
+              <a:buSzPct val="120000"/>
+              <a:buFont typeface="Lucida Grande"/>
+              <a:buChar char="»"/>
+            </a:pPr>
+            <a:r>
+              <a:rPr lang="fr-FR" sz="1800" b="0" i="0" dirty="0"/>
+              <a:t>p</a:t>
+            </a:r>
+            <a:r>
+              <a:rPr lang="fr-FR" sz="1800" b="0" i="0" dirty="0" smtClean="0"/>
+              <a:t>ortal/portal/</a:t>
+            </a:r>
+            <a:r>
+              <a:rPr lang="fr-FR" sz="1800" b="0" i="0" dirty="0" err="1"/>
+              <a:t>conf</a:t>
+            </a:r>
+            <a:r>
+              <a:rPr lang="fr-FR" sz="1800" b="0" i="0" dirty="0"/>
+              <a:t>/</a:t>
+            </a:r>
+            <a:r>
+              <a:rPr lang="fr-FR" sz="1800" b="0" i="0" dirty="0" err="1"/>
+              <a:t>organization</a:t>
+            </a:r>
+            <a:r>
+              <a:rPr lang="fr-FR" sz="1800" b="0" i="0" dirty="0"/>
+              <a:t>/</a:t>
+            </a:r>
+            <a:r>
+              <a:rPr lang="fr-FR" sz="1800" b="0" i="0" dirty="0" err="1"/>
+              <a:t>picketlink-idm</a:t>
+            </a:r>
+            <a:r>
+              <a:rPr lang="fr-FR" sz="1800" b="0" i="0" dirty="0"/>
+              <a:t>/</a:t>
+            </a:r>
+            <a:r>
+              <a:rPr lang="fr-FR" sz="1800" b="0" i="0" dirty="0" err="1"/>
+              <a:t>examples</a:t>
+            </a:r>
+            <a:r>
+              <a:rPr lang="fr-FR" sz="1800" b="0" i="0" dirty="0"/>
+              <a:t>/</a:t>
+            </a:r>
+            <a:r>
+              <a:rPr lang="fr-FR" sz="1800" b="0" i="0" dirty="0" err="1"/>
+              <a:t>picketlink-idm-ldap-</a:t>
+            </a:r>
+            <a:r>
+              <a:rPr lang="fr-FR" sz="1800" b="0" i="0" dirty="0" err="1" smtClean="0"/>
+              <a:t>config.xml</a:t>
+            </a:r>
+            <a:r>
+              <a:rPr lang="fr-FR" sz="1800" b="0" i="0" dirty="0" smtClean="0"/>
+              <a:t> </a:t>
+            </a:r>
+            <a:r>
+              <a:rPr lang="fr-FR" sz="2200" i="0" dirty="0" err="1" smtClean="0"/>
+              <a:t>is</a:t>
+            </a:r>
+            <a:r>
+              <a:rPr lang="fr-FR" sz="2200" i="0" dirty="0" smtClean="0"/>
+              <a:t> the </a:t>
+            </a:r>
+            <a:r>
+              <a:rPr lang="fr-FR" sz="2200" i="0" dirty="0" err="1" smtClean="0"/>
+              <a:t>template</a:t>
+            </a:r>
+            <a:r>
+              <a:rPr lang="fr-FR" sz="2200" i="0" dirty="0" smtClean="0"/>
+              <a:t> to use for standard </a:t>
+            </a:r>
+            <a:r>
+              <a:rPr lang="fr-FR" sz="2200" i="0" dirty="0" err="1" smtClean="0"/>
+              <a:t>ldap</a:t>
+            </a:r>
+            <a:r>
+              <a:rPr lang="fr-FR" sz="2200" i="0" dirty="0" smtClean="0"/>
+              <a:t> configuration</a:t>
+            </a:r>
+          </a:p>
+          <a:p>
+            <a:pPr>
+              <a:lnSpc>
+                <a:spcPct val="100000"/>
+              </a:lnSpc>
+              <a:buClr>
+                <a:srgbClr val="FF9900"/>
+              </a:buClr>
+              <a:buSzPct val="120000"/>
+              <a:buFont typeface="Lucida Grande"/>
+              <a:buChar char="»"/>
+            </a:pPr>
+            <a:r>
+              <a:rPr lang="fr-FR" sz="2200" i="0" dirty="0"/>
+              <a:t>To </a:t>
+            </a:r>
+            <a:r>
+              <a:rPr lang="fr-FR" sz="2200" i="0" dirty="0" err="1"/>
+              <a:t>understand</a:t>
+            </a:r>
+            <a:r>
+              <a:rPr lang="fr-FR" sz="2200" i="0" dirty="0"/>
+              <a:t> all the </a:t>
+            </a:r>
+            <a:r>
+              <a:rPr lang="fr-FR" sz="2200" i="0" dirty="0" smtClean="0"/>
+              <a:t>options </a:t>
+            </a:r>
+            <a:r>
+              <a:rPr lang="fr-FR" sz="2200" i="0" dirty="0" err="1"/>
+              <a:t>it</a:t>
+            </a:r>
+            <a:r>
+              <a:rPr lang="fr-FR" sz="2200" i="0" dirty="0"/>
+              <a:t> </a:t>
+            </a:r>
+            <a:r>
+              <a:rPr lang="fr-FR" sz="2200" i="0" dirty="0" err="1"/>
+              <a:t>contains</a:t>
+            </a:r>
+            <a:r>
+              <a:rPr lang="fr-FR" sz="2200" i="0" dirty="0"/>
+              <a:t>, </a:t>
+            </a:r>
+            <a:r>
+              <a:rPr lang="fr-FR" sz="2200" i="0" dirty="0" err="1"/>
+              <a:t>please</a:t>
+            </a:r>
+            <a:r>
+              <a:rPr lang="fr-FR" sz="2200" i="0" dirty="0"/>
+              <a:t> </a:t>
+            </a:r>
+            <a:r>
+              <a:rPr lang="fr-FR" sz="2200" i="0" dirty="0" err="1"/>
+              <a:t>refer</a:t>
+            </a:r>
+            <a:r>
+              <a:rPr lang="fr-FR" sz="2200" i="0" dirty="0"/>
+              <a:t> to the </a:t>
+            </a:r>
+            <a:r>
+              <a:rPr lang="fr-FR" sz="2200" i="0" dirty="0" err="1"/>
+              <a:t>PicketLink</a:t>
+            </a:r>
+            <a:r>
+              <a:rPr lang="fr-FR" sz="2200" i="0" dirty="0"/>
+              <a:t> IDM Reference Guide </a:t>
+            </a:r>
+            <a:r>
+              <a:rPr lang="fr-FR" sz="2200" i="0" dirty="0" smtClean="0"/>
+              <a:t>: </a:t>
+            </a:r>
+            <a:r>
+              <a:rPr lang="fr-FR" sz="2200" b="0" i="0" dirty="0" smtClean="0"/>
+              <a:t>http://</a:t>
+            </a:r>
+            <a:r>
+              <a:rPr lang="fr-FR" sz="2200" b="0" i="0" dirty="0" err="1" smtClean="0"/>
+              <a:t>www.jboss.org</a:t>
+            </a:r>
+            <a:r>
+              <a:rPr lang="fr-FR" sz="2200" b="0" i="0" dirty="0" smtClean="0"/>
+              <a:t>/</a:t>
+            </a:r>
+            <a:r>
+              <a:rPr lang="fr-FR" sz="2200" b="0" i="0" dirty="0" err="1" smtClean="0"/>
+              <a:t>picketlink</a:t>
+            </a:r>
+            <a:r>
+              <a:rPr lang="fr-FR" sz="2200" b="0" i="0" dirty="0" smtClean="0"/>
+              <a:t>/</a:t>
+            </a:r>
+            <a:r>
+              <a:rPr lang="fr-FR" sz="2200" b="0" i="0" dirty="0" err="1" smtClean="0"/>
+              <a:t>IDM.html</a:t>
+            </a:r>
+            <a:endParaRPr lang="fr-FR" sz="2200" b="0" i="0" dirty="0"/>
+          </a:p>
+        </p:txBody>
+      </p:sp>
+    </p:spTree>
+    <p:extLst>
+      <p:ext uri="{BB962C8B-B14F-4D97-AF65-F5344CB8AC3E}">
+        <p14:creationId xmlns:p14="http://schemas.microsoft.com/office/powerpoint/2010/main" val="2995388090"/>
+      </p:ext>
+    </p:extLst>
+  </p:cSld>
+  <p:clrMapOvr>
+    <a:masterClrMapping/>
+  </p:clrMapOvr>
+  <p:transition xmlns:p14="http://schemas.microsoft.com/office/powerpoint/2010/main"/>
+  <p:timing>
+    <p:tnLst>
+      <p:par>
+        <p:cTn xmlns:p14="http://schemas.microsoft.com/office/powerpoint/2010/main" id="1" dur="indefinite" restart="never" nodeType="tmRoot"/>
+      </p:par>
+    </p:tnLst>
+  </p:timing>
+</p:sld>
+</file>
+
+<file path=ppt/slides/slide32.xml><?xml version="1.0" encoding="utf-8"?>
+<p:sld xmlns:a="http://schemas.openxmlformats.org/drawingml/2006/main" xmlns:r="http://schemas.openxmlformats.org/officeDocument/2006/relationships" xmlns:p="http://schemas.openxmlformats.org/presentationml/2006/main">
+  <p:cSld>
+    <p:spTree>
+      <p:nvGrpSpPr>
+        <p:cNvPr id="1" name=""/>
+        <p:cNvGrpSpPr/>
+        <p:nvPr/>
+      </p:nvGrpSpPr>
+      <p:grpSpPr>
+        <a:xfrm>
+          <a:off x="0" y="0"/>
+          <a:ext cx="0" cy="0"/>
+          <a:chOff x="0" y="0"/>
+          <a:chExt cx="0" cy="0"/>
+        </a:xfrm>
+      </p:grpSpPr>
+      <p:sp>
+        <p:nvSpPr>
+          <p:cNvPr id="81922" name="Text Box 1"/>
+          <p:cNvSpPr txBox="1">
+            <a:spLocks noChangeArrowheads="1"/>
+          </p:cNvSpPr>
+          <p:nvPr/>
+        </p:nvSpPr>
+        <p:spPr bwMode="auto">
+          <a:xfrm>
+            <a:off x="8001000" y="6886575"/>
+            <a:ext cx="2598738" cy="520700"/>
+          </a:xfrm>
+          <a:prstGeom prst="rect">
+            <a:avLst/>
+          </a:prstGeom>
+          <a:noFill/>
+          <a:ln w="9525">
+            <a:noFill/>
+            <a:round/>
+            <a:headEnd/>
+            <a:tailEnd/>
+          </a:ln>
+        </p:spPr>
+        <p:txBody>
+          <a:bodyPr lIns="0" tIns="0" rIns="0" bIns="0"/>
+          <a:lstStyle/>
+          <a:p>
+            <a:pPr algn="r">
+              <a:lnSpc>
+                <a:spcPct val="98000"/>
+              </a:lnSpc>
+              <a:buFont typeface="Wingdings" pitchFamily="2" charset="2"/>
+              <a:buNone/>
+              <a:tabLst>
+                <a:tab pos="0" algn="l"/>
+                <a:tab pos="457200" algn="l"/>
+                <a:tab pos="914400" algn="l"/>
+                <a:tab pos="1371600" algn="l"/>
+                <a:tab pos="1828800" algn="l"/>
+                <a:tab pos="2286000" algn="l"/>
+                <a:tab pos="2743200" algn="l"/>
+                <a:tab pos="3200400" algn="l"/>
+                <a:tab pos="3657600" algn="l"/>
+                <a:tab pos="4114800" algn="l"/>
+                <a:tab pos="4572000" algn="l"/>
+                <a:tab pos="5029200" algn="l"/>
+                <a:tab pos="5486400" algn="l"/>
+                <a:tab pos="5943600" algn="l"/>
+                <a:tab pos="6400800" algn="l"/>
+                <a:tab pos="6858000" algn="l"/>
+                <a:tab pos="7315200" algn="l"/>
+                <a:tab pos="7772400" algn="l"/>
+                <a:tab pos="8229600" algn="l"/>
+                <a:tab pos="8686800" algn="l"/>
+                <a:tab pos="9144000" algn="l"/>
+              </a:tabLst>
+            </a:pPr>
+            <a:fld id="{9439DB4F-8062-4B9F-B45E-68F1B7A6624D}" type="slidenum">
+              <a:rPr lang="en-GB" sz="1400">
+                <a:solidFill>
+                  <a:srgbClr val="000000"/>
+                </a:solidFill>
+                <a:latin typeface="Times New Roman" pitchFamily="18" charset="0"/>
+                <a:ea typeface="Arial Unicode MS" pitchFamily="34" charset="-128"/>
+                <a:cs typeface="Arial Unicode MS" pitchFamily="34" charset="-128"/>
+              </a:rPr>
+              <a:pPr algn="r">
+                <a:lnSpc>
+                  <a:spcPct val="98000"/>
+                </a:lnSpc>
+                <a:buFont typeface="Wingdings" pitchFamily="2" charset="2"/>
+                <a:buNone/>
+                <a:tabLst>
+                  <a:tab pos="0" algn="l"/>
+                  <a:tab pos="457200" algn="l"/>
+                  <a:tab pos="914400" algn="l"/>
+                  <a:tab pos="1371600" algn="l"/>
+                  <a:tab pos="1828800" algn="l"/>
+                  <a:tab pos="2286000" algn="l"/>
+                  <a:tab pos="2743200" algn="l"/>
+                  <a:tab pos="3200400" algn="l"/>
+                  <a:tab pos="3657600" algn="l"/>
+                  <a:tab pos="4114800" algn="l"/>
+                  <a:tab pos="4572000" algn="l"/>
+                  <a:tab pos="5029200" algn="l"/>
+                  <a:tab pos="5486400" algn="l"/>
+                  <a:tab pos="5943600" algn="l"/>
+                  <a:tab pos="6400800" algn="l"/>
+                  <a:tab pos="6858000" algn="l"/>
+                  <a:tab pos="7315200" algn="l"/>
+                  <a:tab pos="7772400" algn="l"/>
+                  <a:tab pos="8229600" algn="l"/>
+                  <a:tab pos="8686800" algn="l"/>
+                  <a:tab pos="9144000" algn="l"/>
+                </a:tabLst>
+              </a:pPr>
+              <a:t>32</a:t>
+            </a:fld>
+            <a:endParaRPr lang="en-GB" sz="1400">
+              <a:solidFill>
+                <a:srgbClr val="000000"/>
+              </a:solidFill>
+              <a:latin typeface="Times New Roman" pitchFamily="18" charset="0"/>
+              <a:ea typeface="Arial Unicode MS" pitchFamily="34" charset="-128"/>
+              <a:cs typeface="Arial Unicode MS" pitchFamily="34" charset="-128"/>
+            </a:endParaRPr>
+          </a:p>
+        </p:txBody>
+      </p:sp>
+      <p:sp>
+        <p:nvSpPr>
+          <p:cNvPr id="81923" name="Text Box 2"/>
+          <p:cNvSpPr txBox="1">
+            <a:spLocks noChangeArrowheads="1"/>
+          </p:cNvSpPr>
+          <p:nvPr/>
+        </p:nvSpPr>
+        <p:spPr bwMode="auto">
+          <a:xfrm>
+            <a:off x="550863" y="4692650"/>
+            <a:ext cx="10044112" cy="1492250"/>
+          </a:xfrm>
+          <a:prstGeom prst="rect">
+            <a:avLst/>
+          </a:prstGeom>
+          <a:noFill/>
+          <a:ln w="9525">
+            <a:noFill/>
+            <a:round/>
+            <a:headEnd/>
+            <a:tailEnd/>
+          </a:ln>
+        </p:spPr>
+        <p:txBody>
+          <a:bodyPr lIns="0" tIns="0" rIns="0" bIns="0" anchor="ctr"/>
+          <a:lstStyle/>
+          <a:p>
+            <a:pPr marL="584962" lvl="1" indent="-219361">
+              <a:lnSpc>
+                <a:spcPct val="100000"/>
+              </a:lnSpc>
+            </a:pPr>
+            <a:r>
+              <a:rPr lang="fr-FR" sz="4800" dirty="0">
+                <a:solidFill>
+                  <a:srgbClr val="FFFFFF"/>
+                </a:solidFill>
+              </a:rPr>
+              <a:t>SSO - Single </a:t>
+            </a:r>
+            <a:r>
+              <a:rPr lang="fr-FR" sz="4800" dirty="0" err="1">
+                <a:solidFill>
+                  <a:srgbClr val="FFFFFF"/>
+                </a:solidFill>
+              </a:rPr>
+              <a:t>Sign</a:t>
+            </a:r>
+            <a:r>
+              <a:rPr lang="fr-FR" sz="4800" dirty="0">
+                <a:solidFill>
+                  <a:srgbClr val="FFFFFF"/>
+                </a:solidFill>
+              </a:rPr>
+              <a:t> On</a:t>
+            </a:r>
+          </a:p>
+        </p:txBody>
+      </p:sp>
+    </p:spTree>
+    <p:extLst>
+      <p:ext uri="{BB962C8B-B14F-4D97-AF65-F5344CB8AC3E}">
+        <p14:creationId xmlns:p14="http://schemas.microsoft.com/office/powerpoint/2010/main" val="3144916245"/>
+      </p:ext>
+    </p:extLst>
+  </p:cSld>
+  <p:clrMapOvr>
+    <a:masterClrMapping/>
+  </p:clrMapOvr>
+  <p:transition xmlns:p14="http://schemas.microsoft.com/office/powerpoint/2010/main" spd="med">
+    <p:wipe dir="r"/>
+  </p:transition>
+  <p:timing>
+    <p:tnLst>
+      <p:par>
+        <p:cTn xmlns:p14="http://schemas.microsoft.com/office/powerpoint/2010/main" id="1" dur="indefinite" restart="never" nodeType="tmRoot">
+          <p:childTnLst>
+            <p:seq concurrent="1" nextAc="seek">
+              <p:cTn id="2" dur="indefinite" nodeType="mainSeq"/>
+              <p:prevCondLst>
+                <p:cond evt="onPrev" delay="0">
+                  <p:tgtEl>
+                    <p:sldTgt/>
+                  </p:tgtEl>
+                </p:cond>
+              </p:prevCondLst>
+              <p:nextCondLst>
+                <p:cond evt="onNext" delay="0">
+                  <p:tgtEl>
+                    <p:sldTgt/>
+                  </p:tgtEl>
+                </p:cond>
+              </p:nextCondLst>
+            </p:seq>
+          </p:childTnLst>
+        </p:cTn>
+      </p:par>
+    </p:tnLst>
+  </p:timing>
+</p:sld>
+</file>
+
+<file path=ppt/slides/slide33.xml><?xml version="1.0" encoding="utf-8"?>
+<p:sld xmlns:a="http://schemas.openxmlformats.org/drawingml/2006/main" xmlns:r="http://schemas.openxmlformats.org/officeDocument/2006/relationships" xmlns:p="http://schemas.openxmlformats.org/presentationml/2006/main">
+  <p:cSld>
+    <p:spTree>
+      <p:nvGrpSpPr>
+        <p:cNvPr id="1" name=""/>
+        <p:cNvGrpSpPr/>
+        <p:nvPr/>
+      </p:nvGrpSpPr>
+      <p:grpSpPr>
+        <a:xfrm>
+          <a:off x="0" y="0"/>
+          <a:ext cx="0" cy="0"/>
+          <a:chOff x="0" y="0"/>
+          <a:chExt cx="0" cy="0"/>
+        </a:xfrm>
+      </p:grpSpPr>
+      <p:sp>
+        <p:nvSpPr>
+          <p:cNvPr id="15362" name="Rectangle 1"/>
+          <p:cNvSpPr>
+            <a:spLocks noGrp="1" noChangeArrowheads="1"/>
+          </p:cNvSpPr>
+          <p:nvPr>
+            <p:ph type="title"/>
+          </p:nvPr>
+        </p:nvSpPr>
+        <p:spPr>
+          <a:xfrm>
+            <a:off x="490435" y="255926"/>
+            <a:ext cx="10179255" cy="454024"/>
+          </a:xfrm>
+        </p:spPr>
+        <p:txBody>
+          <a:bodyPr rIns="41783" anchor="b"/>
+          <a:lstStyle/>
+          <a:p>
+            <a:pPr marL="584962" lvl="1" indent="-219361">
+              <a:lnSpc>
+                <a:spcPct val="100000"/>
+              </a:lnSpc>
+            </a:pPr>
+            <a:r>
+              <a:rPr lang="fr-FR" dirty="0">
+                <a:solidFill>
+                  <a:srgbClr val="FF9900"/>
+                </a:solidFill>
+              </a:rPr>
+              <a:t>SSO - Single </a:t>
+            </a:r>
+            <a:r>
+              <a:rPr lang="fr-FR" dirty="0" err="1">
+                <a:solidFill>
+                  <a:srgbClr val="FF9900"/>
+                </a:solidFill>
+              </a:rPr>
+              <a:t>Sign</a:t>
+            </a:r>
+            <a:r>
+              <a:rPr lang="fr-FR" dirty="0">
+                <a:solidFill>
+                  <a:srgbClr val="FF9900"/>
+                </a:solidFill>
+              </a:rPr>
+              <a:t> On</a:t>
+            </a:r>
           </a:p>
         </p:txBody>
       </p:sp>
@@ -36755,7 +40039,7 @@
         <p:spPr>
           <a:xfrm>
             <a:off x="467494" y="1043533"/>
-            <a:ext cx="10219725" cy="5089000"/>
+            <a:ext cx="10219725" cy="5400600"/>
           </a:xfrm>
         </p:spPr>
         <p:txBody>
@@ -36773,863 +40057,490 @@
               <a:buChar char="»"/>
             </a:pPr>
             <a:r>
-              <a:rPr lang="fr-FR" i="0" dirty="0"/>
-              <a:t>Configuration file : </a:t>
-            </a:r>
-            <a:r>
-              <a:rPr lang="fr-FR" b="0" i="0" dirty="0">
-                <a:solidFill>
-                  <a:schemeClr val="tx1">
-                    <a:lumMod val="75000"/>
-                    <a:lumOff val="25000"/>
-                  </a:schemeClr>
-                </a:solidFill>
-              </a:rPr>
-              <a:t>portal/portal/</a:t>
-            </a:r>
-            <a:r>
-              <a:rPr lang="fr-FR" b="0" i="0" dirty="0" err="1">
-                <a:solidFill>
-                  <a:schemeClr val="tx1">
-                    <a:lumMod val="75000"/>
-                    <a:lumOff val="25000"/>
-                  </a:schemeClr>
-                </a:solidFill>
-              </a:rPr>
-              <a:t>conf</a:t>
-            </a:r>
-            <a:r>
-              <a:rPr lang="fr-FR" b="0" i="0" dirty="0">
-                <a:solidFill>
-                  <a:schemeClr val="tx1">
-                    <a:lumMod val="75000"/>
-                    <a:lumOff val="25000"/>
-                  </a:schemeClr>
-                </a:solidFill>
-              </a:rPr>
-              <a:t>/</a:t>
-            </a:r>
-            <a:r>
-              <a:rPr lang="fr-FR" b="0" i="0" dirty="0" err="1">
-                <a:solidFill>
-                  <a:schemeClr val="tx1">
-                    <a:lumMod val="75000"/>
-                    <a:lumOff val="25000"/>
-                  </a:schemeClr>
-                </a:solidFill>
-              </a:rPr>
-              <a:t>organization</a:t>
-            </a:r>
-            <a:r>
-              <a:rPr lang="fr-FR" b="0" i="0" dirty="0">
-                <a:solidFill>
-                  <a:schemeClr val="tx1">
-                    <a:lumMod val="75000"/>
-                    <a:lumOff val="25000"/>
-                  </a:schemeClr>
-                </a:solidFill>
-              </a:rPr>
-              <a:t>/</a:t>
-            </a:r>
-            <a:r>
-              <a:rPr lang="fr-FR" b="0" i="0" dirty="0" err="1">
-                <a:solidFill>
-                  <a:schemeClr val="tx1">
-                    <a:lumMod val="75000"/>
-                    <a:lumOff val="25000"/>
-                  </a:schemeClr>
-                </a:solidFill>
-              </a:rPr>
-              <a:t>ldap-configuration.xml</a:t>
-            </a:r>
-            <a:endParaRPr lang="fr-FR" b="0" i="0" dirty="0">
-              <a:solidFill>
-                <a:schemeClr val="tx1">
-                  <a:lumMod val="75000"/>
-                  <a:lumOff val="25000"/>
-                </a:schemeClr>
-              </a:solidFill>
-            </a:endParaRPr>
-          </a:p>
-          <a:p>
-            <a:pPr marL="3175" indent="0">
-              <a:buClr>
-                <a:srgbClr val="FF9900"/>
-              </a:buClr>
-              <a:buSzPct val="120000"/>
-              <a:buNone/>
-            </a:pPr>
-            <a:endParaRPr lang="fr-FR" sz="2200" i="0" dirty="0" smtClean="0"/>
-          </a:p>
-          <a:p>
-            <a:pPr>
-              <a:buClr>
-                <a:srgbClr val="FF9900"/>
-              </a:buClr>
-              <a:buSzPct val="120000"/>
-              <a:buFont typeface="Lucida Grande"/>
-              <a:buChar char="»"/>
-            </a:pPr>
-            <a:r>
-              <a:rPr lang="fr-FR" sz="2200" i="0" dirty="0" err="1" smtClean="0">
-                <a:solidFill>
-                  <a:srgbClr val="404040"/>
-                </a:solidFill>
-              </a:rPr>
-              <a:t>ldap.attribute.mapping</a:t>
-            </a:r>
-            <a:r>
-              <a:rPr lang="fr-FR" sz="2200" i="0" dirty="0" smtClean="0">
-                <a:solidFill>
-                  <a:srgbClr val="404040"/>
-                </a:solidFill>
-              </a:rPr>
+              <a:rPr lang="fr-FR" sz="2400" i="0" dirty="0" smtClean="0"/>
+              <a:t>The </a:t>
+            </a:r>
+            <a:r>
+              <a:rPr lang="fr-FR" sz="2400" i="0" dirty="0"/>
+              <a:t>portal </a:t>
+            </a:r>
+            <a:r>
+              <a:rPr lang="fr-FR" sz="2400" i="0" dirty="0" err="1"/>
+              <a:t>users</a:t>
+            </a:r>
+            <a:r>
+              <a:rPr lang="fr-FR" sz="2400" i="0" dirty="0"/>
+              <a:t> gain </a:t>
+            </a:r>
+            <a:r>
+              <a:rPr lang="fr-FR" sz="2400" i="0" dirty="0" err="1"/>
+              <a:t>access</a:t>
+            </a:r>
+            <a:r>
+              <a:rPr lang="fr-FR" sz="2400" i="0" dirty="0"/>
+              <a:t> to </a:t>
+            </a:r>
+            <a:r>
+              <a:rPr lang="fr-FR" sz="2400" i="0" dirty="0" err="1"/>
+              <a:t>many</a:t>
+            </a:r>
+            <a:r>
+              <a:rPr lang="fr-FR" sz="2400" i="0" dirty="0"/>
               <a:t> </a:t>
             </a:r>
             <a:r>
-              <a:rPr lang="fr-FR" sz="2200" i="0" dirty="0" err="1">
-                <a:solidFill>
-                  <a:srgbClr val="404040"/>
-                </a:solidFill>
-              </a:rPr>
-              <a:t>maps</a:t>
-            </a:r>
-            <a:r>
-              <a:rPr lang="fr-FR" sz="2200" i="0" dirty="0">
-                <a:solidFill>
-                  <a:srgbClr val="404040"/>
-                </a:solidFill>
-              </a:rPr>
+              <a:rPr lang="fr-FR" sz="2400" i="0" dirty="0" err="1"/>
+              <a:t>systems</a:t>
+            </a:r>
+            <a:r>
+              <a:rPr lang="fr-FR" sz="2400" i="0" dirty="0"/>
               <a:t> </a:t>
             </a:r>
             <a:r>
-              <a:rPr lang="fr-FR" sz="2200" i="0" dirty="0" err="1">
-                <a:solidFill>
-                  <a:srgbClr val="404040"/>
-                </a:solidFill>
-              </a:rPr>
-              <a:t>your</a:t>
-            </a:r>
-            <a:r>
-              <a:rPr lang="fr-FR" sz="2200" i="0" dirty="0">
-                <a:solidFill>
-                  <a:srgbClr val="404040"/>
-                </a:solidFill>
-              </a:rPr>
+              <a:rPr lang="fr-FR" sz="2400" i="0" dirty="0" err="1"/>
+              <a:t>through</a:t>
+            </a:r>
+            <a:r>
+              <a:rPr lang="fr-FR" sz="2400" i="0" dirty="0"/>
               <a:t> </a:t>
             </a:r>
             <a:r>
-              <a:rPr lang="fr-FR" sz="2200" i="0" dirty="0" err="1">
-                <a:solidFill>
-                  <a:srgbClr val="404040"/>
-                </a:solidFill>
-              </a:rPr>
-              <a:t>ldap</a:t>
-            </a:r>
-            <a:r>
-              <a:rPr lang="fr-FR" sz="2200" i="0" dirty="0">
-                <a:solidFill>
-                  <a:srgbClr val="404040"/>
-                </a:solidFill>
-              </a:rPr>
-              <a:t> to </a:t>
-            </a:r>
-            <a:r>
-              <a:rPr lang="fr-FR" sz="2200" i="0" dirty="0" err="1">
-                <a:solidFill>
-                  <a:srgbClr val="404040"/>
-                </a:solidFill>
-              </a:rPr>
-              <a:t>eXo</a:t>
-            </a:r>
-            <a:r>
-              <a:rPr lang="fr-FR" sz="2200" i="0" dirty="0">
-                <a:solidFill>
-                  <a:srgbClr val="404040"/>
-                </a:solidFill>
-              </a:rPr>
-              <a:t>. </a:t>
-            </a:r>
-            <a:endParaRPr lang="fr-FR" sz="2200" i="0" dirty="0" smtClean="0">
-              <a:solidFill>
-                <a:srgbClr val="404040"/>
-              </a:solidFill>
-            </a:endParaRPr>
-          </a:p>
-          <a:p>
-            <a:pPr marL="3175" indent="0">
-              <a:buClr>
-                <a:srgbClr val="FF9900"/>
-              </a:buClr>
-              <a:buSzPct val="120000"/>
-              <a:buNone/>
-            </a:pPr>
-            <a:endParaRPr lang="fr-FR" sz="2200" i="0" dirty="0">
-              <a:solidFill>
-                <a:srgbClr val="404040"/>
-              </a:solidFill>
-            </a:endParaRPr>
-          </a:p>
-          <a:p>
-            <a:pPr>
-              <a:buClr>
-                <a:srgbClr val="FF9900"/>
-              </a:buClr>
-              <a:buSzPct val="120000"/>
-              <a:buFont typeface="Lucida Grande"/>
-              <a:buChar char="»"/>
-            </a:pPr>
-            <a:r>
-              <a:rPr lang="fr-FR" sz="2200" i="0" dirty="0" err="1" smtClean="0">
-                <a:solidFill>
-                  <a:srgbClr val="404040"/>
-                </a:solidFill>
-              </a:rPr>
-              <a:t>two</a:t>
-            </a:r>
-            <a:r>
-              <a:rPr lang="fr-FR" sz="2200" i="0" dirty="0" smtClean="0">
-                <a:solidFill>
-                  <a:srgbClr val="404040"/>
-                </a:solidFill>
-              </a:rPr>
+              <a:rPr lang="fr-FR" sz="2400" i="0" dirty="0" err="1"/>
+              <a:t>portlets</a:t>
+            </a:r>
+            <a:r>
+              <a:rPr lang="fr-FR" sz="2400" i="0" dirty="0"/>
               <a:t> </a:t>
             </a:r>
             <a:r>
-              <a:rPr lang="fr-FR" sz="2200" i="0" dirty="0">
-                <a:solidFill>
-                  <a:srgbClr val="404040"/>
-                </a:solidFill>
-              </a:rPr>
-              <a:t>main </a:t>
-            </a:r>
-            <a:r>
-              <a:rPr lang="fr-FR" sz="2200" i="0" dirty="0" err="1">
-                <a:solidFill>
-                  <a:srgbClr val="404040"/>
-                </a:solidFill>
-              </a:rPr>
-              <a:t>parameters</a:t>
-            </a:r>
-            <a:r>
-              <a:rPr lang="fr-FR" sz="2200" i="0" dirty="0">
-                <a:solidFill>
-                  <a:srgbClr val="404040"/>
-                </a:solidFill>
-              </a:rPr>
-              <a:t> to configure in </a:t>
-            </a:r>
-            <a:r>
-              <a:rPr lang="fr-FR" sz="2200" i="0" dirty="0" err="1">
-                <a:solidFill>
-                  <a:srgbClr val="404040"/>
-                </a:solidFill>
-              </a:rPr>
-              <a:t>it</a:t>
-            </a:r>
-            <a:r>
-              <a:rPr lang="fr-FR" sz="2200" i="0" dirty="0" smtClean="0">
-                <a:solidFill>
-                  <a:srgbClr val="404040"/>
-                </a:solidFill>
-              </a:rPr>
-              <a:t>:</a:t>
-            </a:r>
-          </a:p>
-          <a:p>
-            <a:pPr marL="3175" indent="0">
-              <a:buClr>
-                <a:srgbClr val="F6D500"/>
-              </a:buClr>
-              <a:buSzPct val="120000"/>
-              <a:buNone/>
-            </a:pPr>
-            <a:r>
-              <a:rPr lang="fr-FR" sz="2200" b="0" i="0" dirty="0" smtClean="0">
-                <a:solidFill>
-                  <a:srgbClr val="404040"/>
-                </a:solidFill>
-              </a:rPr>
-              <a:t>&lt;</a:t>
-            </a:r>
-            <a:r>
-              <a:rPr lang="fr-FR" sz="2200" b="0" i="0" dirty="0" err="1">
-                <a:solidFill>
-                  <a:srgbClr val="404040"/>
-                </a:solidFill>
-              </a:rPr>
-              <a:t>field</a:t>
-            </a:r>
-            <a:r>
-              <a:rPr lang="fr-FR" sz="2200" b="0" i="0" dirty="0">
-                <a:solidFill>
-                  <a:srgbClr val="404040"/>
-                </a:solidFill>
-              </a:rPr>
-              <a:t> </a:t>
-            </a:r>
-            <a:r>
-              <a:rPr lang="fr-FR" sz="2200" b="0" i="0" dirty="0" err="1">
-                <a:solidFill>
-                  <a:srgbClr val="404040"/>
-                </a:solidFill>
-              </a:rPr>
-              <a:t>name</a:t>
-            </a:r>
-            <a:r>
-              <a:rPr lang="fr-FR" sz="2200" b="0" i="0" dirty="0">
-                <a:solidFill>
-                  <a:srgbClr val="404040"/>
-                </a:solidFill>
-              </a:rPr>
-              <a:t>="</a:t>
-            </a:r>
-            <a:r>
-              <a:rPr lang="fr-FR" sz="2200" b="0" i="0" dirty="0" err="1">
-                <a:solidFill>
-                  <a:srgbClr val="404040"/>
-                </a:solidFill>
-              </a:rPr>
-              <a:t>baseURL</a:t>
-            </a:r>
-            <a:r>
-              <a:rPr lang="fr-FR" sz="2200" b="0" i="0" dirty="0">
-                <a:solidFill>
-                  <a:srgbClr val="404040"/>
-                </a:solidFill>
-              </a:rPr>
-              <a:t>"&gt;&lt;string&gt;dc=</a:t>
-            </a:r>
-            <a:r>
-              <a:rPr lang="fr-FR" sz="2200" b="0" i="0" dirty="0" err="1">
-                <a:solidFill>
-                  <a:srgbClr val="404040"/>
-                </a:solidFill>
-              </a:rPr>
-              <a:t>exoplatform,dc</a:t>
-            </a:r>
-            <a:r>
-              <a:rPr lang="fr-FR" sz="2200" b="0" i="0" dirty="0">
-                <a:solidFill>
-                  <a:srgbClr val="404040"/>
-                </a:solidFill>
-              </a:rPr>
-              <a:t>=</a:t>
-            </a:r>
-            <a:r>
-              <a:rPr lang="fr-FR" sz="2200" b="0" i="0" dirty="0" err="1">
-                <a:solidFill>
-                  <a:srgbClr val="404040"/>
-                </a:solidFill>
-              </a:rPr>
-              <a:t>org</a:t>
-            </a:r>
-            <a:r>
-              <a:rPr lang="fr-FR" sz="2200" b="0" i="0" dirty="0">
-                <a:solidFill>
-                  <a:srgbClr val="404040"/>
-                </a:solidFill>
-              </a:rPr>
-              <a:t>&lt;/string&gt;&lt;/</a:t>
-            </a:r>
-            <a:r>
-              <a:rPr lang="fr-FR" sz="2200" b="0" i="0" dirty="0" err="1">
-                <a:solidFill>
-                  <a:srgbClr val="404040"/>
-                </a:solidFill>
-              </a:rPr>
-              <a:t>field</a:t>
-            </a:r>
-            <a:r>
-              <a:rPr lang="fr-FR" sz="2200" b="0" i="0" dirty="0">
-                <a:solidFill>
-                  <a:srgbClr val="404040"/>
-                </a:solidFill>
-              </a:rPr>
-              <a:t>&gt;  </a:t>
-            </a:r>
-            <a:endParaRPr lang="fr-FR" sz="2200" b="0" i="0" dirty="0" smtClean="0">
-              <a:solidFill>
-                <a:srgbClr val="404040"/>
-              </a:solidFill>
-            </a:endParaRPr>
-          </a:p>
-          <a:p>
-            <a:pPr marL="3175" indent="0">
-              <a:buClr>
-                <a:srgbClr val="F6D500"/>
-              </a:buClr>
-              <a:buSzPct val="120000"/>
-              <a:buNone/>
-            </a:pPr>
-            <a:r>
-              <a:rPr lang="fr-FR" sz="2200" b="0" i="0" dirty="0" smtClean="0">
-                <a:solidFill>
-                  <a:srgbClr val="404040"/>
-                </a:solidFill>
-              </a:rPr>
-              <a:t>&lt;</a:t>
-            </a:r>
-            <a:r>
-              <a:rPr lang="fr-FR" sz="2200" b="0" i="0" dirty="0" err="1">
-                <a:solidFill>
-                  <a:srgbClr val="404040"/>
-                </a:solidFill>
-              </a:rPr>
-              <a:t>field</a:t>
-            </a:r>
-            <a:r>
-              <a:rPr lang="fr-FR" sz="2200" b="0" i="0" dirty="0">
-                <a:solidFill>
-                  <a:srgbClr val="404040"/>
-                </a:solidFill>
-              </a:rPr>
-              <a:t> </a:t>
-            </a:r>
-            <a:r>
-              <a:rPr lang="fr-FR" sz="2200" b="0" i="0" dirty="0" err="1">
-                <a:solidFill>
-                  <a:srgbClr val="404040"/>
-                </a:solidFill>
-              </a:rPr>
-              <a:t>name</a:t>
-            </a:r>
-            <a:r>
-              <a:rPr lang="fr-FR" sz="2200" b="0" i="0" dirty="0">
-                <a:solidFill>
-                  <a:srgbClr val="404040"/>
-                </a:solidFill>
-              </a:rPr>
-              <a:t>="</a:t>
-            </a:r>
-            <a:r>
-              <a:rPr lang="fr-FR" sz="2200" b="0" i="0" dirty="0" err="1">
-                <a:solidFill>
-                  <a:srgbClr val="404040"/>
-                </a:solidFill>
-              </a:rPr>
-              <a:t>ldapDescriptionAttr</a:t>
-            </a:r>
-            <a:r>
-              <a:rPr lang="fr-FR" sz="2200" b="0" i="0" dirty="0">
-                <a:solidFill>
-                  <a:srgbClr val="404040"/>
-                </a:solidFill>
-              </a:rPr>
-              <a:t>"&gt;&lt;string&gt;description&lt;/string&gt;&lt;/</a:t>
-            </a:r>
-            <a:r>
-              <a:rPr lang="fr-FR" sz="2200" b="0" i="0" dirty="0" err="1">
-                <a:solidFill>
-                  <a:srgbClr val="404040"/>
-                </a:solidFill>
-              </a:rPr>
-              <a:t>field</a:t>
-            </a:r>
-            <a:r>
-              <a:rPr lang="fr-FR" sz="2200" b="0" i="0" dirty="0" smtClean="0">
-                <a:solidFill>
-                  <a:srgbClr val="404040"/>
-                </a:solidFill>
-              </a:rPr>
-              <a:t>&gt;</a:t>
-            </a:r>
-          </a:p>
-          <a:p>
-            <a:pPr>
+              <a:rPr lang="fr-FR" sz="2400" i="0" dirty="0" err="1"/>
+              <a:t>using</a:t>
+            </a:r>
+            <a:r>
+              <a:rPr lang="fr-FR" sz="2400" i="0" dirty="0"/>
+              <a:t> a single </a:t>
+            </a:r>
+            <a:r>
+              <a:rPr lang="fr-FR" sz="2400" i="0" dirty="0" err="1" smtClean="0"/>
+              <a:t>identity</a:t>
+            </a:r>
+            <a:endParaRPr lang="fr-FR" sz="2400" i="0" dirty="0" smtClean="0"/>
+          </a:p>
+          <a:p>
+            <a:pPr marL="258763" lvl="1" indent="-255588">
               <a:lnSpc>
-                <a:spcPct val="100000"/>
+                <a:spcPct val="67000"/>
               </a:lnSpc>
               <a:buClr>
                 <a:srgbClr val="FF9900"/>
               </a:buClr>
-              <a:buSzPct val="120000"/>
               <a:buFont typeface="Lucida Grande"/>
-              <a:buChar char="-"/>
+              <a:buChar char="»"/>
             </a:pPr>
             <a:r>
-              <a:rPr lang="fr-FR" sz="2200" i="0" dirty="0" err="1" smtClean="0">
-                <a:solidFill>
-                  <a:srgbClr val="404040"/>
-                </a:solidFill>
-              </a:rPr>
-              <a:t>baseURL</a:t>
-            </a:r>
-            <a:r>
-              <a:rPr lang="fr-FR" sz="2200" i="0" dirty="0">
-                <a:solidFill>
-                  <a:srgbClr val="404040"/>
-                </a:solidFill>
-              </a:rPr>
-              <a:t>: </a:t>
-            </a:r>
-            <a:r>
-              <a:rPr lang="fr-FR" sz="2200" i="0" dirty="0" err="1">
-                <a:solidFill>
-                  <a:srgbClr val="404040"/>
-                </a:solidFill>
-              </a:rPr>
-              <a:t>root</a:t>
-            </a:r>
-            <a:r>
-              <a:rPr lang="fr-FR" sz="2200" i="0" dirty="0">
-                <a:solidFill>
-                  <a:srgbClr val="404040"/>
-                </a:solidFill>
-              </a:rPr>
+              <a:rPr lang="fr-FR" sz="2400" i="0" dirty="0" err="1" smtClean="0"/>
+              <a:t>However</a:t>
+            </a:r>
+            <a:r>
+              <a:rPr lang="fr-FR" sz="2400" i="0" dirty="0"/>
+              <a:t>, the portal infrastructure must </a:t>
+            </a:r>
+            <a:r>
+              <a:rPr lang="fr-FR" sz="2400" i="0" dirty="0" err="1"/>
+              <a:t>be</a:t>
+            </a:r>
+            <a:r>
+              <a:rPr lang="fr-FR" sz="2400" i="0" dirty="0"/>
               <a:t> </a:t>
             </a:r>
             <a:r>
-              <a:rPr lang="fr-FR" sz="2200" i="0" dirty="0" err="1">
-                <a:solidFill>
-                  <a:srgbClr val="404040"/>
-                </a:solidFill>
-              </a:rPr>
-              <a:t>dn</a:t>
-            </a:r>
-            <a:r>
-              <a:rPr lang="fr-FR" sz="2200" i="0" dirty="0">
-                <a:solidFill>
-                  <a:srgbClr val="404040"/>
-                </a:solidFill>
-              </a:rPr>
-              <a:t> for </a:t>
-            </a:r>
-            <a:r>
-              <a:rPr lang="fr-FR" sz="2200" i="0" dirty="0" err="1">
-                <a:solidFill>
-                  <a:srgbClr val="404040"/>
-                </a:solidFill>
-              </a:rPr>
-              <a:t>eXo</a:t>
-            </a:r>
-            <a:r>
-              <a:rPr lang="fr-FR" sz="2200" i="0" dirty="0">
-                <a:solidFill>
-                  <a:srgbClr val="404040"/>
-                </a:solidFill>
-              </a:rPr>
+              <a:rPr lang="fr-FR" sz="2400" i="0" dirty="0" err="1"/>
+              <a:t>integrated</a:t>
+            </a:r>
+            <a:r>
+              <a:rPr lang="fr-FR" sz="2400" i="0" dirty="0"/>
               <a:t> </a:t>
             </a:r>
             <a:r>
-              <a:rPr lang="fr-FR" sz="2200" i="0" dirty="0" err="1">
-                <a:solidFill>
-                  <a:srgbClr val="404040"/>
-                </a:solidFill>
-              </a:rPr>
-              <a:t>organizational</a:t>
-            </a:r>
-            <a:r>
-              <a:rPr lang="fr-FR" sz="2200" i="0" dirty="0">
-                <a:solidFill>
-                  <a:srgbClr val="404040"/>
-                </a:solidFill>
-              </a:rPr>
+              <a:rPr lang="fr-FR" sz="2400" i="0" dirty="0" err="1"/>
+              <a:t>with</a:t>
+            </a:r>
+            <a:r>
+              <a:rPr lang="fr-FR" sz="2400" i="0" dirty="0"/>
               <a:t> </a:t>
             </a:r>
             <a:r>
-              <a:rPr lang="fr-FR" sz="2200" i="0" dirty="0" err="1">
-                <a:solidFill>
-                  <a:srgbClr val="404040"/>
-                </a:solidFill>
-              </a:rPr>
-              <a:t>entities</a:t>
-            </a:r>
-            <a:r>
-              <a:rPr lang="fr-FR" sz="2200" i="0" dirty="0">
-                <a:solidFill>
-                  <a:srgbClr val="404040"/>
-                </a:solidFill>
-              </a:rPr>
-              <a:t>. This entry </a:t>
-            </a:r>
-            <a:r>
-              <a:rPr lang="fr-FR" sz="2200" i="0" dirty="0" err="1">
-                <a:solidFill>
-                  <a:srgbClr val="404040"/>
-                </a:solidFill>
-              </a:rPr>
-              <a:t>can't</a:t>
-            </a:r>
-            <a:r>
-              <a:rPr lang="fr-FR" sz="2200" i="0" dirty="0">
-                <a:solidFill>
-                  <a:srgbClr val="404040"/>
-                </a:solidFill>
-              </a:rPr>
+              <a:rPr lang="fr-FR" sz="2400" i="0" dirty="0" err="1"/>
+              <a:t>other</a:t>
+            </a:r>
+            <a:r>
+              <a:rPr lang="fr-FR" sz="2400" i="0" dirty="0"/>
+              <a:t> SSO </a:t>
+            </a:r>
+            <a:r>
+              <a:rPr lang="fr-FR" sz="2400" i="0" dirty="0" err="1"/>
+              <a:t>enabled</a:t>
+            </a:r>
+            <a:r>
+              <a:rPr lang="fr-FR" sz="2400" i="0" dirty="0"/>
               <a:t> </a:t>
             </a:r>
             <a:r>
-              <a:rPr lang="fr-FR" sz="2200" i="0" dirty="0" err="1">
-                <a:solidFill>
-                  <a:srgbClr val="404040"/>
-                </a:solidFill>
-              </a:rPr>
-              <a:t>be</a:t>
-            </a:r>
-            <a:r>
-              <a:rPr lang="fr-FR" sz="2200" i="0" dirty="0">
-                <a:solidFill>
-                  <a:srgbClr val="404040"/>
-                </a:solidFill>
-              </a:rPr>
-              <a:t> </a:t>
-            </a:r>
-            <a:r>
-              <a:rPr lang="fr-FR" sz="2200" i="0" dirty="0" err="1">
-                <a:solidFill>
-                  <a:srgbClr val="404040"/>
-                </a:solidFill>
-              </a:rPr>
-              <a:t>created</a:t>
-            </a:r>
-            <a:r>
-              <a:rPr lang="fr-FR" sz="2200" i="0" dirty="0">
-                <a:solidFill>
-                  <a:srgbClr val="404040"/>
-                </a:solidFill>
-              </a:rPr>
-              <a:t> by </a:t>
-            </a:r>
-            <a:r>
-              <a:rPr lang="fr-FR" sz="2200" i="0" dirty="0" err="1">
-                <a:solidFill>
-                  <a:srgbClr val="404040"/>
-                </a:solidFill>
-              </a:rPr>
-              <a:t>eXo</a:t>
-            </a:r>
-            <a:r>
-              <a:rPr lang="fr-FR" sz="2200" i="0" dirty="0">
-                <a:solidFill>
-                  <a:srgbClr val="404040"/>
-                </a:solidFill>
-              </a:rPr>
-              <a:t> and must </a:t>
-            </a:r>
-            <a:r>
-              <a:rPr lang="fr-FR" sz="2200" i="0" dirty="0" err="1">
-                <a:solidFill>
-                  <a:srgbClr val="404040"/>
-                </a:solidFill>
-              </a:rPr>
-              <a:t>preexist</a:t>
-            </a:r>
-            <a:r>
-              <a:rPr lang="fr-FR" sz="2200" i="0" dirty="0">
-                <a:solidFill>
-                  <a:srgbClr val="404040"/>
-                </a:solidFill>
-              </a:rPr>
-              <a:t> in </a:t>
-            </a:r>
-            <a:r>
-              <a:rPr lang="fr-FR" sz="2200" i="0" dirty="0" smtClean="0">
-                <a:solidFill>
-                  <a:srgbClr val="404040"/>
-                </a:solidFill>
-              </a:rPr>
-              <a:t>directory.</a:t>
-            </a:r>
-          </a:p>
-          <a:p>
-            <a:pPr>
+              <a:rPr lang="fr-FR" sz="2400" i="0" dirty="0" err="1" smtClean="0"/>
+              <a:t>systems</a:t>
+            </a:r>
+            <a:endParaRPr lang="fr-FR" sz="2400" i="0" dirty="0" smtClean="0"/>
+          </a:p>
+          <a:p>
+            <a:pPr marL="258763" lvl="1" indent="-255588">
               <a:lnSpc>
-                <a:spcPct val="100000"/>
+                <a:spcPct val="67000"/>
               </a:lnSpc>
               <a:buClr>
                 <a:srgbClr val="FF9900"/>
               </a:buClr>
-              <a:buSzPct val="120000"/>
               <a:buFont typeface="Lucida Grande"/>
-              <a:buChar char="-"/>
+              <a:buChar char="»"/>
             </a:pPr>
             <a:r>
-              <a:rPr lang="fr-FR" sz="2200" i="0" dirty="0" err="1" smtClean="0">
-                <a:solidFill>
-                  <a:srgbClr val="404040"/>
-                </a:solidFill>
-              </a:rPr>
-              <a:t>ldapDescriptionAttr</a:t>
-            </a:r>
-            <a:r>
-              <a:rPr lang="fr-FR" sz="2200" i="0" dirty="0" smtClean="0">
-                <a:solidFill>
-                  <a:srgbClr val="404040"/>
-                </a:solidFill>
-              </a:rPr>
+              <a:rPr lang="fr-FR" sz="2400" i="0" dirty="0" err="1"/>
+              <a:t>eXo</a:t>
+            </a:r>
+            <a:r>
+              <a:rPr lang="fr-FR" sz="2400" i="0" dirty="0"/>
               <a:t> </a:t>
             </a:r>
             <a:r>
-              <a:rPr lang="fr-FR" sz="2200" i="0" dirty="0">
-                <a:solidFill>
-                  <a:srgbClr val="404040"/>
-                </a:solidFill>
-              </a:rPr>
-              <a:t>(</a:t>
-            </a:r>
-            <a:r>
-              <a:rPr lang="fr-FR" sz="2200" i="0" dirty="0" err="1">
-                <a:solidFill>
-                  <a:srgbClr val="404040"/>
-                </a:solidFill>
-              </a:rPr>
-              <a:t>since</a:t>
-            </a:r>
-            <a:r>
-              <a:rPr lang="fr-FR" sz="2200" i="0" dirty="0">
-                <a:solidFill>
-                  <a:srgbClr val="404040"/>
-                </a:solidFill>
-              </a:rPr>
+              <a:rPr lang="fr-FR" sz="2400" i="0" dirty="0" err="1"/>
+              <a:t>platform</a:t>
+            </a:r>
+            <a:r>
+              <a:rPr lang="fr-FR" sz="2400" i="0" dirty="0"/>
               <a:t> </a:t>
             </a:r>
             <a:r>
-              <a:rPr lang="fr-FR" sz="2200" i="0" dirty="0" err="1">
-                <a:solidFill>
-                  <a:srgbClr val="404040"/>
-                </a:solidFill>
-              </a:rPr>
-              <a:t>core</a:t>
-            </a:r>
-            <a:r>
-              <a:rPr lang="fr-FR" sz="2200" i="0" dirty="0">
-                <a:solidFill>
-                  <a:srgbClr val="404040"/>
-                </a:solidFill>
-              </a:rPr>
-              <a:t> 2.2+) : Name of a </a:t>
-            </a:r>
-            <a:r>
-              <a:rPr lang="fr-FR" sz="2200" i="0" dirty="0" err="1">
-                <a:solidFill>
-                  <a:srgbClr val="404040"/>
-                </a:solidFill>
-              </a:rPr>
-              <a:t>common</a:t>
-            </a:r>
-            <a:r>
-              <a:rPr lang="fr-FR" sz="2200" i="0" dirty="0">
-                <a:solidFill>
-                  <a:srgbClr val="404040"/>
-                </a:solidFill>
-              </a:rPr>
+              <a:rPr lang="fr-FR" sz="2400" i="0" dirty="0" err="1"/>
+              <a:t>provides</a:t>
+            </a:r>
+            <a:r>
+              <a:rPr lang="fr-FR" sz="2400" i="0" dirty="0"/>
               <a:t> </a:t>
             </a:r>
             <a:r>
-              <a:rPr lang="fr-FR" sz="2200" i="0" dirty="0" err="1">
-                <a:solidFill>
-                  <a:srgbClr val="404040"/>
-                </a:solidFill>
-              </a:rPr>
-              <a:t>attribute</a:t>
-            </a:r>
-            <a:r>
-              <a:rPr lang="fr-FR" sz="2200" i="0" dirty="0">
-                <a:solidFill>
-                  <a:srgbClr val="404040"/>
-                </a:solidFill>
-              </a:rPr>
+              <a:rPr lang="fr-FR" sz="2400" i="0" dirty="0" err="1"/>
+              <a:t>some</a:t>
+            </a:r>
+            <a:r>
+              <a:rPr lang="fr-FR" sz="2400" i="0" dirty="0"/>
               <a:t> </a:t>
             </a:r>
             <a:r>
-              <a:rPr lang="fr-FR" sz="2200" i="0" dirty="0" err="1">
-                <a:solidFill>
-                  <a:srgbClr val="404040"/>
-                </a:solidFill>
-              </a:rPr>
-              <a:t>that</a:t>
-            </a:r>
-            <a:r>
-              <a:rPr lang="fr-FR" sz="2200" i="0" dirty="0">
-                <a:solidFill>
-                  <a:srgbClr val="404040"/>
-                </a:solidFill>
-              </a:rPr>
+              <a:rPr lang="fr-FR" sz="2400" i="0" dirty="0" err="1"/>
+              <a:t>form</a:t>
+            </a:r>
+            <a:r>
+              <a:rPr lang="fr-FR" sz="2400" i="0" dirty="0"/>
+              <a:t> of Single </a:t>
+            </a:r>
+            <a:r>
+              <a:rPr lang="fr-FR" sz="2400" i="0" dirty="0" err="1"/>
+              <a:t>Sign</a:t>
+            </a:r>
+            <a:r>
+              <a:rPr lang="fr-FR" sz="2400" i="0" dirty="0"/>
+              <a:t> On (SSO) as an </a:t>
+            </a:r>
+            <a:r>
+              <a:rPr lang="fr-FR" sz="2400" i="0" dirty="0" err="1"/>
+              <a:t>integration</a:t>
+            </a:r>
+            <a:r>
+              <a:rPr lang="fr-FR" sz="2400" i="0" dirty="0"/>
+              <a:t> and </a:t>
+            </a:r>
+            <a:r>
+              <a:rPr lang="fr-FR" sz="2400" i="0" dirty="0" err="1"/>
+              <a:t>aggregation</a:t>
+            </a:r>
+            <a:r>
+              <a:rPr lang="fr-FR" sz="2400" i="0" dirty="0"/>
               <a:t> </a:t>
             </a:r>
             <a:r>
-              <a:rPr lang="fr-FR" sz="2200" i="0" dirty="0" err="1">
-                <a:solidFill>
-                  <a:srgbClr val="404040"/>
-                </a:solidFill>
-              </a:rPr>
-              <a:t>will</a:t>
-            </a:r>
-            <a:r>
-              <a:rPr lang="fr-FR" sz="2200" i="0" dirty="0">
-                <a:solidFill>
-                  <a:srgbClr val="404040"/>
-                </a:solidFill>
-              </a:rPr>
-              <a:t> </a:t>
-            </a:r>
-            <a:r>
-              <a:rPr lang="fr-FR" sz="2200" i="0" dirty="0" err="1">
-                <a:solidFill>
-                  <a:srgbClr val="404040"/>
-                </a:solidFill>
-              </a:rPr>
-              <a:t>be</a:t>
-            </a:r>
-            <a:r>
-              <a:rPr lang="fr-FR" sz="2200" i="0" dirty="0">
-                <a:solidFill>
-                  <a:srgbClr val="404040"/>
-                </a:solidFill>
-              </a:rPr>
-              <a:t> </a:t>
-            </a:r>
-            <a:r>
-              <a:rPr lang="fr-FR" sz="2200" i="0" dirty="0" err="1">
-                <a:solidFill>
-                  <a:srgbClr val="404040"/>
-                </a:solidFill>
-              </a:rPr>
-              <a:t>used</a:t>
-            </a:r>
-            <a:r>
-              <a:rPr lang="fr-FR" sz="2200" i="0" dirty="0">
-                <a:solidFill>
-                  <a:srgbClr val="404040"/>
-                </a:solidFill>
-              </a:rPr>
-              <a:t> as description for groups and </a:t>
-            </a:r>
-            <a:r>
-              <a:rPr lang="fr-FR" sz="2200" i="0" dirty="0" err="1">
-                <a:solidFill>
-                  <a:srgbClr val="404040"/>
-                </a:solidFill>
-              </a:rPr>
-              <a:t>membership</a:t>
-            </a:r>
-            <a:r>
-              <a:rPr lang="fr-FR" sz="2200" i="0" dirty="0">
-                <a:solidFill>
-                  <a:srgbClr val="404040"/>
-                </a:solidFill>
-              </a:rPr>
-              <a:t> types</a:t>
-            </a:r>
-            <a:r>
-              <a:rPr lang="fr-FR" sz="2200" i="0" dirty="0" smtClean="0">
-                <a:solidFill>
-                  <a:srgbClr val="404040"/>
-                </a:solidFill>
-              </a:rPr>
+              <a:rPr lang="fr-FR" sz="2400" i="0" dirty="0" err="1"/>
+              <a:t>platform</a:t>
+            </a:r>
+            <a:r>
+              <a:rPr lang="fr-FR" sz="2400" i="0" dirty="0" smtClean="0"/>
               <a:t>.</a:t>
             </a:r>
-          </a:p>
-          <a:p>
-            <a:pPr marL="3175" indent="0">
+            <a:endParaRPr lang="fr-FR" sz="2400" i="0" dirty="0"/>
+          </a:p>
+          <a:p>
+            <a:pPr marL="258763" lvl="1" indent="-255588">
+              <a:lnSpc>
+                <a:spcPct val="67000"/>
+              </a:lnSpc>
               <a:buClr>
                 <a:srgbClr val="FF9900"/>
               </a:buClr>
-              <a:buSzPct val="120000"/>
+              <a:buFont typeface="Lucida Grande"/>
+              <a:buChar char="»"/>
+            </a:pPr>
+            <a:r>
+              <a:rPr lang="fr-FR" sz="2400" i="0" dirty="0" err="1" smtClean="0"/>
+              <a:t>Many</a:t>
+            </a:r>
+            <a:r>
+              <a:rPr lang="fr-FR" sz="2400" i="0" dirty="0" smtClean="0"/>
+              <a:t> </a:t>
+            </a:r>
+            <a:r>
+              <a:rPr lang="fr-FR" sz="2400" i="0" dirty="0" err="1"/>
+              <a:t>different</a:t>
+            </a:r>
+            <a:r>
+              <a:rPr lang="fr-FR" sz="2400" i="0" dirty="0"/>
+              <a:t> </a:t>
+            </a:r>
+            <a:r>
+              <a:rPr lang="fr-FR" sz="2400" i="0" dirty="0" err="1"/>
+              <a:t>Identity</a:t>
+            </a:r>
+            <a:r>
+              <a:rPr lang="fr-FR" sz="2400" i="0" dirty="0"/>
+              <a:t> Management solutions </a:t>
+            </a:r>
+            <a:r>
+              <a:rPr lang="fr-FR" sz="2400" i="0" dirty="0" err="1" smtClean="0"/>
+              <a:t>available</a:t>
+            </a:r>
+            <a:r>
+              <a:rPr lang="fr-FR" sz="2400" i="0" dirty="0" smtClean="0"/>
+              <a:t> :</a:t>
+            </a:r>
+          </a:p>
+          <a:p>
+            <a:pPr marL="896938" lvl="1" indent="-177800">
+              <a:lnSpc>
+                <a:spcPct val="67000"/>
+              </a:lnSpc>
+              <a:buClr>
+                <a:srgbClr val="FF9900"/>
+              </a:buClr>
+              <a:buFontTx/>
+              <a:buChar char="-"/>
+            </a:pPr>
+            <a:r>
+              <a:rPr lang="fr-FR" sz="2400" i="0" dirty="0"/>
+              <a:t>CAS - Central </a:t>
+            </a:r>
+            <a:r>
+              <a:rPr lang="fr-FR" sz="2400" i="0" dirty="0" err="1"/>
+              <a:t>Authentication</a:t>
+            </a:r>
+            <a:r>
+              <a:rPr lang="fr-FR" sz="2400" i="0" dirty="0"/>
+              <a:t> Service</a:t>
+            </a:r>
+          </a:p>
+          <a:p>
+            <a:pPr marL="896938" lvl="1" indent="-177800">
+              <a:lnSpc>
+                <a:spcPct val="67000"/>
+              </a:lnSpc>
+              <a:buClr>
+                <a:srgbClr val="FF9900"/>
+              </a:buClr>
+              <a:buFontTx/>
+              <a:buChar char="-"/>
+            </a:pPr>
+            <a:r>
+              <a:rPr lang="fr-FR" sz="2400" i="0" dirty="0"/>
+              <a:t>JOSSO</a:t>
+            </a:r>
+          </a:p>
+          <a:p>
+            <a:pPr marL="896938" lvl="1" indent="-177800">
+              <a:lnSpc>
+                <a:spcPct val="67000"/>
+              </a:lnSpc>
+              <a:buClr>
+                <a:srgbClr val="FF9900"/>
+              </a:buClr>
+              <a:buFontTx/>
+              <a:buChar char="-"/>
+            </a:pPr>
+            <a:r>
+              <a:rPr lang="fr-FR" sz="2400" i="0" dirty="0" err="1"/>
+              <a:t>OpenSSO</a:t>
+            </a:r>
+            <a:r>
+              <a:rPr lang="fr-FR" sz="2400" i="0" dirty="0"/>
+              <a:t> - The Open Web SSO </a:t>
+            </a:r>
+            <a:r>
+              <a:rPr lang="fr-FR" sz="2400" i="0" dirty="0" err="1"/>
+              <a:t>project</a:t>
+            </a:r>
+            <a:endParaRPr lang="fr-FR" sz="2400" i="0" dirty="0"/>
+          </a:p>
+          <a:p>
+            <a:pPr marL="896938" lvl="1" indent="-177800">
+              <a:lnSpc>
+                <a:spcPct val="67000"/>
+              </a:lnSpc>
+              <a:buClr>
+                <a:srgbClr val="FF9900"/>
+              </a:buClr>
+              <a:buFontTx/>
+              <a:buChar char="-"/>
+            </a:pPr>
+            <a:r>
+              <a:rPr lang="fr-FR" sz="2400" i="0" dirty="0" smtClean="0"/>
+              <a:t>SPNEGO</a:t>
+            </a:r>
+          </a:p>
+          <a:p>
+            <a:pPr marL="258763" lvl="1" indent="-255588">
+              <a:lnSpc>
+                <a:spcPct val="67000"/>
+              </a:lnSpc>
+              <a:buClr>
+                <a:srgbClr val="FF9900"/>
+              </a:buClr>
+              <a:buFont typeface="Lucida Grande"/>
+              <a:buChar char="»"/>
+            </a:pPr>
+            <a:r>
+              <a:rPr lang="fr-FR" sz="2400" i="0" dirty="0"/>
+              <a:t>In </a:t>
+            </a:r>
+            <a:r>
+              <a:rPr lang="fr-FR" sz="2400" i="0" dirty="0" err="1"/>
+              <a:t>most</a:t>
+            </a:r>
+            <a:r>
+              <a:rPr lang="fr-FR" sz="2400" i="0" dirty="0"/>
+              <a:t> cases </a:t>
+            </a:r>
+            <a:r>
+              <a:rPr lang="fr-FR" sz="2400" i="0" dirty="0" err="1"/>
+              <a:t>each</a:t>
+            </a:r>
+            <a:r>
+              <a:rPr lang="fr-FR" sz="2400" i="0" dirty="0"/>
+              <a:t> SSO </a:t>
+            </a:r>
+            <a:r>
+              <a:rPr lang="fr-FR" sz="2400" i="0" dirty="0" err="1"/>
+              <a:t>framework</a:t>
+            </a:r>
+            <a:r>
+              <a:rPr lang="fr-FR" sz="2400" i="0" dirty="0"/>
+              <a:t> </a:t>
+            </a:r>
+            <a:r>
+              <a:rPr lang="fr-FR" sz="2400" i="0" dirty="0" err="1"/>
+              <a:t>provides</a:t>
+            </a:r>
+            <a:r>
+              <a:rPr lang="fr-FR" sz="2400" i="0" dirty="0"/>
+              <a:t> a unique </a:t>
+            </a:r>
+            <a:r>
+              <a:rPr lang="fr-FR" sz="2400" i="0" dirty="0" err="1"/>
+              <a:t>way</a:t>
+            </a:r>
+            <a:r>
+              <a:rPr lang="fr-FR" sz="2400" i="0" dirty="0"/>
+              <a:t> to </a:t>
+            </a:r>
+            <a:r>
+              <a:rPr lang="fr-FR" sz="2400" i="0" dirty="0" err="1"/>
+              <a:t>plug</a:t>
+            </a:r>
+            <a:r>
+              <a:rPr lang="fr-FR" sz="2400" i="0" dirty="0"/>
+              <a:t> </a:t>
+            </a:r>
+            <a:r>
+              <a:rPr lang="fr-FR" sz="2400" i="0" dirty="0" err="1"/>
+              <a:t>into</a:t>
+            </a:r>
+            <a:r>
+              <a:rPr lang="fr-FR" sz="2400" i="0" dirty="0"/>
+              <a:t> a Java EE </a:t>
+            </a:r>
+            <a:r>
+              <a:rPr lang="fr-FR" sz="2400" i="0" dirty="0" smtClean="0"/>
+              <a:t>application</a:t>
+            </a:r>
+            <a:endParaRPr lang="fr-FR" sz="2400" i="0" dirty="0"/>
+          </a:p>
+          <a:p>
+            <a:pPr marL="346075" lvl="1" indent="-342900">
+              <a:lnSpc>
+                <a:spcPct val="67000"/>
+              </a:lnSpc>
+              <a:buClr>
+                <a:srgbClr val="FF9900"/>
+              </a:buClr>
+              <a:buFontTx/>
+              <a:buChar char="-"/>
+            </a:pPr>
+            <a:endParaRPr lang="fr-FR" sz="2400" i="0" dirty="0"/>
+          </a:p>
+          <a:p>
+            <a:pPr marL="3175" lvl="1" indent="0">
+              <a:lnSpc>
+                <a:spcPct val="67000"/>
+              </a:lnSpc>
+              <a:buClr>
+                <a:srgbClr val="FF9900"/>
+              </a:buClr>
               <a:buNone/>
             </a:pPr>
-            <a:endParaRPr lang="fr-FR" sz="2200" i="0" dirty="0"/>
+            <a:endParaRPr lang="fr-FR" sz="2400" i="0" dirty="0" smtClean="0"/>
+          </a:p>
+          <a:p>
+            <a:pPr marL="258763" lvl="1" indent="-255588">
+              <a:lnSpc>
+                <a:spcPct val="67000"/>
+              </a:lnSpc>
+              <a:buClr>
+                <a:srgbClr val="FF9900"/>
+              </a:buClr>
+              <a:buFont typeface="Lucida Grande"/>
+              <a:buChar char="»"/>
+            </a:pPr>
+            <a:endParaRPr lang="fr-FR" sz="2400" i="0" dirty="0" smtClean="0"/>
+          </a:p>
+          <a:p>
+            <a:pPr marL="258763" lvl="1" indent="-255588">
+              <a:lnSpc>
+                <a:spcPct val="67000"/>
+              </a:lnSpc>
+              <a:buClr>
+                <a:srgbClr val="FF9900"/>
+              </a:buClr>
+              <a:buFont typeface="Lucida Grande"/>
+              <a:buChar char="»"/>
+            </a:pPr>
+            <a:endParaRPr lang="fr-FR" sz="2400" i="0" dirty="0" smtClean="0"/>
+          </a:p>
+          <a:p>
+            <a:pPr marL="258763" lvl="1" indent="-255588">
+              <a:lnSpc>
+                <a:spcPct val="67000"/>
+              </a:lnSpc>
+              <a:buClr>
+                <a:srgbClr val="FF9900"/>
+              </a:buClr>
+              <a:buFont typeface="Lucida Grande"/>
+              <a:buChar char="»"/>
+            </a:pPr>
+            <a:endParaRPr lang="fr-FR" sz="2400" i="0" dirty="0"/>
           </a:p>
         </p:txBody>
       </p:sp>
@@ -37654,7 +40565,7 @@
 </p:sld>
 </file>
 
-<file path=ppt/slides/slide31.xml><?xml version="1.0" encoding="utf-8"?>
+<file path=ppt/slides/slide34.xml><?xml version="1.0" encoding="utf-8"?>
 <p:sld xmlns:a="http://schemas.openxmlformats.org/drawingml/2006/main" xmlns:r="http://schemas.openxmlformats.org/officeDocument/2006/relationships" xmlns:p="http://schemas.openxmlformats.org/presentationml/2006/main">
   <p:cSld>
     <p:spTree>

--- a/exo-sysAdmin/970-LdapConfig-XSys.pptx
+++ b/exo-sysAdmin/970-LdapConfig-XSys.pptx
@@ -7,7 +7,7 @@
     <p:sldMasterId id="2147483650" r:id="rId3"/>
   </p:sldMasterIdLst>
   <p:notesMasterIdLst>
-    <p:notesMasterId r:id="rId38"/>
+    <p:notesMasterId r:id="rId43"/>
   </p:notesMasterIdLst>
   <p:sldIdLst>
     <p:sldId id="256" r:id="rId4"/>
@@ -41,9 +41,14 @@
     <p:sldId id="433" r:id="rId32"/>
     <p:sldId id="434" r:id="rId33"/>
     <p:sldId id="435" r:id="rId34"/>
-    <p:sldId id="430" r:id="rId35"/>
-    <p:sldId id="432" r:id="rId36"/>
-    <p:sldId id="394" r:id="rId37"/>
+    <p:sldId id="438" r:id="rId35"/>
+    <p:sldId id="439" r:id="rId36"/>
+    <p:sldId id="440" r:id="rId37"/>
+    <p:sldId id="430" r:id="rId38"/>
+    <p:sldId id="432" r:id="rId39"/>
+    <p:sldId id="441" r:id="rId40"/>
+    <p:sldId id="442" r:id="rId41"/>
+    <p:sldId id="394" r:id="rId42"/>
   </p:sldIdLst>
   <p:sldSz cx="11160125" cy="7559675"/>
   <p:notesSz cx="7772400" cy="10058400"/>
@@ -2628,7 +2633,7 @@
                 </a:solidFill>
               </a:rPr>
               <a:pPr/>
-              <a:t>32</a:t>
+              <a:t>35</a:t>
             </a:fld>
             <a:endParaRPr lang="en-GB">
               <a:solidFill>
@@ -2735,7 +2740,7 @@
                   <a:tab pos="9144000" algn="l"/>
                 </a:tabLst>
               </a:pPr>
-              <a:t>32</a:t>
+              <a:t>35</a:t>
             </a:fld>
             <a:endParaRPr lang="en-GB" sz="1400">
               <a:solidFill>
@@ -2869,7 +2874,7 @@
             <a:fld id="{43F345E1-DE08-49C4-9805-072619C6BD24}" type="slidenum">
               <a:rPr lang="en-GB"/>
               <a:pPr/>
-              <a:t>34</a:t>
+              <a:t>39</a:t>
             </a:fld>
             <a:endParaRPr lang="en-GB"/>
           </a:p>
@@ -2972,7 +2977,7 @@
                   <a:tab pos="9144000" algn="l"/>
                 </a:tabLst>
               </a:pPr>
-              <a:t>34</a:t>
+              <a:t>39</a:t>
             </a:fld>
             <a:endParaRPr lang="en-GB" sz="1400">
               <a:solidFill>
@@ -39746,6 +39751,3033 @@
       </p:grpSpPr>
       <p:sp>
         <p:nvSpPr>
+          <p:cNvPr id="15362" name="Rectangle 1"/>
+          <p:cNvSpPr>
+            <a:spLocks noGrp="1" noChangeArrowheads="1"/>
+          </p:cNvSpPr>
+          <p:nvPr>
+            <p:ph type="title"/>
+          </p:nvPr>
+        </p:nvSpPr>
+        <p:spPr>
+          <a:xfrm>
+            <a:off x="490435" y="255926"/>
+            <a:ext cx="10179255" cy="454024"/>
+          </a:xfrm>
+        </p:spPr>
+        <p:txBody>
+          <a:bodyPr rIns="41783" anchor="b"/>
+          <a:lstStyle/>
+          <a:p>
+            <a:r>
+              <a:rPr lang="fr-FR" dirty="0" err="1" smtClean="0"/>
+              <a:t>Exercise</a:t>
+            </a:r>
+            <a:r>
+              <a:rPr lang="fr-FR" dirty="0" smtClean="0"/>
+              <a:t> </a:t>
+            </a:r>
+            <a:r>
+              <a:rPr lang="fr-FR" dirty="0" smtClean="0"/>
+              <a:t>70b </a:t>
+            </a:r>
+            <a:r>
+              <a:rPr lang="fr-FR" dirty="0" smtClean="0"/>
+              <a:t>: Configuration </a:t>
+            </a:r>
+            <a:r>
+              <a:rPr lang="fr-FR" dirty="0" err="1" smtClean="0"/>
+              <a:t>Picketlink</a:t>
+            </a:r>
+            <a:endParaRPr lang="fr-FR" dirty="0"/>
+          </a:p>
+        </p:txBody>
+      </p:sp>
+      <p:sp>
+        <p:nvSpPr>
+          <p:cNvPr id="15363" name="Rectangle 2"/>
+          <p:cNvSpPr>
+            <a:spLocks noGrp="1" noChangeArrowheads="1"/>
+          </p:cNvSpPr>
+          <p:nvPr>
+            <p:ph type="body" idx="1"/>
+          </p:nvPr>
+        </p:nvSpPr>
+        <p:spPr>
+          <a:xfrm>
+            <a:off x="467494" y="1043533"/>
+            <a:ext cx="10219725" cy="5688632"/>
+          </a:xfrm>
+        </p:spPr>
+        <p:txBody>
+          <a:bodyPr rIns="41783" anchor="t"/>
+          <a:lstStyle/>
+          <a:p>
+            <a:pPr>
+              <a:lnSpc>
+                <a:spcPct val="100000"/>
+              </a:lnSpc>
+              <a:buClr>
+                <a:srgbClr val="FF9900"/>
+              </a:buClr>
+              <a:buSzPct val="120000"/>
+              <a:buFont typeface="Lucida Grande"/>
+              <a:buChar char="»"/>
+            </a:pPr>
+            <a:r>
+              <a:rPr lang="fr-FR" sz="2200" i="0" dirty="0" smtClean="0">
+                <a:solidFill>
+                  <a:schemeClr val="tx1">
+                    <a:lumMod val="75000"/>
+                    <a:lumOff val="25000"/>
+                  </a:schemeClr>
+                </a:solidFill>
+              </a:rPr>
+              <a:t>Configure </a:t>
+            </a:r>
+            <a:r>
+              <a:rPr lang="fr-FR" sz="2200" i="0" dirty="0" err="1" smtClean="0">
+                <a:solidFill>
+                  <a:schemeClr val="tx1">
+                    <a:lumMod val="75000"/>
+                    <a:lumOff val="25000"/>
+                  </a:schemeClr>
+                </a:solidFill>
+              </a:rPr>
+              <a:t>Picketlink</a:t>
+            </a:r>
+            <a:r>
+              <a:rPr lang="fr-FR" sz="2200" i="0" dirty="0" smtClean="0">
+                <a:solidFill>
+                  <a:schemeClr val="tx1">
+                    <a:lumMod val="75000"/>
+                    <a:lumOff val="25000"/>
+                  </a:schemeClr>
+                </a:solidFill>
+              </a:rPr>
+              <a:t> to use </a:t>
+            </a:r>
+            <a:r>
+              <a:rPr lang="fr-FR" sz="2200" i="0" dirty="0" err="1" smtClean="0">
+                <a:solidFill>
+                  <a:schemeClr val="tx1">
+                    <a:lumMod val="75000"/>
+                    <a:lumOff val="25000"/>
+                  </a:schemeClr>
+                </a:solidFill>
+              </a:rPr>
+              <a:t>ldap-readonly</a:t>
+            </a:r>
+            <a:r>
+              <a:rPr lang="fr-FR" sz="2200" i="0" dirty="0" smtClean="0">
+                <a:solidFill>
+                  <a:schemeClr val="tx1">
+                    <a:lumMod val="75000"/>
+                    <a:lumOff val="25000"/>
+                  </a:schemeClr>
+                </a:solidFill>
+              </a:rPr>
+              <a:t> configuration :</a:t>
+            </a:r>
+          </a:p>
+          <a:p>
+            <a:pPr marL="3175" indent="0">
+              <a:lnSpc>
+                <a:spcPct val="100000"/>
+              </a:lnSpc>
+              <a:buClr>
+                <a:srgbClr val="FF9900"/>
+              </a:buClr>
+              <a:buSzPct val="120000"/>
+              <a:buNone/>
+            </a:pPr>
+            <a:r>
+              <a:rPr lang="fr-FR" sz="2200" i="0" dirty="0">
+                <a:solidFill>
+                  <a:schemeClr val="tx1">
+                    <a:lumMod val="75000"/>
+                    <a:lumOff val="25000"/>
+                  </a:schemeClr>
+                </a:solidFill>
+              </a:rPr>
+              <a:t>	</a:t>
+            </a:r>
+            <a:r>
+              <a:rPr lang="fr-FR" sz="2200" i="0" dirty="0" smtClean="0">
+                <a:solidFill>
+                  <a:schemeClr val="tx1">
+                    <a:lumMod val="75000"/>
+                    <a:lumOff val="25000"/>
+                  </a:schemeClr>
+                </a:solidFill>
+              </a:rPr>
+              <a:t>- Copy </a:t>
+            </a:r>
+            <a:r>
+              <a:rPr lang="fr-FR" sz="2200" i="0" dirty="0">
+                <a:solidFill>
+                  <a:schemeClr val="tx1">
+                    <a:lumMod val="75000"/>
+                    <a:lumOff val="25000"/>
+                  </a:schemeClr>
+                </a:solidFill>
+              </a:rPr>
+              <a:t>the portal </a:t>
+            </a:r>
+            <a:r>
+              <a:rPr lang="fr-FR" sz="2200" i="0" dirty="0" err="1">
+                <a:solidFill>
+                  <a:schemeClr val="tx1">
+                    <a:lumMod val="75000"/>
+                    <a:lumOff val="25000"/>
+                  </a:schemeClr>
+                </a:solidFill>
+              </a:rPr>
+              <a:t>folder</a:t>
+            </a:r>
+            <a:r>
+              <a:rPr lang="fr-FR" sz="2200" i="0" dirty="0">
+                <a:solidFill>
+                  <a:schemeClr val="tx1">
+                    <a:lumMod val="75000"/>
+                    <a:lumOff val="25000"/>
+                  </a:schemeClr>
+                </a:solidFill>
+              </a:rPr>
+              <a:t> in </a:t>
+            </a:r>
+            <a:r>
+              <a:rPr lang="fr-FR" sz="2200" i="0" dirty="0" err="1">
+                <a:solidFill>
+                  <a:schemeClr val="tx1">
+                    <a:lumMod val="75000"/>
+                    <a:lumOff val="25000"/>
+                  </a:schemeClr>
+                </a:solidFill>
+              </a:rPr>
+              <a:t>tomcat_home</a:t>
+            </a:r>
+            <a:r>
+              <a:rPr lang="fr-FR" sz="2200" i="0" dirty="0">
+                <a:solidFill>
+                  <a:schemeClr val="tx1">
+                    <a:lumMod val="75000"/>
+                    <a:lumOff val="25000"/>
+                  </a:schemeClr>
+                </a:solidFill>
+              </a:rPr>
+              <a:t>/</a:t>
+            </a:r>
+            <a:r>
+              <a:rPr lang="fr-FR" sz="2200" i="0" dirty="0" err="1">
+                <a:solidFill>
+                  <a:schemeClr val="tx1">
+                    <a:lumMod val="75000"/>
+                    <a:lumOff val="25000"/>
+                  </a:schemeClr>
+                </a:solidFill>
+              </a:rPr>
+              <a:t>gatein</a:t>
+            </a:r>
+            <a:r>
+              <a:rPr lang="fr-FR" sz="2200" i="0" dirty="0">
+                <a:solidFill>
+                  <a:schemeClr val="tx1">
+                    <a:lumMod val="75000"/>
+                    <a:lumOff val="25000"/>
+                  </a:schemeClr>
+                </a:solidFill>
+              </a:rPr>
+              <a:t>/</a:t>
+            </a:r>
+            <a:r>
+              <a:rPr lang="fr-FR" sz="2200" i="0" dirty="0" err="1">
+                <a:solidFill>
+                  <a:schemeClr val="tx1">
+                    <a:lumMod val="75000"/>
+                    <a:lumOff val="25000"/>
+                  </a:schemeClr>
+                </a:solidFill>
+              </a:rPr>
+              <a:t>conf</a:t>
+            </a:r>
+            <a:r>
+              <a:rPr lang="fr-FR" sz="2200" i="0" dirty="0">
+                <a:solidFill>
+                  <a:schemeClr val="tx1">
+                    <a:lumMod val="75000"/>
+                    <a:lumOff val="25000"/>
+                  </a:schemeClr>
+                </a:solidFill>
+              </a:rPr>
+              <a:t> </a:t>
+            </a:r>
+            <a:r>
+              <a:rPr lang="fr-FR" sz="2200" i="0" dirty="0" smtClean="0">
+                <a:solidFill>
+                  <a:schemeClr val="tx1">
+                    <a:lumMod val="75000"/>
+                    <a:lumOff val="25000"/>
+                  </a:schemeClr>
+                </a:solidFill>
+              </a:rPr>
+              <a:t>directory</a:t>
+            </a:r>
+          </a:p>
+          <a:p>
+            <a:pPr>
+              <a:lnSpc>
+                <a:spcPct val="100000"/>
+              </a:lnSpc>
+              <a:buClr>
+                <a:srgbClr val="FF9900"/>
+              </a:buClr>
+              <a:buSzPct val="120000"/>
+              <a:buFont typeface="Lucida Grande"/>
+              <a:buChar char="»"/>
+            </a:pPr>
+            <a:r>
+              <a:rPr lang="fr-FR" sz="2200" i="0" dirty="0" smtClean="0">
+                <a:solidFill>
+                  <a:schemeClr val="tx1">
+                    <a:lumMod val="75000"/>
+                    <a:lumOff val="25000"/>
+                  </a:schemeClr>
+                </a:solidFill>
+              </a:rPr>
+              <a:t>Edit the </a:t>
+            </a:r>
+            <a:r>
+              <a:rPr lang="fr-FR" sz="2200" i="0" dirty="0" err="1" smtClean="0">
+                <a:solidFill>
+                  <a:schemeClr val="tx1">
+                    <a:lumMod val="75000"/>
+                    <a:lumOff val="25000"/>
+                  </a:schemeClr>
+                </a:solidFill>
+              </a:rPr>
+              <a:t>idm</a:t>
+            </a:r>
+            <a:r>
+              <a:rPr lang="fr-FR" sz="2200" i="0" dirty="0" smtClean="0">
+                <a:solidFill>
+                  <a:schemeClr val="tx1">
+                    <a:lumMod val="75000"/>
+                    <a:lumOff val="25000"/>
+                  </a:schemeClr>
+                </a:solidFill>
+              </a:rPr>
+              <a:t> configuration file to use the </a:t>
+            </a:r>
+            <a:r>
+              <a:rPr lang="fr-FR" sz="2200" i="0" dirty="0" err="1" smtClean="0">
+                <a:solidFill>
+                  <a:schemeClr val="tx1">
+                    <a:lumMod val="75000"/>
+                    <a:lumOff val="25000"/>
+                  </a:schemeClr>
+                </a:solidFill>
+              </a:rPr>
+              <a:t>picketlink</a:t>
+            </a:r>
+            <a:r>
+              <a:rPr lang="fr-FR" sz="2200" i="0" dirty="0" smtClean="0">
+                <a:solidFill>
+                  <a:schemeClr val="tx1">
+                    <a:lumMod val="75000"/>
+                    <a:lumOff val="25000"/>
+                  </a:schemeClr>
+                </a:solidFill>
+              </a:rPr>
+              <a:t> </a:t>
+            </a:r>
+            <a:r>
+              <a:rPr lang="fr-FR" sz="2200" i="0" dirty="0" err="1" smtClean="0">
+                <a:solidFill>
+                  <a:schemeClr val="tx1">
+                    <a:lumMod val="75000"/>
+                    <a:lumOff val="25000"/>
+                  </a:schemeClr>
+                </a:solidFill>
+              </a:rPr>
+              <a:t>ldap</a:t>
+            </a:r>
+            <a:r>
+              <a:rPr lang="fr-FR" sz="2200" i="0" dirty="0" smtClean="0">
+                <a:solidFill>
+                  <a:schemeClr val="tx1">
+                    <a:lumMod val="75000"/>
+                    <a:lumOff val="25000"/>
+                  </a:schemeClr>
+                </a:solidFill>
+              </a:rPr>
+              <a:t> </a:t>
+            </a:r>
+            <a:r>
+              <a:rPr lang="fr-FR" sz="2200" i="0" dirty="0" err="1" smtClean="0">
+                <a:solidFill>
+                  <a:schemeClr val="tx1">
+                    <a:lumMod val="75000"/>
+                    <a:lumOff val="25000"/>
+                  </a:schemeClr>
+                </a:solidFill>
+              </a:rPr>
+              <a:t>readonly</a:t>
+            </a:r>
+            <a:r>
+              <a:rPr lang="fr-FR" sz="2200" i="0" dirty="0" smtClean="0">
+                <a:solidFill>
+                  <a:schemeClr val="tx1">
+                    <a:lumMod val="75000"/>
+                    <a:lumOff val="25000"/>
+                  </a:schemeClr>
+                </a:solidFill>
+              </a:rPr>
+              <a:t> configuration : </a:t>
+            </a:r>
+            <a:r>
+              <a:rPr lang="fr-FR" sz="2200" b="0" i="0" dirty="0" smtClean="0">
+                <a:solidFill>
+                  <a:schemeClr val="tx1">
+                    <a:lumMod val="75000"/>
+                    <a:lumOff val="25000"/>
+                  </a:schemeClr>
+                </a:solidFill>
+              </a:rPr>
+              <a:t>portal/portal/</a:t>
+            </a:r>
+            <a:r>
+              <a:rPr lang="fr-FR" sz="2200" b="0" i="0" dirty="0" err="1" smtClean="0">
+                <a:solidFill>
+                  <a:schemeClr val="tx1">
+                    <a:lumMod val="75000"/>
+                    <a:lumOff val="25000"/>
+                  </a:schemeClr>
+                </a:solidFill>
+              </a:rPr>
+              <a:t>organization</a:t>
+            </a:r>
+            <a:r>
+              <a:rPr lang="fr-FR" sz="2200" b="0" i="0" dirty="0" smtClean="0">
+                <a:solidFill>
+                  <a:schemeClr val="tx1">
+                    <a:lumMod val="75000"/>
+                    <a:lumOff val="25000"/>
+                  </a:schemeClr>
+                </a:solidFill>
+              </a:rPr>
+              <a:t>/</a:t>
+            </a:r>
+            <a:r>
+              <a:rPr lang="fr-FR" sz="2200" b="0" i="0" dirty="0" err="1" smtClean="0">
+                <a:solidFill>
+                  <a:schemeClr val="tx1">
+                    <a:lumMod val="75000"/>
+                    <a:lumOff val="25000"/>
+                  </a:schemeClr>
+                </a:solidFill>
+              </a:rPr>
+              <a:t>idm-configuration.xml</a:t>
+            </a:r>
+            <a:endParaRPr lang="fr-FR" sz="2200" b="0" i="0" dirty="0" smtClean="0">
+              <a:solidFill>
+                <a:schemeClr val="tx1">
+                  <a:lumMod val="75000"/>
+                  <a:lumOff val="25000"/>
+                </a:schemeClr>
+              </a:solidFill>
+            </a:endParaRPr>
+          </a:p>
+          <a:p>
+            <a:pPr marL="3175" indent="0">
+              <a:lnSpc>
+                <a:spcPct val="100000"/>
+              </a:lnSpc>
+              <a:buClr>
+                <a:srgbClr val="FF9900"/>
+              </a:buClr>
+              <a:buSzPct val="120000"/>
+              <a:buNone/>
+            </a:pPr>
+            <a:r>
+              <a:rPr lang="fr-FR" sz="2200" b="0" i="0" dirty="0">
+                <a:solidFill>
+                  <a:schemeClr val="tx1">
+                    <a:lumMod val="75000"/>
+                    <a:lumOff val="25000"/>
+                  </a:schemeClr>
+                </a:solidFill>
+              </a:rPr>
+              <a:t> </a:t>
+            </a:r>
+            <a:r>
+              <a:rPr lang="fr-FR" sz="2200" b="0" i="0" dirty="0" smtClean="0">
+                <a:solidFill>
+                  <a:schemeClr val="tx1">
+                    <a:lumMod val="75000"/>
+                    <a:lumOff val="25000"/>
+                  </a:schemeClr>
+                </a:solidFill>
+              </a:rPr>
+              <a:t>   </a:t>
+            </a:r>
+            <a:r>
+              <a:rPr lang="fr-FR" sz="2200" i="0" dirty="0" smtClean="0">
+                <a:solidFill>
+                  <a:schemeClr val="tx1">
+                    <a:lumMod val="75000"/>
+                    <a:lumOff val="25000"/>
+                  </a:schemeClr>
+                </a:solidFill>
+              </a:rPr>
+              <a:t>- Comment the default </a:t>
+            </a:r>
+            <a:r>
+              <a:rPr lang="fr-FR" sz="2200" i="0" dirty="0" err="1" smtClean="0">
+                <a:solidFill>
+                  <a:schemeClr val="tx1">
+                    <a:lumMod val="75000"/>
+                    <a:lumOff val="25000"/>
+                  </a:schemeClr>
+                </a:solidFill>
+              </a:rPr>
+              <a:t>Picketlink</a:t>
+            </a:r>
+            <a:r>
+              <a:rPr lang="fr-FR" sz="2200" i="0" dirty="0">
+                <a:solidFill>
+                  <a:schemeClr val="tx1">
+                    <a:lumMod val="75000"/>
+                    <a:lumOff val="25000"/>
+                  </a:schemeClr>
+                </a:solidFill>
+              </a:rPr>
+              <a:t> </a:t>
+            </a:r>
+            <a:r>
+              <a:rPr lang="fr-FR" sz="2200" i="0" dirty="0" smtClean="0">
+                <a:solidFill>
+                  <a:schemeClr val="tx1">
+                    <a:lumMod val="75000"/>
+                    <a:lumOff val="25000"/>
+                  </a:schemeClr>
+                </a:solidFill>
+              </a:rPr>
+              <a:t>configuration </a:t>
+            </a:r>
+          </a:p>
+          <a:p>
+            <a:pPr marL="3175" indent="0">
+              <a:lnSpc>
+                <a:spcPct val="100000"/>
+              </a:lnSpc>
+              <a:buClr>
+                <a:srgbClr val="FF9900"/>
+              </a:buClr>
+              <a:buSzPct val="120000"/>
+              <a:buNone/>
+            </a:pPr>
+            <a:r>
+              <a:rPr lang="fr-FR" sz="1600" b="0" i="0" dirty="0">
+                <a:solidFill>
+                  <a:schemeClr val="tx1">
+                    <a:lumMod val="75000"/>
+                    <a:lumOff val="25000"/>
+                  </a:schemeClr>
+                </a:solidFill>
+              </a:rPr>
+              <a:t>	</a:t>
+            </a:r>
+            <a:r>
+              <a:rPr lang="fr-FR" sz="1600" b="0" i="0" dirty="0" smtClean="0">
+                <a:solidFill>
+                  <a:schemeClr val="tx1">
+                    <a:lumMod val="75000"/>
+                    <a:lumOff val="25000"/>
+                  </a:schemeClr>
+                </a:solidFill>
+              </a:rPr>
+              <a:t>&lt;</a:t>
+            </a:r>
+            <a:r>
+              <a:rPr lang="fr-FR" sz="1600" b="0" i="0" dirty="0">
+                <a:solidFill>
+                  <a:schemeClr val="tx1">
+                    <a:lumMod val="75000"/>
+                    <a:lumOff val="25000"/>
+                  </a:schemeClr>
+                </a:solidFill>
+              </a:rPr>
+              <a:t>value</a:t>
+            </a:r>
+            <a:r>
+              <a:rPr lang="fr-FR" sz="1600" b="0" i="0" dirty="0" smtClean="0">
+                <a:solidFill>
+                  <a:schemeClr val="tx1">
+                    <a:lumMod val="75000"/>
+                    <a:lumOff val="25000"/>
+                  </a:schemeClr>
+                </a:solidFill>
+              </a:rPr>
+              <a:t>&gt;</a:t>
+            </a:r>
+            <a:r>
+              <a:rPr lang="fr-FR" sz="1600" b="0" i="0" dirty="0">
+                <a:solidFill>
+                  <a:schemeClr val="tx1">
+                    <a:lumMod val="75000"/>
+                    <a:lumOff val="25000"/>
+                  </a:schemeClr>
+                </a:solidFill>
+              </a:rPr>
+              <a:t>portal/portal/</a:t>
+            </a:r>
+            <a:r>
+              <a:rPr lang="fr-FR" sz="1600" b="0" i="0" dirty="0" err="1" smtClean="0">
+                <a:solidFill>
+                  <a:schemeClr val="tx1">
+                    <a:lumMod val="75000"/>
+                    <a:lumOff val="25000"/>
+                  </a:schemeClr>
+                </a:solidFill>
+              </a:rPr>
+              <a:t>organization</a:t>
+            </a:r>
+            <a:r>
+              <a:rPr lang="fr-FR" sz="1600" b="0" i="0" dirty="0">
+                <a:solidFill>
+                  <a:schemeClr val="tx1">
+                    <a:lumMod val="75000"/>
+                    <a:lumOff val="25000"/>
+                  </a:schemeClr>
+                </a:solidFill>
+              </a:rPr>
+              <a:t>/</a:t>
+            </a:r>
+            <a:r>
+              <a:rPr lang="fr-FR" sz="1600" b="0" i="0" dirty="0" err="1">
+                <a:solidFill>
+                  <a:schemeClr val="tx1">
+                    <a:lumMod val="75000"/>
+                    <a:lumOff val="25000"/>
+                  </a:schemeClr>
+                </a:solidFill>
+              </a:rPr>
+              <a:t>picketlink-idm</a:t>
+            </a:r>
+            <a:r>
+              <a:rPr lang="fr-FR" sz="1600" b="0" i="0" dirty="0">
+                <a:solidFill>
+                  <a:schemeClr val="tx1">
+                    <a:lumMod val="75000"/>
+                    <a:lumOff val="25000"/>
+                  </a:schemeClr>
+                </a:solidFill>
+              </a:rPr>
+              <a:t>/</a:t>
+            </a:r>
+            <a:r>
+              <a:rPr lang="fr-FR" sz="1600" b="0" i="0" dirty="0" err="1">
+                <a:solidFill>
+                  <a:schemeClr val="tx1">
+                    <a:lumMod val="75000"/>
+                    <a:lumOff val="25000"/>
+                  </a:schemeClr>
+                </a:solidFill>
+              </a:rPr>
+              <a:t>picketlink-idm-config.xml</a:t>
+            </a:r>
+            <a:r>
+              <a:rPr lang="fr-FR" sz="1600" b="0" i="0" dirty="0">
+                <a:solidFill>
+                  <a:schemeClr val="tx1">
+                    <a:lumMod val="75000"/>
+                    <a:lumOff val="25000"/>
+                  </a:schemeClr>
+                </a:solidFill>
+              </a:rPr>
+              <a:t>&lt;/value&gt;</a:t>
+            </a:r>
+            <a:endParaRPr lang="fr-FR" sz="1600" b="0" i="0" dirty="0" smtClean="0">
+              <a:solidFill>
+                <a:schemeClr val="tx1">
+                  <a:lumMod val="75000"/>
+                  <a:lumOff val="25000"/>
+                </a:schemeClr>
+              </a:solidFill>
+            </a:endParaRPr>
+          </a:p>
+          <a:p>
+            <a:pPr marL="3175" indent="0">
+              <a:lnSpc>
+                <a:spcPct val="100000"/>
+              </a:lnSpc>
+              <a:buClr>
+                <a:srgbClr val="FF9900"/>
+              </a:buClr>
+              <a:buSzPct val="120000"/>
+              <a:buNone/>
+            </a:pPr>
+            <a:r>
+              <a:rPr lang="fr-FR" sz="2200" b="0" i="0" dirty="0">
+                <a:solidFill>
+                  <a:schemeClr val="tx1">
+                    <a:lumMod val="75000"/>
+                    <a:lumOff val="25000"/>
+                  </a:schemeClr>
+                </a:solidFill>
+              </a:rPr>
+              <a:t> </a:t>
+            </a:r>
+            <a:r>
+              <a:rPr lang="fr-FR" sz="2200" b="0" i="0" dirty="0" smtClean="0">
+                <a:solidFill>
+                  <a:schemeClr val="tx1">
+                    <a:lumMod val="75000"/>
+                    <a:lumOff val="25000"/>
+                  </a:schemeClr>
+                </a:solidFill>
+              </a:rPr>
+              <a:t>  </a:t>
+            </a:r>
+            <a:r>
+              <a:rPr lang="fr-FR" sz="2200" i="0" dirty="0" smtClean="0">
+                <a:solidFill>
+                  <a:schemeClr val="tx1">
+                    <a:lumMod val="75000"/>
+                    <a:lumOff val="25000"/>
+                  </a:schemeClr>
+                </a:solidFill>
+              </a:rPr>
+              <a:t> - </a:t>
+            </a:r>
+            <a:r>
+              <a:rPr lang="fr-FR" sz="2200" i="0" dirty="0" err="1" smtClean="0">
+                <a:solidFill>
+                  <a:schemeClr val="tx1">
+                    <a:lumMod val="75000"/>
+                    <a:lumOff val="25000"/>
+                  </a:schemeClr>
+                </a:solidFill>
+              </a:rPr>
+              <a:t>Uncomment</a:t>
+            </a:r>
+            <a:r>
+              <a:rPr lang="fr-FR" sz="2200" i="0" dirty="0" smtClean="0">
+                <a:solidFill>
+                  <a:schemeClr val="tx1">
+                    <a:lumMod val="75000"/>
+                    <a:lumOff val="25000"/>
+                  </a:schemeClr>
+                </a:solidFill>
+              </a:rPr>
+              <a:t> the </a:t>
+            </a:r>
+            <a:r>
+              <a:rPr lang="fr-FR" sz="2200" i="0" dirty="0" err="1" smtClean="0">
+                <a:solidFill>
+                  <a:schemeClr val="tx1">
+                    <a:lumMod val="75000"/>
+                    <a:lumOff val="25000"/>
+                  </a:schemeClr>
+                </a:solidFill>
+              </a:rPr>
+              <a:t>ldap</a:t>
+            </a:r>
+            <a:r>
+              <a:rPr lang="fr-FR" sz="2200" i="0" dirty="0" smtClean="0">
+                <a:solidFill>
+                  <a:schemeClr val="tx1">
+                    <a:lumMod val="75000"/>
+                    <a:lumOff val="25000"/>
+                  </a:schemeClr>
+                </a:solidFill>
+              </a:rPr>
+              <a:t> configuration :</a:t>
+            </a:r>
+          </a:p>
+          <a:p>
+            <a:pPr marL="3175" indent="0">
+              <a:lnSpc>
+                <a:spcPct val="100000"/>
+              </a:lnSpc>
+              <a:buClr>
+                <a:srgbClr val="FF9900"/>
+              </a:buClr>
+              <a:buSzPct val="120000"/>
+              <a:buNone/>
+            </a:pPr>
+            <a:r>
+              <a:rPr lang="fr-FR" sz="1600" b="0" i="0" dirty="0" smtClean="0">
+                <a:solidFill>
+                  <a:schemeClr val="tx1">
+                    <a:lumMod val="75000"/>
+                    <a:lumOff val="25000"/>
+                  </a:schemeClr>
+                </a:solidFill>
+              </a:rPr>
+              <a:t>&lt;value&gt;</a:t>
+            </a:r>
+            <a:r>
+              <a:rPr lang="fr-FR" sz="1600" b="0" i="0" dirty="0">
+                <a:solidFill>
+                  <a:schemeClr val="tx1">
+                    <a:lumMod val="75000"/>
+                    <a:lumOff val="25000"/>
+                  </a:schemeClr>
+                </a:solidFill>
+              </a:rPr>
+              <a:t>portal/portal/</a:t>
+            </a:r>
+            <a:r>
+              <a:rPr lang="fr-FR" sz="1600" b="0" i="0" dirty="0" err="1" smtClean="0">
+                <a:solidFill>
+                  <a:schemeClr val="tx1">
+                    <a:lumMod val="75000"/>
+                    <a:lumOff val="25000"/>
+                  </a:schemeClr>
+                </a:solidFill>
+              </a:rPr>
+              <a:t>organization</a:t>
+            </a:r>
+            <a:r>
+              <a:rPr lang="fr-FR" sz="1600" b="0" i="0" dirty="0">
+                <a:solidFill>
+                  <a:schemeClr val="tx1">
+                    <a:lumMod val="75000"/>
+                    <a:lumOff val="25000"/>
+                  </a:schemeClr>
+                </a:solidFill>
+              </a:rPr>
+              <a:t>/</a:t>
+            </a:r>
+            <a:r>
+              <a:rPr lang="fr-FR" sz="1600" b="0" i="0" dirty="0" err="1">
+                <a:solidFill>
+                  <a:schemeClr val="tx1">
+                    <a:lumMod val="75000"/>
+                    <a:lumOff val="25000"/>
+                  </a:schemeClr>
+                </a:solidFill>
+              </a:rPr>
+              <a:t>picketlink-idm</a:t>
+            </a:r>
+            <a:r>
+              <a:rPr lang="fr-FR" sz="1600" b="0" i="0" dirty="0">
+                <a:solidFill>
+                  <a:schemeClr val="tx1">
+                    <a:lumMod val="75000"/>
+                    <a:lumOff val="25000"/>
+                  </a:schemeClr>
+                </a:solidFill>
+              </a:rPr>
+              <a:t>/</a:t>
+            </a:r>
+            <a:r>
+              <a:rPr lang="fr-FR" sz="1600" b="0" i="0" dirty="0" err="1">
+                <a:solidFill>
+                  <a:schemeClr val="tx1">
+                    <a:lumMod val="75000"/>
+                    <a:lumOff val="25000"/>
+                  </a:schemeClr>
+                </a:solidFill>
+              </a:rPr>
+              <a:t>examples</a:t>
+            </a:r>
+            <a:r>
+              <a:rPr lang="fr-FR" sz="1600" b="0" i="0" dirty="0">
+                <a:solidFill>
+                  <a:schemeClr val="tx1">
+                    <a:lumMod val="75000"/>
+                    <a:lumOff val="25000"/>
+                  </a:schemeClr>
+                </a:solidFill>
+              </a:rPr>
+              <a:t>/</a:t>
+            </a:r>
+            <a:r>
+              <a:rPr lang="fr-FR" sz="1600" b="0" i="0" dirty="0" err="1">
+                <a:solidFill>
+                  <a:schemeClr val="tx1">
+                    <a:lumMod val="75000"/>
+                    <a:lumOff val="25000"/>
+                  </a:schemeClr>
+                </a:solidFill>
+              </a:rPr>
+              <a:t>picketlink-idm-ldap-acme-config.xml</a:t>
+            </a:r>
+            <a:r>
+              <a:rPr lang="fr-FR" sz="1600" b="0" i="0" dirty="0">
+                <a:solidFill>
+                  <a:schemeClr val="tx1">
+                    <a:lumMod val="75000"/>
+                    <a:lumOff val="25000"/>
+                  </a:schemeClr>
+                </a:solidFill>
+              </a:rPr>
+              <a:t>&lt;/value&gt;</a:t>
+            </a:r>
+            <a:r>
+              <a:rPr lang="fr-FR" sz="1600" i="0" dirty="0" smtClean="0">
+                <a:solidFill>
+                  <a:schemeClr val="tx1">
+                    <a:lumMod val="75000"/>
+                    <a:lumOff val="25000"/>
+                  </a:schemeClr>
+                </a:solidFill>
+              </a:rPr>
+              <a:t> </a:t>
+            </a:r>
+          </a:p>
+          <a:p>
+            <a:pPr marL="3175" indent="0">
+              <a:lnSpc>
+                <a:spcPct val="100000"/>
+              </a:lnSpc>
+              <a:buClr>
+                <a:srgbClr val="FF9900"/>
+              </a:buClr>
+              <a:buSzPct val="120000"/>
+              <a:buNone/>
+            </a:pPr>
+            <a:r>
+              <a:rPr lang="fr-FR" sz="2200" i="0" dirty="0">
+                <a:solidFill>
+                  <a:schemeClr val="tx1">
+                    <a:lumMod val="75000"/>
+                    <a:lumOff val="25000"/>
+                  </a:schemeClr>
+                </a:solidFill>
+              </a:rPr>
+              <a:t> </a:t>
+            </a:r>
+            <a:r>
+              <a:rPr lang="fr-FR" sz="2200" i="0" dirty="0" smtClean="0">
+                <a:solidFill>
+                  <a:schemeClr val="tx1">
+                    <a:lumMod val="75000"/>
+                    <a:lumOff val="25000"/>
+                  </a:schemeClr>
+                </a:solidFill>
+              </a:rPr>
+              <a:t>   - </a:t>
+            </a:r>
+            <a:r>
+              <a:rPr lang="fr-FR" sz="2200" i="0" dirty="0" err="1" smtClean="0">
+                <a:solidFill>
+                  <a:schemeClr val="tx1">
+                    <a:lumMod val="75000"/>
+                    <a:lumOff val="25000"/>
+                  </a:schemeClr>
+                </a:solidFill>
+              </a:rPr>
+              <a:t>Uncomment</a:t>
+            </a:r>
+            <a:r>
+              <a:rPr lang="fr-FR" sz="2200" i="0" dirty="0" smtClean="0">
+                <a:solidFill>
+                  <a:schemeClr val="tx1">
+                    <a:lumMod val="75000"/>
+                    <a:lumOff val="25000"/>
+                  </a:schemeClr>
+                </a:solidFill>
+              </a:rPr>
+              <a:t> </a:t>
+            </a:r>
+            <a:r>
+              <a:rPr lang="fr-FR" sz="2200" i="0" dirty="0">
+                <a:solidFill>
+                  <a:schemeClr val="tx1">
+                    <a:lumMod val="75000"/>
+                    <a:lumOff val="25000"/>
+                  </a:schemeClr>
+                </a:solidFill>
+              </a:rPr>
+              <a:t>for ACME LDAP </a:t>
+            </a:r>
+            <a:r>
+              <a:rPr lang="fr-FR" sz="2200" i="0" dirty="0" err="1" smtClean="0">
+                <a:solidFill>
+                  <a:schemeClr val="tx1">
+                    <a:lumMod val="75000"/>
+                    <a:lumOff val="25000"/>
+                  </a:schemeClr>
+                </a:solidFill>
+              </a:rPr>
+              <a:t>example</a:t>
+            </a:r>
+            <a:endParaRPr lang="fr-FR" sz="2200" i="0" dirty="0" smtClean="0">
+              <a:solidFill>
+                <a:schemeClr val="tx1">
+                  <a:lumMod val="75000"/>
+                  <a:lumOff val="25000"/>
+                </a:schemeClr>
+              </a:solidFill>
+            </a:endParaRPr>
+          </a:p>
+          <a:p>
+            <a:pPr>
+              <a:lnSpc>
+                <a:spcPct val="100000"/>
+              </a:lnSpc>
+              <a:buClr>
+                <a:srgbClr val="FF9900"/>
+              </a:buClr>
+              <a:buSzPct val="120000"/>
+              <a:buFont typeface="Lucida Grande"/>
+              <a:buChar char="»"/>
+            </a:pPr>
+            <a:r>
+              <a:rPr lang="fr-FR" sz="2200" i="0" dirty="0" smtClean="0">
+                <a:solidFill>
+                  <a:schemeClr val="tx1">
+                    <a:lumMod val="75000"/>
+                    <a:lumOff val="25000"/>
+                  </a:schemeClr>
+                </a:solidFill>
+              </a:rPr>
+              <a:t>Edit the </a:t>
+            </a:r>
+            <a:r>
+              <a:rPr lang="fr-FR" sz="2200" i="0" dirty="0" err="1" smtClean="0">
+                <a:solidFill>
+                  <a:schemeClr val="tx1">
+                    <a:lumMod val="75000"/>
+                    <a:lumOff val="25000"/>
+                  </a:schemeClr>
+                </a:solidFill>
+              </a:rPr>
+              <a:t>ldap</a:t>
+            </a:r>
+            <a:r>
+              <a:rPr lang="fr-FR" sz="2200" i="0" dirty="0" smtClean="0">
+                <a:solidFill>
+                  <a:schemeClr val="tx1">
+                    <a:lumMod val="75000"/>
+                    <a:lumOff val="25000"/>
+                  </a:schemeClr>
+                </a:solidFill>
+              </a:rPr>
+              <a:t> configuration file : </a:t>
+            </a:r>
+          </a:p>
+          <a:p>
+            <a:pPr marL="3175" indent="0">
+              <a:lnSpc>
+                <a:spcPct val="100000"/>
+              </a:lnSpc>
+              <a:buClr>
+                <a:srgbClr val="FF9900"/>
+              </a:buClr>
+              <a:buSzPct val="120000"/>
+              <a:buNone/>
+            </a:pPr>
+            <a:r>
+              <a:rPr lang="fr-FR" sz="1800" b="0" i="0" dirty="0" smtClean="0">
+                <a:solidFill>
+                  <a:schemeClr val="tx1">
+                    <a:lumMod val="75000"/>
+                    <a:lumOff val="25000"/>
+                  </a:schemeClr>
+                </a:solidFill>
+              </a:rPr>
+              <a:t>	portal</a:t>
+            </a:r>
+            <a:r>
+              <a:rPr lang="fr-FR" sz="1800" b="0" i="0" dirty="0">
+                <a:solidFill>
+                  <a:schemeClr val="tx1">
+                    <a:lumMod val="75000"/>
+                    <a:lumOff val="25000"/>
+                  </a:schemeClr>
+                </a:solidFill>
+              </a:rPr>
+              <a:t>/portal</a:t>
+            </a:r>
+            <a:r>
+              <a:rPr lang="fr-FR" sz="1800" b="0" i="0" dirty="0" smtClean="0">
+                <a:solidFill>
+                  <a:schemeClr val="tx1">
+                    <a:lumMod val="75000"/>
+                    <a:lumOff val="25000"/>
+                  </a:schemeClr>
+                </a:solidFill>
+              </a:rPr>
+              <a:t>/</a:t>
+            </a:r>
+            <a:r>
+              <a:rPr lang="fr-FR" sz="1800" b="0" i="0" dirty="0" err="1">
+                <a:solidFill>
+                  <a:schemeClr val="tx1">
+                    <a:lumMod val="75000"/>
+                    <a:lumOff val="25000"/>
+                  </a:schemeClr>
+                </a:solidFill>
+              </a:rPr>
+              <a:t>organization</a:t>
+            </a:r>
+            <a:r>
+              <a:rPr lang="fr-FR" sz="1800" b="0" i="0" dirty="0">
+                <a:solidFill>
+                  <a:schemeClr val="tx1">
+                    <a:lumMod val="75000"/>
+                    <a:lumOff val="25000"/>
+                  </a:schemeClr>
+                </a:solidFill>
+              </a:rPr>
+              <a:t>/</a:t>
+            </a:r>
+            <a:r>
+              <a:rPr lang="fr-FR" sz="1800" b="0" i="0" dirty="0" err="1">
+                <a:solidFill>
+                  <a:schemeClr val="tx1">
+                    <a:lumMod val="75000"/>
+                    <a:lumOff val="25000"/>
+                  </a:schemeClr>
+                </a:solidFill>
+              </a:rPr>
+              <a:t>picketlink-idm</a:t>
+            </a:r>
+            <a:r>
+              <a:rPr lang="fr-FR" sz="1800" b="0" i="0" dirty="0" smtClean="0">
+                <a:solidFill>
+                  <a:schemeClr val="tx1">
+                    <a:lumMod val="75000"/>
+                    <a:lumOff val="25000"/>
+                  </a:schemeClr>
+                </a:solidFill>
+              </a:rPr>
+              <a:t>/</a:t>
+            </a:r>
+            <a:r>
+              <a:rPr lang="fr-FR" sz="1800" b="0" i="0" dirty="0" err="1">
+                <a:solidFill>
+                  <a:schemeClr val="tx1">
+                    <a:lumMod val="75000"/>
+                    <a:lumOff val="25000"/>
+                  </a:schemeClr>
+                </a:solidFill>
+              </a:rPr>
+              <a:t>examples</a:t>
+            </a:r>
+            <a:r>
+              <a:rPr lang="fr-FR" sz="1800" b="0" i="0" dirty="0">
+                <a:solidFill>
+                  <a:schemeClr val="tx1">
+                    <a:lumMod val="75000"/>
+                    <a:lumOff val="25000"/>
+                  </a:schemeClr>
+                </a:solidFill>
+              </a:rPr>
+              <a:t>/</a:t>
+            </a:r>
+            <a:r>
+              <a:rPr lang="fr-FR" sz="1800" b="0" i="0" dirty="0" err="1">
+                <a:solidFill>
+                  <a:schemeClr val="tx1">
+                    <a:lumMod val="75000"/>
+                    <a:lumOff val="25000"/>
+                  </a:schemeClr>
+                </a:solidFill>
+              </a:rPr>
+              <a:t>picketlink-idm-ldap-acme-config.xml</a:t>
+            </a:r>
+            <a:endParaRPr lang="fr-FR" sz="1800" i="0" dirty="0" smtClean="0">
+              <a:solidFill>
+                <a:schemeClr val="tx1">
+                  <a:lumMod val="75000"/>
+                  <a:lumOff val="25000"/>
+                </a:schemeClr>
+              </a:solidFill>
+            </a:endParaRPr>
+          </a:p>
+          <a:p>
+            <a:pPr>
+              <a:lnSpc>
+                <a:spcPct val="100000"/>
+              </a:lnSpc>
+              <a:buClr>
+                <a:srgbClr val="FF9900"/>
+              </a:buClr>
+              <a:buSzPct val="120000"/>
+              <a:buFont typeface="Lucida Grande"/>
+              <a:buChar char="»"/>
+            </a:pPr>
+            <a:r>
+              <a:rPr lang="fr-FR" sz="2200" i="0" dirty="0" smtClean="0">
+                <a:solidFill>
+                  <a:schemeClr val="tx1">
+                    <a:lumMod val="75000"/>
+                    <a:lumOff val="25000"/>
+                  </a:schemeClr>
+                </a:solidFill>
+              </a:rPr>
+              <a:t>Change </a:t>
+            </a:r>
+            <a:r>
+              <a:rPr lang="fr-FR" sz="2200" i="0" dirty="0">
+                <a:solidFill>
+                  <a:schemeClr val="tx1">
+                    <a:lumMod val="75000"/>
+                    <a:lumOff val="25000"/>
+                  </a:schemeClr>
+                </a:solidFill>
+              </a:rPr>
+              <a:t>the </a:t>
+            </a:r>
+            <a:r>
+              <a:rPr lang="fr-FR" sz="2200" i="0" dirty="0" err="1">
+                <a:solidFill>
+                  <a:schemeClr val="tx1">
+                    <a:lumMod val="75000"/>
+                    <a:lumOff val="25000"/>
+                  </a:schemeClr>
+                </a:solidFill>
+              </a:rPr>
+              <a:t>providerURL</a:t>
+            </a:r>
+            <a:r>
+              <a:rPr lang="fr-FR" sz="2200" i="0" dirty="0">
+                <a:solidFill>
+                  <a:schemeClr val="tx1">
+                    <a:lumMod val="75000"/>
+                    <a:lumOff val="25000"/>
+                  </a:schemeClr>
+                </a:solidFill>
+              </a:rPr>
+              <a:t>, </a:t>
+            </a:r>
+            <a:r>
+              <a:rPr lang="fr-FR" sz="2200" i="0" dirty="0" err="1" smtClean="0">
+                <a:solidFill>
+                  <a:schemeClr val="tx1">
+                    <a:lumMod val="75000"/>
+                    <a:lumOff val="25000"/>
+                  </a:schemeClr>
+                </a:solidFill>
+              </a:rPr>
+              <a:t>adminDN</a:t>
+            </a:r>
+            <a:r>
+              <a:rPr lang="fr-FR" sz="2200" i="0" dirty="0" smtClean="0">
+                <a:solidFill>
+                  <a:schemeClr val="tx1">
+                    <a:lumMod val="75000"/>
+                    <a:lumOff val="25000"/>
+                  </a:schemeClr>
+                </a:solidFill>
+              </a:rPr>
+              <a:t>, </a:t>
+            </a:r>
+            <a:r>
+              <a:rPr lang="fr-FR" sz="2200" i="0" dirty="0" err="1" smtClean="0">
+                <a:solidFill>
+                  <a:schemeClr val="tx1">
+                    <a:lumMod val="75000"/>
+                    <a:lumOff val="25000"/>
+                  </a:schemeClr>
+                </a:solidFill>
+              </a:rPr>
+              <a:t>adminPassword</a:t>
+            </a:r>
+            <a:endParaRPr lang="fr-FR" sz="2200" i="0" dirty="0" smtClean="0">
+              <a:solidFill>
+                <a:schemeClr val="tx1">
+                  <a:lumMod val="75000"/>
+                  <a:lumOff val="25000"/>
+                </a:schemeClr>
+              </a:solidFill>
+            </a:endParaRPr>
+          </a:p>
+        </p:txBody>
+      </p:sp>
+    </p:spTree>
+    <p:extLst>
+      <p:ext uri="{BB962C8B-B14F-4D97-AF65-F5344CB8AC3E}">
+        <p14:creationId xmlns:p14="http://schemas.microsoft.com/office/powerpoint/2010/main" val="3907552456"/>
+      </p:ext>
+    </p:extLst>
+  </p:cSld>
+  <p:clrMapOvr>
+    <a:masterClrMapping/>
+  </p:clrMapOvr>
+  <p:transition xmlns:p14="http://schemas.microsoft.com/office/powerpoint/2010/main"/>
+  <p:timing>
+    <p:tnLst>
+      <p:par>
+        <p:cTn xmlns:p14="http://schemas.microsoft.com/office/powerpoint/2010/main" id="1" dur="indefinite" restart="never" nodeType="tmRoot"/>
+      </p:par>
+    </p:tnLst>
+  </p:timing>
+</p:sld>
+</file>
+
+<file path=ppt/slides/slide33.xml><?xml version="1.0" encoding="utf-8"?>
+<p:sld xmlns:a="http://schemas.openxmlformats.org/drawingml/2006/main" xmlns:r="http://schemas.openxmlformats.org/officeDocument/2006/relationships" xmlns:p="http://schemas.openxmlformats.org/presentationml/2006/main">
+  <p:cSld>
+    <p:spTree>
+      <p:nvGrpSpPr>
+        <p:cNvPr id="1" name=""/>
+        <p:cNvGrpSpPr/>
+        <p:nvPr/>
+      </p:nvGrpSpPr>
+      <p:grpSpPr>
+        <a:xfrm>
+          <a:off x="0" y="0"/>
+          <a:ext cx="0" cy="0"/>
+          <a:chOff x="0" y="0"/>
+          <a:chExt cx="0" cy="0"/>
+        </a:xfrm>
+      </p:grpSpPr>
+      <p:sp>
+        <p:nvSpPr>
+          <p:cNvPr id="15362" name="Rectangle 1"/>
+          <p:cNvSpPr>
+            <a:spLocks noGrp="1" noChangeArrowheads="1"/>
+          </p:cNvSpPr>
+          <p:nvPr>
+            <p:ph type="title"/>
+          </p:nvPr>
+        </p:nvSpPr>
+        <p:spPr>
+          <a:xfrm>
+            <a:off x="490435" y="255926"/>
+            <a:ext cx="10179255" cy="454024"/>
+          </a:xfrm>
+        </p:spPr>
+        <p:txBody>
+          <a:bodyPr rIns="41783" anchor="b"/>
+          <a:lstStyle/>
+          <a:p>
+            <a:r>
+              <a:rPr lang="fr-FR" dirty="0" err="1" smtClean="0"/>
+              <a:t>Exercise</a:t>
+            </a:r>
+            <a:r>
+              <a:rPr lang="fr-FR" dirty="0" smtClean="0"/>
+              <a:t> </a:t>
+            </a:r>
+            <a:r>
+              <a:rPr lang="fr-FR" dirty="0" smtClean="0"/>
+              <a:t>70b </a:t>
+            </a:r>
+            <a:r>
+              <a:rPr lang="fr-FR" dirty="0" smtClean="0"/>
+              <a:t>: Configuration </a:t>
+            </a:r>
+            <a:r>
+              <a:rPr lang="fr-FR" dirty="0" err="1" smtClean="0"/>
+              <a:t>Picketlink</a:t>
+            </a:r>
+            <a:endParaRPr lang="fr-FR" dirty="0"/>
+          </a:p>
+        </p:txBody>
+      </p:sp>
+      <p:sp>
+        <p:nvSpPr>
+          <p:cNvPr id="15363" name="Rectangle 2"/>
+          <p:cNvSpPr>
+            <a:spLocks noGrp="1" noChangeArrowheads="1"/>
+          </p:cNvSpPr>
+          <p:nvPr>
+            <p:ph type="body" idx="1"/>
+          </p:nvPr>
+        </p:nvSpPr>
+        <p:spPr>
+          <a:xfrm>
+            <a:off x="472905" y="971525"/>
+            <a:ext cx="10219725" cy="5688632"/>
+          </a:xfrm>
+        </p:spPr>
+        <p:txBody>
+          <a:bodyPr rIns="41783" anchor="t"/>
+          <a:lstStyle/>
+          <a:p>
+            <a:pPr>
+              <a:lnSpc>
+                <a:spcPct val="100000"/>
+              </a:lnSpc>
+              <a:buClr>
+                <a:srgbClr val="FF9900"/>
+              </a:buClr>
+              <a:buSzPct val="120000"/>
+              <a:buFont typeface="Lucida Grande"/>
+              <a:buChar char="»"/>
+            </a:pPr>
+            <a:r>
+              <a:rPr lang="fr-FR" sz="2200" i="0" dirty="0" err="1" smtClean="0">
+                <a:solidFill>
+                  <a:schemeClr val="tx1">
+                    <a:lumMod val="75000"/>
+                    <a:lumOff val="25000"/>
+                  </a:schemeClr>
+                </a:solidFill>
+              </a:rPr>
+              <a:t>Enable</a:t>
+            </a:r>
+            <a:r>
+              <a:rPr lang="fr-FR" sz="2200" i="0" dirty="0" smtClean="0">
+                <a:solidFill>
+                  <a:schemeClr val="tx1">
+                    <a:lumMod val="75000"/>
+                    <a:lumOff val="25000"/>
+                  </a:schemeClr>
+                </a:solidFill>
+              </a:rPr>
+              <a:t> the </a:t>
+            </a:r>
+            <a:r>
+              <a:rPr lang="fr-FR" sz="2200" i="0" dirty="0" err="1" smtClean="0">
+                <a:solidFill>
+                  <a:schemeClr val="tx1">
+                    <a:lumMod val="75000"/>
+                    <a:lumOff val="25000"/>
+                  </a:schemeClr>
+                </a:solidFill>
+              </a:rPr>
+              <a:t>readonly</a:t>
+            </a:r>
+            <a:r>
+              <a:rPr lang="fr-FR" sz="2200" i="0" dirty="0" smtClean="0">
+                <a:solidFill>
+                  <a:schemeClr val="tx1">
+                    <a:lumMod val="75000"/>
+                    <a:lumOff val="25000"/>
+                  </a:schemeClr>
+                </a:solidFill>
+              </a:rPr>
+              <a:t> configuration :</a:t>
+            </a:r>
+          </a:p>
+          <a:p>
+            <a:pPr marL="3175" indent="0">
+              <a:lnSpc>
+                <a:spcPct val="50000"/>
+              </a:lnSpc>
+              <a:buClr>
+                <a:srgbClr val="FF9900"/>
+              </a:buClr>
+              <a:buSzPct val="120000"/>
+              <a:buNone/>
+            </a:pPr>
+            <a:r>
+              <a:rPr lang="en-US" sz="1800" b="0" i="0" dirty="0" smtClean="0">
+                <a:solidFill>
+                  <a:schemeClr val="tx1">
+                    <a:lumMod val="75000"/>
+                    <a:lumOff val="25000"/>
+                  </a:schemeClr>
+                </a:solidFill>
+              </a:rPr>
+              <a:t>&lt;</a:t>
+            </a:r>
+            <a:r>
+              <a:rPr lang="en-US" sz="1800" b="0" i="0" dirty="0">
+                <a:solidFill>
+                  <a:schemeClr val="tx1">
+                    <a:lumMod val="75000"/>
+                    <a:lumOff val="25000"/>
+                  </a:schemeClr>
+                </a:solidFill>
+              </a:rPr>
+              <a:t>option&gt;</a:t>
+            </a:r>
+          </a:p>
+          <a:p>
+            <a:pPr marL="3175" indent="0">
+              <a:lnSpc>
+                <a:spcPct val="50000"/>
+              </a:lnSpc>
+              <a:buClr>
+                <a:srgbClr val="FF9900"/>
+              </a:buClr>
+              <a:buSzPct val="120000"/>
+              <a:buNone/>
+            </a:pPr>
+            <a:r>
+              <a:rPr lang="en-US" sz="1800" b="0" i="0" dirty="0">
+                <a:solidFill>
+                  <a:schemeClr val="tx1">
+                    <a:lumMod val="75000"/>
+                    <a:lumOff val="25000"/>
+                  </a:schemeClr>
+                </a:solidFill>
+              </a:rPr>
+              <a:t>                &lt;name&gt;</a:t>
+            </a:r>
+            <a:r>
+              <a:rPr lang="en-US" sz="1800" b="0" i="0" dirty="0" err="1">
+                <a:solidFill>
+                  <a:schemeClr val="tx1">
+                    <a:lumMod val="75000"/>
+                    <a:lumOff val="25000"/>
+                  </a:schemeClr>
+                </a:solidFill>
+              </a:rPr>
+              <a:t>allowCreateEntry</a:t>
+            </a:r>
+            <a:r>
+              <a:rPr lang="en-US" sz="1800" b="0" i="0" dirty="0">
+                <a:solidFill>
+                  <a:schemeClr val="tx1">
+                    <a:lumMod val="75000"/>
+                    <a:lumOff val="25000"/>
+                  </a:schemeClr>
+                </a:solidFill>
+              </a:rPr>
+              <a:t>&lt;/name&gt;</a:t>
+            </a:r>
+          </a:p>
+          <a:p>
+            <a:pPr marL="3175" indent="0">
+              <a:lnSpc>
+                <a:spcPct val="50000"/>
+              </a:lnSpc>
+              <a:buClr>
+                <a:srgbClr val="FF9900"/>
+              </a:buClr>
+              <a:buSzPct val="120000"/>
+              <a:buNone/>
+            </a:pPr>
+            <a:r>
+              <a:rPr lang="en-US" sz="1800" b="0" i="0" dirty="0">
+                <a:solidFill>
+                  <a:schemeClr val="tx1">
+                    <a:lumMod val="75000"/>
+                    <a:lumOff val="25000"/>
+                  </a:schemeClr>
+                </a:solidFill>
+              </a:rPr>
+              <a:t>                &lt;value</a:t>
+            </a:r>
+            <a:r>
+              <a:rPr lang="en-US" sz="1800" b="0" i="0" dirty="0" smtClean="0">
+                <a:solidFill>
+                  <a:schemeClr val="tx1">
+                    <a:lumMod val="75000"/>
+                    <a:lumOff val="25000"/>
+                  </a:schemeClr>
+                </a:solidFill>
+              </a:rPr>
+              <a:t>&gt;false&lt;</a:t>
+            </a:r>
+            <a:r>
+              <a:rPr lang="en-US" sz="1800" b="0" i="0" dirty="0">
+                <a:solidFill>
+                  <a:schemeClr val="tx1">
+                    <a:lumMod val="75000"/>
+                    <a:lumOff val="25000"/>
+                  </a:schemeClr>
+                </a:solidFill>
+              </a:rPr>
+              <a:t>/value&gt;</a:t>
+            </a:r>
+          </a:p>
+          <a:p>
+            <a:pPr marL="3175" indent="0">
+              <a:lnSpc>
+                <a:spcPct val="50000"/>
+              </a:lnSpc>
+              <a:buClr>
+                <a:srgbClr val="FF9900"/>
+              </a:buClr>
+              <a:buSzPct val="120000"/>
+              <a:buNone/>
+            </a:pPr>
+            <a:r>
+              <a:rPr lang="en-US" sz="1800" b="0" i="0" dirty="0" smtClean="0">
+                <a:solidFill>
+                  <a:schemeClr val="tx1">
+                    <a:lumMod val="75000"/>
+                    <a:lumOff val="25000"/>
+                  </a:schemeClr>
+                </a:solidFill>
+              </a:rPr>
+              <a:t>&lt;</a:t>
+            </a:r>
+            <a:r>
+              <a:rPr lang="en-US" sz="1800" b="0" i="0" dirty="0">
+                <a:solidFill>
+                  <a:schemeClr val="tx1">
+                    <a:lumMod val="75000"/>
+                    <a:lumOff val="25000"/>
+                  </a:schemeClr>
+                </a:solidFill>
+              </a:rPr>
+              <a:t>/option</a:t>
+            </a:r>
+            <a:r>
+              <a:rPr lang="en-US" sz="1800" b="0" i="0" dirty="0" smtClean="0">
+                <a:solidFill>
+                  <a:schemeClr val="tx1">
+                    <a:lumMod val="75000"/>
+                    <a:lumOff val="25000"/>
+                  </a:schemeClr>
+                </a:solidFill>
+              </a:rPr>
+              <a:t>&gt;</a:t>
+            </a:r>
+            <a:endParaRPr lang="fr-FR" sz="1800" b="0" i="0" dirty="0" smtClean="0">
+              <a:solidFill>
+                <a:schemeClr val="tx1">
+                  <a:lumMod val="75000"/>
+                  <a:lumOff val="25000"/>
+                </a:schemeClr>
+              </a:solidFill>
+            </a:endParaRPr>
+          </a:p>
+          <a:p>
+            <a:pPr>
+              <a:lnSpc>
+                <a:spcPct val="100000"/>
+              </a:lnSpc>
+              <a:buClr>
+                <a:srgbClr val="FF9900"/>
+              </a:buClr>
+              <a:buSzPct val="120000"/>
+              <a:buFont typeface="Lucida Grande"/>
+              <a:buChar char="»"/>
+            </a:pPr>
+            <a:r>
+              <a:rPr lang="fr-FR" sz="2200" i="0" dirty="0" smtClean="0">
+                <a:solidFill>
+                  <a:schemeClr val="tx1">
+                    <a:lumMod val="75000"/>
+                    <a:lumOff val="25000"/>
+                  </a:schemeClr>
+                </a:solidFill>
+              </a:rPr>
+              <a:t>Clean the </a:t>
+            </a:r>
+            <a:r>
+              <a:rPr lang="fr-FR" sz="2200" i="0" dirty="0" err="1" smtClean="0">
+                <a:solidFill>
+                  <a:schemeClr val="tx1">
+                    <a:lumMod val="75000"/>
+                    <a:lumOff val="25000"/>
+                  </a:schemeClr>
+                </a:solidFill>
+              </a:rPr>
+              <a:t>jcr</a:t>
+            </a:r>
+            <a:r>
+              <a:rPr lang="fr-FR" sz="2200" i="0" dirty="0" smtClean="0">
+                <a:solidFill>
+                  <a:schemeClr val="tx1">
+                    <a:lumMod val="75000"/>
+                    <a:lumOff val="25000"/>
+                  </a:schemeClr>
+                </a:solidFill>
+              </a:rPr>
+              <a:t> data in /</a:t>
+            </a:r>
+            <a:r>
+              <a:rPr lang="fr-FR" sz="2200" i="0" dirty="0" err="1" smtClean="0">
+                <a:solidFill>
+                  <a:schemeClr val="tx1">
+                    <a:lumMod val="75000"/>
+                    <a:lumOff val="25000"/>
+                  </a:schemeClr>
+                </a:solidFill>
+              </a:rPr>
+              <a:t>tomcat_home</a:t>
+            </a:r>
+            <a:r>
+              <a:rPr lang="fr-FR" sz="2200" i="0" dirty="0" smtClean="0">
+                <a:solidFill>
+                  <a:schemeClr val="tx1">
+                    <a:lumMod val="75000"/>
+                    <a:lumOff val="25000"/>
+                  </a:schemeClr>
+                </a:solidFill>
+              </a:rPr>
+              <a:t>/</a:t>
+            </a:r>
+            <a:r>
+              <a:rPr lang="fr-FR" sz="2200" i="0" dirty="0" err="1" smtClean="0">
+                <a:solidFill>
+                  <a:schemeClr val="tx1">
+                    <a:lumMod val="75000"/>
+                    <a:lumOff val="25000"/>
+                  </a:schemeClr>
+                </a:solidFill>
+              </a:rPr>
+              <a:t>gatein</a:t>
+            </a:r>
+            <a:r>
+              <a:rPr lang="fr-FR" sz="2200" i="0" dirty="0" smtClean="0">
+                <a:solidFill>
+                  <a:schemeClr val="tx1">
+                    <a:lumMod val="75000"/>
+                    <a:lumOff val="25000"/>
+                  </a:schemeClr>
+                </a:solidFill>
+              </a:rPr>
+              <a:t>/data</a:t>
+            </a:r>
+          </a:p>
+          <a:p>
+            <a:pPr>
+              <a:lnSpc>
+                <a:spcPct val="100000"/>
+              </a:lnSpc>
+              <a:buClr>
+                <a:srgbClr val="FF9900"/>
+              </a:buClr>
+              <a:buSzPct val="120000"/>
+              <a:buFont typeface="Lucida Grande"/>
+              <a:buChar char="»"/>
+            </a:pPr>
+            <a:r>
+              <a:rPr lang="fr-FR" sz="2200" i="0" dirty="0" err="1" smtClean="0">
+                <a:solidFill>
+                  <a:schemeClr val="tx1">
+                    <a:lumMod val="75000"/>
+                    <a:lumOff val="25000"/>
+                  </a:schemeClr>
+                </a:solidFill>
+              </a:rPr>
+              <a:t>Create</a:t>
+            </a:r>
+            <a:r>
+              <a:rPr lang="fr-FR" sz="2200" i="0" dirty="0" smtClean="0">
+                <a:solidFill>
+                  <a:schemeClr val="tx1">
+                    <a:lumMod val="75000"/>
+                    <a:lumOff val="25000"/>
+                  </a:schemeClr>
+                </a:solidFill>
+              </a:rPr>
+              <a:t> a </a:t>
+            </a:r>
+            <a:r>
+              <a:rPr lang="fr-FR" sz="2200" i="0" dirty="0">
+                <a:solidFill>
+                  <a:schemeClr val="tx1">
+                    <a:lumMod val="75000"/>
+                    <a:lumOff val="25000"/>
+                  </a:schemeClr>
+                </a:solidFill>
+              </a:rPr>
+              <a:t>new DN </a:t>
+            </a:r>
+            <a:r>
+              <a:rPr lang="fr-FR" sz="2200" i="0" dirty="0" smtClean="0">
+                <a:solidFill>
+                  <a:schemeClr val="tx1">
+                    <a:lumMod val="75000"/>
+                    <a:lumOff val="25000"/>
+                  </a:schemeClr>
+                </a:solidFill>
+              </a:rPr>
+              <a:t>« </a:t>
+            </a:r>
+            <a:r>
+              <a:rPr lang="fr-FR" sz="2200" b="0" i="0" dirty="0" smtClean="0">
+                <a:solidFill>
+                  <a:schemeClr val="tx1">
+                    <a:lumMod val="75000"/>
+                    <a:lumOff val="25000"/>
+                  </a:schemeClr>
+                </a:solidFill>
+              </a:rPr>
+              <a:t>dc</a:t>
+            </a:r>
+            <a:r>
+              <a:rPr lang="fr-FR" sz="2200" b="0" i="0" dirty="0">
+                <a:solidFill>
+                  <a:schemeClr val="tx1">
+                    <a:lumMod val="75000"/>
+                    <a:lumOff val="25000"/>
+                  </a:schemeClr>
+                </a:solidFill>
+              </a:rPr>
+              <a:t>=</a:t>
+            </a:r>
+            <a:r>
+              <a:rPr lang="fr-FR" sz="2200" b="0" i="0" dirty="0" err="1">
+                <a:solidFill>
+                  <a:schemeClr val="tx1">
+                    <a:lumMod val="75000"/>
+                    <a:lumOff val="25000"/>
+                  </a:schemeClr>
+                </a:solidFill>
+              </a:rPr>
+              <a:t>exoplatform,dc</a:t>
+            </a:r>
+            <a:r>
+              <a:rPr lang="fr-FR" sz="2200" b="0" i="0" dirty="0">
+                <a:solidFill>
+                  <a:schemeClr val="tx1">
+                    <a:lumMod val="75000"/>
+                    <a:lumOff val="25000"/>
+                  </a:schemeClr>
+                </a:solidFill>
+              </a:rPr>
+              <a:t>=</a:t>
+            </a:r>
+            <a:r>
+              <a:rPr lang="fr-FR" sz="2200" b="0" i="0" dirty="0" err="1" smtClean="0">
+                <a:solidFill>
+                  <a:schemeClr val="tx1">
+                    <a:lumMod val="75000"/>
+                    <a:lumOff val="25000"/>
+                  </a:schemeClr>
+                </a:solidFill>
+              </a:rPr>
+              <a:t>com</a:t>
+            </a:r>
+            <a:r>
+              <a:rPr lang="fr-FR" sz="2200" i="0" dirty="0" smtClean="0">
+                <a:solidFill>
+                  <a:schemeClr val="tx1">
+                    <a:lumMod val="75000"/>
+                    <a:lumOff val="25000"/>
+                  </a:schemeClr>
+                </a:solidFill>
+              </a:rPr>
+              <a:t> » (via the control panel) and import </a:t>
+            </a:r>
+            <a:r>
+              <a:rPr lang="fr-FR" sz="2200" i="0" dirty="0">
+                <a:solidFill>
+                  <a:schemeClr val="tx1">
+                    <a:lumMod val="75000"/>
+                    <a:lumOff val="25000"/>
+                  </a:schemeClr>
+                </a:solidFill>
+              </a:rPr>
+              <a:t>the </a:t>
+            </a:r>
+            <a:r>
+              <a:rPr lang="fr-FR" sz="2200" i="0" dirty="0" smtClean="0">
+                <a:solidFill>
+                  <a:schemeClr val="tx1">
+                    <a:lumMod val="75000"/>
+                    <a:lumOff val="25000"/>
+                  </a:schemeClr>
+                </a:solidFill>
+              </a:rPr>
+              <a:t>data in </a:t>
+            </a:r>
+            <a:r>
+              <a:rPr lang="fr-FR" sz="2200" i="0" dirty="0">
+                <a:solidFill>
+                  <a:schemeClr val="tx1">
+                    <a:lumMod val="75000"/>
+                    <a:lumOff val="25000"/>
+                  </a:schemeClr>
+                </a:solidFill>
+              </a:rPr>
+              <a:t>the </a:t>
+            </a:r>
+            <a:r>
+              <a:rPr lang="fr-FR" sz="2200" i="0" dirty="0" err="1">
+                <a:solidFill>
+                  <a:schemeClr val="tx1">
+                    <a:lumMod val="75000"/>
+                    <a:lumOff val="25000"/>
+                  </a:schemeClr>
+                </a:solidFill>
+              </a:rPr>
+              <a:t>ldap</a:t>
+            </a:r>
+            <a:r>
+              <a:rPr lang="fr-FR" sz="2200" i="0" dirty="0">
+                <a:solidFill>
+                  <a:schemeClr val="tx1">
+                    <a:lumMod val="75000"/>
+                    <a:lumOff val="25000"/>
+                  </a:schemeClr>
+                </a:solidFill>
+              </a:rPr>
+              <a:t> </a:t>
+            </a:r>
+            <a:r>
+              <a:rPr lang="fr-FR" sz="2200" i="0" dirty="0" smtClean="0">
+                <a:solidFill>
+                  <a:schemeClr val="tx1">
+                    <a:lumMod val="75000"/>
+                    <a:lumOff val="25000"/>
+                  </a:schemeClr>
+                </a:solidFill>
+              </a:rPr>
+              <a:t>: </a:t>
+            </a:r>
+          </a:p>
+          <a:p>
+            <a:pPr marL="3175" indent="0">
+              <a:lnSpc>
+                <a:spcPct val="100000"/>
+              </a:lnSpc>
+              <a:buClr>
+                <a:srgbClr val="FF9900"/>
+              </a:buClr>
+              <a:buSzPct val="120000"/>
+              <a:buNone/>
+            </a:pPr>
+            <a:r>
+              <a:rPr lang="fr-FR" sz="2400" b="0" i="0" dirty="0" smtClean="0">
+                <a:solidFill>
+                  <a:schemeClr val="tx1">
+                    <a:lumMod val="75000"/>
+                    <a:lumOff val="25000"/>
+                  </a:schemeClr>
+                </a:solidFill>
+              </a:rPr>
+              <a:t>portal</a:t>
+            </a:r>
+            <a:r>
+              <a:rPr lang="fr-FR" sz="2400" b="0" i="0" dirty="0">
+                <a:solidFill>
+                  <a:schemeClr val="tx1">
+                    <a:lumMod val="75000"/>
+                    <a:lumOff val="25000"/>
+                  </a:schemeClr>
+                </a:solidFill>
+              </a:rPr>
+              <a:t>/portal/</a:t>
+            </a:r>
+            <a:r>
+              <a:rPr lang="fr-FR" sz="2400" b="0" i="0" dirty="0" err="1">
+                <a:solidFill>
+                  <a:schemeClr val="tx1">
+                    <a:lumMod val="75000"/>
+                    <a:lumOff val="25000"/>
+                  </a:schemeClr>
+                </a:solidFill>
+              </a:rPr>
+              <a:t>organization</a:t>
+            </a:r>
+            <a:r>
+              <a:rPr lang="fr-FR" sz="2400" b="0" i="0" dirty="0">
+                <a:solidFill>
+                  <a:schemeClr val="tx1">
+                    <a:lumMod val="75000"/>
+                    <a:lumOff val="25000"/>
+                  </a:schemeClr>
+                </a:solidFill>
+              </a:rPr>
+              <a:t>/</a:t>
+            </a:r>
+            <a:r>
+              <a:rPr lang="fr-FR" sz="2400" b="0" i="0" dirty="0" err="1">
+                <a:solidFill>
+                  <a:schemeClr val="tx1">
+                    <a:lumMod val="75000"/>
+                    <a:lumOff val="25000"/>
+                  </a:schemeClr>
+                </a:solidFill>
+              </a:rPr>
+              <a:t>picketlink-idm</a:t>
+            </a:r>
+            <a:r>
+              <a:rPr lang="fr-FR" sz="2400" b="0" i="0" dirty="0">
+                <a:solidFill>
+                  <a:schemeClr val="tx1">
+                    <a:lumMod val="75000"/>
+                    <a:lumOff val="25000"/>
+                  </a:schemeClr>
+                </a:solidFill>
+              </a:rPr>
+              <a:t>/</a:t>
+            </a:r>
+            <a:r>
+              <a:rPr lang="fr-FR" sz="2400" b="0" i="0" dirty="0" err="1">
+                <a:solidFill>
+                  <a:schemeClr val="tx1">
+                    <a:lumMod val="75000"/>
+                    <a:lumOff val="25000"/>
+                  </a:schemeClr>
+                </a:solidFill>
+              </a:rPr>
+              <a:t>examples</a:t>
+            </a:r>
+            <a:r>
+              <a:rPr lang="fr-FR" sz="2400" b="0" i="0" dirty="0">
+                <a:solidFill>
+                  <a:schemeClr val="tx1">
+                    <a:lumMod val="75000"/>
+                    <a:lumOff val="25000"/>
+                  </a:schemeClr>
+                </a:solidFill>
+              </a:rPr>
+              <a:t>/</a:t>
+            </a:r>
+            <a:r>
+              <a:rPr lang="fr-FR" sz="2400" b="0" i="0" dirty="0" err="1" smtClean="0"/>
+              <a:t>gatein</a:t>
+            </a:r>
+            <a:r>
+              <a:rPr lang="fr-FR" sz="2400" b="0" i="0" dirty="0" err="1"/>
+              <a:t>-</a:t>
+            </a:r>
+            <a:r>
+              <a:rPr lang="fr-FR" sz="2400" b="0" i="0" dirty="0" err="1" smtClean="0"/>
+              <a:t>sample.ldif</a:t>
+            </a:r>
+            <a:endParaRPr lang="fr-FR" sz="2400" b="0" i="0" dirty="0" smtClean="0"/>
+          </a:p>
+          <a:p>
+            <a:pPr>
+              <a:lnSpc>
+                <a:spcPct val="100000"/>
+              </a:lnSpc>
+              <a:buClr>
+                <a:srgbClr val="FF9900"/>
+              </a:buClr>
+              <a:buSzPct val="120000"/>
+              <a:buFont typeface="Lucida Grande"/>
+              <a:buChar char="»"/>
+            </a:pPr>
+            <a:r>
+              <a:rPr lang="fr-FR" sz="2400" b="0" i="0" dirty="0" smtClean="0">
+                <a:solidFill>
+                  <a:schemeClr val="tx1">
+                    <a:lumMod val="75000"/>
+                    <a:lumOff val="25000"/>
+                  </a:schemeClr>
+                </a:solidFill>
+              </a:rPr>
+              <a:t>Start </a:t>
+            </a:r>
+            <a:r>
+              <a:rPr lang="fr-FR" sz="2400" b="0" i="0" dirty="0" err="1" smtClean="0">
+                <a:solidFill>
+                  <a:schemeClr val="tx1">
+                    <a:lumMod val="75000"/>
+                    <a:lumOff val="25000"/>
+                  </a:schemeClr>
+                </a:solidFill>
+              </a:rPr>
+              <a:t>eXo</a:t>
+            </a:r>
+            <a:r>
+              <a:rPr lang="fr-FR" sz="2400" b="0" i="0" dirty="0" smtClean="0">
+                <a:solidFill>
+                  <a:schemeClr val="tx1">
+                    <a:lumMod val="75000"/>
+                    <a:lumOff val="25000"/>
+                  </a:schemeClr>
+                </a:solidFill>
+              </a:rPr>
+              <a:t> </a:t>
+            </a:r>
+          </a:p>
+          <a:p>
+            <a:pPr>
+              <a:lnSpc>
+                <a:spcPct val="100000"/>
+              </a:lnSpc>
+              <a:buClr>
+                <a:srgbClr val="FF9900"/>
+              </a:buClr>
+              <a:buSzPct val="120000"/>
+              <a:buFont typeface="Lucida Grande"/>
+              <a:buChar char="»"/>
+            </a:pPr>
+            <a:r>
+              <a:rPr lang="fr-FR" sz="2200" i="0" dirty="0" smtClean="0"/>
+              <a:t>Go </a:t>
+            </a:r>
+            <a:r>
+              <a:rPr lang="fr-FR" sz="2200" i="0" dirty="0" err="1"/>
+              <a:t>into</a:t>
+            </a:r>
+            <a:r>
+              <a:rPr lang="fr-FR" sz="2200" i="0" dirty="0"/>
+              <a:t> "</a:t>
+            </a:r>
+            <a:r>
+              <a:rPr lang="fr-FR" sz="2200" i="0" dirty="0" err="1"/>
+              <a:t>Users</a:t>
+            </a:r>
+            <a:r>
+              <a:rPr lang="fr-FR" sz="2200" i="0" dirty="0"/>
+              <a:t> and groups </a:t>
+            </a:r>
+            <a:r>
+              <a:rPr lang="fr-FR" sz="2200" i="0" dirty="0" smtClean="0"/>
+              <a:t>management » </a:t>
+            </a:r>
+          </a:p>
+          <a:p>
+            <a:pPr>
+              <a:lnSpc>
+                <a:spcPct val="100000"/>
+              </a:lnSpc>
+              <a:buClr>
+                <a:srgbClr val="FF9900"/>
+              </a:buClr>
+              <a:buSzPct val="120000"/>
+              <a:buFont typeface="Lucida Grande"/>
+              <a:buChar char="»"/>
+            </a:pPr>
+            <a:r>
+              <a:rPr lang="fr-FR" sz="2200" i="0" dirty="0" smtClean="0"/>
+              <a:t>Under </a:t>
+            </a:r>
+            <a:r>
+              <a:rPr lang="fr-FR" sz="2200" i="0" dirty="0" err="1"/>
+              <a:t>root</a:t>
+            </a:r>
+            <a:r>
+              <a:rPr lang="fr-FR" sz="2200" i="0" dirty="0"/>
+              <a:t> </a:t>
+            </a:r>
+            <a:r>
+              <a:rPr lang="fr-FR" sz="2200" i="0" dirty="0" err="1"/>
+              <a:t>create</a:t>
+            </a:r>
+            <a:r>
+              <a:rPr lang="fr-FR" sz="2200" i="0" dirty="0"/>
+              <a:t> group "</a:t>
+            </a:r>
+            <a:r>
+              <a:rPr lang="fr-FR" sz="2200" i="0" dirty="0" err="1"/>
+              <a:t>acme</a:t>
+            </a:r>
+            <a:r>
+              <a:rPr lang="fr-FR" sz="2200" i="0" dirty="0"/>
+              <a:t>"</a:t>
+            </a:r>
+          </a:p>
+          <a:p>
+            <a:pPr lvl="1"/>
+            <a:r>
+              <a:rPr lang="fr-FR" i="0" dirty="0" err="1"/>
+              <a:t>Create</a:t>
+            </a:r>
+            <a:r>
+              <a:rPr lang="fr-FR" i="0" dirty="0"/>
+              <a:t> </a:t>
+            </a:r>
+            <a:r>
+              <a:rPr lang="fr-FR" i="0" dirty="0" err="1"/>
+              <a:t>two</a:t>
+            </a:r>
+            <a:r>
+              <a:rPr lang="fr-FR" i="0" dirty="0"/>
+              <a:t> </a:t>
+            </a:r>
+            <a:r>
+              <a:rPr lang="fr-FR" i="0" dirty="0" err="1"/>
+              <a:t>subgroups</a:t>
+            </a:r>
+            <a:r>
+              <a:rPr lang="fr-FR" i="0" dirty="0"/>
+              <a:t> </a:t>
+            </a:r>
+            <a:r>
+              <a:rPr lang="fr-FR" i="0" dirty="0" err="1"/>
+              <a:t>under</a:t>
+            </a:r>
+            <a:r>
+              <a:rPr lang="fr-FR" i="0" dirty="0"/>
+              <a:t> "</a:t>
+            </a:r>
+            <a:r>
+              <a:rPr lang="fr-FR" i="0" dirty="0" err="1"/>
+              <a:t>acme</a:t>
+            </a:r>
+            <a:r>
+              <a:rPr lang="fr-FR" i="0" dirty="0"/>
+              <a:t>" - "</a:t>
+            </a:r>
+            <a:r>
+              <a:rPr lang="fr-FR" i="0" dirty="0" err="1"/>
+              <a:t>roles</a:t>
+            </a:r>
+            <a:r>
+              <a:rPr lang="fr-FR" i="0" dirty="0"/>
+              <a:t>" and "</a:t>
+            </a:r>
+            <a:r>
+              <a:rPr lang="fr-FR" i="0" dirty="0" err="1" smtClean="0"/>
+              <a:t>organization_units</a:t>
+            </a:r>
+            <a:r>
+              <a:rPr lang="fr-FR" i="0" dirty="0" smtClean="0"/>
+              <a:t> »</a:t>
+            </a:r>
+            <a:endParaRPr lang="fr-FR" i="0" dirty="0"/>
+          </a:p>
+          <a:p>
+            <a:pPr>
+              <a:lnSpc>
+                <a:spcPct val="100000"/>
+              </a:lnSpc>
+              <a:buClr>
+                <a:srgbClr val="FF9900"/>
+              </a:buClr>
+              <a:buSzPct val="120000"/>
+              <a:buFont typeface="Lucida Grande"/>
+              <a:buChar char="»"/>
+            </a:pPr>
+            <a:endParaRPr lang="fr-FR" sz="2200" i="0" dirty="0">
+              <a:solidFill>
+                <a:schemeClr val="tx1">
+                  <a:lumMod val="75000"/>
+                  <a:lumOff val="25000"/>
+                </a:schemeClr>
+              </a:solidFill>
+            </a:endParaRPr>
+          </a:p>
+          <a:p>
+            <a:pPr>
+              <a:lnSpc>
+                <a:spcPct val="100000"/>
+              </a:lnSpc>
+              <a:buClr>
+                <a:srgbClr val="FF9900"/>
+              </a:buClr>
+              <a:buSzPct val="120000"/>
+              <a:buFont typeface="Lucida Grande"/>
+              <a:buChar char="»"/>
+            </a:pPr>
+            <a:endParaRPr lang="fr-FR" sz="2200" i="0" dirty="0" smtClean="0">
+              <a:solidFill>
+                <a:schemeClr val="tx1">
+                  <a:lumMod val="75000"/>
+                  <a:lumOff val="25000"/>
+                </a:schemeClr>
+              </a:solidFill>
+            </a:endParaRPr>
+          </a:p>
+        </p:txBody>
+      </p:sp>
+    </p:spTree>
+    <p:extLst>
+      <p:ext uri="{BB962C8B-B14F-4D97-AF65-F5344CB8AC3E}">
+        <p14:creationId xmlns:p14="http://schemas.microsoft.com/office/powerpoint/2010/main" val="2843237387"/>
+      </p:ext>
+    </p:extLst>
+  </p:cSld>
+  <p:clrMapOvr>
+    <a:masterClrMapping/>
+  </p:clrMapOvr>
+  <p:transition xmlns:p14="http://schemas.microsoft.com/office/powerpoint/2010/main"/>
+  <p:timing>
+    <p:tnLst>
+      <p:par>
+        <p:cTn xmlns:p14="http://schemas.microsoft.com/office/powerpoint/2010/main" id="1" dur="indefinite" restart="never" nodeType="tmRoot"/>
+      </p:par>
+    </p:tnLst>
+  </p:timing>
+</p:sld>
+</file>
+
+<file path=ppt/slides/slide34.xml><?xml version="1.0" encoding="utf-8"?>
+<p:sld xmlns:a="http://schemas.openxmlformats.org/drawingml/2006/main" xmlns:r="http://schemas.openxmlformats.org/officeDocument/2006/relationships" xmlns:p="http://schemas.openxmlformats.org/presentationml/2006/main">
+  <p:cSld>
+    <p:spTree>
+      <p:nvGrpSpPr>
+        <p:cNvPr id="1" name=""/>
+        <p:cNvGrpSpPr/>
+        <p:nvPr/>
+      </p:nvGrpSpPr>
+      <p:grpSpPr>
+        <a:xfrm>
+          <a:off x="0" y="0"/>
+          <a:ext cx="0" cy="0"/>
+          <a:chOff x="0" y="0"/>
+          <a:chExt cx="0" cy="0"/>
+        </a:xfrm>
+      </p:grpSpPr>
+      <p:sp>
+        <p:nvSpPr>
+          <p:cNvPr id="15362" name="Rectangle 1"/>
+          <p:cNvSpPr>
+            <a:spLocks noGrp="1" noChangeArrowheads="1"/>
+          </p:cNvSpPr>
+          <p:nvPr>
+            <p:ph type="title"/>
+          </p:nvPr>
+        </p:nvSpPr>
+        <p:spPr>
+          <a:xfrm>
+            <a:off x="490435" y="255926"/>
+            <a:ext cx="10179255" cy="454024"/>
+          </a:xfrm>
+        </p:spPr>
+        <p:txBody>
+          <a:bodyPr rIns="41783" anchor="b"/>
+          <a:lstStyle/>
+          <a:p>
+            <a:r>
+              <a:rPr lang="fr-FR" dirty="0" err="1" smtClean="0"/>
+              <a:t>Exercise</a:t>
+            </a:r>
+            <a:r>
+              <a:rPr lang="fr-FR" dirty="0" smtClean="0"/>
+              <a:t> </a:t>
+            </a:r>
+            <a:r>
+              <a:rPr lang="fr-FR" dirty="0" smtClean="0"/>
+              <a:t>70b </a:t>
+            </a:r>
+            <a:r>
+              <a:rPr lang="fr-FR" dirty="0" smtClean="0"/>
+              <a:t>: Configuration </a:t>
+            </a:r>
+            <a:r>
+              <a:rPr lang="fr-FR" dirty="0" err="1" smtClean="0"/>
+              <a:t>Picketlink</a:t>
+            </a:r>
+            <a:endParaRPr lang="fr-FR" dirty="0"/>
+          </a:p>
+        </p:txBody>
+      </p:sp>
+      <p:sp>
+        <p:nvSpPr>
+          <p:cNvPr id="15363" name="Rectangle 2"/>
+          <p:cNvSpPr>
+            <a:spLocks noGrp="1" noChangeArrowheads="1"/>
+          </p:cNvSpPr>
+          <p:nvPr>
+            <p:ph type="body" idx="1"/>
+          </p:nvPr>
+        </p:nvSpPr>
+        <p:spPr>
+          <a:xfrm>
+            <a:off x="472905" y="971525"/>
+            <a:ext cx="10219725" cy="5688632"/>
+          </a:xfrm>
+        </p:spPr>
+        <p:txBody>
+          <a:bodyPr rIns="41783" anchor="t"/>
+          <a:lstStyle/>
+          <a:p>
+            <a:pPr>
+              <a:lnSpc>
+                <a:spcPct val="100000"/>
+              </a:lnSpc>
+              <a:buClr>
+                <a:srgbClr val="FF9900"/>
+              </a:buClr>
+              <a:buSzPct val="120000"/>
+              <a:buFont typeface="Lucida Grande"/>
+              <a:buChar char="»"/>
+            </a:pPr>
+            <a:r>
+              <a:rPr lang="fr-FR" sz="2200" i="0" dirty="0" err="1" smtClean="0"/>
+              <a:t>At</a:t>
+            </a:r>
+            <a:r>
+              <a:rPr lang="fr-FR" sz="2200" i="0" dirty="0" smtClean="0"/>
+              <a:t> </a:t>
+            </a:r>
+            <a:r>
+              <a:rPr lang="fr-FR" sz="2200" i="0" dirty="0"/>
+              <a:t>the moment </a:t>
+            </a:r>
+            <a:r>
+              <a:rPr lang="fr-FR" sz="2200" i="0" dirty="0" err="1"/>
+              <a:t>users</a:t>
+            </a:r>
+            <a:r>
+              <a:rPr lang="fr-FR" sz="2200" i="0" dirty="0"/>
+              <a:t> </a:t>
+            </a:r>
+            <a:r>
+              <a:rPr lang="fr-FR" sz="2200" i="0" dirty="0" err="1"/>
+              <a:t>defined</a:t>
+            </a:r>
+            <a:r>
+              <a:rPr lang="fr-FR" sz="2200" i="0" dirty="0"/>
+              <a:t> in LDAP </a:t>
+            </a:r>
+            <a:r>
+              <a:rPr lang="fr-FR" sz="2200" i="0" dirty="0" err="1"/>
+              <a:t>should</a:t>
+            </a:r>
+            <a:r>
+              <a:rPr lang="fr-FR" sz="2200" i="0" dirty="0"/>
+              <a:t> </a:t>
+            </a:r>
+            <a:r>
+              <a:rPr lang="fr-FR" sz="2200" i="0" dirty="0" err="1"/>
+              <a:t>be</a:t>
+            </a:r>
+            <a:r>
+              <a:rPr lang="fr-FR" sz="2200" i="0" dirty="0"/>
+              <a:t> </a:t>
+            </a:r>
+            <a:r>
+              <a:rPr lang="fr-FR" sz="2200" i="0" dirty="0" err="1"/>
+              <a:t>visable</a:t>
+            </a:r>
+            <a:r>
+              <a:rPr lang="fr-FR" sz="2200" i="0" dirty="0"/>
+              <a:t> in "</a:t>
+            </a:r>
+            <a:r>
+              <a:rPr lang="fr-FR" sz="2200" i="0" dirty="0" err="1"/>
+              <a:t>Users</a:t>
+            </a:r>
+            <a:r>
+              <a:rPr lang="fr-FR" sz="2200" i="0" dirty="0"/>
+              <a:t> and groups management" and groups </a:t>
+            </a:r>
+            <a:r>
+              <a:rPr lang="fr-FR" sz="2200" i="0" dirty="0" err="1"/>
+              <a:t>from</a:t>
+            </a:r>
+            <a:r>
+              <a:rPr lang="fr-FR" sz="2200" i="0" dirty="0"/>
+              <a:t> LDAP </a:t>
+            </a:r>
+            <a:r>
+              <a:rPr lang="fr-FR" sz="2200" i="0" dirty="0" err="1"/>
+              <a:t>should</a:t>
+            </a:r>
+            <a:r>
+              <a:rPr lang="fr-FR" sz="2200" i="0" dirty="0"/>
+              <a:t> </a:t>
+            </a:r>
+            <a:r>
+              <a:rPr lang="fr-FR" sz="2200" i="0" dirty="0" err="1"/>
+              <a:t>be</a:t>
+            </a:r>
+            <a:r>
+              <a:rPr lang="fr-FR" sz="2200" i="0" dirty="0"/>
+              <a:t> </a:t>
+            </a:r>
+            <a:r>
+              <a:rPr lang="fr-FR" sz="2200" i="0" dirty="0" err="1"/>
+              <a:t>present</a:t>
+            </a:r>
+            <a:r>
+              <a:rPr lang="fr-FR" sz="2200" i="0" dirty="0"/>
+              <a:t> as </a:t>
+            </a:r>
+            <a:r>
+              <a:rPr lang="fr-FR" sz="2200" i="0" dirty="0" err="1"/>
+              <a:t>children</a:t>
+            </a:r>
+            <a:r>
+              <a:rPr lang="fr-FR" sz="2200" i="0" dirty="0"/>
+              <a:t> of /</a:t>
+            </a:r>
+            <a:r>
+              <a:rPr lang="fr-FR" sz="2200" i="0" dirty="0" err="1"/>
+              <a:t>acme</a:t>
+            </a:r>
+            <a:r>
+              <a:rPr lang="fr-FR" sz="2200" i="0" dirty="0"/>
+              <a:t>/</a:t>
+            </a:r>
+            <a:r>
+              <a:rPr lang="fr-FR" sz="2200" i="0" dirty="0" err="1"/>
+              <a:t>roles</a:t>
+            </a:r>
+            <a:r>
+              <a:rPr lang="fr-FR" sz="2200" i="0" dirty="0"/>
+              <a:t> and /</a:t>
+            </a:r>
+            <a:r>
+              <a:rPr lang="fr-FR" sz="2200" i="0" dirty="0" err="1"/>
+              <a:t>acme</a:t>
+            </a:r>
+            <a:r>
+              <a:rPr lang="fr-FR" sz="2200" i="0" dirty="0"/>
+              <a:t>/</a:t>
+            </a:r>
+            <a:r>
+              <a:rPr lang="fr-FR" sz="2200" i="0" dirty="0" err="1" smtClean="0"/>
+              <a:t>organization_units</a:t>
+            </a:r>
+            <a:endParaRPr lang="fr-FR" sz="2200" i="0" dirty="0" smtClean="0"/>
+          </a:p>
+          <a:p>
+            <a:pPr>
+              <a:lnSpc>
+                <a:spcPct val="100000"/>
+              </a:lnSpc>
+              <a:buClr>
+                <a:srgbClr val="FF9900"/>
+              </a:buClr>
+              <a:buSzPct val="120000"/>
+              <a:buFont typeface="Lucida Grande"/>
+              <a:buChar char="»"/>
+            </a:pPr>
+            <a:r>
+              <a:rPr lang="fr-FR" sz="2200" i="0" dirty="0" err="1" smtClean="0"/>
+              <a:t>Create</a:t>
+            </a:r>
+            <a:r>
+              <a:rPr lang="fr-FR" sz="2200" i="0" dirty="0" smtClean="0"/>
+              <a:t> a New User via the interface</a:t>
+            </a:r>
+          </a:p>
+          <a:p>
+            <a:pPr>
+              <a:lnSpc>
+                <a:spcPct val="100000"/>
+              </a:lnSpc>
+              <a:buClr>
+                <a:srgbClr val="FF9900"/>
+              </a:buClr>
+              <a:buSzPct val="120000"/>
+              <a:buFont typeface="Lucida Grande"/>
+              <a:buChar char="»"/>
+            </a:pPr>
+            <a:r>
+              <a:rPr lang="fr-FR" sz="2200" i="0" dirty="0" smtClean="0"/>
+              <a:t>Is the User </a:t>
+            </a:r>
+            <a:r>
+              <a:rPr lang="fr-FR" sz="2200" i="0" dirty="0" err="1" smtClean="0"/>
+              <a:t>created</a:t>
+            </a:r>
+            <a:r>
+              <a:rPr lang="fr-FR" sz="2200" i="0" dirty="0" smtClean="0"/>
+              <a:t> on the </a:t>
+            </a:r>
+            <a:r>
+              <a:rPr lang="fr-FR" sz="2200" i="0" dirty="0" err="1" smtClean="0"/>
+              <a:t>ldap</a:t>
+            </a:r>
+            <a:r>
+              <a:rPr lang="fr-FR" sz="2200" i="0" dirty="0" smtClean="0"/>
+              <a:t>? </a:t>
+            </a:r>
+            <a:r>
+              <a:rPr lang="fr-FR" sz="2200" i="0" dirty="0" err="1" smtClean="0"/>
+              <a:t>Why</a:t>
+            </a:r>
+            <a:r>
+              <a:rPr lang="fr-FR" sz="2200" i="0" dirty="0" smtClean="0"/>
+              <a:t>?</a:t>
+            </a:r>
+          </a:p>
+          <a:p>
+            <a:pPr>
+              <a:lnSpc>
+                <a:spcPct val="100000"/>
+              </a:lnSpc>
+              <a:buClr>
+                <a:srgbClr val="FF9900"/>
+              </a:buClr>
+              <a:buSzPct val="120000"/>
+              <a:buFont typeface="Lucida Grande"/>
+              <a:buChar char="»"/>
+            </a:pPr>
+            <a:r>
+              <a:rPr lang="fr-FR" sz="2400" i="0" dirty="0" smtClean="0"/>
+              <a:t>How </a:t>
+            </a:r>
+            <a:r>
+              <a:rPr lang="fr-FR" sz="2400" i="0" dirty="0" err="1"/>
+              <a:t>does</a:t>
+            </a:r>
+            <a:r>
+              <a:rPr lang="fr-FR" sz="2400" i="0" dirty="0"/>
+              <a:t> </a:t>
+            </a:r>
+            <a:r>
+              <a:rPr lang="fr-FR" sz="2400" i="0" dirty="0" err="1"/>
+              <a:t>it</a:t>
+            </a:r>
+            <a:r>
+              <a:rPr lang="fr-FR" sz="2400" i="0" dirty="0"/>
+              <a:t> </a:t>
+            </a:r>
+            <a:r>
+              <a:rPr lang="fr-FR" sz="2400" i="0" dirty="0" err="1" smtClean="0"/>
+              <a:t>work</a:t>
+            </a:r>
+            <a:endParaRPr lang="fr-FR" sz="2400" i="0" dirty="0"/>
+          </a:p>
+          <a:p>
+            <a:pPr marL="3175" indent="0">
+              <a:buNone/>
+            </a:pPr>
+            <a:r>
+              <a:rPr lang="fr-FR" sz="2400" i="0" dirty="0" smtClean="0"/>
+              <a:t>- </a:t>
+            </a:r>
+            <a:r>
+              <a:rPr lang="fr-FR" sz="2400" i="0" dirty="0" err="1" smtClean="0"/>
+              <a:t>groupTypeMappings</a:t>
+            </a:r>
+            <a:r>
+              <a:rPr lang="fr-FR" sz="2400" i="0" dirty="0" smtClean="0"/>
+              <a:t> </a:t>
+            </a:r>
+            <a:r>
+              <a:rPr lang="fr-FR" sz="2400" i="0" dirty="0"/>
+              <a:t>option </a:t>
+            </a:r>
+            <a:r>
+              <a:rPr lang="fr-FR" sz="2400" i="0" dirty="0" err="1"/>
+              <a:t>defines</a:t>
+            </a:r>
+            <a:r>
+              <a:rPr lang="fr-FR" sz="2400" i="0" dirty="0"/>
+              <a:t> </a:t>
+            </a:r>
+            <a:r>
+              <a:rPr lang="fr-FR" sz="2400" i="0" dirty="0" err="1"/>
+              <a:t>that</a:t>
+            </a:r>
+            <a:r>
+              <a:rPr lang="fr-FR" sz="2400" i="0" dirty="0"/>
+              <a:t> all groups </a:t>
+            </a:r>
+            <a:r>
+              <a:rPr lang="fr-FR" sz="2400" i="0" dirty="0" err="1"/>
+              <a:t>under</a:t>
+            </a:r>
+            <a:r>
+              <a:rPr lang="fr-FR" sz="2400" i="0" dirty="0"/>
+              <a:t> /</a:t>
+            </a:r>
+            <a:r>
+              <a:rPr lang="fr-FR" sz="2400" i="0" dirty="0" err="1"/>
+              <a:t>acme</a:t>
+            </a:r>
+            <a:r>
+              <a:rPr lang="fr-FR" sz="2400" i="0" dirty="0"/>
+              <a:t>/</a:t>
+            </a:r>
+            <a:r>
+              <a:rPr lang="fr-FR" sz="2400" i="0" dirty="0" err="1"/>
+              <a:t>roles</a:t>
+            </a:r>
+            <a:r>
+              <a:rPr lang="fr-FR" sz="2400" i="0" dirty="0"/>
+              <a:t> </a:t>
+            </a:r>
+            <a:r>
+              <a:rPr lang="fr-FR" sz="2400" i="0" dirty="0" err="1"/>
+              <a:t>should</a:t>
+            </a:r>
+            <a:r>
+              <a:rPr lang="fr-FR" sz="2400" i="0" dirty="0"/>
+              <a:t> </a:t>
+            </a:r>
+            <a:r>
+              <a:rPr lang="fr-FR" sz="2400" i="0" dirty="0" err="1"/>
+              <a:t>be</a:t>
+            </a:r>
+            <a:r>
+              <a:rPr lang="fr-FR" sz="2400" i="0" dirty="0"/>
+              <a:t> </a:t>
+            </a:r>
+            <a:r>
+              <a:rPr lang="fr-FR" sz="2400" i="0" dirty="0" err="1"/>
+              <a:t>stored</a:t>
+            </a:r>
+            <a:r>
+              <a:rPr lang="fr-FR" sz="2400" i="0" dirty="0"/>
+              <a:t> in </a:t>
+            </a:r>
+            <a:r>
+              <a:rPr lang="fr-FR" sz="2400" i="0" dirty="0" err="1"/>
+              <a:t>PicketLink</a:t>
+            </a:r>
+            <a:r>
+              <a:rPr lang="fr-FR" sz="2400" i="0" dirty="0"/>
+              <a:t> IDM </a:t>
+            </a:r>
+            <a:r>
+              <a:rPr lang="fr-FR" sz="2400" i="0" dirty="0" err="1"/>
+              <a:t>with</a:t>
+            </a:r>
+            <a:r>
+              <a:rPr lang="fr-FR" sz="2400" i="0" dirty="0"/>
+              <a:t> the </a:t>
+            </a:r>
+            <a:r>
+              <a:rPr lang="fr-FR" sz="2400" i="0" dirty="0" err="1"/>
+              <a:t>acme_roles_type</a:t>
+            </a:r>
+            <a:r>
+              <a:rPr lang="fr-FR" sz="2400" i="0" dirty="0"/>
+              <a:t> group type </a:t>
+            </a:r>
+            <a:r>
+              <a:rPr lang="fr-FR" sz="2400" i="0" dirty="0" err="1"/>
+              <a:t>name</a:t>
+            </a:r>
+            <a:r>
+              <a:rPr lang="fr-FR" sz="2400" i="0" dirty="0"/>
+              <a:t> and groups </a:t>
+            </a:r>
+            <a:r>
+              <a:rPr lang="fr-FR" sz="2400" i="0" dirty="0" err="1"/>
+              <a:t>under</a:t>
+            </a:r>
+            <a:r>
+              <a:rPr lang="fr-FR" sz="2400" i="0" dirty="0"/>
+              <a:t> /</a:t>
+            </a:r>
+            <a:r>
+              <a:rPr lang="fr-FR" sz="2400" i="0" dirty="0" err="1"/>
+              <a:t>acme</a:t>
+            </a:r>
+            <a:r>
+              <a:rPr lang="fr-FR" sz="2400" i="0" dirty="0"/>
+              <a:t>/</a:t>
+            </a:r>
+            <a:r>
+              <a:rPr lang="fr-FR" sz="2400" i="0" dirty="0" err="1"/>
+              <a:t>organization_units</a:t>
+            </a:r>
+            <a:r>
+              <a:rPr lang="fr-FR" sz="2400" i="0" dirty="0"/>
+              <a:t> </a:t>
+            </a:r>
+            <a:r>
+              <a:rPr lang="fr-FR" sz="2400" i="0" dirty="0" err="1"/>
+              <a:t>should</a:t>
+            </a:r>
+            <a:r>
+              <a:rPr lang="fr-FR" sz="2400" i="0" dirty="0"/>
+              <a:t> </a:t>
+            </a:r>
+            <a:r>
+              <a:rPr lang="fr-FR" sz="2400" i="0" dirty="0" err="1"/>
+              <a:t>be</a:t>
+            </a:r>
+            <a:r>
+              <a:rPr lang="fr-FR" sz="2400" i="0" dirty="0"/>
+              <a:t> </a:t>
+            </a:r>
+            <a:r>
+              <a:rPr lang="fr-FR" sz="2400" i="0" dirty="0" err="1"/>
+              <a:t>stored</a:t>
+            </a:r>
+            <a:r>
+              <a:rPr lang="fr-FR" sz="2400" i="0" dirty="0"/>
+              <a:t> in </a:t>
+            </a:r>
+            <a:r>
+              <a:rPr lang="fr-FR" sz="2400" i="0" dirty="0" err="1"/>
+              <a:t>PicketLink</a:t>
+            </a:r>
+            <a:r>
+              <a:rPr lang="fr-FR" sz="2400" i="0" dirty="0"/>
+              <a:t> IDM </a:t>
+            </a:r>
+            <a:r>
+              <a:rPr lang="fr-FR" sz="2400" i="0" dirty="0" err="1"/>
+              <a:t>with</a:t>
+            </a:r>
+            <a:r>
+              <a:rPr lang="fr-FR" sz="2400" i="0" dirty="0"/>
+              <a:t> </a:t>
+            </a:r>
+            <a:r>
+              <a:rPr lang="fr-FR" sz="2400" i="0" dirty="0" err="1"/>
+              <a:t>acme_ou_type</a:t>
+            </a:r>
+            <a:r>
+              <a:rPr lang="fr-FR" sz="2400" i="0" dirty="0"/>
+              <a:t> group type </a:t>
+            </a:r>
+            <a:r>
+              <a:rPr lang="fr-FR" sz="2400" i="0" dirty="0" err="1"/>
+              <a:t>name</a:t>
+            </a:r>
+            <a:r>
+              <a:rPr lang="fr-FR" sz="2400" i="0" dirty="0"/>
+              <a:t>. </a:t>
+            </a:r>
+          </a:p>
+          <a:p>
+            <a:pPr marL="3175" indent="0">
+              <a:buNone/>
+            </a:pPr>
+            <a:r>
+              <a:rPr lang="fr-FR" sz="2400" i="0" dirty="0" smtClean="0"/>
+              <a:t>- In </a:t>
+            </a:r>
+            <a:r>
+              <a:rPr lang="fr-FR" sz="2400" i="0" dirty="0" err="1"/>
+              <a:t>PicketLink</a:t>
+            </a:r>
+            <a:r>
+              <a:rPr lang="fr-FR" sz="2400" i="0" dirty="0"/>
+              <a:t> IDM configuration file </a:t>
+            </a:r>
+            <a:r>
+              <a:rPr lang="fr-FR" sz="2400" i="0" dirty="0" err="1"/>
+              <a:t>repository</a:t>
+            </a:r>
+            <a:r>
+              <a:rPr lang="fr-FR" sz="2400" i="0" dirty="0"/>
+              <a:t> </a:t>
+            </a:r>
+            <a:r>
+              <a:rPr lang="fr-FR" sz="2400" i="0" dirty="0" err="1"/>
+              <a:t>mapps</a:t>
+            </a:r>
+            <a:r>
+              <a:rPr lang="fr-FR" sz="2400" i="0" dirty="0"/>
+              <a:t> </a:t>
+            </a:r>
+            <a:r>
+              <a:rPr lang="fr-FR" sz="2400" i="0" dirty="0" err="1"/>
+              <a:t>users</a:t>
+            </a:r>
+            <a:r>
+              <a:rPr lang="fr-FR" sz="2400" i="0" dirty="0"/>
+              <a:t> and </a:t>
+            </a:r>
+            <a:r>
+              <a:rPr lang="fr-FR" sz="2400" i="0" dirty="0" err="1"/>
+              <a:t>those</a:t>
+            </a:r>
+            <a:r>
+              <a:rPr lang="fr-FR" sz="2400" i="0" dirty="0"/>
+              <a:t> </a:t>
+            </a:r>
+            <a:r>
+              <a:rPr lang="fr-FR" sz="2400" i="0" dirty="0" err="1"/>
+              <a:t>two</a:t>
+            </a:r>
+            <a:r>
+              <a:rPr lang="fr-FR" sz="2400" i="0" dirty="0"/>
+              <a:t> group types to </a:t>
+            </a:r>
+            <a:r>
+              <a:rPr lang="fr-FR" sz="2400" i="0" dirty="0" err="1"/>
+              <a:t>be</a:t>
+            </a:r>
+            <a:r>
+              <a:rPr lang="fr-FR" sz="2400" i="0" dirty="0"/>
+              <a:t> </a:t>
+            </a:r>
+            <a:r>
+              <a:rPr lang="fr-FR" sz="2400" i="0" dirty="0" err="1"/>
+              <a:t>stored</a:t>
+            </a:r>
+            <a:r>
+              <a:rPr lang="fr-FR" sz="2400" i="0" dirty="0"/>
+              <a:t> in LDAP. </a:t>
+            </a:r>
+            <a:r>
+              <a:rPr lang="fr-FR" sz="2400" i="0" dirty="0" err="1"/>
+              <a:t>Additional</a:t>
+            </a:r>
+            <a:r>
+              <a:rPr lang="fr-FR" sz="2400" i="0" dirty="0"/>
+              <a:t> option </a:t>
+            </a:r>
+            <a:r>
+              <a:rPr lang="fr-FR" sz="2400" i="0" dirty="0" err="1"/>
+              <a:t>defines</a:t>
+            </a:r>
+            <a:r>
+              <a:rPr lang="fr-FR" sz="2400" i="0" dirty="0"/>
+              <a:t> </a:t>
+            </a:r>
+            <a:r>
+              <a:rPr lang="fr-FR" sz="2400" i="0" dirty="0" err="1"/>
+              <a:t>that</a:t>
+            </a:r>
+            <a:r>
+              <a:rPr lang="fr-FR" sz="2400" i="0" dirty="0"/>
+              <a:t> </a:t>
+            </a:r>
+            <a:r>
+              <a:rPr lang="fr-FR" sz="2400" i="0" dirty="0" err="1"/>
+              <a:t>nothing</a:t>
+            </a:r>
+            <a:r>
+              <a:rPr lang="fr-FR" sz="2400" i="0" dirty="0"/>
+              <a:t> </a:t>
+            </a:r>
+            <a:r>
+              <a:rPr lang="fr-FR" sz="2400" i="0" dirty="0" err="1"/>
+              <a:t>should</a:t>
+            </a:r>
+            <a:r>
+              <a:rPr lang="fr-FR" sz="2400" i="0" dirty="0"/>
+              <a:t> </a:t>
+            </a:r>
+            <a:r>
+              <a:rPr lang="fr-FR" sz="2400" i="0" dirty="0" err="1"/>
+              <a:t>be</a:t>
+            </a:r>
+            <a:r>
+              <a:rPr lang="fr-FR" sz="2400" i="0" dirty="0"/>
+              <a:t> </a:t>
+            </a:r>
+            <a:r>
+              <a:rPr lang="fr-FR" sz="2400" i="0" dirty="0" err="1"/>
+              <a:t>written</a:t>
+            </a:r>
+            <a:r>
+              <a:rPr lang="fr-FR" sz="2400" i="0" dirty="0"/>
+              <a:t> (</a:t>
+            </a:r>
+            <a:r>
+              <a:rPr lang="fr-FR" sz="2400" i="0" dirty="0" err="1"/>
+              <a:t>exept</a:t>
+            </a:r>
+            <a:r>
+              <a:rPr lang="fr-FR" sz="2400" i="0" dirty="0"/>
+              <a:t> </a:t>
+            </a:r>
+            <a:r>
+              <a:rPr lang="fr-FR" sz="2400" i="0" dirty="0" err="1"/>
+              <a:t>password</a:t>
+            </a:r>
+            <a:r>
+              <a:rPr lang="fr-FR" sz="2400" i="0" dirty="0"/>
+              <a:t> update) </a:t>
+            </a:r>
+            <a:r>
+              <a:rPr lang="fr-FR" sz="2400" i="0" dirty="0" err="1"/>
+              <a:t>there</a:t>
+            </a:r>
+            <a:r>
+              <a:rPr lang="fr-FR" sz="2400" i="0" dirty="0"/>
+              <a:t>.</a:t>
+            </a:r>
+          </a:p>
+          <a:p>
+            <a:pPr>
+              <a:lnSpc>
+                <a:spcPct val="100000"/>
+              </a:lnSpc>
+              <a:buClr>
+                <a:srgbClr val="FF9900"/>
+              </a:buClr>
+              <a:buSzPct val="120000"/>
+              <a:buFont typeface="Lucida Grande"/>
+              <a:buChar char="»"/>
+            </a:pPr>
+            <a:endParaRPr lang="fr-FR" sz="2200" i="0" dirty="0"/>
+          </a:p>
+          <a:p>
+            <a:pPr marL="3175" indent="0">
+              <a:lnSpc>
+                <a:spcPct val="100000"/>
+              </a:lnSpc>
+              <a:buClr>
+                <a:srgbClr val="FF9900"/>
+              </a:buClr>
+              <a:buSzPct val="120000"/>
+              <a:buNone/>
+            </a:pPr>
+            <a:endParaRPr lang="fr-FR" sz="1800" b="0" i="0" dirty="0">
+              <a:solidFill>
+                <a:schemeClr val="tx1">
+                  <a:lumMod val="75000"/>
+                  <a:lumOff val="25000"/>
+                </a:schemeClr>
+              </a:solidFill>
+            </a:endParaRPr>
+          </a:p>
+          <a:p>
+            <a:pPr>
+              <a:lnSpc>
+                <a:spcPct val="100000"/>
+              </a:lnSpc>
+              <a:buClr>
+                <a:srgbClr val="FF9900"/>
+              </a:buClr>
+              <a:buSzPct val="120000"/>
+              <a:buFont typeface="Lucida Grande"/>
+              <a:buChar char="»"/>
+            </a:pPr>
+            <a:endParaRPr lang="fr-FR" sz="1800" b="0" i="0" dirty="0">
+              <a:solidFill>
+                <a:schemeClr val="tx1">
+                  <a:lumMod val="75000"/>
+                  <a:lumOff val="25000"/>
+                </a:schemeClr>
+              </a:solidFill>
+            </a:endParaRPr>
+          </a:p>
+          <a:p>
+            <a:pPr>
+              <a:lnSpc>
+                <a:spcPct val="100000"/>
+              </a:lnSpc>
+              <a:buClr>
+                <a:srgbClr val="FF9900"/>
+              </a:buClr>
+              <a:buSzPct val="120000"/>
+              <a:buFont typeface="Lucida Grande"/>
+              <a:buChar char="»"/>
+            </a:pPr>
+            <a:endParaRPr lang="fr-FR" sz="1800" i="0" dirty="0">
+              <a:solidFill>
+                <a:schemeClr val="tx1">
+                  <a:lumMod val="75000"/>
+                  <a:lumOff val="25000"/>
+                </a:schemeClr>
+              </a:solidFill>
+            </a:endParaRPr>
+          </a:p>
+          <a:p>
+            <a:pPr>
+              <a:lnSpc>
+                <a:spcPct val="100000"/>
+              </a:lnSpc>
+              <a:buClr>
+                <a:srgbClr val="FF9900"/>
+              </a:buClr>
+              <a:buSzPct val="120000"/>
+              <a:buFont typeface="Lucida Grande"/>
+              <a:buChar char="»"/>
+            </a:pPr>
+            <a:endParaRPr lang="fr-FR" sz="1800" i="0" dirty="0">
+              <a:solidFill>
+                <a:schemeClr val="tx1">
+                  <a:lumMod val="75000"/>
+                  <a:lumOff val="25000"/>
+                </a:schemeClr>
+              </a:solidFill>
+            </a:endParaRPr>
+          </a:p>
+        </p:txBody>
+      </p:sp>
+    </p:spTree>
+    <p:extLst>
+      <p:ext uri="{BB962C8B-B14F-4D97-AF65-F5344CB8AC3E}">
+        <p14:creationId xmlns:p14="http://schemas.microsoft.com/office/powerpoint/2010/main" val="2845904794"/>
+      </p:ext>
+    </p:extLst>
+  </p:cSld>
+  <p:clrMapOvr>
+    <a:masterClrMapping/>
+  </p:clrMapOvr>
+  <p:transition xmlns:p14="http://schemas.microsoft.com/office/powerpoint/2010/main"/>
+  <p:timing>
+    <p:tnLst>
+      <p:par>
+        <p:cTn xmlns:p14="http://schemas.microsoft.com/office/powerpoint/2010/main" id="1" dur="indefinite" restart="never" nodeType="tmRoot"/>
+      </p:par>
+    </p:tnLst>
+  </p:timing>
+</p:sld>
+</file>
+
+<file path=ppt/slides/slide35.xml><?xml version="1.0" encoding="utf-8"?>
+<p:sld xmlns:a="http://schemas.openxmlformats.org/drawingml/2006/main" xmlns:r="http://schemas.openxmlformats.org/officeDocument/2006/relationships" xmlns:p="http://schemas.openxmlformats.org/presentationml/2006/main">
+  <p:cSld>
+    <p:spTree>
+      <p:nvGrpSpPr>
+        <p:cNvPr id="1" name=""/>
+        <p:cNvGrpSpPr/>
+        <p:nvPr/>
+      </p:nvGrpSpPr>
+      <p:grpSpPr>
+        <a:xfrm>
+          <a:off x="0" y="0"/>
+          <a:ext cx="0" cy="0"/>
+          <a:chOff x="0" y="0"/>
+          <a:chExt cx="0" cy="0"/>
+        </a:xfrm>
+      </p:grpSpPr>
+      <p:sp>
+        <p:nvSpPr>
           <p:cNvPr id="81922" name="Text Box 1"/>
           <p:cNvSpPr txBox="1">
             <a:spLocks noChangeArrowheads="1"/>
@@ -39841,7 +42873,7 @@
                   <a:tab pos="9144000" algn="l"/>
                 </a:tabLst>
               </a:pPr>
-              <a:t>32</a:t>
+              <a:t>35</a:t>
             </a:fld>
             <a:endParaRPr lang="en-GB" sz="1400">
               <a:solidFill>
@@ -39957,7 +42989,7 @@
 </p:sld>
 </file>
 
-<file path=ppt/slides/slide33.xml><?xml version="1.0" encoding="utf-8"?>
+<file path=ppt/slides/slide36.xml><?xml version="1.0" encoding="utf-8"?>
 <p:sld xmlns:a="http://schemas.openxmlformats.org/drawingml/2006/main" xmlns:r="http://schemas.openxmlformats.org/officeDocument/2006/relationships" xmlns:p="http://schemas.openxmlformats.org/presentationml/2006/main">
   <p:cSld>
     <p:spTree>
@@ -40565,7 +43597,819 @@
 </p:sld>
 </file>
 
-<file path=ppt/slides/slide34.xml><?xml version="1.0" encoding="utf-8"?>
+<file path=ppt/slides/slide37.xml><?xml version="1.0" encoding="utf-8"?>
+<p:sld xmlns:a="http://schemas.openxmlformats.org/drawingml/2006/main" xmlns:r="http://schemas.openxmlformats.org/officeDocument/2006/relationships" xmlns:p="http://schemas.openxmlformats.org/presentationml/2006/main">
+  <p:cSld>
+    <p:spTree>
+      <p:nvGrpSpPr>
+        <p:cNvPr id="1" name=""/>
+        <p:cNvGrpSpPr/>
+        <p:nvPr/>
+      </p:nvGrpSpPr>
+      <p:grpSpPr>
+        <a:xfrm>
+          <a:off x="0" y="0"/>
+          <a:ext cx="0" cy="0"/>
+          <a:chOff x="0" y="0"/>
+          <a:chExt cx="0" cy="0"/>
+        </a:xfrm>
+      </p:grpSpPr>
+      <p:sp>
+        <p:nvSpPr>
+          <p:cNvPr id="15362" name="Rectangle 1"/>
+          <p:cNvSpPr>
+            <a:spLocks noGrp="1" noChangeArrowheads="1"/>
+          </p:cNvSpPr>
+          <p:nvPr>
+            <p:ph type="title"/>
+          </p:nvPr>
+        </p:nvSpPr>
+        <p:spPr>
+          <a:xfrm>
+            <a:off x="490435" y="255926"/>
+            <a:ext cx="10179255" cy="454024"/>
+          </a:xfrm>
+        </p:spPr>
+        <p:txBody>
+          <a:bodyPr rIns="41783" anchor="b"/>
+          <a:lstStyle/>
+          <a:p>
+            <a:pPr marL="584962" lvl="1" indent="-219361">
+              <a:lnSpc>
+                <a:spcPct val="100000"/>
+              </a:lnSpc>
+            </a:pPr>
+            <a:r>
+              <a:rPr lang="fr-FR" dirty="0">
+                <a:solidFill>
+                  <a:srgbClr val="FF9900"/>
+                </a:solidFill>
+              </a:rPr>
+              <a:t>SSO - Single </a:t>
+            </a:r>
+            <a:r>
+              <a:rPr lang="fr-FR" dirty="0" err="1">
+                <a:solidFill>
+                  <a:srgbClr val="FF9900"/>
+                </a:solidFill>
+              </a:rPr>
+              <a:t>Sign</a:t>
+            </a:r>
+            <a:r>
+              <a:rPr lang="fr-FR" dirty="0">
+                <a:solidFill>
+                  <a:srgbClr val="FF9900"/>
+                </a:solidFill>
+              </a:rPr>
+              <a:t> On</a:t>
+            </a:r>
+          </a:p>
+        </p:txBody>
+      </p:sp>
+      <p:sp>
+        <p:nvSpPr>
+          <p:cNvPr id="15363" name="Rectangle 2"/>
+          <p:cNvSpPr>
+            <a:spLocks noGrp="1" noChangeArrowheads="1"/>
+          </p:cNvSpPr>
+          <p:nvPr>
+            <p:ph type="body" idx="1"/>
+          </p:nvPr>
+        </p:nvSpPr>
+        <p:spPr>
+          <a:xfrm>
+            <a:off x="467494" y="1043533"/>
+            <a:ext cx="10219725" cy="5400600"/>
+          </a:xfrm>
+        </p:spPr>
+        <p:txBody>
+          <a:bodyPr rIns="41783" anchor="t"/>
+          <a:lstStyle/>
+          <a:p>
+            <a:pPr marL="258763" lvl="1" indent="-255588">
+              <a:lnSpc>
+                <a:spcPct val="67000"/>
+              </a:lnSpc>
+              <a:buClr>
+                <a:srgbClr val="FF9900"/>
+              </a:buClr>
+              <a:buFont typeface="Lucida Grande"/>
+              <a:buChar char="»"/>
+            </a:pPr>
+            <a:r>
+              <a:rPr lang="fr-FR" sz="2400" i="0" dirty="0" smtClean="0"/>
+              <a:t>The </a:t>
+            </a:r>
+            <a:r>
+              <a:rPr lang="fr-FR" sz="2400" i="0" dirty="0"/>
+              <a:t>portal </a:t>
+            </a:r>
+            <a:r>
+              <a:rPr lang="fr-FR" sz="2400" i="0" dirty="0" err="1"/>
+              <a:t>users</a:t>
+            </a:r>
+            <a:r>
+              <a:rPr lang="fr-FR" sz="2400" i="0" dirty="0"/>
+              <a:t> gain </a:t>
+            </a:r>
+            <a:r>
+              <a:rPr lang="fr-FR" sz="2400" i="0" dirty="0" err="1"/>
+              <a:t>access</a:t>
+            </a:r>
+            <a:r>
+              <a:rPr lang="fr-FR" sz="2400" i="0" dirty="0"/>
+              <a:t> to </a:t>
+            </a:r>
+            <a:r>
+              <a:rPr lang="fr-FR" sz="2400" i="0" dirty="0" err="1"/>
+              <a:t>many</a:t>
+            </a:r>
+            <a:r>
+              <a:rPr lang="fr-FR" sz="2400" i="0" dirty="0"/>
+              <a:t> </a:t>
+            </a:r>
+            <a:r>
+              <a:rPr lang="fr-FR" sz="2400" i="0" dirty="0" err="1"/>
+              <a:t>systems</a:t>
+            </a:r>
+            <a:r>
+              <a:rPr lang="fr-FR" sz="2400" i="0" dirty="0"/>
+              <a:t> </a:t>
+            </a:r>
+            <a:r>
+              <a:rPr lang="fr-FR" sz="2400" i="0" dirty="0" err="1"/>
+              <a:t>through</a:t>
+            </a:r>
+            <a:r>
+              <a:rPr lang="fr-FR" sz="2400" i="0" dirty="0"/>
+              <a:t> </a:t>
+            </a:r>
+            <a:r>
+              <a:rPr lang="fr-FR" sz="2400" i="0" dirty="0" err="1"/>
+              <a:t>portlets</a:t>
+            </a:r>
+            <a:r>
+              <a:rPr lang="fr-FR" sz="2400" i="0" dirty="0"/>
+              <a:t> </a:t>
+            </a:r>
+            <a:r>
+              <a:rPr lang="fr-FR" sz="2400" i="0" dirty="0" err="1"/>
+              <a:t>using</a:t>
+            </a:r>
+            <a:r>
+              <a:rPr lang="fr-FR" sz="2400" i="0" dirty="0"/>
+              <a:t> a single </a:t>
+            </a:r>
+            <a:r>
+              <a:rPr lang="fr-FR" sz="2400" i="0" dirty="0" err="1" smtClean="0"/>
+              <a:t>identity</a:t>
+            </a:r>
+            <a:endParaRPr lang="fr-FR" sz="2400" i="0" dirty="0" smtClean="0"/>
+          </a:p>
+          <a:p>
+            <a:pPr marL="258763" lvl="1" indent="-255588">
+              <a:lnSpc>
+                <a:spcPct val="67000"/>
+              </a:lnSpc>
+              <a:buClr>
+                <a:srgbClr val="FF9900"/>
+              </a:buClr>
+              <a:buFont typeface="Lucida Grande"/>
+              <a:buChar char="»"/>
+            </a:pPr>
+            <a:r>
+              <a:rPr lang="fr-FR" sz="2400" i="0" dirty="0" err="1" smtClean="0"/>
+              <a:t>However</a:t>
+            </a:r>
+            <a:r>
+              <a:rPr lang="fr-FR" sz="2400" i="0" dirty="0"/>
+              <a:t>, the portal infrastructure must </a:t>
+            </a:r>
+            <a:r>
+              <a:rPr lang="fr-FR" sz="2400" i="0" dirty="0" err="1"/>
+              <a:t>be</a:t>
+            </a:r>
+            <a:r>
+              <a:rPr lang="fr-FR" sz="2400" i="0" dirty="0"/>
+              <a:t> </a:t>
+            </a:r>
+            <a:r>
+              <a:rPr lang="fr-FR" sz="2400" i="0" dirty="0" err="1"/>
+              <a:t>integrated</a:t>
+            </a:r>
+            <a:r>
+              <a:rPr lang="fr-FR" sz="2400" i="0" dirty="0"/>
+              <a:t> </a:t>
+            </a:r>
+            <a:r>
+              <a:rPr lang="fr-FR" sz="2400" i="0" dirty="0" err="1"/>
+              <a:t>with</a:t>
+            </a:r>
+            <a:r>
+              <a:rPr lang="fr-FR" sz="2400" i="0" dirty="0"/>
+              <a:t> </a:t>
+            </a:r>
+            <a:r>
+              <a:rPr lang="fr-FR" sz="2400" i="0" dirty="0" err="1"/>
+              <a:t>other</a:t>
+            </a:r>
+            <a:r>
+              <a:rPr lang="fr-FR" sz="2400" i="0" dirty="0"/>
+              <a:t> SSO </a:t>
+            </a:r>
+            <a:r>
+              <a:rPr lang="fr-FR" sz="2400" i="0" dirty="0" err="1"/>
+              <a:t>enabled</a:t>
+            </a:r>
+            <a:r>
+              <a:rPr lang="fr-FR" sz="2400" i="0" dirty="0"/>
+              <a:t> </a:t>
+            </a:r>
+            <a:r>
+              <a:rPr lang="fr-FR" sz="2400" i="0" dirty="0" err="1" smtClean="0"/>
+              <a:t>systems</a:t>
+            </a:r>
+            <a:endParaRPr lang="fr-FR" sz="2400" i="0" dirty="0" smtClean="0"/>
+          </a:p>
+          <a:p>
+            <a:pPr marL="258763" lvl="1" indent="-255588">
+              <a:lnSpc>
+                <a:spcPct val="67000"/>
+              </a:lnSpc>
+              <a:buClr>
+                <a:srgbClr val="FF9900"/>
+              </a:buClr>
+              <a:buFont typeface="Lucida Grande"/>
+              <a:buChar char="»"/>
+            </a:pPr>
+            <a:r>
+              <a:rPr lang="fr-FR" sz="2400" i="0" dirty="0" err="1"/>
+              <a:t>eXo</a:t>
+            </a:r>
+            <a:r>
+              <a:rPr lang="fr-FR" sz="2400" i="0" dirty="0"/>
+              <a:t> </a:t>
+            </a:r>
+            <a:r>
+              <a:rPr lang="fr-FR" sz="2400" i="0" dirty="0" err="1"/>
+              <a:t>platform</a:t>
+            </a:r>
+            <a:r>
+              <a:rPr lang="fr-FR" sz="2400" i="0" dirty="0"/>
+              <a:t> </a:t>
+            </a:r>
+            <a:r>
+              <a:rPr lang="fr-FR" sz="2400" i="0" dirty="0" err="1"/>
+              <a:t>provides</a:t>
+            </a:r>
+            <a:r>
+              <a:rPr lang="fr-FR" sz="2400" i="0" dirty="0"/>
+              <a:t> </a:t>
+            </a:r>
+            <a:r>
+              <a:rPr lang="fr-FR" sz="2400" i="0" dirty="0" err="1"/>
+              <a:t>some</a:t>
+            </a:r>
+            <a:r>
+              <a:rPr lang="fr-FR" sz="2400" i="0" dirty="0"/>
+              <a:t> </a:t>
+            </a:r>
+            <a:r>
+              <a:rPr lang="fr-FR" sz="2400" i="0" dirty="0" err="1"/>
+              <a:t>form</a:t>
+            </a:r>
+            <a:r>
+              <a:rPr lang="fr-FR" sz="2400" i="0" dirty="0"/>
+              <a:t> of Single </a:t>
+            </a:r>
+            <a:r>
+              <a:rPr lang="fr-FR" sz="2400" i="0" dirty="0" err="1"/>
+              <a:t>Sign</a:t>
+            </a:r>
+            <a:r>
+              <a:rPr lang="fr-FR" sz="2400" i="0" dirty="0"/>
+              <a:t> On (SSO) as an </a:t>
+            </a:r>
+            <a:r>
+              <a:rPr lang="fr-FR" sz="2400" i="0" dirty="0" err="1"/>
+              <a:t>integration</a:t>
+            </a:r>
+            <a:r>
+              <a:rPr lang="fr-FR" sz="2400" i="0" dirty="0"/>
+              <a:t> and </a:t>
+            </a:r>
+            <a:r>
+              <a:rPr lang="fr-FR" sz="2400" i="0" dirty="0" err="1"/>
+              <a:t>aggregation</a:t>
+            </a:r>
+            <a:r>
+              <a:rPr lang="fr-FR" sz="2400" i="0" dirty="0"/>
+              <a:t> </a:t>
+            </a:r>
+            <a:r>
+              <a:rPr lang="fr-FR" sz="2400" i="0" dirty="0" err="1"/>
+              <a:t>platform</a:t>
+            </a:r>
+            <a:r>
+              <a:rPr lang="fr-FR" sz="2400" i="0" dirty="0" smtClean="0"/>
+              <a:t>.</a:t>
+            </a:r>
+            <a:endParaRPr lang="fr-FR" sz="2400" i="0" dirty="0"/>
+          </a:p>
+          <a:p>
+            <a:pPr marL="258763" lvl="1" indent="-255588">
+              <a:lnSpc>
+                <a:spcPct val="67000"/>
+              </a:lnSpc>
+              <a:buClr>
+                <a:srgbClr val="FF9900"/>
+              </a:buClr>
+              <a:buFont typeface="Lucida Grande"/>
+              <a:buChar char="»"/>
+            </a:pPr>
+            <a:r>
+              <a:rPr lang="fr-FR" sz="2400" i="0" dirty="0" err="1" smtClean="0"/>
+              <a:t>Many</a:t>
+            </a:r>
+            <a:r>
+              <a:rPr lang="fr-FR" sz="2400" i="0" dirty="0" smtClean="0"/>
+              <a:t> </a:t>
+            </a:r>
+            <a:r>
+              <a:rPr lang="fr-FR" sz="2400" i="0" dirty="0" err="1"/>
+              <a:t>different</a:t>
+            </a:r>
+            <a:r>
+              <a:rPr lang="fr-FR" sz="2400" i="0" dirty="0"/>
+              <a:t> </a:t>
+            </a:r>
+            <a:r>
+              <a:rPr lang="fr-FR" sz="2400" i="0" dirty="0" err="1"/>
+              <a:t>Identity</a:t>
+            </a:r>
+            <a:r>
+              <a:rPr lang="fr-FR" sz="2400" i="0" dirty="0"/>
+              <a:t> Management solutions </a:t>
+            </a:r>
+            <a:r>
+              <a:rPr lang="fr-FR" sz="2400" i="0" dirty="0" err="1" smtClean="0"/>
+              <a:t>available</a:t>
+            </a:r>
+            <a:r>
+              <a:rPr lang="fr-FR" sz="2400" i="0" dirty="0" smtClean="0"/>
+              <a:t> :</a:t>
+            </a:r>
+          </a:p>
+          <a:p>
+            <a:pPr marL="896938" lvl="1" indent="-177800">
+              <a:lnSpc>
+                <a:spcPct val="67000"/>
+              </a:lnSpc>
+              <a:buClr>
+                <a:srgbClr val="FF9900"/>
+              </a:buClr>
+              <a:buFontTx/>
+              <a:buChar char="-"/>
+            </a:pPr>
+            <a:r>
+              <a:rPr lang="fr-FR" sz="2400" i="0" dirty="0"/>
+              <a:t>CAS - Central </a:t>
+            </a:r>
+            <a:r>
+              <a:rPr lang="fr-FR" sz="2400" i="0" dirty="0" err="1"/>
+              <a:t>Authentication</a:t>
+            </a:r>
+            <a:r>
+              <a:rPr lang="fr-FR" sz="2400" i="0" dirty="0"/>
+              <a:t> Service</a:t>
+            </a:r>
+          </a:p>
+          <a:p>
+            <a:pPr marL="896938" lvl="1" indent="-177800">
+              <a:lnSpc>
+                <a:spcPct val="67000"/>
+              </a:lnSpc>
+              <a:buClr>
+                <a:srgbClr val="FF9900"/>
+              </a:buClr>
+              <a:buFontTx/>
+              <a:buChar char="-"/>
+            </a:pPr>
+            <a:r>
+              <a:rPr lang="fr-FR" sz="2400" i="0" dirty="0"/>
+              <a:t>JOSSO</a:t>
+            </a:r>
+          </a:p>
+          <a:p>
+            <a:pPr marL="896938" lvl="1" indent="-177800">
+              <a:lnSpc>
+                <a:spcPct val="67000"/>
+              </a:lnSpc>
+              <a:buClr>
+                <a:srgbClr val="FF9900"/>
+              </a:buClr>
+              <a:buFontTx/>
+              <a:buChar char="-"/>
+            </a:pPr>
+            <a:r>
+              <a:rPr lang="fr-FR" sz="2400" i="0" dirty="0" err="1"/>
+              <a:t>OpenSSO</a:t>
+            </a:r>
+            <a:r>
+              <a:rPr lang="fr-FR" sz="2400" i="0" dirty="0"/>
+              <a:t> - The Open Web SSO </a:t>
+            </a:r>
+            <a:r>
+              <a:rPr lang="fr-FR" sz="2400" i="0" dirty="0" err="1"/>
+              <a:t>project</a:t>
+            </a:r>
+            <a:endParaRPr lang="fr-FR" sz="2400" i="0" dirty="0"/>
+          </a:p>
+          <a:p>
+            <a:pPr marL="896938" lvl="1" indent="-177800">
+              <a:lnSpc>
+                <a:spcPct val="67000"/>
+              </a:lnSpc>
+              <a:buClr>
+                <a:srgbClr val="FF9900"/>
+              </a:buClr>
+              <a:buFontTx/>
+              <a:buChar char="-"/>
+            </a:pPr>
+            <a:r>
+              <a:rPr lang="fr-FR" sz="2400" i="0" dirty="0" smtClean="0"/>
+              <a:t>SPNEGO</a:t>
+            </a:r>
+          </a:p>
+          <a:p>
+            <a:pPr marL="258763" lvl="1" indent="-255588">
+              <a:lnSpc>
+                <a:spcPct val="67000"/>
+              </a:lnSpc>
+              <a:buClr>
+                <a:srgbClr val="FF9900"/>
+              </a:buClr>
+              <a:buFont typeface="Lucida Grande"/>
+              <a:buChar char="»"/>
+            </a:pPr>
+            <a:r>
+              <a:rPr lang="fr-FR" sz="2400" i="0" dirty="0"/>
+              <a:t>In </a:t>
+            </a:r>
+            <a:r>
+              <a:rPr lang="fr-FR" sz="2400" i="0" dirty="0" err="1"/>
+              <a:t>most</a:t>
+            </a:r>
+            <a:r>
+              <a:rPr lang="fr-FR" sz="2400" i="0" dirty="0"/>
+              <a:t> cases </a:t>
+            </a:r>
+            <a:r>
+              <a:rPr lang="fr-FR" sz="2400" i="0" dirty="0" err="1"/>
+              <a:t>each</a:t>
+            </a:r>
+            <a:r>
+              <a:rPr lang="fr-FR" sz="2400" i="0" dirty="0"/>
+              <a:t> SSO </a:t>
+            </a:r>
+            <a:r>
+              <a:rPr lang="fr-FR" sz="2400" i="0" dirty="0" err="1"/>
+              <a:t>framework</a:t>
+            </a:r>
+            <a:r>
+              <a:rPr lang="fr-FR" sz="2400" i="0" dirty="0"/>
+              <a:t> </a:t>
+            </a:r>
+            <a:r>
+              <a:rPr lang="fr-FR" sz="2400" i="0" dirty="0" err="1"/>
+              <a:t>provides</a:t>
+            </a:r>
+            <a:r>
+              <a:rPr lang="fr-FR" sz="2400" i="0" dirty="0"/>
+              <a:t> a unique </a:t>
+            </a:r>
+            <a:r>
+              <a:rPr lang="fr-FR" sz="2400" i="0" dirty="0" err="1"/>
+              <a:t>way</a:t>
+            </a:r>
+            <a:r>
+              <a:rPr lang="fr-FR" sz="2400" i="0" dirty="0"/>
+              <a:t> to </a:t>
+            </a:r>
+            <a:r>
+              <a:rPr lang="fr-FR" sz="2400" i="0" dirty="0" err="1"/>
+              <a:t>plug</a:t>
+            </a:r>
+            <a:r>
+              <a:rPr lang="fr-FR" sz="2400" i="0" dirty="0"/>
+              <a:t> </a:t>
+            </a:r>
+            <a:r>
+              <a:rPr lang="fr-FR" sz="2400" i="0" dirty="0" err="1"/>
+              <a:t>into</a:t>
+            </a:r>
+            <a:r>
+              <a:rPr lang="fr-FR" sz="2400" i="0" dirty="0"/>
+              <a:t> a Java EE </a:t>
+            </a:r>
+            <a:r>
+              <a:rPr lang="fr-FR" sz="2400" i="0" dirty="0" smtClean="0"/>
+              <a:t>application</a:t>
+            </a:r>
+            <a:endParaRPr lang="fr-FR" sz="2400" i="0" dirty="0"/>
+          </a:p>
+          <a:p>
+            <a:pPr marL="346075" lvl="1" indent="-342900">
+              <a:lnSpc>
+                <a:spcPct val="67000"/>
+              </a:lnSpc>
+              <a:buClr>
+                <a:srgbClr val="FF9900"/>
+              </a:buClr>
+              <a:buFontTx/>
+              <a:buChar char="-"/>
+            </a:pPr>
+            <a:endParaRPr lang="fr-FR" sz="2400" i="0" dirty="0"/>
+          </a:p>
+          <a:p>
+            <a:pPr marL="3175" lvl="1" indent="0">
+              <a:lnSpc>
+                <a:spcPct val="67000"/>
+              </a:lnSpc>
+              <a:buClr>
+                <a:srgbClr val="FF9900"/>
+              </a:buClr>
+              <a:buNone/>
+            </a:pPr>
+            <a:endParaRPr lang="fr-FR" sz="2400" i="0" dirty="0" smtClean="0"/>
+          </a:p>
+          <a:p>
+            <a:pPr marL="258763" lvl="1" indent="-255588">
+              <a:lnSpc>
+                <a:spcPct val="67000"/>
+              </a:lnSpc>
+              <a:buClr>
+                <a:srgbClr val="FF9900"/>
+              </a:buClr>
+              <a:buFont typeface="Lucida Grande"/>
+              <a:buChar char="»"/>
+            </a:pPr>
+            <a:endParaRPr lang="fr-FR" sz="2400" i="0" dirty="0" smtClean="0"/>
+          </a:p>
+          <a:p>
+            <a:pPr marL="258763" lvl="1" indent="-255588">
+              <a:lnSpc>
+                <a:spcPct val="67000"/>
+              </a:lnSpc>
+              <a:buClr>
+                <a:srgbClr val="FF9900"/>
+              </a:buClr>
+              <a:buFont typeface="Lucida Grande"/>
+              <a:buChar char="»"/>
+            </a:pPr>
+            <a:endParaRPr lang="fr-FR" sz="2400" i="0" dirty="0" smtClean="0"/>
+          </a:p>
+          <a:p>
+            <a:pPr marL="258763" lvl="1" indent="-255588">
+              <a:lnSpc>
+                <a:spcPct val="67000"/>
+              </a:lnSpc>
+              <a:buClr>
+                <a:srgbClr val="FF9900"/>
+              </a:buClr>
+              <a:buFont typeface="Lucida Grande"/>
+              <a:buChar char="»"/>
+            </a:pPr>
+            <a:endParaRPr lang="fr-FR" sz="2400" i="0" dirty="0"/>
+          </a:p>
+        </p:txBody>
+      </p:sp>
+    </p:spTree>
+    <p:extLst>
+      <p:ext uri="{BB962C8B-B14F-4D97-AF65-F5344CB8AC3E}">
+        <p14:creationId xmlns:p14="http://schemas.microsoft.com/office/powerpoint/2010/main" val="1868265556"/>
+      </p:ext>
+    </p:extLst>
+  </p:cSld>
+  <p:clrMapOvr>
+    <a:masterClrMapping/>
+  </p:clrMapOvr>
+  <p:transition xmlns:p14="http://schemas.microsoft.com/office/powerpoint/2010/main"/>
+  <p:timing>
+    <p:tnLst>
+      <p:par>
+        <p:cTn xmlns:p14="http://schemas.microsoft.com/office/powerpoint/2010/main" id="1" dur="indefinite" restart="never" nodeType="tmRoot"/>
+      </p:par>
+    </p:tnLst>
+  </p:timing>
+</p:sld>
+</file>
+
+<file path=ppt/slides/slide38.xml><?xml version="1.0" encoding="utf-8"?>
+<p:sld xmlns:a="http://schemas.openxmlformats.org/drawingml/2006/main" xmlns:r="http://schemas.openxmlformats.org/officeDocument/2006/relationships" xmlns:p="http://schemas.openxmlformats.org/presentationml/2006/main">
+  <p:cSld>
+    <p:spTree>
+      <p:nvGrpSpPr>
+        <p:cNvPr id="1" name=""/>
+        <p:cNvGrpSpPr/>
+        <p:nvPr/>
+      </p:nvGrpSpPr>
+      <p:grpSpPr>
+        <a:xfrm>
+          <a:off x="0" y="0"/>
+          <a:ext cx="0" cy="0"/>
+          <a:chOff x="0" y="0"/>
+          <a:chExt cx="0" cy="0"/>
+        </a:xfrm>
+      </p:grpSpPr>
+      <p:sp>
+        <p:nvSpPr>
+          <p:cNvPr id="15362" name="Rectangle 1"/>
+          <p:cNvSpPr>
+            <a:spLocks noGrp="1" noChangeArrowheads="1"/>
+          </p:cNvSpPr>
+          <p:nvPr>
+            <p:ph type="title"/>
+          </p:nvPr>
+        </p:nvSpPr>
+        <p:spPr>
+          <a:xfrm>
+            <a:off x="490435" y="255926"/>
+            <a:ext cx="10179255" cy="454024"/>
+          </a:xfrm>
+        </p:spPr>
+        <p:txBody>
+          <a:bodyPr rIns="41783" anchor="b"/>
+          <a:lstStyle/>
+          <a:p>
+            <a:r>
+              <a:rPr lang="fr-FR" dirty="0" err="1" smtClean="0"/>
+              <a:t>Exercise</a:t>
+            </a:r>
+            <a:r>
+              <a:rPr lang="fr-FR" dirty="0" smtClean="0"/>
+              <a:t> </a:t>
+            </a:r>
+            <a:r>
+              <a:rPr lang="fr-FR" dirty="0" smtClean="0"/>
+              <a:t>70c </a:t>
+            </a:r>
+            <a:r>
+              <a:rPr lang="fr-FR" dirty="0" smtClean="0"/>
+              <a:t>: </a:t>
+            </a:r>
+            <a:r>
+              <a:rPr lang="fr-FR" dirty="0" smtClean="0"/>
+              <a:t>SSO CAS</a:t>
+            </a:r>
+            <a:endParaRPr lang="fr-FR" dirty="0"/>
+          </a:p>
+        </p:txBody>
+      </p:sp>
+      <p:sp>
+        <p:nvSpPr>
+          <p:cNvPr id="15363" name="Rectangle 2"/>
+          <p:cNvSpPr>
+            <a:spLocks noGrp="1" noChangeArrowheads="1"/>
+          </p:cNvSpPr>
+          <p:nvPr>
+            <p:ph type="body" idx="1"/>
+          </p:nvPr>
+        </p:nvSpPr>
+        <p:spPr>
+          <a:xfrm>
+            <a:off x="472905" y="971525"/>
+            <a:ext cx="10219725" cy="5688632"/>
+          </a:xfrm>
+        </p:spPr>
+        <p:txBody>
+          <a:bodyPr rIns="41783" anchor="t"/>
+          <a:lstStyle/>
+          <a:p>
+            <a:pPr>
+              <a:lnSpc>
+                <a:spcPct val="100000"/>
+              </a:lnSpc>
+              <a:buClr>
+                <a:srgbClr val="FF9900"/>
+              </a:buClr>
+              <a:buSzPct val="120000"/>
+              <a:buFont typeface="Lucida Grande"/>
+              <a:buChar char="»"/>
+            </a:pPr>
+            <a:r>
+              <a:rPr lang="fr-FR" sz="2200" i="0" smtClean="0"/>
+              <a:t>..</a:t>
+            </a:r>
+            <a:endParaRPr lang="fr-FR" sz="2200" i="0" dirty="0"/>
+          </a:p>
+          <a:p>
+            <a:pPr marL="3175" indent="0">
+              <a:lnSpc>
+                <a:spcPct val="100000"/>
+              </a:lnSpc>
+              <a:buClr>
+                <a:srgbClr val="FF9900"/>
+              </a:buClr>
+              <a:buSzPct val="120000"/>
+              <a:buNone/>
+            </a:pPr>
+            <a:endParaRPr lang="fr-FR" sz="1800" b="0" i="0" dirty="0">
+              <a:solidFill>
+                <a:schemeClr val="tx1">
+                  <a:lumMod val="75000"/>
+                  <a:lumOff val="25000"/>
+                </a:schemeClr>
+              </a:solidFill>
+            </a:endParaRPr>
+          </a:p>
+          <a:p>
+            <a:pPr>
+              <a:lnSpc>
+                <a:spcPct val="100000"/>
+              </a:lnSpc>
+              <a:buClr>
+                <a:srgbClr val="FF9900"/>
+              </a:buClr>
+              <a:buSzPct val="120000"/>
+              <a:buFont typeface="Lucida Grande"/>
+              <a:buChar char="»"/>
+            </a:pPr>
+            <a:endParaRPr lang="fr-FR" sz="1800" b="0" i="0" dirty="0">
+              <a:solidFill>
+                <a:schemeClr val="tx1">
+                  <a:lumMod val="75000"/>
+                  <a:lumOff val="25000"/>
+                </a:schemeClr>
+              </a:solidFill>
+            </a:endParaRPr>
+          </a:p>
+          <a:p>
+            <a:pPr>
+              <a:lnSpc>
+                <a:spcPct val="100000"/>
+              </a:lnSpc>
+              <a:buClr>
+                <a:srgbClr val="FF9900"/>
+              </a:buClr>
+              <a:buSzPct val="120000"/>
+              <a:buFont typeface="Lucida Grande"/>
+              <a:buChar char="»"/>
+            </a:pPr>
+            <a:endParaRPr lang="fr-FR" sz="1800" i="0" dirty="0">
+              <a:solidFill>
+                <a:schemeClr val="tx1">
+                  <a:lumMod val="75000"/>
+                  <a:lumOff val="25000"/>
+                </a:schemeClr>
+              </a:solidFill>
+            </a:endParaRPr>
+          </a:p>
+          <a:p>
+            <a:pPr>
+              <a:lnSpc>
+                <a:spcPct val="100000"/>
+              </a:lnSpc>
+              <a:buClr>
+                <a:srgbClr val="FF9900"/>
+              </a:buClr>
+              <a:buSzPct val="120000"/>
+              <a:buFont typeface="Lucida Grande"/>
+              <a:buChar char="»"/>
+            </a:pPr>
+            <a:endParaRPr lang="fr-FR" sz="1800" i="0" dirty="0">
+              <a:solidFill>
+                <a:schemeClr val="tx1">
+                  <a:lumMod val="75000"/>
+                  <a:lumOff val="25000"/>
+                </a:schemeClr>
+              </a:solidFill>
+            </a:endParaRPr>
+          </a:p>
+        </p:txBody>
+      </p:sp>
+    </p:spTree>
+    <p:extLst>
+      <p:ext uri="{BB962C8B-B14F-4D97-AF65-F5344CB8AC3E}">
+        <p14:creationId xmlns:p14="http://schemas.microsoft.com/office/powerpoint/2010/main" val="2377114589"/>
+      </p:ext>
+    </p:extLst>
+  </p:cSld>
+  <p:clrMapOvr>
+    <a:masterClrMapping/>
+  </p:clrMapOvr>
+  <p:transition xmlns:p14="http://schemas.microsoft.com/office/powerpoint/2010/main"/>
+  <p:timing>
+    <p:tnLst>
+      <p:par>
+        <p:cTn xmlns:p14="http://schemas.microsoft.com/office/powerpoint/2010/main" id="1" dur="indefinite" restart="never" nodeType="tmRoot"/>
+      </p:par>
+    </p:tnLst>
+  </p:timing>
+</p:sld>
+</file>
+
+<file path=ppt/slides/slide39.xml><?xml version="1.0" encoding="utf-8"?>
 <p:sld xmlns:a="http://schemas.openxmlformats.org/drawingml/2006/main" xmlns:r="http://schemas.openxmlformats.org/officeDocument/2006/relationships" xmlns:p="http://schemas.openxmlformats.org/presentationml/2006/main">
   <p:cSld>
     <p:spTree>

--- a/exo-sysAdmin/970-LdapConfig-XSys.pptx
+++ b/exo-sysAdmin/970-LdapConfig-XSys.pptx
@@ -7,7 +7,7 @@
     <p:sldMasterId id="2147483650" r:id="rId3"/>
   </p:sldMasterIdLst>
   <p:notesMasterIdLst>
-    <p:notesMasterId r:id="rId43"/>
+    <p:notesMasterId r:id="rId46"/>
   </p:notesMasterIdLst>
   <p:sldIdLst>
     <p:sldId id="256" r:id="rId4"/>
@@ -48,7 +48,10 @@
     <p:sldId id="432" r:id="rId39"/>
     <p:sldId id="441" r:id="rId40"/>
     <p:sldId id="442" r:id="rId41"/>
-    <p:sldId id="394" r:id="rId42"/>
+    <p:sldId id="445" r:id="rId42"/>
+    <p:sldId id="443" r:id="rId43"/>
+    <p:sldId id="444" r:id="rId44"/>
+    <p:sldId id="394" r:id="rId45"/>
   </p:sldIdLst>
   <p:sldSz cx="11160125" cy="7559675"/>
   <p:notesSz cx="7772400" cy="10058400"/>
@@ -2874,7 +2877,7 @@
             <a:fld id="{43F345E1-DE08-49C4-9805-072619C6BD24}" type="slidenum">
               <a:rPr lang="en-GB"/>
               <a:pPr/>
-              <a:t>39</a:t>
+              <a:t>42</a:t>
             </a:fld>
             <a:endParaRPr lang="en-GB"/>
           </a:p>
@@ -2977,7 +2980,7 @@
                   <a:tab pos="9144000" algn="l"/>
                 </a:tabLst>
               </a:pPr>
-              <a:t>39</a:t>
+              <a:t>42</a:t>
             </a:fld>
             <a:endParaRPr lang="en-GB" sz="1400">
               <a:solidFill>
@@ -34818,14 +34821,6 @@
               </a:rPr>
               <a:t>.</a:t>
             </a:r>
-            <a:endParaRPr lang="fr-FR" sz="2200" i="0" dirty="0" smtClean="0">
-              <a:solidFill>
-                <a:schemeClr val="tx1">
-                  <a:lumMod val="75000"/>
-                  <a:lumOff val="25000"/>
-                </a:schemeClr>
-              </a:solidFill>
-            </a:endParaRPr>
           </a:p>
           <a:p>
             <a:pPr>
@@ -35045,29 +35040,7 @@
                   </a:schemeClr>
                 </a:solidFill>
               </a:rPr>
-              <a:t> « local </a:t>
-            </a:r>
-            <a:r>
-              <a:rPr lang="fr-FR" sz="2200" i="0" dirty="0" smtClean="0">
-                <a:solidFill>
-                  <a:schemeClr val="tx1">
-                    <a:lumMod val="75000"/>
-                    <a:lumOff val="25000"/>
-                  </a:schemeClr>
-                </a:solidFill>
-              </a:rPr>
-              <a:t>server» </a:t>
-            </a:r>
-            <a:r>
-              <a:rPr lang="fr-FR" sz="2200" i="0" dirty="0" smtClean="0">
-                <a:solidFill>
-                  <a:schemeClr val="tx1">
-                    <a:lumMod val="75000"/>
-                    <a:lumOff val="25000"/>
-                  </a:schemeClr>
-                </a:solidFill>
-              </a:rPr>
-              <a:t>as the server to </a:t>
+              <a:t> « local server» as the server to </a:t>
             </a:r>
             <a:r>
               <a:rPr lang="fr-FR" sz="2200" i="0" dirty="0" err="1" smtClean="0">
@@ -35220,18 +35193,7 @@
                   </a:schemeClr>
                 </a:solidFill>
               </a:rPr>
-              <a:t>2.4.3 </a:t>
-            </a:r>
-            <a:r>
-              <a:rPr lang="fr-FR" sz="2200" i="0" dirty="0" smtClean="0">
-                <a:solidFill>
-                  <a:schemeClr val="tx1">
-                    <a:lumMod val="75000"/>
-                    <a:lumOff val="25000"/>
-                  </a:schemeClr>
-                </a:solidFill>
-              </a:rPr>
-              <a:t>server </a:t>
+              <a:t>2.4.3 server </a:t>
             </a:r>
             <a:r>
               <a:rPr lang="fr-FR" sz="2200" i="0" dirty="0" err="1" smtClean="0">
@@ -35611,11 +35573,7 @@
             </a:r>
             <a:r>
               <a:rPr lang="fr-FR" dirty="0" smtClean="0"/>
-              <a:t> </a:t>
-            </a:r>
-            <a:r>
-              <a:rPr lang="fr-FR" dirty="0" smtClean="0"/>
-              <a:t>– </a:t>
+              <a:t> – </a:t>
             </a:r>
             <a:r>
               <a:rPr lang="fr-FR" dirty="0" err="1" smtClean="0"/>
@@ -35665,7 +35623,29 @@
                   </a:schemeClr>
                 </a:solidFill>
               </a:rPr>
-              <a:t> To configure </a:t>
+              <a:t>Copy </a:t>
+            </a:r>
+            <a:r>
+              <a:rPr lang="fr-FR" sz="2200" i="0" dirty="0">
+                <a:solidFill>
+                  <a:schemeClr val="tx1">
+                    <a:lumMod val="75000"/>
+                    <a:lumOff val="25000"/>
+                  </a:schemeClr>
+                </a:solidFill>
+              </a:rPr>
+              <a:t>the </a:t>
+            </a:r>
+            <a:r>
+              <a:rPr lang="fr-FR" sz="2200" i="0" dirty="0" smtClean="0">
+                <a:solidFill>
+                  <a:schemeClr val="tx1">
+                    <a:lumMod val="75000"/>
+                    <a:lumOff val="25000"/>
+                  </a:schemeClr>
+                </a:solidFill>
+              </a:rPr>
+              <a:t>portal </a:t>
             </a:r>
             <a:r>
               <a:rPr lang="fr-FR" sz="2200" i="0" dirty="0" err="1" smtClean="0">
@@ -35676,7 +35656,7 @@
                   </a:schemeClr>
                 </a:solidFill>
               </a:rPr>
-              <a:t>eXo</a:t>
+              <a:t>folder</a:t>
             </a:r>
             <a:r>
               <a:rPr lang="fr-FR" sz="2200" i="0" dirty="0" smtClean="0">
@@ -35687,7 +35667,7 @@
                   </a:schemeClr>
                 </a:solidFill>
               </a:rPr>
-              <a:t> to use </a:t>
+              <a:t> in </a:t>
             </a:r>
             <a:r>
               <a:rPr lang="fr-FR" sz="2200" i="0" dirty="0" err="1" smtClean="0">
@@ -35698,39 +35678,7 @@
                   </a:schemeClr>
                 </a:solidFill>
               </a:rPr>
-              <a:t>ldap</a:t>
-            </a:r>
-            <a:endParaRPr lang="fr-FR" sz="2200" i="0" dirty="0">
-              <a:solidFill>
-                <a:schemeClr val="tx1">
-                  <a:lumMod val="75000"/>
-                  <a:lumOff val="25000"/>
-                </a:schemeClr>
-              </a:solidFill>
-            </a:endParaRPr>
-          </a:p>
-          <a:p>
-            <a:pPr>
-              <a:lnSpc>
-                <a:spcPct val="100000"/>
-              </a:lnSpc>
-              <a:buClr>
-                <a:srgbClr val="FF9900"/>
-              </a:buClr>
-              <a:buSzPct val="120000"/>
-              <a:buFont typeface="Lucida Grande"/>
-              <a:buChar char="»"/>
-            </a:pPr>
-            <a:r>
-              <a:rPr lang="fr-FR" sz="2200" i="0" dirty="0">
-                <a:solidFill>
-                  <a:schemeClr val="tx1">
-                    <a:lumMod val="75000"/>
-                    <a:lumOff val="25000"/>
-                  </a:schemeClr>
-                </a:solidFill>
-              </a:rPr>
-              <a:t> Copy the </a:t>
+              <a:t>tomcat_home</a:t>
             </a:r>
             <a:r>
               <a:rPr lang="fr-FR" sz="2200" i="0" dirty="0" smtClean="0">
@@ -35741,7 +35689,7 @@
                   </a:schemeClr>
                 </a:solidFill>
               </a:rPr>
-              <a:t>portal </a:t>
+              <a:t>/</a:t>
             </a:r>
             <a:r>
               <a:rPr lang="fr-FR" sz="2200" i="0" dirty="0" err="1" smtClean="0">
@@ -35752,7 +35700,7 @@
                   </a:schemeClr>
                 </a:solidFill>
               </a:rPr>
-              <a:t>folder</a:t>
+              <a:t>gatein</a:t>
             </a:r>
             <a:r>
               <a:rPr lang="fr-FR" sz="2200" i="0" dirty="0" smtClean="0">
@@ -35763,7 +35711,7 @@
                   </a:schemeClr>
                 </a:solidFill>
               </a:rPr>
-              <a:t> in </a:t>
+              <a:t>/</a:t>
             </a:r>
             <a:r>
               <a:rPr lang="fr-FR" sz="2200" i="0" dirty="0" err="1" smtClean="0">
@@ -35774,7 +35722,7 @@
                   </a:schemeClr>
                 </a:solidFill>
               </a:rPr>
-              <a:t>tomcat_home</a:t>
+              <a:t>conf</a:t>
             </a:r>
             <a:r>
               <a:rPr lang="fr-FR" sz="2200" i="0" dirty="0" smtClean="0">
@@ -35785,60 +35733,8 @@
                   </a:schemeClr>
                 </a:solidFill>
               </a:rPr>
-              <a:t>/</a:t>
-            </a:r>
-            <a:r>
-              <a:rPr lang="fr-FR" sz="2200" i="0" dirty="0" err="1" smtClean="0">
-                <a:solidFill>
-                  <a:schemeClr val="tx1">
-                    <a:lumMod val="75000"/>
-                    <a:lumOff val="25000"/>
-                  </a:schemeClr>
-                </a:solidFill>
-              </a:rPr>
-              <a:t>gatein</a:t>
-            </a:r>
-            <a:r>
-              <a:rPr lang="fr-FR" sz="2200" i="0" dirty="0" smtClean="0">
-                <a:solidFill>
-                  <a:schemeClr val="tx1">
-                    <a:lumMod val="75000"/>
-                    <a:lumOff val="25000"/>
-                  </a:schemeClr>
-                </a:solidFill>
-              </a:rPr>
-              <a:t>/</a:t>
-            </a:r>
-            <a:r>
-              <a:rPr lang="fr-FR" sz="2200" i="0" dirty="0" err="1" smtClean="0">
-                <a:solidFill>
-                  <a:schemeClr val="tx1">
-                    <a:lumMod val="75000"/>
-                    <a:lumOff val="25000"/>
-                  </a:schemeClr>
-                </a:solidFill>
-              </a:rPr>
-              <a:t>conf</a:t>
-            </a:r>
-            <a:r>
-              <a:rPr lang="fr-FR" sz="2200" i="0" dirty="0" smtClean="0">
-                <a:solidFill>
-                  <a:schemeClr val="tx1">
-                    <a:lumMod val="75000"/>
-                    <a:lumOff val="25000"/>
-                  </a:schemeClr>
-                </a:solidFill>
-              </a:rPr>
               <a:t> directory</a:t>
             </a:r>
-            <a:endParaRPr lang="fr-FR" sz="2200" i="0" dirty="0" smtClean="0">
-              <a:solidFill>
-                <a:schemeClr val="tx1">
-                  <a:lumMod val="75000"/>
-                  <a:lumOff val="25000"/>
-                </a:schemeClr>
-              </a:solidFill>
-            </a:endParaRPr>
           </a:p>
           <a:p>
             <a:pPr>
@@ -39775,15 +39671,7 @@
             </a:r>
             <a:r>
               <a:rPr lang="fr-FR" dirty="0" smtClean="0"/>
-              <a:t> </a:t>
-            </a:r>
-            <a:r>
-              <a:rPr lang="fr-FR" dirty="0" smtClean="0"/>
-              <a:t>70b </a:t>
-            </a:r>
-            <a:r>
-              <a:rPr lang="fr-FR" dirty="0" smtClean="0"/>
-              <a:t>: Configuration </a:t>
+              <a:t> 70b : Configuration </a:t>
             </a:r>
             <a:r>
               <a:rPr lang="fr-FR" dirty="0" err="1" smtClean="0"/>
@@ -41055,15 +40943,7 @@
             </a:r>
             <a:r>
               <a:rPr lang="fr-FR" dirty="0" smtClean="0"/>
-              <a:t> </a:t>
-            </a:r>
-            <a:r>
-              <a:rPr lang="fr-FR" dirty="0" smtClean="0"/>
-              <a:t>70b </a:t>
-            </a:r>
-            <a:r>
-              <a:rPr lang="fr-FR" dirty="0" smtClean="0"/>
-              <a:t>: Configuration </a:t>
+              <a:t> 70b : Configuration </a:t>
             </a:r>
             <a:r>
               <a:rPr lang="fr-FR" dirty="0" err="1" smtClean="0"/>
@@ -42010,15 +41890,7 @@
             </a:r>
             <a:r>
               <a:rPr lang="fr-FR" dirty="0" smtClean="0"/>
-              <a:t> </a:t>
-            </a:r>
-            <a:r>
-              <a:rPr lang="fr-FR" dirty="0" smtClean="0"/>
-              <a:t>70b </a:t>
-            </a:r>
-            <a:r>
-              <a:rPr lang="fr-FR" dirty="0" smtClean="0"/>
-              <a:t>: Configuration </a:t>
+              <a:t> 70b : Configuration </a:t>
             </a:r>
             <a:r>
               <a:rPr lang="fr-FR" dirty="0" err="1" smtClean="0"/>
@@ -44248,19 +44120,7 @@
             </a:r>
             <a:r>
               <a:rPr lang="fr-FR" dirty="0" smtClean="0"/>
-              <a:t> </a:t>
-            </a:r>
-            <a:r>
-              <a:rPr lang="fr-FR" dirty="0" smtClean="0"/>
-              <a:t>70c </a:t>
-            </a:r>
-            <a:r>
-              <a:rPr lang="fr-FR" dirty="0" smtClean="0"/>
-              <a:t>: </a:t>
-            </a:r>
-            <a:r>
-              <a:rPr lang="fr-FR" dirty="0" smtClean="0"/>
-              <a:t>SSO CAS</a:t>
+              <a:t> 70c : SSO CAS</a:t>
             </a:r>
             <a:endParaRPr lang="fr-FR" dirty="0"/>
           </a:p>
@@ -44298,8 +44158,396 @@
               <a:buChar char="»"/>
             </a:pPr>
             <a:r>
-              <a:rPr lang="fr-FR" sz="2200" i="0" smtClean="0"/>
-              <a:t>..</a:t>
+              <a:rPr lang="fr-FR" sz="2400" i="0" dirty="0"/>
+              <a:t>The </a:t>
+            </a:r>
+            <a:r>
+              <a:rPr lang="fr-FR" sz="2400" i="0" dirty="0" err="1"/>
+              <a:t>integration</a:t>
+            </a:r>
+            <a:r>
+              <a:rPr lang="fr-FR" sz="2400" i="0" dirty="0"/>
+              <a:t> </a:t>
+            </a:r>
+            <a:r>
+              <a:rPr lang="fr-FR" sz="2400" i="0" dirty="0" err="1"/>
+              <a:t>consists</a:t>
+            </a:r>
+            <a:r>
+              <a:rPr lang="fr-FR" sz="2400" i="0" dirty="0"/>
+              <a:t> of </a:t>
+            </a:r>
+            <a:r>
+              <a:rPr lang="fr-FR" sz="2400" i="0" dirty="0" err="1"/>
+              <a:t>two</a:t>
+            </a:r>
+            <a:r>
+              <a:rPr lang="fr-FR" sz="2400" i="0" dirty="0"/>
+              <a:t> </a:t>
+            </a:r>
+            <a:r>
+              <a:rPr lang="fr-FR" sz="2400" i="0" dirty="0" smtClean="0"/>
+              <a:t>parts</a:t>
+            </a:r>
+            <a:r>
+              <a:rPr lang="fr-FR" sz="2400" i="0" dirty="0"/>
+              <a:t> </a:t>
+            </a:r>
+            <a:r>
+              <a:rPr lang="fr-FR" sz="2400" i="0" dirty="0" smtClean="0"/>
+              <a:t>: </a:t>
+            </a:r>
+          </a:p>
+          <a:p>
+            <a:pPr marL="3175" indent="0">
+              <a:lnSpc>
+                <a:spcPct val="100000"/>
+              </a:lnSpc>
+              <a:buClr>
+                <a:srgbClr val="FF9900"/>
+              </a:buClr>
+              <a:buSzPct val="120000"/>
+              <a:buNone/>
+            </a:pPr>
+            <a:r>
+              <a:rPr lang="fr-FR" sz="2400" i="0" dirty="0"/>
+              <a:t> </a:t>
+            </a:r>
+            <a:r>
+              <a:rPr lang="fr-FR" sz="2400" i="0" dirty="0" smtClean="0"/>
+              <a:t>- the </a:t>
+            </a:r>
+            <a:r>
+              <a:rPr lang="fr-FR" sz="2400" i="0" dirty="0"/>
+              <a:t>first part </a:t>
+            </a:r>
+            <a:r>
+              <a:rPr lang="fr-FR" sz="2400" i="0" dirty="0" err="1"/>
+              <a:t>consists</a:t>
+            </a:r>
+            <a:r>
+              <a:rPr lang="fr-FR" sz="2400" i="0" dirty="0"/>
+              <a:t> of </a:t>
+            </a:r>
+            <a:r>
+              <a:rPr lang="fr-FR" sz="2400" i="0" dirty="0" err="1"/>
+              <a:t>installing</a:t>
+            </a:r>
+            <a:r>
+              <a:rPr lang="fr-FR" sz="2400" i="0" dirty="0"/>
+              <a:t> or </a:t>
+            </a:r>
+            <a:r>
+              <a:rPr lang="fr-FR" sz="2400" i="0" dirty="0" err="1"/>
+              <a:t>configuring</a:t>
+            </a:r>
+            <a:r>
+              <a:rPr lang="fr-FR" sz="2400" i="0" dirty="0"/>
+              <a:t> a CAS </a:t>
+            </a:r>
+            <a:r>
+              <a:rPr lang="fr-FR" sz="2400" i="0" dirty="0" smtClean="0"/>
+              <a:t>server</a:t>
+            </a:r>
+            <a:endParaRPr lang="fr-FR" sz="2400" i="0" dirty="0"/>
+          </a:p>
+          <a:p>
+            <a:pPr marL="3175" indent="0">
+              <a:lnSpc>
+                <a:spcPct val="100000"/>
+              </a:lnSpc>
+              <a:buClr>
+                <a:srgbClr val="FF9900"/>
+              </a:buClr>
+              <a:buSzPct val="120000"/>
+              <a:buNone/>
+            </a:pPr>
+            <a:r>
+              <a:rPr lang="fr-FR" sz="2400" i="0" dirty="0" smtClean="0"/>
+              <a:t> - the </a:t>
+            </a:r>
+            <a:r>
+              <a:rPr lang="fr-FR" sz="2400" i="0" dirty="0"/>
+              <a:t>second part </a:t>
+            </a:r>
+            <a:r>
+              <a:rPr lang="fr-FR" sz="2400" i="0" dirty="0" err="1"/>
+              <a:t>consists</a:t>
+            </a:r>
+            <a:r>
+              <a:rPr lang="fr-FR" sz="2400" i="0" dirty="0"/>
+              <a:t> of setting up the portal to use the CAS server. </a:t>
+            </a:r>
+            <a:endParaRPr lang="fr-FR" sz="2400" i="0" dirty="0" smtClean="0"/>
+          </a:p>
+          <a:p>
+            <a:pPr>
+              <a:lnSpc>
+                <a:spcPct val="100000"/>
+              </a:lnSpc>
+              <a:buClr>
+                <a:srgbClr val="FF9900"/>
+              </a:buClr>
+              <a:buSzPct val="120000"/>
+              <a:buFont typeface="Lucida Grande"/>
+              <a:buChar char="»"/>
+            </a:pPr>
+            <a:r>
+              <a:rPr lang="fr-FR" sz="2200" i="0" dirty="0" smtClean="0"/>
+              <a:t>To </a:t>
+            </a:r>
+            <a:r>
+              <a:rPr lang="fr-FR" sz="2200" i="0" dirty="0" err="1" smtClean="0"/>
+              <a:t>install</a:t>
+            </a:r>
+            <a:r>
+              <a:rPr lang="fr-FR" sz="2200" i="0" dirty="0" smtClean="0"/>
+              <a:t> the CAS server, </a:t>
+            </a:r>
+            <a:r>
+              <a:rPr lang="fr-FR" sz="2200" i="0" dirty="0"/>
+              <a:t>copy the </a:t>
+            </a:r>
+            <a:r>
+              <a:rPr lang="fr-FR" sz="2200" i="0" dirty="0" err="1" smtClean="0"/>
+              <a:t>cas.war</a:t>
+            </a:r>
+            <a:r>
+              <a:rPr lang="fr-FR" sz="2200" i="0" dirty="0" smtClean="0"/>
+              <a:t> </a:t>
+            </a:r>
+            <a:r>
+              <a:rPr lang="fr-FR" sz="2200" i="0" dirty="0" smtClean="0"/>
+              <a:t>in the </a:t>
+            </a:r>
+            <a:r>
+              <a:rPr lang="fr-FR" sz="2200" i="0" dirty="0" err="1" smtClean="0"/>
+              <a:t>tomcat</a:t>
+            </a:r>
+            <a:r>
+              <a:rPr lang="fr-FR" sz="2200" i="0" dirty="0" smtClean="0"/>
+              <a:t>/</a:t>
+            </a:r>
+            <a:r>
+              <a:rPr lang="fr-FR" sz="2200" i="0" dirty="0" err="1" smtClean="0"/>
+              <a:t>webapp</a:t>
+            </a:r>
+            <a:endParaRPr lang="fr-FR" sz="2200" i="0" dirty="0" smtClean="0"/>
+          </a:p>
+          <a:p>
+            <a:pPr>
+              <a:lnSpc>
+                <a:spcPct val="100000"/>
+              </a:lnSpc>
+              <a:buClr>
+                <a:srgbClr val="FF9900"/>
+              </a:buClr>
+              <a:buSzPct val="120000"/>
+              <a:buFont typeface="Lucida Grande"/>
+              <a:buChar char="»"/>
+            </a:pPr>
+            <a:r>
+              <a:rPr lang="fr-FR" sz="2200" i="0" dirty="0" smtClean="0"/>
+              <a:t>For the </a:t>
+            </a:r>
+            <a:r>
+              <a:rPr lang="fr-FR" sz="2200" i="0" dirty="0" err="1" smtClean="0"/>
+              <a:t>exercise</a:t>
+            </a:r>
+            <a:r>
+              <a:rPr lang="fr-FR" sz="2200" i="0" dirty="0" smtClean="0"/>
+              <a:t>, </a:t>
+            </a:r>
+            <a:r>
+              <a:rPr lang="fr-FR" sz="2200" i="0" dirty="0" err="1" smtClean="0"/>
+              <a:t>we</a:t>
+            </a:r>
+            <a:r>
+              <a:rPr lang="fr-FR" sz="2200" i="0" dirty="0" smtClean="0"/>
+              <a:t> </a:t>
+            </a:r>
+            <a:r>
+              <a:rPr lang="fr-FR" sz="2200" i="0" dirty="0" err="1" smtClean="0"/>
+              <a:t>will</a:t>
+            </a:r>
+            <a:r>
+              <a:rPr lang="fr-FR" sz="2200" i="0" dirty="0" smtClean="0"/>
+              <a:t> </a:t>
+            </a:r>
+            <a:r>
+              <a:rPr lang="fr-FR" sz="2200" i="0" dirty="0" err="1" smtClean="0"/>
+              <a:t>deploy</a:t>
+            </a:r>
+            <a:r>
+              <a:rPr lang="fr-FR" sz="2200" i="0" dirty="0" smtClean="0"/>
+              <a:t> the CAS on the </a:t>
+            </a:r>
+            <a:r>
+              <a:rPr lang="fr-FR" sz="2200" i="0" dirty="0" err="1" smtClean="0"/>
+              <a:t>same</a:t>
+            </a:r>
+            <a:r>
+              <a:rPr lang="fr-FR" sz="2200" i="0" dirty="0" smtClean="0"/>
+              <a:t> </a:t>
+            </a:r>
+            <a:r>
+              <a:rPr lang="fr-FR" sz="2200" i="0" dirty="0" err="1" smtClean="0"/>
+              <a:t>tomcat</a:t>
+            </a:r>
+            <a:r>
+              <a:rPr lang="fr-FR" sz="2200" i="0" dirty="0"/>
+              <a:t> </a:t>
+            </a:r>
+            <a:r>
+              <a:rPr lang="fr-FR" sz="2200" i="0" dirty="0" smtClean="0"/>
+              <a:t>as </a:t>
+            </a:r>
+            <a:r>
+              <a:rPr lang="fr-FR" sz="2200" i="0" dirty="0" err="1" smtClean="0"/>
+              <a:t>eXo</a:t>
+            </a:r>
+            <a:r>
+              <a:rPr lang="fr-FR" sz="2200" i="0" dirty="0" smtClean="0"/>
+              <a:t>, on production environnement, CAS server </a:t>
+            </a:r>
+            <a:r>
+              <a:rPr lang="fr-FR" sz="2200" i="0" dirty="0" err="1" smtClean="0"/>
+              <a:t>run</a:t>
+            </a:r>
+            <a:r>
+              <a:rPr lang="fr-FR" sz="2200" i="0" dirty="0" smtClean="0"/>
+              <a:t> on a </a:t>
+            </a:r>
+            <a:r>
+              <a:rPr lang="fr-FR" sz="2200" i="0" dirty="0" err="1" smtClean="0"/>
+              <a:t>standalone</a:t>
+            </a:r>
+            <a:r>
+              <a:rPr lang="fr-FR" sz="2200" i="0" dirty="0" smtClean="0"/>
+              <a:t> server.</a:t>
+            </a:r>
+            <a:endParaRPr lang="fr-FR" sz="2200" i="0" dirty="0" smtClean="0"/>
+          </a:p>
+          <a:p>
+            <a:pPr>
+              <a:lnSpc>
+                <a:spcPct val="100000"/>
+              </a:lnSpc>
+              <a:buClr>
+                <a:srgbClr val="FF9900"/>
+              </a:buClr>
+              <a:buSzPct val="120000"/>
+              <a:buFont typeface="Lucida Grande"/>
+              <a:buChar char="»"/>
+            </a:pPr>
+            <a:r>
+              <a:rPr lang="fr-FR" sz="2200" i="0" dirty="0" err="1" smtClean="0"/>
+              <a:t>cas.war</a:t>
+            </a:r>
+            <a:r>
+              <a:rPr lang="fr-FR" sz="2200" i="0" dirty="0" smtClean="0"/>
+              <a:t> has been </a:t>
+            </a:r>
+            <a:r>
+              <a:rPr lang="fr-FR" sz="2200" i="0" dirty="0" err="1" smtClean="0"/>
+              <a:t>pre-configured</a:t>
+            </a:r>
+            <a:r>
+              <a:rPr lang="fr-FR" sz="2200" i="0" dirty="0" smtClean="0"/>
+              <a:t> to </a:t>
+            </a:r>
+            <a:r>
+              <a:rPr lang="fr-FR" sz="2200" i="0" dirty="0" err="1" smtClean="0"/>
+              <a:t>work</a:t>
+            </a:r>
+            <a:r>
+              <a:rPr lang="fr-FR" sz="2200" i="0" dirty="0" smtClean="0"/>
+              <a:t> </a:t>
+            </a:r>
+            <a:r>
+              <a:rPr lang="fr-FR" sz="2200" i="0" dirty="0" err="1" smtClean="0"/>
+              <a:t>with</a:t>
+            </a:r>
+            <a:r>
+              <a:rPr lang="fr-FR" sz="2200" i="0" dirty="0" smtClean="0"/>
+              <a:t> </a:t>
+            </a:r>
+            <a:r>
+              <a:rPr lang="fr-FR" sz="2200" i="0" dirty="0" err="1" smtClean="0"/>
+              <a:t>eXo</a:t>
+            </a:r>
+            <a:r>
+              <a:rPr lang="fr-FR" sz="2200" i="0" dirty="0" smtClean="0"/>
+              <a:t>, </a:t>
+            </a:r>
+            <a:r>
+              <a:rPr lang="fr-FR" sz="2200" i="0" dirty="0" err="1" smtClean="0"/>
+              <a:t>you</a:t>
+            </a:r>
+            <a:r>
+              <a:rPr lang="fr-FR" sz="2200" i="0" dirty="0" smtClean="0"/>
+              <a:t> </a:t>
+            </a:r>
+            <a:r>
+              <a:rPr lang="fr-FR" sz="2200" i="0" dirty="0" err="1" smtClean="0"/>
+              <a:t>can</a:t>
+            </a:r>
+            <a:r>
+              <a:rPr lang="fr-FR" sz="2200" i="0" dirty="0" smtClean="0"/>
+              <a:t> </a:t>
+            </a:r>
+            <a:r>
+              <a:rPr lang="fr-FR" sz="2200" i="0" dirty="0" err="1" smtClean="0"/>
+              <a:t>find</a:t>
+            </a:r>
+            <a:r>
+              <a:rPr lang="fr-FR" sz="2200" i="0" dirty="0" smtClean="0"/>
+              <a:t> more informations </a:t>
+            </a:r>
+            <a:r>
+              <a:rPr lang="fr-FR" sz="2200" i="0" dirty="0" err="1" smtClean="0"/>
+              <a:t>here</a:t>
+            </a:r>
+            <a:r>
+              <a:rPr lang="fr-FR" sz="2200" i="0" dirty="0" smtClean="0"/>
+              <a:t>:</a:t>
+            </a:r>
+          </a:p>
+          <a:p>
+            <a:pPr>
+              <a:lnSpc>
+                <a:spcPct val="100000"/>
+              </a:lnSpc>
+              <a:buClr>
+                <a:srgbClr val="FF9900"/>
+              </a:buClr>
+              <a:buSzPct val="120000"/>
+              <a:buFont typeface="Lucida Grande"/>
+              <a:buChar char="»"/>
+            </a:pPr>
+            <a:r>
+              <a:rPr lang="fr-FR" sz="2400" b="0" i="0" dirty="0">
+                <a:solidFill>
+                  <a:schemeClr val="tx1">
+                    <a:lumMod val="75000"/>
+                    <a:lumOff val="25000"/>
+                  </a:schemeClr>
+                </a:solidFill>
+                <a:hlinkClick r:id="rId2"/>
+              </a:rPr>
+              <a:t>http://docs.jboss.com/gatein/portal/3.1.0-FINAL/reference-guide/en-US/html_single/index.html#sect-Reference_Guide-Single_Sign_On-</a:t>
+            </a:r>
+            <a:r>
+              <a:rPr lang="fr-FR" sz="2400" b="0" i="0" dirty="0" smtClean="0">
+                <a:solidFill>
+                  <a:schemeClr val="tx1">
+                    <a:lumMod val="75000"/>
+                    <a:lumOff val="25000"/>
+                  </a:schemeClr>
+                </a:solidFill>
+                <a:hlinkClick r:id="rId2"/>
+              </a:rPr>
+              <a:t>CAS_Central_Authentication_Service</a:t>
             </a:r>
             <a:endParaRPr lang="fr-FR" sz="2200" i="0" dirty="0"/>
           </a:p>
@@ -44410,6 +44658,2989 @@
 </file>
 
 <file path=ppt/slides/slide39.xml><?xml version="1.0" encoding="utf-8"?>
+<p:sld xmlns:a="http://schemas.openxmlformats.org/drawingml/2006/main" xmlns:r="http://schemas.openxmlformats.org/officeDocument/2006/relationships" xmlns:p="http://schemas.openxmlformats.org/presentationml/2006/main">
+  <p:cSld>
+    <p:spTree>
+      <p:nvGrpSpPr>
+        <p:cNvPr id="1" name=""/>
+        <p:cNvGrpSpPr/>
+        <p:nvPr/>
+      </p:nvGrpSpPr>
+      <p:grpSpPr>
+        <a:xfrm>
+          <a:off x="0" y="0"/>
+          <a:ext cx="0" cy="0"/>
+          <a:chOff x="0" y="0"/>
+          <a:chExt cx="0" cy="0"/>
+        </a:xfrm>
+      </p:grpSpPr>
+      <p:sp>
+        <p:nvSpPr>
+          <p:cNvPr id="15362" name="Rectangle 1"/>
+          <p:cNvSpPr>
+            <a:spLocks noGrp="1" noChangeArrowheads="1"/>
+          </p:cNvSpPr>
+          <p:nvPr>
+            <p:ph type="title"/>
+          </p:nvPr>
+        </p:nvSpPr>
+        <p:spPr>
+          <a:xfrm>
+            <a:off x="490435" y="255926"/>
+            <a:ext cx="10179255" cy="454024"/>
+          </a:xfrm>
+        </p:spPr>
+        <p:txBody>
+          <a:bodyPr rIns="41783" anchor="b"/>
+          <a:lstStyle/>
+          <a:p>
+            <a:r>
+              <a:rPr lang="fr-FR" dirty="0" err="1" smtClean="0"/>
+              <a:t>Exercise</a:t>
+            </a:r>
+            <a:r>
+              <a:rPr lang="fr-FR" dirty="0" smtClean="0"/>
+              <a:t> 70c : SSO CAS</a:t>
+            </a:r>
+            <a:endParaRPr lang="fr-FR" dirty="0"/>
+          </a:p>
+        </p:txBody>
+      </p:sp>
+      <p:sp>
+        <p:nvSpPr>
+          <p:cNvPr id="15363" name="Rectangle 2"/>
+          <p:cNvSpPr>
+            <a:spLocks noGrp="1" noChangeArrowheads="1"/>
+          </p:cNvSpPr>
+          <p:nvPr>
+            <p:ph type="body" idx="1"/>
+          </p:nvPr>
+        </p:nvSpPr>
+        <p:spPr>
+          <a:xfrm>
+            <a:off x="472905" y="971525"/>
+            <a:ext cx="10219725" cy="5688632"/>
+          </a:xfrm>
+        </p:spPr>
+        <p:txBody>
+          <a:bodyPr rIns="41783" anchor="t"/>
+          <a:lstStyle/>
+          <a:p>
+            <a:pPr>
+              <a:lnSpc>
+                <a:spcPct val="100000"/>
+              </a:lnSpc>
+              <a:buClr>
+                <a:srgbClr val="FF9900"/>
+              </a:buClr>
+              <a:buSzPct val="120000"/>
+              <a:buFont typeface="Lucida Grande"/>
+              <a:buChar char="»"/>
+            </a:pPr>
+            <a:r>
+              <a:rPr lang="fr-CA" sz="2200" i="0" dirty="0" err="1"/>
+              <a:t>E</a:t>
+            </a:r>
+            <a:r>
+              <a:rPr lang="fr-CA" sz="2200" i="0" dirty="0" err="1" smtClean="0"/>
+              <a:t>dit</a:t>
+            </a:r>
+            <a:r>
+              <a:rPr lang="fr-CA" sz="2200" i="0" dirty="0" smtClean="0"/>
+              <a:t> </a:t>
+            </a:r>
+            <a:r>
+              <a:rPr lang="fr-CA" sz="2200" i="0" dirty="0"/>
+              <a:t>the </a:t>
+            </a:r>
+            <a:r>
+              <a:rPr lang="fr-CA" sz="2200" i="0" dirty="0" err="1"/>
+              <a:t>server.xml</a:t>
+            </a:r>
+            <a:r>
+              <a:rPr lang="fr-CA" sz="2200" i="0" dirty="0"/>
+              <a:t> file in </a:t>
+            </a:r>
+            <a:r>
+              <a:rPr lang="fr-CA" sz="2200" i="0" dirty="0" err="1"/>
+              <a:t>tomcat</a:t>
+            </a:r>
+            <a:r>
+              <a:rPr lang="fr-CA" sz="2200" i="0" dirty="0"/>
+              <a:t> and </a:t>
+            </a:r>
+            <a:r>
+              <a:rPr lang="fr-CA" sz="2200" i="0" dirty="0" err="1"/>
+              <a:t>uncomment</a:t>
+            </a:r>
+            <a:r>
+              <a:rPr lang="fr-CA" sz="2200" i="0" dirty="0"/>
+              <a:t> the SSL section to open up port 8443.</a:t>
+            </a:r>
+          </a:p>
+          <a:p>
+            <a:pPr marL="3175" indent="0">
+              <a:lnSpc>
+                <a:spcPct val="50000"/>
+              </a:lnSpc>
+              <a:buNone/>
+            </a:pPr>
+            <a:r>
+              <a:rPr lang="fr-CA" sz="1200" b="0" i="0" dirty="0" smtClean="0"/>
+              <a:t>	&lt;</a:t>
+            </a:r>
+            <a:r>
+              <a:rPr lang="fr-CA" sz="1200" b="0" i="0" dirty="0"/>
+              <a:t>!-- </a:t>
+            </a:r>
+            <a:r>
+              <a:rPr lang="fr-CA" sz="1200" b="0" i="0" dirty="0" err="1"/>
+              <a:t>Define</a:t>
+            </a:r>
+            <a:r>
+              <a:rPr lang="fr-CA" sz="1200" b="0" i="0" dirty="0"/>
+              <a:t> a SSL HTTP/1.1 </a:t>
+            </a:r>
+            <a:r>
+              <a:rPr lang="fr-CA" sz="1200" b="0" i="0" dirty="0" err="1"/>
+              <a:t>Connector</a:t>
+            </a:r>
+            <a:r>
+              <a:rPr lang="fr-CA" sz="1200" b="0" i="0" dirty="0"/>
+              <a:t> on port 8443 --&gt;</a:t>
+            </a:r>
+          </a:p>
+          <a:p>
+            <a:pPr marL="3175" indent="0">
+              <a:lnSpc>
+                <a:spcPct val="50000"/>
+              </a:lnSpc>
+              <a:buNone/>
+            </a:pPr>
+            <a:r>
+              <a:rPr lang="fr-CA" sz="1200" b="0" i="0" dirty="0" smtClean="0"/>
+              <a:t>	&lt;</a:t>
+            </a:r>
+            <a:r>
+              <a:rPr lang="fr-CA" sz="1200" b="0" i="0" dirty="0" err="1"/>
+              <a:t>Connector</a:t>
+            </a:r>
+            <a:r>
+              <a:rPr lang="fr-CA" sz="1200" b="0" i="0" dirty="0"/>
+              <a:t> port="8443" </a:t>
+            </a:r>
+            <a:r>
+              <a:rPr lang="fr-CA" sz="1200" b="0" i="0" dirty="0" err="1"/>
+              <a:t>maxHttpHeaderSize</a:t>
+            </a:r>
+            <a:r>
+              <a:rPr lang="fr-CA" sz="1200" b="0" i="0" dirty="0"/>
+              <a:t>="8192"</a:t>
+            </a:r>
+          </a:p>
+          <a:p>
+            <a:pPr marL="3175" indent="0">
+              <a:lnSpc>
+                <a:spcPct val="50000"/>
+              </a:lnSpc>
+              <a:buNone/>
+            </a:pPr>
+            <a:r>
+              <a:rPr lang="fr-CA" sz="1200" b="0" i="0" dirty="0" smtClean="0"/>
+              <a:t>	</a:t>
+            </a:r>
+            <a:r>
+              <a:rPr lang="fr-CA" sz="1200" b="0" i="0" dirty="0" err="1" smtClean="0"/>
+              <a:t>maxThreads</a:t>
+            </a:r>
+            <a:r>
+              <a:rPr lang="fr-CA" sz="1200" b="0" i="0" dirty="0"/>
+              <a:t>="150" </a:t>
+            </a:r>
+            <a:r>
+              <a:rPr lang="fr-CA" sz="1200" b="0" i="0" dirty="0" err="1"/>
+              <a:t>minSpareThreads</a:t>
+            </a:r>
+            <a:r>
+              <a:rPr lang="fr-CA" sz="1200" b="0" i="0" dirty="0"/>
+              <a:t>="25" </a:t>
+            </a:r>
+            <a:r>
+              <a:rPr lang="fr-CA" sz="1200" b="0" i="0" dirty="0" err="1"/>
+              <a:t>maxSpareThreads</a:t>
+            </a:r>
+            <a:r>
+              <a:rPr lang="fr-CA" sz="1200" b="0" i="0" dirty="0"/>
+              <a:t>="75"</a:t>
+            </a:r>
+          </a:p>
+          <a:p>
+            <a:pPr marL="3175" indent="0">
+              <a:lnSpc>
+                <a:spcPct val="50000"/>
+              </a:lnSpc>
+              <a:buNone/>
+            </a:pPr>
+            <a:r>
+              <a:rPr lang="fr-CA" sz="1200" b="0" i="0" dirty="0" smtClean="0"/>
+              <a:t>	</a:t>
+            </a:r>
+            <a:r>
+              <a:rPr lang="fr-CA" sz="1200" b="0" i="0" dirty="0" err="1" smtClean="0"/>
+              <a:t>enableLookups</a:t>
+            </a:r>
+            <a:r>
+              <a:rPr lang="fr-CA" sz="1200" b="0" i="0" dirty="0"/>
+              <a:t>="false" </a:t>
+            </a:r>
+            <a:r>
+              <a:rPr lang="fr-CA" sz="1200" b="0" i="0" dirty="0" err="1"/>
+              <a:t>disableUploadTimeout</a:t>
+            </a:r>
+            <a:r>
+              <a:rPr lang="fr-CA" sz="1200" b="0" i="0" dirty="0"/>
+              <a:t>="</a:t>
+            </a:r>
+            <a:r>
+              <a:rPr lang="fr-CA" sz="1200" b="0" i="0" dirty="0" err="1" smtClean="0"/>
+              <a:t>true</a:t>
+            </a:r>
+            <a:r>
+              <a:rPr lang="fr-CA" sz="1200" b="0" i="0" dirty="0" smtClean="0"/>
+              <a:t>" </a:t>
+            </a:r>
+            <a:r>
+              <a:rPr lang="fr-CA" sz="1200" b="0" i="0" dirty="0" err="1" smtClean="0"/>
+              <a:t>acceptCount</a:t>
+            </a:r>
+            <a:r>
+              <a:rPr lang="fr-CA" sz="1200" b="0" i="0" dirty="0" smtClean="0"/>
+              <a:t>="100" </a:t>
+            </a:r>
+            <a:r>
+              <a:rPr lang="fr-CA" sz="1200" b="0" i="0" dirty="0" err="1" smtClean="0"/>
+              <a:t>scheme</a:t>
+            </a:r>
+            <a:r>
+              <a:rPr lang="fr-CA" sz="1200" b="0" i="0" dirty="0" smtClean="0"/>
+              <a:t>="</a:t>
+            </a:r>
+            <a:r>
+              <a:rPr lang="fr-CA" sz="1200" b="0" i="0" dirty="0" err="1" smtClean="0"/>
+              <a:t>https</a:t>
+            </a:r>
+            <a:r>
+              <a:rPr lang="fr-CA" sz="1200" b="0" i="0" dirty="0" smtClean="0"/>
+              <a:t>" </a:t>
+            </a:r>
+          </a:p>
+          <a:p>
+            <a:pPr marL="3175" indent="0">
+              <a:lnSpc>
+                <a:spcPct val="50000"/>
+              </a:lnSpc>
+              <a:buNone/>
+            </a:pPr>
+            <a:r>
+              <a:rPr lang="fr-CA" sz="1200" b="0" i="0" dirty="0"/>
+              <a:t>	</a:t>
+            </a:r>
+            <a:r>
+              <a:rPr lang="fr-CA" sz="1200" b="0" i="0" dirty="0" err="1" smtClean="0"/>
+              <a:t>secure</a:t>
+            </a:r>
+            <a:r>
+              <a:rPr lang="fr-CA" sz="1200" b="0" i="0" dirty="0" smtClean="0"/>
+              <a:t>="</a:t>
+            </a:r>
+            <a:r>
+              <a:rPr lang="fr-CA" sz="1200" b="0" i="0" dirty="0" err="1" smtClean="0"/>
+              <a:t>true</a:t>
+            </a:r>
+            <a:r>
+              <a:rPr lang="fr-CA" sz="1200" b="0" i="0" dirty="0" smtClean="0"/>
+              <a:t>" </a:t>
+            </a:r>
+            <a:r>
+              <a:rPr lang="fr-CA" sz="1200" b="0" i="0" dirty="0" err="1" smtClean="0"/>
+              <a:t>clientAuth</a:t>
+            </a:r>
+            <a:r>
+              <a:rPr lang="fr-CA" sz="1200" b="0" i="0" dirty="0"/>
+              <a:t>="false" </a:t>
+            </a:r>
+            <a:r>
+              <a:rPr lang="fr-CA" sz="1200" b="0" i="0" dirty="0" err="1"/>
+              <a:t>sslProtocol</a:t>
+            </a:r>
+            <a:r>
+              <a:rPr lang="fr-CA" sz="1200" b="0" i="0" dirty="0"/>
+              <a:t>="TLS" /</a:t>
+            </a:r>
+            <a:r>
+              <a:rPr lang="fr-CA" sz="1200" b="0" i="0" dirty="0" smtClean="0"/>
+              <a:t>&gt;</a:t>
+            </a:r>
+            <a:endParaRPr lang="fr-CA" sz="1200" b="0" i="0" dirty="0"/>
+          </a:p>
+          <a:p>
+            <a:pPr>
+              <a:lnSpc>
+                <a:spcPct val="100000"/>
+              </a:lnSpc>
+              <a:buClr>
+                <a:srgbClr val="FF9900"/>
+              </a:buClr>
+              <a:buSzPct val="120000"/>
+              <a:buFont typeface="Lucida Grande"/>
+              <a:buChar char="»"/>
+            </a:pPr>
+            <a:r>
+              <a:rPr lang="fr-FR" sz="2200" i="0" dirty="0" err="1"/>
+              <a:t>Now</a:t>
+            </a:r>
+            <a:r>
+              <a:rPr lang="fr-FR" sz="2200" i="0" dirty="0"/>
+              <a:t>, </a:t>
+            </a:r>
+            <a:r>
+              <a:rPr lang="fr-FR" sz="2200" i="0" dirty="0" err="1"/>
+              <a:t>we</a:t>
+            </a:r>
+            <a:r>
+              <a:rPr lang="fr-FR" sz="2200" i="0" dirty="0"/>
+              <a:t> </a:t>
+            </a:r>
+            <a:r>
+              <a:rPr lang="fr-FR" sz="2200" i="0" dirty="0" err="1"/>
+              <a:t>will</a:t>
+            </a:r>
+            <a:r>
+              <a:rPr lang="fr-FR" sz="2200" i="0" dirty="0"/>
+              <a:t> setup the </a:t>
+            </a:r>
+            <a:r>
+              <a:rPr lang="fr-FR" sz="2200" i="0" dirty="0" smtClean="0"/>
+              <a:t>client</a:t>
+            </a:r>
+          </a:p>
+          <a:p>
+            <a:pPr>
+              <a:lnSpc>
+                <a:spcPct val="100000"/>
+              </a:lnSpc>
+              <a:buClr>
+                <a:srgbClr val="FF9900"/>
+              </a:buClr>
+              <a:buSzPct val="120000"/>
+              <a:buFont typeface="Lucida Grande"/>
+              <a:buChar char="»"/>
+            </a:pPr>
+            <a:r>
+              <a:rPr lang="fr-CA" sz="2200" i="0" dirty="0" err="1" smtClean="0"/>
+              <a:t>Generate</a:t>
+            </a:r>
+            <a:r>
+              <a:rPr lang="fr-CA" sz="2200" i="0" dirty="0" smtClean="0"/>
+              <a:t> </a:t>
+            </a:r>
+            <a:r>
+              <a:rPr lang="fr-CA" sz="2200" i="0" dirty="0"/>
+              <a:t>the SSL </a:t>
+            </a:r>
+            <a:r>
+              <a:rPr lang="fr-CA" sz="2200" i="0" dirty="0" err="1"/>
+              <a:t>cert</a:t>
+            </a:r>
+            <a:r>
+              <a:rPr lang="fr-CA" sz="2200" i="0" dirty="0"/>
+              <a:t> </a:t>
+            </a:r>
+            <a:r>
+              <a:rPr lang="fr-CA" sz="2200" i="0" dirty="0" err="1"/>
+              <a:t>with</a:t>
+            </a:r>
+            <a:r>
+              <a:rPr lang="fr-CA" sz="2200" i="0" dirty="0"/>
+              <a:t> Java </a:t>
+            </a:r>
+            <a:r>
+              <a:rPr lang="fr-CA" sz="2200" i="0" dirty="0" err="1" smtClean="0"/>
+              <a:t>keytool</a:t>
+            </a:r>
+            <a:r>
+              <a:rPr lang="fr-CA" sz="2200" i="0" dirty="0" smtClean="0"/>
+              <a:t> (</a:t>
+            </a:r>
+            <a:r>
+              <a:rPr lang="fr-CA" sz="2200" i="0" dirty="0" err="1"/>
+              <a:t>Answer</a:t>
+            </a:r>
+            <a:r>
+              <a:rPr lang="fr-CA" sz="2200" i="0" dirty="0"/>
+              <a:t> the questions: </a:t>
+            </a:r>
+            <a:r>
+              <a:rPr lang="fr-CA" sz="2200" i="0" dirty="0" err="1" smtClean="0"/>
+              <a:t>your</a:t>
+            </a:r>
+            <a:r>
+              <a:rPr lang="fr-CA" sz="2200" i="0" dirty="0" smtClean="0"/>
+              <a:t> </a:t>
+            </a:r>
+            <a:r>
+              <a:rPr lang="fr-CA" sz="2200" i="0" dirty="0" err="1"/>
+              <a:t>firstname</a:t>
+            </a:r>
+            <a:r>
+              <a:rPr lang="fr-CA" sz="2200" i="0" dirty="0"/>
+              <a:t> and </a:t>
+            </a:r>
+            <a:r>
+              <a:rPr lang="fr-CA" sz="2200" i="0" dirty="0" err="1"/>
+              <a:t>lastname</a:t>
+            </a:r>
+            <a:r>
+              <a:rPr lang="fr-CA" sz="2200" i="0" dirty="0"/>
+              <a:t> MUST </a:t>
+            </a:r>
+            <a:r>
+              <a:rPr lang="fr-CA" sz="2200" i="0" dirty="0" err="1"/>
+              <a:t>be</a:t>
+            </a:r>
+            <a:r>
+              <a:rPr lang="fr-CA" sz="2200" i="0" dirty="0"/>
+              <a:t> </a:t>
+            </a:r>
+            <a:r>
+              <a:rPr lang="fr-CA" sz="2200" i="0" dirty="0" err="1"/>
+              <a:t>hostname</a:t>
+            </a:r>
+            <a:r>
+              <a:rPr lang="fr-CA" sz="2200" i="0" dirty="0"/>
+              <a:t> </a:t>
+            </a:r>
+            <a:r>
+              <a:rPr lang="fr-CA" sz="2200" i="0" dirty="0" smtClean="0"/>
+              <a:t>(</a:t>
+            </a:r>
+            <a:r>
+              <a:rPr lang="fr-CA" sz="2200" i="0" dirty="0" err="1" smtClean="0"/>
+              <a:t>localhost</a:t>
+            </a:r>
+            <a:r>
+              <a:rPr lang="fr-CA" sz="2200" i="0" dirty="0" smtClean="0"/>
+              <a:t> for </a:t>
+            </a:r>
+            <a:r>
+              <a:rPr lang="fr-CA" sz="2200" i="0" dirty="0" err="1" smtClean="0"/>
+              <a:t>testing</a:t>
+            </a:r>
+            <a:r>
+              <a:rPr lang="fr-CA" sz="2200" i="0" dirty="0" smtClean="0"/>
+              <a:t>) of </a:t>
+            </a:r>
+            <a:r>
+              <a:rPr lang="fr-CA" sz="2200" i="0" dirty="0" err="1"/>
+              <a:t>your</a:t>
+            </a:r>
+            <a:r>
+              <a:rPr lang="fr-CA" sz="2200" i="0" dirty="0"/>
+              <a:t> server and </a:t>
+            </a:r>
+            <a:r>
+              <a:rPr lang="fr-CA" sz="2200" i="0" dirty="0" err="1"/>
+              <a:t>cannot</a:t>
+            </a:r>
+            <a:r>
+              <a:rPr lang="fr-CA" sz="2200" i="0" dirty="0"/>
+              <a:t> </a:t>
+            </a:r>
+            <a:r>
+              <a:rPr lang="fr-CA" sz="2200" i="0" dirty="0" err="1"/>
+              <a:t>be</a:t>
+            </a:r>
+            <a:r>
+              <a:rPr lang="fr-CA" sz="2200" i="0" dirty="0"/>
+              <a:t> a IP </a:t>
+            </a:r>
+            <a:r>
+              <a:rPr lang="fr-CA" sz="2200" i="0" dirty="0" err="1" smtClean="0"/>
+              <a:t>address</a:t>
+            </a:r>
+            <a:r>
+              <a:rPr lang="fr-CA" sz="2200" i="0" dirty="0" smtClean="0"/>
+              <a:t>):</a:t>
+            </a:r>
+          </a:p>
+          <a:p>
+            <a:pPr marL="3175" indent="0">
+              <a:lnSpc>
+                <a:spcPct val="100000"/>
+              </a:lnSpc>
+              <a:buClr>
+                <a:srgbClr val="FF9900"/>
+              </a:buClr>
+              <a:buSzPct val="120000"/>
+              <a:buNone/>
+            </a:pPr>
+            <a:r>
+              <a:rPr lang="fr-CA" sz="1800" b="0" i="0" dirty="0" err="1" smtClean="0"/>
+              <a:t>keytool</a:t>
+            </a:r>
+            <a:r>
+              <a:rPr lang="fr-CA" sz="1800" b="0" i="0" dirty="0" smtClean="0"/>
+              <a:t> </a:t>
+            </a:r>
+            <a:r>
+              <a:rPr lang="fr-CA" sz="1800" b="0" i="0" dirty="0"/>
+              <a:t>-</a:t>
+            </a:r>
+            <a:r>
+              <a:rPr lang="fr-CA" sz="1800" b="0" i="0" dirty="0" err="1"/>
+              <a:t>genkey</a:t>
+            </a:r>
+            <a:r>
+              <a:rPr lang="fr-CA" sz="1800" b="0" i="0" dirty="0"/>
+              <a:t> -alias </a:t>
+            </a:r>
+            <a:r>
+              <a:rPr lang="fr-CA" sz="1800" b="0" i="0" dirty="0" err="1"/>
+              <a:t>tomcat</a:t>
+            </a:r>
+            <a:r>
+              <a:rPr lang="fr-CA" sz="1800" b="0" i="0" dirty="0"/>
+              <a:t> -</a:t>
+            </a:r>
+            <a:r>
+              <a:rPr lang="fr-CA" sz="1800" b="0" i="0" dirty="0" err="1"/>
+              <a:t>keypass</a:t>
+            </a:r>
+            <a:r>
+              <a:rPr lang="fr-CA" sz="1800" b="0" i="0" dirty="0"/>
+              <a:t> </a:t>
+            </a:r>
+            <a:r>
+              <a:rPr lang="fr-CA" sz="1800" b="0" i="0" dirty="0" err="1"/>
+              <a:t>changeit</a:t>
+            </a:r>
+            <a:r>
+              <a:rPr lang="fr-CA" sz="1800" b="0" i="0" dirty="0"/>
+              <a:t> -</a:t>
+            </a:r>
+            <a:r>
+              <a:rPr lang="fr-CA" sz="1800" b="0" i="0" dirty="0" err="1"/>
+              <a:t>keyalg</a:t>
+            </a:r>
+            <a:r>
+              <a:rPr lang="fr-CA" sz="1800" b="0" i="0" dirty="0"/>
+              <a:t> </a:t>
+            </a:r>
+            <a:r>
+              <a:rPr lang="fr-CA" sz="1800" b="0" i="0" dirty="0" smtClean="0"/>
+              <a:t>RSA</a:t>
+            </a:r>
+          </a:p>
+          <a:p>
+            <a:pPr>
+              <a:lnSpc>
+                <a:spcPct val="100000"/>
+              </a:lnSpc>
+              <a:buClr>
+                <a:srgbClr val="FF9900"/>
+              </a:buClr>
+              <a:buSzPct val="120000"/>
+              <a:buFont typeface="Lucida Grande"/>
+              <a:buChar char="»"/>
+            </a:pPr>
+            <a:r>
+              <a:rPr lang="fr-CA" sz="2200" i="0" dirty="0" smtClean="0"/>
+              <a:t>Export </a:t>
+            </a:r>
+            <a:r>
+              <a:rPr lang="fr-CA" sz="2200" i="0" dirty="0" err="1" smtClean="0"/>
+              <a:t>it</a:t>
+            </a:r>
+            <a:r>
+              <a:rPr lang="fr-CA" sz="2200" i="0" dirty="0" smtClean="0"/>
+              <a:t> : </a:t>
+            </a:r>
+            <a:r>
+              <a:rPr lang="fr-CA" sz="1800" b="0" i="0" dirty="0" err="1" smtClean="0"/>
+              <a:t>keytool</a:t>
+            </a:r>
+            <a:r>
+              <a:rPr lang="fr-CA" sz="1800" b="0" i="0" dirty="0" smtClean="0"/>
+              <a:t> </a:t>
+            </a:r>
+            <a:r>
+              <a:rPr lang="fr-CA" sz="1800" b="0" i="0" dirty="0"/>
+              <a:t>-export -alias </a:t>
+            </a:r>
+            <a:r>
+              <a:rPr lang="fr-CA" sz="1800" b="0" i="0" dirty="0" err="1"/>
+              <a:t>tomcat</a:t>
+            </a:r>
+            <a:r>
+              <a:rPr lang="fr-CA" sz="1800" b="0" i="0" dirty="0"/>
+              <a:t> -</a:t>
+            </a:r>
+            <a:r>
+              <a:rPr lang="fr-CA" sz="1800" b="0" i="0" dirty="0" err="1"/>
+              <a:t>keypass</a:t>
+            </a:r>
+            <a:r>
+              <a:rPr lang="fr-CA" sz="1800" b="0" i="0" dirty="0"/>
+              <a:t> </a:t>
+            </a:r>
+            <a:r>
+              <a:rPr lang="fr-CA" sz="1800" b="0" i="0" dirty="0" err="1"/>
+              <a:t>changeit</a:t>
+            </a:r>
+            <a:r>
+              <a:rPr lang="fr-CA" sz="1800" b="0" i="0" dirty="0"/>
+              <a:t> -file %FILE_NAME</a:t>
+            </a:r>
+            <a:r>
+              <a:rPr lang="fr-CA" sz="1800" b="0" i="0" dirty="0" smtClean="0"/>
+              <a:t>%</a:t>
+            </a:r>
+            <a:endParaRPr lang="fr-CA" sz="1800" dirty="0"/>
+          </a:p>
+          <a:p>
+            <a:pPr>
+              <a:lnSpc>
+                <a:spcPct val="100000"/>
+              </a:lnSpc>
+              <a:buClr>
+                <a:srgbClr val="FF9900"/>
+              </a:buClr>
+              <a:buSzPct val="120000"/>
+              <a:buFont typeface="Lucida Grande"/>
+              <a:buChar char="»"/>
+            </a:pPr>
+            <a:r>
+              <a:rPr lang="fr-CA" sz="2200" i="0" dirty="0" err="1"/>
+              <a:t>Finally</a:t>
+            </a:r>
+            <a:r>
+              <a:rPr lang="fr-CA" sz="2200" i="0" dirty="0"/>
+              <a:t> import the </a:t>
+            </a:r>
+            <a:r>
+              <a:rPr lang="fr-CA" sz="2200" i="0" dirty="0" err="1"/>
+              <a:t>cert</a:t>
+            </a:r>
+            <a:r>
+              <a:rPr lang="fr-CA" sz="2200" i="0" dirty="0"/>
+              <a:t> </a:t>
+            </a:r>
+            <a:r>
+              <a:rPr lang="fr-CA" sz="2200" i="0" dirty="0" err="1"/>
+              <a:t>into</a:t>
+            </a:r>
+            <a:r>
+              <a:rPr lang="fr-CA" sz="2200" i="0" dirty="0"/>
+              <a:t> </a:t>
+            </a:r>
+            <a:r>
+              <a:rPr lang="fr-CA" sz="2200" i="0" dirty="0" err="1"/>
+              <a:t>Java's</a:t>
+            </a:r>
+            <a:r>
+              <a:rPr lang="fr-CA" sz="2200" i="0" dirty="0"/>
+              <a:t> </a:t>
+            </a:r>
+            <a:r>
+              <a:rPr lang="fr-CA" sz="2200" i="0" dirty="0" err="1" smtClean="0"/>
+              <a:t>keystore</a:t>
+            </a:r>
+            <a:r>
+              <a:rPr lang="fr-CA" sz="2200" i="0" dirty="0" smtClean="0"/>
+              <a:t> </a:t>
+            </a:r>
+            <a:r>
+              <a:rPr lang="fr-CA" sz="1800" dirty="0" smtClean="0"/>
+              <a:t>:</a:t>
+            </a:r>
+            <a:r>
+              <a:rPr lang="fr-CA" sz="1800" dirty="0"/>
+              <a:t>	 </a:t>
+            </a:r>
+            <a:r>
+              <a:rPr lang="fr-CA" sz="1800" b="0" i="0" dirty="0" err="1" smtClean="0"/>
+              <a:t>keytool</a:t>
+            </a:r>
+            <a:r>
+              <a:rPr lang="fr-CA" sz="1800" b="0" i="0" dirty="0" smtClean="0"/>
+              <a:t> </a:t>
+            </a:r>
+            <a:r>
+              <a:rPr lang="fr-CA" sz="1800" b="0" i="0" dirty="0"/>
+              <a:t>-import -alias </a:t>
+            </a:r>
+            <a:r>
+              <a:rPr lang="fr-CA" sz="1800" b="0" i="0" dirty="0" err="1"/>
+              <a:t>tomcat</a:t>
+            </a:r>
+            <a:r>
+              <a:rPr lang="fr-CA" sz="1800" b="0" i="0" dirty="0"/>
+              <a:t> -file %FILE_NAME% -</a:t>
+            </a:r>
+            <a:r>
+              <a:rPr lang="fr-CA" sz="1800" b="0" i="0" dirty="0" err="1"/>
+              <a:t>keypass</a:t>
+            </a:r>
+            <a:r>
+              <a:rPr lang="fr-CA" sz="1800" b="0" i="0" dirty="0"/>
+              <a:t> </a:t>
+            </a:r>
+            <a:r>
+              <a:rPr lang="fr-CA" sz="1800" b="0" i="0" dirty="0" err="1"/>
+              <a:t>changeit</a:t>
+            </a:r>
+            <a:r>
+              <a:rPr lang="fr-CA" sz="1800" b="0" i="0" dirty="0"/>
+              <a:t> -</a:t>
+            </a:r>
+            <a:r>
+              <a:rPr lang="fr-CA" sz="1800" b="0" i="0" dirty="0" err="1"/>
+              <a:t>keystore</a:t>
+            </a:r>
+            <a:r>
+              <a:rPr lang="fr-CA" sz="1800" b="0" i="0" dirty="0"/>
+              <a:t> %JAVA_HOME%/</a:t>
+            </a:r>
+            <a:r>
+              <a:rPr lang="fr-CA" sz="1800" b="0" i="0" dirty="0" err="1"/>
+              <a:t>jre</a:t>
+            </a:r>
+            <a:r>
+              <a:rPr lang="fr-CA" sz="1800" b="0" i="0" dirty="0"/>
+              <a:t>/lib/</a:t>
+            </a:r>
+            <a:r>
+              <a:rPr lang="fr-CA" sz="1800" b="0" i="0" dirty="0" err="1"/>
+              <a:t>security</a:t>
+            </a:r>
+            <a:r>
+              <a:rPr lang="fr-CA" sz="1800" b="0" i="0" dirty="0"/>
+              <a:t>/</a:t>
+            </a:r>
+            <a:r>
+              <a:rPr lang="fr-CA" sz="1800" b="0" i="0" dirty="0" err="1"/>
+              <a:t>cacerts</a:t>
+            </a:r>
+            <a:endParaRPr lang="fr-FR" sz="1800" b="0" i="0" dirty="0" smtClean="0">
+              <a:solidFill>
+                <a:schemeClr val="tx1">
+                  <a:lumMod val="75000"/>
+                  <a:lumOff val="25000"/>
+                </a:schemeClr>
+              </a:solidFill>
+            </a:endParaRPr>
+          </a:p>
+          <a:p>
+            <a:pPr>
+              <a:lnSpc>
+                <a:spcPct val="100000"/>
+              </a:lnSpc>
+              <a:buClr>
+                <a:srgbClr val="FF9900"/>
+              </a:buClr>
+              <a:buSzPct val="120000"/>
+              <a:buFont typeface="Lucida Grande"/>
+              <a:buChar char="»"/>
+            </a:pPr>
+            <a:endParaRPr lang="fr-FR" sz="1800" b="0" i="0" dirty="0">
+              <a:solidFill>
+                <a:schemeClr val="tx1">
+                  <a:lumMod val="75000"/>
+                  <a:lumOff val="25000"/>
+                </a:schemeClr>
+              </a:solidFill>
+            </a:endParaRPr>
+          </a:p>
+          <a:p>
+            <a:pPr>
+              <a:lnSpc>
+                <a:spcPct val="100000"/>
+              </a:lnSpc>
+              <a:buClr>
+                <a:srgbClr val="FF9900"/>
+              </a:buClr>
+              <a:buSzPct val="120000"/>
+              <a:buFont typeface="Lucida Grande"/>
+              <a:buChar char="»"/>
+            </a:pPr>
+            <a:endParaRPr lang="fr-FR" sz="1800" i="0" dirty="0">
+              <a:solidFill>
+                <a:schemeClr val="tx1">
+                  <a:lumMod val="75000"/>
+                  <a:lumOff val="25000"/>
+                </a:schemeClr>
+              </a:solidFill>
+            </a:endParaRPr>
+          </a:p>
+          <a:p>
+            <a:pPr>
+              <a:lnSpc>
+                <a:spcPct val="100000"/>
+              </a:lnSpc>
+              <a:buClr>
+                <a:srgbClr val="FF9900"/>
+              </a:buClr>
+              <a:buSzPct val="120000"/>
+              <a:buFont typeface="Lucida Grande"/>
+              <a:buChar char="»"/>
+            </a:pPr>
+            <a:endParaRPr lang="fr-FR" sz="1800" i="0" dirty="0">
+              <a:solidFill>
+                <a:schemeClr val="tx1">
+                  <a:lumMod val="75000"/>
+                  <a:lumOff val="25000"/>
+                </a:schemeClr>
+              </a:solidFill>
+            </a:endParaRPr>
+          </a:p>
+        </p:txBody>
+      </p:sp>
+    </p:spTree>
+    <p:extLst>
+      <p:ext uri="{BB962C8B-B14F-4D97-AF65-F5344CB8AC3E}">
+        <p14:creationId xmlns:p14="http://schemas.microsoft.com/office/powerpoint/2010/main" val="192447714"/>
+      </p:ext>
+    </p:extLst>
+  </p:cSld>
+  <p:clrMapOvr>
+    <a:masterClrMapping/>
+  </p:clrMapOvr>
+  <p:transition xmlns:p14="http://schemas.microsoft.com/office/powerpoint/2010/main"/>
+  <p:timing>
+    <p:tnLst>
+      <p:par>
+        <p:cTn xmlns:p14="http://schemas.microsoft.com/office/powerpoint/2010/main" id="1" dur="indefinite" restart="never" nodeType="tmRoot"/>
+      </p:par>
+    </p:tnLst>
+  </p:timing>
+</p:sld>
+</file>
+
+<file path=ppt/slides/slide4.xml><?xml version="1.0" encoding="utf-8"?>
+<p:sld xmlns:a="http://schemas.openxmlformats.org/drawingml/2006/main" xmlns:r="http://schemas.openxmlformats.org/officeDocument/2006/relationships" xmlns:p="http://schemas.openxmlformats.org/presentationml/2006/main">
+  <p:cSld>
+    <p:spTree>
+      <p:nvGrpSpPr>
+        <p:cNvPr id="1" name=""/>
+        <p:cNvGrpSpPr/>
+        <p:nvPr/>
+      </p:nvGrpSpPr>
+      <p:grpSpPr>
+        <a:xfrm>
+          <a:off x="0" y="0"/>
+          <a:ext cx="0" cy="0"/>
+          <a:chOff x="0" y="0"/>
+          <a:chExt cx="0" cy="0"/>
+        </a:xfrm>
+      </p:grpSpPr>
+      <p:sp>
+        <p:nvSpPr>
+          <p:cNvPr id="15362" name="Rectangle 1"/>
+          <p:cNvSpPr>
+            <a:spLocks noGrp="1" noChangeArrowheads="1"/>
+          </p:cNvSpPr>
+          <p:nvPr>
+            <p:ph type="title"/>
+          </p:nvPr>
+        </p:nvSpPr>
+        <p:spPr>
+          <a:xfrm>
+            <a:off x="490435" y="255926"/>
+            <a:ext cx="10179255" cy="454024"/>
+          </a:xfrm>
+        </p:spPr>
+        <p:txBody>
+          <a:bodyPr rIns="41783" anchor="b"/>
+          <a:lstStyle/>
+          <a:p>
+            <a:r>
+              <a:rPr lang="fr-FR" dirty="0" err="1"/>
+              <a:t>Overview</a:t>
+            </a:r>
+            <a:r>
+              <a:rPr lang="fr-FR" dirty="0"/>
+              <a:t> of the </a:t>
+            </a:r>
+            <a:r>
+              <a:rPr lang="fr-FR" dirty="0" err="1"/>
+              <a:t>Organizational</a:t>
+            </a:r>
+            <a:r>
+              <a:rPr lang="fr-FR" dirty="0"/>
+              <a:t> Model</a:t>
+            </a:r>
+          </a:p>
+        </p:txBody>
+      </p:sp>
+      <p:sp>
+        <p:nvSpPr>
+          <p:cNvPr id="15363" name="Rectangle 2"/>
+          <p:cNvSpPr>
+            <a:spLocks noGrp="1" noChangeArrowheads="1"/>
+          </p:cNvSpPr>
+          <p:nvPr>
+            <p:ph type="body" idx="1"/>
+          </p:nvPr>
+        </p:nvSpPr>
+        <p:spPr>
+          <a:xfrm>
+            <a:off x="467494" y="1350945"/>
+            <a:ext cx="10219725" cy="5089000"/>
+          </a:xfrm>
+        </p:spPr>
+        <p:txBody>
+          <a:bodyPr rIns="41783" anchor="t"/>
+          <a:lstStyle/>
+          <a:p>
+            <a:pPr marL="265113" lvl="1" indent="-265113">
+              <a:lnSpc>
+                <a:spcPct val="100000"/>
+              </a:lnSpc>
+            </a:pPr>
+            <a:r>
+              <a:rPr lang="fr-FR" i="0" dirty="0" smtClean="0">
+                <a:solidFill>
+                  <a:schemeClr val="tx1">
+                    <a:lumMod val="75000"/>
+                    <a:lumOff val="25000"/>
+                  </a:schemeClr>
+                </a:solidFill>
+              </a:rPr>
+              <a:t>User </a:t>
+            </a:r>
+            <a:endParaRPr lang="fr-FR" i="0" dirty="0">
+              <a:solidFill>
+                <a:schemeClr val="tx1">
+                  <a:lumMod val="75000"/>
+                  <a:lumOff val="25000"/>
+                </a:schemeClr>
+              </a:solidFill>
+            </a:endParaRPr>
+          </a:p>
+          <a:p>
+            <a:pPr marL="3175" indent="0">
+              <a:buNone/>
+            </a:pPr>
+            <a:r>
+              <a:rPr lang="fr-FR" sz="2200" i="0" dirty="0" smtClean="0">
+                <a:solidFill>
+                  <a:schemeClr val="tx1">
+                    <a:lumMod val="75000"/>
+                    <a:lumOff val="25000"/>
+                  </a:schemeClr>
+                </a:solidFill>
+              </a:rPr>
+              <a:t>	- </a:t>
+            </a:r>
+            <a:r>
+              <a:rPr lang="fr-FR" sz="2200" i="0" dirty="0" err="1">
+                <a:solidFill>
+                  <a:schemeClr val="tx1">
+                    <a:lumMod val="75000"/>
+                    <a:lumOff val="25000"/>
+                  </a:schemeClr>
+                </a:solidFill>
+              </a:rPr>
+              <a:t>Username</a:t>
+            </a:r>
+            <a:r>
+              <a:rPr lang="fr-FR" sz="2200" i="0" dirty="0">
+                <a:solidFill>
+                  <a:schemeClr val="tx1">
+                    <a:lumMod val="75000"/>
+                    <a:lumOff val="25000"/>
+                  </a:schemeClr>
+                </a:solidFill>
+              </a:rPr>
+              <a:t> </a:t>
+            </a:r>
+            <a:r>
+              <a:rPr lang="fr-FR" sz="2200" i="0" dirty="0" err="1">
+                <a:solidFill>
+                  <a:schemeClr val="tx1">
+                    <a:lumMod val="75000"/>
+                    <a:lumOff val="25000"/>
+                  </a:schemeClr>
+                </a:solidFill>
+              </a:rPr>
+              <a:t>used</a:t>
+            </a:r>
+            <a:r>
+              <a:rPr lang="fr-FR" sz="2200" i="0" dirty="0">
+                <a:solidFill>
+                  <a:schemeClr val="tx1">
+                    <a:lumMod val="75000"/>
+                    <a:lumOff val="25000"/>
+                  </a:schemeClr>
+                </a:solidFill>
+              </a:rPr>
+              <a:t> as the </a:t>
+            </a:r>
+            <a:r>
+              <a:rPr lang="fr-FR" sz="2200" i="0" dirty="0" err="1">
+                <a:solidFill>
+                  <a:schemeClr val="tx1">
+                    <a:lumMod val="75000"/>
+                    <a:lumOff val="25000"/>
+                  </a:schemeClr>
+                </a:solidFill>
+              </a:rPr>
+              <a:t>identified</a:t>
+            </a:r>
+            <a:r>
+              <a:rPr lang="fr-FR" sz="2200" i="0" dirty="0">
+                <a:solidFill>
+                  <a:schemeClr val="tx1">
+                    <a:lumMod val="75000"/>
+                    <a:lumOff val="25000"/>
+                  </a:schemeClr>
+                </a:solidFill>
+              </a:rPr>
+              <a:t> Profile (</a:t>
+            </a:r>
+            <a:r>
+              <a:rPr lang="fr-FR" sz="2200" i="0" dirty="0" err="1">
+                <a:solidFill>
+                  <a:schemeClr val="tx1">
+                    <a:lumMod val="75000"/>
+                    <a:lumOff val="25000"/>
+                  </a:schemeClr>
+                </a:solidFill>
+              </a:rPr>
+              <a:t>identity</a:t>
+            </a:r>
+            <a:r>
+              <a:rPr lang="fr-FR" sz="2200" i="0" dirty="0">
+                <a:solidFill>
+                  <a:schemeClr val="tx1">
+                    <a:lumMod val="75000"/>
+                    <a:lumOff val="25000"/>
+                  </a:schemeClr>
+                </a:solidFill>
+              </a:rPr>
+              <a:t> and </a:t>
+            </a:r>
+            <a:r>
+              <a:rPr lang="fr-FR" sz="2200" i="0" dirty="0" err="1">
+                <a:solidFill>
+                  <a:schemeClr val="tx1">
+                    <a:lumMod val="75000"/>
+                    <a:lumOff val="25000"/>
+                  </a:schemeClr>
+                </a:solidFill>
+              </a:rPr>
+              <a:t>preferences</a:t>
+            </a:r>
+            <a:r>
+              <a:rPr lang="fr-FR" sz="2200" i="0" dirty="0" smtClean="0">
+                <a:solidFill>
+                  <a:schemeClr val="tx1">
+                    <a:lumMod val="75000"/>
+                    <a:lumOff val="25000"/>
+                  </a:schemeClr>
+                </a:solidFill>
+              </a:rPr>
+              <a:t>)</a:t>
+            </a:r>
+          </a:p>
+          <a:p>
+            <a:pPr>
+              <a:buClr>
+                <a:srgbClr val="FF9900"/>
+              </a:buClr>
+              <a:buSzPct val="120000"/>
+              <a:buFont typeface="Lucida Grande"/>
+              <a:buChar char="»"/>
+            </a:pPr>
+            <a:endParaRPr lang="fr-FR" sz="2200" dirty="0" smtClean="0">
+              <a:solidFill>
+                <a:schemeClr val="tx1">
+                  <a:lumMod val="75000"/>
+                  <a:lumOff val="25000"/>
+                </a:schemeClr>
+              </a:solidFill>
+            </a:endParaRPr>
+          </a:p>
+          <a:p>
+            <a:pPr>
+              <a:buClr>
+                <a:srgbClr val="FF9900"/>
+              </a:buClr>
+              <a:buSzPct val="120000"/>
+              <a:buFont typeface="Lucida Grande"/>
+              <a:buChar char="»"/>
+            </a:pPr>
+            <a:r>
+              <a:rPr lang="fr-FR" sz="2200" i="0" dirty="0" smtClean="0">
+                <a:solidFill>
+                  <a:schemeClr val="tx1">
+                    <a:lumMod val="75000"/>
+                    <a:lumOff val="25000"/>
+                  </a:schemeClr>
+                </a:solidFill>
+              </a:rPr>
+              <a:t>Group </a:t>
+            </a:r>
+            <a:endParaRPr lang="fr-FR" sz="2200" i="0" dirty="0">
+              <a:solidFill>
+                <a:schemeClr val="tx1">
+                  <a:lumMod val="75000"/>
+                  <a:lumOff val="25000"/>
+                </a:schemeClr>
+              </a:solidFill>
+            </a:endParaRPr>
+          </a:p>
+          <a:p>
+            <a:pPr marL="3175" indent="0">
+              <a:buClr>
+                <a:srgbClr val="FF9900"/>
+              </a:buClr>
+              <a:buNone/>
+            </a:pPr>
+            <a:r>
+              <a:rPr lang="fr-FR" sz="2200" i="0" dirty="0">
+                <a:solidFill>
+                  <a:schemeClr val="tx1">
+                    <a:lumMod val="75000"/>
+                    <a:lumOff val="25000"/>
+                  </a:schemeClr>
+                </a:solidFill>
+              </a:rPr>
+              <a:t>	</a:t>
+            </a:r>
+            <a:r>
+              <a:rPr lang="fr-FR" sz="2200" i="0" dirty="0" smtClean="0">
+                <a:solidFill>
+                  <a:schemeClr val="tx1">
+                    <a:lumMod val="75000"/>
+                    <a:lumOff val="25000"/>
+                  </a:schemeClr>
+                </a:solidFill>
+              </a:rPr>
+              <a:t>- </a:t>
+            </a:r>
+            <a:r>
+              <a:rPr lang="fr-FR" sz="2200" i="0" dirty="0" err="1" smtClean="0">
+                <a:solidFill>
+                  <a:schemeClr val="tx1">
+                    <a:lumMod val="75000"/>
+                    <a:lumOff val="25000"/>
+                  </a:schemeClr>
+                </a:solidFill>
+              </a:rPr>
+              <a:t>Gather</a:t>
+            </a:r>
+            <a:r>
+              <a:rPr lang="fr-FR" sz="2200" i="0" dirty="0" smtClean="0">
+                <a:solidFill>
+                  <a:schemeClr val="tx1">
+                    <a:lumMod val="75000"/>
+                    <a:lumOff val="25000"/>
+                  </a:schemeClr>
+                </a:solidFill>
+              </a:rPr>
+              <a:t> </a:t>
+            </a:r>
+            <a:r>
+              <a:rPr lang="fr-FR" sz="2200" i="0" dirty="0">
+                <a:solidFill>
+                  <a:schemeClr val="tx1">
+                    <a:lumMod val="75000"/>
+                    <a:lumOff val="25000"/>
+                  </a:schemeClr>
+                </a:solidFill>
+              </a:rPr>
+              <a:t>a set of </a:t>
+            </a:r>
+            <a:r>
+              <a:rPr lang="fr-FR" sz="2200" i="0" dirty="0" err="1">
+                <a:solidFill>
+                  <a:schemeClr val="tx1">
+                    <a:lumMod val="75000"/>
+                    <a:lumOff val="25000"/>
+                  </a:schemeClr>
+                </a:solidFill>
+              </a:rPr>
+              <a:t>users</a:t>
+            </a:r>
+            <a:r>
+              <a:rPr lang="fr-FR" sz="2200" i="0" dirty="0">
+                <a:solidFill>
+                  <a:schemeClr val="tx1">
+                    <a:lumMod val="75000"/>
+                    <a:lumOff val="25000"/>
+                  </a:schemeClr>
+                </a:solidFill>
+              </a:rPr>
+              <a:t> Applicative or business </a:t>
+            </a:r>
+          </a:p>
+          <a:p>
+            <a:pPr marL="3175" indent="0">
+              <a:buNone/>
+            </a:pPr>
+            <a:r>
+              <a:rPr lang="fr-FR" sz="2200" i="0" dirty="0">
+                <a:solidFill>
+                  <a:schemeClr val="tx1">
+                    <a:lumMod val="75000"/>
+                    <a:lumOff val="25000"/>
+                  </a:schemeClr>
+                </a:solidFill>
+              </a:rPr>
+              <a:t>	</a:t>
+            </a:r>
+            <a:r>
+              <a:rPr lang="fr-FR" sz="2200" i="0" dirty="0" smtClean="0">
+                <a:solidFill>
+                  <a:schemeClr val="tx1">
+                    <a:lumMod val="75000"/>
+                    <a:lumOff val="25000"/>
+                  </a:schemeClr>
+                </a:solidFill>
+              </a:rPr>
+              <a:t>- </a:t>
+            </a:r>
+            <a:r>
+              <a:rPr lang="fr-FR" sz="2200" i="0" dirty="0" err="1">
+                <a:solidFill>
+                  <a:schemeClr val="tx1">
+                    <a:lumMod val="75000"/>
+                    <a:lumOff val="25000"/>
+                  </a:schemeClr>
+                </a:solidFill>
+              </a:rPr>
+              <a:t>Tree</a:t>
+            </a:r>
+            <a:r>
+              <a:rPr lang="fr-FR" sz="2200" i="0" dirty="0">
+                <a:solidFill>
+                  <a:schemeClr val="tx1">
+                    <a:lumMod val="75000"/>
+                    <a:lumOff val="25000"/>
+                  </a:schemeClr>
+                </a:solidFill>
+              </a:rPr>
+              <a:t> </a:t>
+            </a:r>
+            <a:r>
+              <a:rPr lang="fr-FR" sz="2200" i="0" dirty="0" err="1">
+                <a:solidFill>
+                  <a:schemeClr val="tx1">
+                    <a:lumMod val="75000"/>
+                    <a:lumOff val="25000"/>
+                  </a:schemeClr>
+                </a:solidFill>
+              </a:rPr>
+              <a:t>structureNo</a:t>
+            </a:r>
+            <a:r>
+              <a:rPr lang="fr-FR" sz="2200" i="0" dirty="0">
+                <a:solidFill>
+                  <a:schemeClr val="tx1">
+                    <a:lumMod val="75000"/>
+                    <a:lumOff val="25000"/>
+                  </a:schemeClr>
+                </a:solidFill>
+              </a:rPr>
+              <a:t> </a:t>
+            </a:r>
+            <a:r>
+              <a:rPr lang="fr-FR" sz="2200" i="0" dirty="0" err="1" smtClean="0">
+                <a:solidFill>
+                  <a:schemeClr val="tx1">
+                    <a:lumMod val="75000"/>
+                    <a:lumOff val="25000"/>
+                  </a:schemeClr>
+                </a:solidFill>
+              </a:rPr>
+              <a:t>inheritance</a:t>
+            </a:r>
+            <a:endParaRPr lang="fr-FR" sz="2200" i="0" dirty="0" smtClean="0">
+              <a:solidFill>
+                <a:schemeClr val="tx1">
+                  <a:lumMod val="75000"/>
+                  <a:lumOff val="25000"/>
+                </a:schemeClr>
+              </a:solidFill>
+            </a:endParaRPr>
+          </a:p>
+          <a:p>
+            <a:pPr marL="3175" indent="0">
+              <a:buNone/>
+            </a:pPr>
+            <a:r>
+              <a:rPr lang="fr-FR" sz="2200" dirty="0">
+                <a:solidFill>
+                  <a:schemeClr val="tx1">
+                    <a:lumMod val="75000"/>
+                    <a:lumOff val="25000"/>
+                  </a:schemeClr>
+                </a:solidFill>
+              </a:rPr>
+              <a:t>	</a:t>
+            </a:r>
+            <a:r>
+              <a:rPr lang="fr-FR" sz="2200" dirty="0" err="1" smtClean="0">
+                <a:solidFill>
+                  <a:schemeClr val="tx1">
+                    <a:lumMod val="75000"/>
+                    <a:lumOff val="25000"/>
+                  </a:schemeClr>
+                </a:solidFill>
+              </a:rPr>
+              <a:t>Expressed</a:t>
+            </a:r>
+            <a:r>
+              <a:rPr lang="fr-FR" sz="2200" dirty="0" smtClean="0">
+                <a:solidFill>
+                  <a:schemeClr val="tx1">
+                    <a:lumMod val="75000"/>
+                    <a:lumOff val="25000"/>
+                  </a:schemeClr>
+                </a:solidFill>
+              </a:rPr>
+              <a:t> </a:t>
+            </a:r>
+            <a:r>
+              <a:rPr lang="fr-FR" sz="2200" dirty="0">
+                <a:solidFill>
+                  <a:schemeClr val="tx1">
+                    <a:lumMod val="75000"/>
+                    <a:lumOff val="25000"/>
+                  </a:schemeClr>
+                </a:solidFill>
+              </a:rPr>
+              <a:t>as /group/</a:t>
+            </a:r>
+            <a:r>
+              <a:rPr lang="fr-FR" sz="2200" dirty="0" err="1">
+                <a:solidFill>
+                  <a:schemeClr val="tx1">
+                    <a:lumMod val="75000"/>
+                    <a:lumOff val="25000"/>
+                  </a:schemeClr>
+                </a:solidFill>
+              </a:rPr>
+              <a:t>subgroup</a:t>
+            </a:r>
+            <a:r>
+              <a:rPr lang="fr-FR" sz="2200" dirty="0">
+                <a:solidFill>
+                  <a:schemeClr val="tx1">
+                    <a:lumMod val="75000"/>
+                    <a:lumOff val="25000"/>
+                  </a:schemeClr>
+                </a:solidFill>
+              </a:rPr>
+              <a:t>/</a:t>
+            </a:r>
+            <a:r>
+              <a:rPr lang="fr-FR" sz="2200" dirty="0" err="1">
+                <a:solidFill>
+                  <a:schemeClr val="tx1">
+                    <a:lumMod val="75000"/>
+                    <a:lumOff val="25000"/>
+                  </a:schemeClr>
+                </a:solidFill>
+              </a:rPr>
+              <a:t>subsubgroup</a:t>
+            </a:r>
+            <a:endParaRPr lang="fr-FR" sz="2200" dirty="0">
+              <a:solidFill>
+                <a:schemeClr val="tx1">
+                  <a:lumMod val="75000"/>
+                  <a:lumOff val="25000"/>
+                </a:schemeClr>
+              </a:solidFill>
+            </a:endParaRPr>
+          </a:p>
+          <a:p>
+            <a:endParaRPr lang="fr-FR" sz="2200" dirty="0">
+              <a:solidFill>
+                <a:schemeClr val="tx1">
+                  <a:lumMod val="75000"/>
+                  <a:lumOff val="25000"/>
+                </a:schemeClr>
+              </a:solidFill>
+            </a:endParaRPr>
+          </a:p>
+          <a:p>
+            <a:pPr>
+              <a:buClr>
+                <a:srgbClr val="FF9900"/>
+              </a:buClr>
+              <a:buSzPct val="120000"/>
+              <a:buFont typeface="Lucida Grande"/>
+              <a:buChar char="»"/>
+            </a:pPr>
+            <a:r>
+              <a:rPr lang="fr-FR" sz="2200" i="0" dirty="0" err="1">
+                <a:solidFill>
+                  <a:schemeClr val="tx1">
+                    <a:lumMod val="75000"/>
+                    <a:lumOff val="25000"/>
+                  </a:schemeClr>
+                </a:solidFill>
+              </a:rPr>
+              <a:t>Membership</a:t>
+            </a:r>
+            <a:endParaRPr lang="fr-FR" sz="2200" i="0" dirty="0">
+              <a:solidFill>
+                <a:schemeClr val="tx1">
+                  <a:lumMod val="75000"/>
+                  <a:lumOff val="25000"/>
+                </a:schemeClr>
+              </a:solidFill>
+            </a:endParaRPr>
+          </a:p>
+          <a:p>
+            <a:pPr marL="3175" indent="0">
+              <a:buNone/>
+            </a:pPr>
+            <a:r>
+              <a:rPr lang="fr-FR" sz="2200" i="0" dirty="0" smtClean="0">
+                <a:solidFill>
+                  <a:schemeClr val="tx1">
+                    <a:lumMod val="75000"/>
+                    <a:lumOff val="25000"/>
+                  </a:schemeClr>
+                </a:solidFill>
+              </a:rPr>
+              <a:t>	- </a:t>
+            </a:r>
+            <a:r>
+              <a:rPr lang="fr-FR" sz="2200" i="0" dirty="0">
+                <a:solidFill>
+                  <a:schemeClr val="tx1">
+                    <a:lumMod val="75000"/>
+                    <a:lumOff val="25000"/>
+                  </a:schemeClr>
+                </a:solidFill>
+              </a:rPr>
+              <a:t>Qualifies the group </a:t>
+            </a:r>
+            <a:r>
+              <a:rPr lang="fr-FR" sz="2200" i="0" dirty="0" err="1">
+                <a:solidFill>
+                  <a:schemeClr val="tx1">
+                    <a:lumMod val="75000"/>
+                    <a:lumOff val="25000"/>
+                  </a:schemeClr>
+                </a:solidFill>
+              </a:rPr>
+              <a:t>belonging</a:t>
+            </a:r>
+            <a:endParaRPr lang="fr-FR" sz="2200" i="0" dirty="0">
+              <a:solidFill>
+                <a:schemeClr val="tx1">
+                  <a:lumMod val="75000"/>
+                  <a:lumOff val="25000"/>
+                </a:schemeClr>
+              </a:solidFill>
+            </a:endParaRPr>
+          </a:p>
+          <a:p>
+            <a:pPr marL="3175" indent="0">
+              <a:buNone/>
+            </a:pPr>
+            <a:r>
+              <a:rPr lang="fr-FR" sz="2200" i="0" dirty="0">
+                <a:solidFill>
+                  <a:schemeClr val="tx1">
+                    <a:lumMod val="75000"/>
+                    <a:lumOff val="25000"/>
+                  </a:schemeClr>
+                </a:solidFill>
+              </a:rPr>
+              <a:t>	</a:t>
+            </a:r>
+            <a:r>
+              <a:rPr lang="fr-FR" sz="2200" i="0" dirty="0" smtClean="0">
+                <a:solidFill>
+                  <a:schemeClr val="tx1">
+                    <a:lumMod val="75000"/>
+                    <a:lumOff val="25000"/>
+                  </a:schemeClr>
+                </a:solidFill>
+              </a:rPr>
+              <a:t>- </a:t>
+            </a:r>
+            <a:r>
+              <a:rPr lang="fr-FR" sz="2200" i="0" dirty="0">
+                <a:solidFill>
+                  <a:schemeClr val="tx1">
+                    <a:lumMod val="75000"/>
+                    <a:lumOff val="25000"/>
+                  </a:schemeClr>
+                </a:solidFill>
+              </a:rPr>
+              <a:t>"</a:t>
+            </a:r>
+            <a:r>
+              <a:rPr lang="fr-FR" sz="2200" i="0" dirty="0" err="1">
+                <a:solidFill>
+                  <a:schemeClr val="tx1">
+                    <a:lumMod val="75000"/>
+                    <a:lumOff val="25000"/>
+                  </a:schemeClr>
+                </a:solidFill>
+              </a:rPr>
+              <a:t>Member</a:t>
+            </a:r>
+            <a:r>
+              <a:rPr lang="fr-FR" sz="2200" i="0" dirty="0">
+                <a:solidFill>
+                  <a:schemeClr val="tx1">
+                    <a:lumMod val="75000"/>
+                    <a:lumOff val="25000"/>
+                  </a:schemeClr>
+                </a:solidFill>
+              </a:rPr>
+              <a:t> of group as </a:t>
+            </a:r>
+            <a:r>
+              <a:rPr lang="fr-FR" sz="2200" i="0" dirty="0" smtClean="0">
+                <a:solidFill>
+                  <a:schemeClr val="tx1">
+                    <a:lumMod val="75000"/>
+                    <a:lumOff val="25000"/>
+                  </a:schemeClr>
+                </a:solidFill>
+              </a:rPr>
+              <a:t>XXX »</a:t>
+            </a:r>
+            <a:endParaRPr lang="fr-FR" sz="2400" i="0" dirty="0" smtClean="0"/>
+          </a:p>
+          <a:p>
+            <a:pPr marL="3175" indent="0">
+              <a:buNone/>
+            </a:pPr>
+            <a:r>
+              <a:rPr lang="fr-FR" sz="2400" dirty="0"/>
+              <a:t>	</a:t>
+            </a:r>
+            <a:r>
+              <a:rPr lang="fr-FR" sz="2200" dirty="0" err="1" smtClean="0">
+                <a:solidFill>
+                  <a:schemeClr val="tx1">
+                    <a:lumMod val="75000"/>
+                    <a:lumOff val="25000"/>
+                  </a:schemeClr>
+                </a:solidFill>
+              </a:rPr>
+              <a:t>Expressed</a:t>
+            </a:r>
+            <a:r>
+              <a:rPr lang="fr-FR" sz="2200" dirty="0" smtClean="0">
+                <a:solidFill>
+                  <a:schemeClr val="tx1">
+                    <a:lumMod val="75000"/>
+                    <a:lumOff val="25000"/>
+                  </a:schemeClr>
+                </a:solidFill>
+              </a:rPr>
+              <a:t> </a:t>
+            </a:r>
+            <a:r>
+              <a:rPr lang="fr-FR" sz="2200" dirty="0">
+                <a:solidFill>
+                  <a:schemeClr val="tx1">
+                    <a:lumMod val="75000"/>
+                    <a:lumOff val="25000"/>
+                  </a:schemeClr>
+                </a:solidFill>
+              </a:rPr>
+              <a:t>as : manager:/</a:t>
+            </a:r>
+            <a:r>
+              <a:rPr lang="fr-FR" sz="2200" dirty="0" err="1">
+                <a:solidFill>
+                  <a:schemeClr val="tx1">
+                    <a:lumMod val="75000"/>
+                    <a:lumOff val="25000"/>
+                  </a:schemeClr>
+                </a:solidFill>
+              </a:rPr>
+              <a:t>organization</a:t>
+            </a:r>
+            <a:r>
+              <a:rPr lang="fr-FR" sz="2200" dirty="0">
+                <a:solidFill>
+                  <a:schemeClr val="tx1">
+                    <a:lumMod val="75000"/>
+                    <a:lumOff val="25000"/>
+                  </a:schemeClr>
+                </a:solidFill>
+              </a:rPr>
+              <a:t>/</a:t>
+            </a:r>
+            <a:r>
+              <a:rPr lang="fr-FR" sz="2200" dirty="0" err="1">
+                <a:solidFill>
+                  <a:schemeClr val="tx1">
+                    <a:lumMod val="75000"/>
+                    <a:lumOff val="25000"/>
+                  </a:schemeClr>
+                </a:solidFill>
+              </a:rPr>
+              <a:t>hr</a:t>
+            </a:r>
+            <a:r>
+              <a:rPr lang="fr-FR" sz="2200" dirty="0">
+                <a:solidFill>
+                  <a:schemeClr val="tx1">
+                    <a:lumMod val="75000"/>
+                    <a:lumOff val="25000"/>
+                  </a:schemeClr>
+                </a:solidFill>
+              </a:rPr>
+              <a:t>, *:/</a:t>
+            </a:r>
+            <a:r>
+              <a:rPr lang="fr-FR" sz="2200" dirty="0" err="1">
+                <a:solidFill>
+                  <a:schemeClr val="tx1">
+                    <a:lumMod val="75000"/>
+                    <a:lumOff val="25000"/>
+                  </a:schemeClr>
+                </a:solidFill>
+              </a:rPr>
+              <a:t>partners</a:t>
+            </a:r>
+            <a:endParaRPr lang="fr-FR" sz="2200" dirty="0" smtClean="0">
+              <a:solidFill>
+                <a:schemeClr val="tx1">
+                  <a:lumMod val="75000"/>
+                  <a:lumOff val="25000"/>
+                </a:schemeClr>
+              </a:solidFill>
+            </a:endParaRPr>
+          </a:p>
+          <a:p>
+            <a:pPr marL="3175" indent="0">
+              <a:buNone/>
+            </a:pPr>
+            <a:endParaRPr lang="fr-FR" sz="2000" dirty="0"/>
+          </a:p>
+          <a:p>
+            <a:pPr marL="3175" indent="0">
+              <a:buNone/>
+            </a:pPr>
+            <a:endParaRPr lang="fr-FR" sz="2000" dirty="0"/>
+          </a:p>
+          <a:p>
+            <a:pPr marL="3175" indent="0">
+              <a:buNone/>
+            </a:pPr>
+            <a:endParaRPr lang="fr-FR" dirty="0"/>
+          </a:p>
+        </p:txBody>
+      </p:sp>
+    </p:spTree>
+    <p:extLst>
+      <p:ext uri="{BB962C8B-B14F-4D97-AF65-F5344CB8AC3E}">
+        <p14:creationId xmlns:p14="http://schemas.microsoft.com/office/powerpoint/2010/main" val="2439149100"/>
+      </p:ext>
+    </p:extLst>
+  </p:cSld>
+  <p:clrMapOvr>
+    <a:masterClrMapping/>
+  </p:clrMapOvr>
+  <p:transition xmlns:p14="http://schemas.microsoft.com/office/powerpoint/2010/main"/>
+  <p:timing>
+    <p:tnLst>
+      <p:par>
+        <p:cTn xmlns:p14="http://schemas.microsoft.com/office/powerpoint/2010/main" id="1" dur="indefinite" restart="never" nodeType="tmRoot"/>
+      </p:par>
+    </p:tnLst>
+  </p:timing>
+</p:sld>
+</file>
+
+<file path=ppt/slides/slide40.xml><?xml version="1.0" encoding="utf-8"?>
+<p:sld xmlns:a="http://schemas.openxmlformats.org/drawingml/2006/main" xmlns:r="http://schemas.openxmlformats.org/officeDocument/2006/relationships" xmlns:p="http://schemas.openxmlformats.org/presentationml/2006/main">
+  <p:cSld>
+    <p:spTree>
+      <p:nvGrpSpPr>
+        <p:cNvPr id="1" name=""/>
+        <p:cNvGrpSpPr/>
+        <p:nvPr/>
+      </p:nvGrpSpPr>
+      <p:grpSpPr>
+        <a:xfrm>
+          <a:off x="0" y="0"/>
+          <a:ext cx="0" cy="0"/>
+          <a:chOff x="0" y="0"/>
+          <a:chExt cx="0" cy="0"/>
+        </a:xfrm>
+      </p:grpSpPr>
+      <p:sp>
+        <p:nvSpPr>
+          <p:cNvPr id="15362" name="Rectangle 1"/>
+          <p:cNvSpPr>
+            <a:spLocks noGrp="1" noChangeArrowheads="1"/>
+          </p:cNvSpPr>
+          <p:nvPr>
+            <p:ph type="title"/>
+          </p:nvPr>
+        </p:nvSpPr>
+        <p:spPr>
+          <a:xfrm>
+            <a:off x="490435" y="255926"/>
+            <a:ext cx="10179255" cy="454024"/>
+          </a:xfrm>
+        </p:spPr>
+        <p:txBody>
+          <a:bodyPr rIns="41783" anchor="b"/>
+          <a:lstStyle/>
+          <a:p>
+            <a:r>
+              <a:rPr lang="fr-FR" dirty="0" err="1" smtClean="0"/>
+              <a:t>Exercise</a:t>
+            </a:r>
+            <a:r>
+              <a:rPr lang="fr-FR" dirty="0" smtClean="0"/>
+              <a:t> 70c : SSO CAS</a:t>
+            </a:r>
+            <a:endParaRPr lang="fr-FR" dirty="0"/>
+          </a:p>
+        </p:txBody>
+      </p:sp>
+      <p:sp>
+        <p:nvSpPr>
+          <p:cNvPr id="15363" name="Rectangle 2"/>
+          <p:cNvSpPr>
+            <a:spLocks noGrp="1" noChangeArrowheads="1"/>
+          </p:cNvSpPr>
+          <p:nvPr>
+            <p:ph type="body" idx="1"/>
+          </p:nvPr>
+        </p:nvSpPr>
+        <p:spPr>
+          <a:xfrm>
+            <a:off x="472905" y="971525"/>
+            <a:ext cx="10219725" cy="5688632"/>
+          </a:xfrm>
+        </p:spPr>
+        <p:txBody>
+          <a:bodyPr rIns="41783" anchor="t"/>
+          <a:lstStyle/>
+          <a:p>
+            <a:pPr>
+              <a:lnSpc>
+                <a:spcPct val="100000"/>
+              </a:lnSpc>
+              <a:buClr>
+                <a:srgbClr val="FF9900"/>
+              </a:buClr>
+              <a:buSzPct val="120000"/>
+              <a:buFont typeface="Lucida Grande"/>
+              <a:buChar char="»"/>
+            </a:pPr>
+            <a:r>
+              <a:rPr lang="fr-FR" sz="2200" i="0" dirty="0" smtClean="0"/>
+              <a:t>Copy </a:t>
+            </a:r>
+            <a:r>
+              <a:rPr lang="fr-FR" sz="2200" i="0" dirty="0"/>
+              <a:t>all </a:t>
+            </a:r>
+            <a:r>
+              <a:rPr lang="fr-FR" sz="2200" i="0" dirty="0" err="1"/>
+              <a:t>libraries</a:t>
+            </a:r>
+            <a:r>
+              <a:rPr lang="fr-FR" sz="2200" i="0" dirty="0"/>
+              <a:t> </a:t>
+            </a:r>
+            <a:r>
+              <a:rPr lang="fr-FR" sz="2200" i="0" dirty="0" err="1"/>
+              <a:t>from</a:t>
+            </a:r>
+            <a:r>
+              <a:rPr lang="fr-FR" sz="2200" i="0" dirty="0"/>
+              <a:t> GATEIN_SSO_HOME/cas/</a:t>
+            </a:r>
+            <a:r>
+              <a:rPr lang="fr-FR" sz="2200" i="0" dirty="0" err="1"/>
+              <a:t>gatein.ear</a:t>
+            </a:r>
+            <a:r>
+              <a:rPr lang="fr-FR" sz="2200" i="0" dirty="0"/>
+              <a:t>/lib </a:t>
+            </a:r>
+            <a:r>
+              <a:rPr lang="fr-FR" sz="2200" i="0" dirty="0" err="1"/>
+              <a:t>into</a:t>
+            </a:r>
+            <a:r>
+              <a:rPr lang="fr-FR" sz="2200" i="0" dirty="0"/>
+              <a:t> </a:t>
+            </a:r>
+            <a:r>
+              <a:rPr lang="fr-FR" sz="2200" i="0" dirty="0" err="1" smtClean="0"/>
+              <a:t>tomcat_home</a:t>
+            </a:r>
+            <a:r>
+              <a:rPr lang="fr-FR" sz="2200" i="0" dirty="0" smtClean="0"/>
+              <a:t>/</a:t>
+            </a:r>
+            <a:r>
+              <a:rPr lang="fr-FR" sz="2200" i="0" dirty="0"/>
+              <a:t>lib</a:t>
+            </a:r>
+            <a:r>
+              <a:rPr lang="fr-FR" sz="2200" i="0" dirty="0" smtClean="0"/>
+              <a:t>)</a:t>
+            </a:r>
+            <a:endParaRPr lang="fr-FR" sz="2200" i="0" dirty="0" smtClean="0"/>
+          </a:p>
+          <a:p>
+            <a:pPr>
+              <a:lnSpc>
+                <a:spcPct val="100000"/>
+              </a:lnSpc>
+              <a:buClr>
+                <a:srgbClr val="FF9900"/>
+              </a:buClr>
+              <a:buSzPct val="120000"/>
+              <a:buFont typeface="Lucida Grande"/>
+              <a:buChar char="»"/>
+            </a:pPr>
+            <a:r>
+              <a:rPr lang="fr-FR" sz="2200" i="0" dirty="0"/>
+              <a:t>E</a:t>
+            </a:r>
+            <a:r>
+              <a:rPr lang="fr-FR" sz="2200" i="0" dirty="0" smtClean="0"/>
+              <a:t>dit </a:t>
+            </a:r>
+            <a:r>
+              <a:rPr lang="fr-FR" sz="2200" i="0" dirty="0"/>
+              <a:t>GATEIN_HOME/</a:t>
+            </a:r>
+            <a:r>
+              <a:rPr lang="fr-FR" sz="2200" i="0" dirty="0" err="1"/>
+              <a:t>conf</a:t>
+            </a:r>
+            <a:r>
+              <a:rPr lang="fr-FR" sz="2200" i="0" dirty="0"/>
+              <a:t>/</a:t>
+            </a:r>
+            <a:r>
+              <a:rPr lang="fr-FR" sz="2200" i="0" dirty="0" err="1"/>
+              <a:t>jaas.conf</a:t>
+            </a:r>
+            <a:r>
+              <a:rPr lang="fr-FR" sz="2200" i="0" dirty="0"/>
+              <a:t> and </a:t>
+            </a:r>
+            <a:r>
+              <a:rPr lang="fr-FR" sz="2200" i="0" dirty="0" err="1"/>
+              <a:t>uncomment</a:t>
+            </a:r>
+            <a:r>
+              <a:rPr lang="fr-FR" sz="2200" i="0" dirty="0"/>
+              <a:t> </a:t>
+            </a:r>
+            <a:r>
+              <a:rPr lang="fr-FR" sz="2200" i="0" dirty="0" err="1"/>
+              <a:t>this</a:t>
+            </a:r>
+            <a:r>
+              <a:rPr lang="fr-FR" sz="2200" i="0" dirty="0"/>
+              <a:t> section: </a:t>
+            </a:r>
+          </a:p>
+          <a:p>
+            <a:pPr marL="3175" indent="0">
+              <a:buNone/>
+            </a:pPr>
+            <a:r>
+              <a:rPr lang="fr-FR" sz="2400" i="0" dirty="0" smtClean="0"/>
+              <a:t>	</a:t>
+            </a:r>
+            <a:r>
+              <a:rPr lang="fr-FR" sz="2400" b="0" i="0" dirty="0" err="1" smtClean="0"/>
+              <a:t>org.gatein.sso.agent.login.SSOLoginModule</a:t>
+            </a:r>
+            <a:r>
+              <a:rPr lang="fr-FR" sz="2400" b="0" i="0" dirty="0" smtClean="0"/>
+              <a:t> </a:t>
+            </a:r>
+            <a:r>
+              <a:rPr lang="fr-FR" sz="2400" b="0" i="0" dirty="0" err="1"/>
+              <a:t>required</a:t>
+            </a:r>
+            <a:r>
+              <a:rPr lang="fr-FR" sz="2400" b="0" i="0" dirty="0"/>
+              <a:t> </a:t>
+            </a:r>
+            <a:r>
+              <a:rPr lang="fr-FR" sz="2400" b="0" i="0" dirty="0" smtClean="0"/>
+              <a:t>	org.exoplatform.services.security.j2ee.TomcatLoginModule 	</a:t>
+            </a:r>
+            <a:r>
+              <a:rPr lang="fr-FR" sz="2400" b="0" i="0" dirty="0" err="1" smtClean="0"/>
+              <a:t>required</a:t>
+            </a:r>
+            <a:r>
+              <a:rPr lang="fr-FR" sz="2400" b="0" i="0" dirty="0" smtClean="0"/>
+              <a:t> 	</a:t>
+            </a:r>
+            <a:r>
+              <a:rPr lang="fr-FR" sz="2400" b="0" i="0" dirty="0" err="1" smtClean="0"/>
+              <a:t>portalContainerName</a:t>
+            </a:r>
+            <a:r>
+              <a:rPr lang="fr-FR" sz="2400" b="0" i="0" dirty="0"/>
+              <a:t>=portal </a:t>
+            </a:r>
+            <a:r>
+              <a:rPr lang="fr-FR" sz="2400" b="0" i="0" dirty="0" err="1"/>
+              <a:t>realmName</a:t>
+            </a:r>
+            <a:r>
+              <a:rPr lang="fr-FR" sz="2400" b="0" i="0" dirty="0"/>
+              <a:t>=</a:t>
+            </a:r>
+            <a:r>
+              <a:rPr lang="fr-FR" sz="2400" b="0" i="0" dirty="0" err="1"/>
+              <a:t>gatein-domain</a:t>
+            </a:r>
+            <a:r>
+              <a:rPr lang="fr-FR" sz="2400" b="0" i="0" dirty="0"/>
+              <a:t> </a:t>
+            </a:r>
+            <a:endParaRPr lang="fr-FR" sz="2400" b="0" i="0" dirty="0" smtClean="0"/>
+          </a:p>
+          <a:p>
+            <a:pPr>
+              <a:lnSpc>
+                <a:spcPct val="100000"/>
+              </a:lnSpc>
+              <a:buClr>
+                <a:srgbClr val="FF9900"/>
+              </a:buClr>
+              <a:buSzPct val="120000"/>
+              <a:buFont typeface="Lucida Grande"/>
+              <a:buChar char="»"/>
+            </a:pPr>
+            <a:r>
+              <a:rPr lang="fr-FR" sz="2200" i="0" dirty="0"/>
+              <a:t>Start the </a:t>
+            </a:r>
+            <a:r>
+              <a:rPr lang="fr-FR" sz="2200" i="0" dirty="0" err="1"/>
+              <a:t>tomcat</a:t>
+            </a:r>
+            <a:r>
+              <a:rPr lang="fr-FR" sz="2200" i="0" dirty="0"/>
+              <a:t> and test </a:t>
+            </a:r>
+            <a:r>
+              <a:rPr lang="fr-FR" sz="2200" i="0" dirty="0" err="1"/>
+              <a:t>that</a:t>
+            </a:r>
+            <a:r>
+              <a:rPr lang="fr-FR" sz="2200" i="0" dirty="0"/>
+              <a:t> the CAS server </a:t>
+            </a:r>
+            <a:r>
+              <a:rPr lang="fr-FR" sz="2200" i="0" dirty="0" err="1"/>
+              <a:t>is</a:t>
+            </a:r>
+            <a:r>
+              <a:rPr lang="fr-FR" sz="2200" i="0" dirty="0"/>
+              <a:t> up &amp; running</a:t>
+            </a:r>
+            <a:r>
+              <a:rPr lang="fr-FR" sz="2200" i="0" dirty="0" smtClean="0"/>
+              <a:t>:</a:t>
+            </a:r>
+            <a:endParaRPr lang="fr-FR" sz="3600" i="0" dirty="0"/>
+          </a:p>
+          <a:p>
+            <a:pPr marL="3175" indent="0">
+              <a:lnSpc>
+                <a:spcPct val="100000"/>
+              </a:lnSpc>
+              <a:buClr>
+                <a:srgbClr val="FF9900"/>
+              </a:buClr>
+              <a:buSzPct val="120000"/>
+              <a:buNone/>
+            </a:pPr>
+            <a:r>
+              <a:rPr lang="pl-PL" sz="2400" b="0" i="0" dirty="0"/>
+              <a:t>	</a:t>
+            </a:r>
+            <a:r>
+              <a:rPr lang="pl-PL" sz="2400" b="0" i="0" dirty="0" smtClean="0">
+                <a:hlinkClick r:id="rId2"/>
+              </a:rPr>
+              <a:t>https:</a:t>
+            </a:r>
+            <a:r>
+              <a:rPr lang="pl-PL" sz="2400" b="0" i="0" dirty="0">
+                <a:hlinkClick r:id="rId2"/>
+              </a:rPr>
+              <a:t>//127.0.0.1:8080/</a:t>
+            </a:r>
+            <a:r>
+              <a:rPr lang="pl-PL" sz="2400" b="0" i="0" dirty="0" smtClean="0">
+                <a:hlinkClick r:id="rId2"/>
+              </a:rPr>
+              <a:t>cas</a:t>
+            </a:r>
+            <a:endParaRPr lang="fr-FR" sz="2200" i="0" dirty="0" smtClean="0"/>
+          </a:p>
+          <a:p>
+            <a:pPr>
+              <a:lnSpc>
+                <a:spcPct val="100000"/>
+              </a:lnSpc>
+              <a:buClr>
+                <a:srgbClr val="FF9900"/>
+              </a:buClr>
+              <a:buSzPct val="120000"/>
+              <a:buFont typeface="Lucida Grande"/>
+              <a:buChar char="»"/>
+            </a:pPr>
+            <a:r>
+              <a:rPr lang="fr-FR" sz="2200" i="0" dirty="0"/>
+              <a:t>Login </a:t>
+            </a:r>
+            <a:r>
+              <a:rPr lang="fr-FR" sz="2200" i="0" dirty="0" err="1"/>
+              <a:t>with</a:t>
+            </a:r>
+            <a:r>
+              <a:rPr lang="fr-FR" sz="2200" i="0" dirty="0"/>
+              <a:t> the </a:t>
+            </a:r>
+            <a:r>
+              <a:rPr lang="fr-FR" sz="2200" i="0" dirty="0" err="1"/>
+              <a:t>username</a:t>
+            </a:r>
+            <a:r>
+              <a:rPr lang="fr-FR" sz="2200" i="0" dirty="0"/>
+              <a:t> </a:t>
+            </a:r>
+            <a:r>
+              <a:rPr lang="fr-FR" sz="2200" i="0" dirty="0" err="1"/>
+              <a:t>root</a:t>
+            </a:r>
+            <a:r>
+              <a:rPr lang="fr-FR" sz="2200" i="0" dirty="0"/>
+              <a:t> and the </a:t>
+            </a:r>
+            <a:r>
+              <a:rPr lang="fr-FR" sz="2200" i="0" dirty="0" err="1"/>
+              <a:t>password</a:t>
+            </a:r>
+            <a:r>
+              <a:rPr lang="fr-FR" sz="2200" i="0" dirty="0"/>
+              <a:t> </a:t>
+            </a:r>
+            <a:r>
+              <a:rPr lang="fr-FR" sz="2200" i="0" dirty="0" err="1"/>
+              <a:t>gtn</a:t>
+            </a:r>
+            <a:r>
+              <a:rPr lang="fr-FR" sz="2200" i="0" dirty="0"/>
+              <a:t> (or </a:t>
+            </a:r>
+            <a:r>
+              <a:rPr lang="fr-FR" sz="2200" i="0" dirty="0" err="1"/>
+              <a:t>any</a:t>
+            </a:r>
+            <a:r>
+              <a:rPr lang="fr-FR" sz="2200" i="0" dirty="0"/>
+              <a:t> </a:t>
+            </a:r>
+            <a:r>
+              <a:rPr lang="fr-FR" sz="2200" i="0" dirty="0" err="1"/>
+              <a:t>account</a:t>
+            </a:r>
+            <a:r>
+              <a:rPr lang="fr-FR" sz="2200" i="0" dirty="0"/>
+              <a:t> </a:t>
+            </a:r>
+            <a:r>
+              <a:rPr lang="fr-FR" sz="2200" i="0" dirty="0" err="1"/>
+              <a:t>created</a:t>
+            </a:r>
+            <a:r>
+              <a:rPr lang="fr-FR" sz="2200" i="0" dirty="0"/>
+              <a:t> </a:t>
+            </a:r>
+            <a:r>
+              <a:rPr lang="fr-FR" sz="2200" i="0" dirty="0" err="1"/>
+              <a:t>through</a:t>
+            </a:r>
+            <a:r>
+              <a:rPr lang="fr-FR" sz="2200" i="0" dirty="0"/>
+              <a:t> the portal</a:t>
+            </a:r>
+            <a:r>
+              <a:rPr lang="fr-FR" sz="2200" i="0" dirty="0" smtClean="0"/>
+              <a:t>)</a:t>
+            </a:r>
+          </a:p>
+          <a:p>
+            <a:pPr>
+              <a:lnSpc>
+                <a:spcPct val="100000"/>
+              </a:lnSpc>
+              <a:buClr>
+                <a:srgbClr val="FF9900"/>
+              </a:buClr>
+              <a:buSzPct val="120000"/>
+              <a:buFont typeface="Lucida Grande"/>
+              <a:buChar char="»"/>
+            </a:pPr>
+            <a:r>
+              <a:rPr lang="fr-FR" sz="2200" i="0" dirty="0" smtClean="0"/>
+              <a:t>To </a:t>
+            </a:r>
+            <a:r>
+              <a:rPr lang="fr-FR" sz="2200" i="0" dirty="0" err="1"/>
+              <a:t>utilize</a:t>
+            </a:r>
+            <a:r>
+              <a:rPr lang="fr-FR" sz="2200" i="0" dirty="0"/>
+              <a:t> the Central </a:t>
+            </a:r>
+            <a:r>
+              <a:rPr lang="fr-FR" sz="2200" i="0" dirty="0" err="1"/>
+              <a:t>Authentication</a:t>
+            </a:r>
+            <a:r>
+              <a:rPr lang="fr-FR" sz="2200" i="0" dirty="0"/>
+              <a:t> Service, </a:t>
+            </a:r>
+            <a:r>
+              <a:rPr lang="fr-FR" sz="2200" i="0" dirty="0" err="1" smtClean="0"/>
+              <a:t>eXo</a:t>
+            </a:r>
+            <a:r>
+              <a:rPr lang="fr-FR" sz="2200" i="0" dirty="0" smtClean="0"/>
+              <a:t> </a:t>
+            </a:r>
+            <a:r>
+              <a:rPr lang="fr-FR" sz="2200" i="0" dirty="0" err="1" smtClean="0"/>
+              <a:t>needs</a:t>
+            </a:r>
+            <a:r>
+              <a:rPr lang="fr-FR" sz="2200" i="0" dirty="0" smtClean="0"/>
+              <a:t> </a:t>
+            </a:r>
+            <a:r>
+              <a:rPr lang="fr-FR" sz="2200" i="0" dirty="0"/>
+              <a:t>to </a:t>
+            </a:r>
+            <a:r>
+              <a:rPr lang="fr-FR" sz="2200" i="0" dirty="0" err="1"/>
+              <a:t>redirect</a:t>
+            </a:r>
+            <a:r>
+              <a:rPr lang="fr-FR" sz="2200" i="0" dirty="0"/>
+              <a:t> all user </a:t>
+            </a:r>
+            <a:r>
+              <a:rPr lang="fr-FR" sz="2200" i="0" dirty="0" err="1"/>
+              <a:t>authentication</a:t>
+            </a:r>
+            <a:r>
+              <a:rPr lang="fr-FR" sz="2200" i="0" dirty="0"/>
+              <a:t> to the CAS server. </a:t>
+            </a:r>
+          </a:p>
+          <a:p>
+            <a:pPr marL="3175" indent="0">
+              <a:lnSpc>
+                <a:spcPct val="100000"/>
+              </a:lnSpc>
+              <a:buClr>
+                <a:srgbClr val="FF9900"/>
+              </a:buClr>
+              <a:buSzPct val="120000"/>
+              <a:buNone/>
+            </a:pPr>
+            <a:endParaRPr lang="fr-FR" sz="2200" i="0" dirty="0" smtClean="0"/>
+          </a:p>
+          <a:p>
+            <a:pPr>
+              <a:lnSpc>
+                <a:spcPct val="100000"/>
+              </a:lnSpc>
+              <a:buClr>
+                <a:srgbClr val="FF9900"/>
+              </a:buClr>
+              <a:buSzPct val="120000"/>
+              <a:buFont typeface="Lucida Grande"/>
+              <a:buChar char="»"/>
+            </a:pPr>
+            <a:endParaRPr lang="fr-FR" sz="2200" b="0" i="0" dirty="0"/>
+          </a:p>
+          <a:p>
+            <a:pPr marL="3175" indent="0">
+              <a:buNone/>
+            </a:pPr>
+            <a:endParaRPr lang="fr-FR" sz="1800" b="0" i="0" dirty="0">
+              <a:solidFill>
+                <a:schemeClr val="tx1">
+                  <a:lumMod val="75000"/>
+                  <a:lumOff val="25000"/>
+                </a:schemeClr>
+              </a:solidFill>
+            </a:endParaRPr>
+          </a:p>
+          <a:p>
+            <a:pPr>
+              <a:lnSpc>
+                <a:spcPct val="100000"/>
+              </a:lnSpc>
+              <a:buClr>
+                <a:srgbClr val="FF9900"/>
+              </a:buClr>
+              <a:buSzPct val="120000"/>
+              <a:buFont typeface="Lucida Grande"/>
+              <a:buChar char="»"/>
+            </a:pPr>
+            <a:endParaRPr lang="fr-FR" sz="1800" b="0" i="0" dirty="0">
+              <a:solidFill>
+                <a:schemeClr val="tx1">
+                  <a:lumMod val="75000"/>
+                  <a:lumOff val="25000"/>
+                </a:schemeClr>
+              </a:solidFill>
+            </a:endParaRPr>
+          </a:p>
+          <a:p>
+            <a:pPr>
+              <a:lnSpc>
+                <a:spcPct val="100000"/>
+              </a:lnSpc>
+              <a:buClr>
+                <a:srgbClr val="FF9900"/>
+              </a:buClr>
+              <a:buSzPct val="120000"/>
+              <a:buFont typeface="Lucida Grande"/>
+              <a:buChar char="»"/>
+            </a:pPr>
+            <a:endParaRPr lang="fr-FR" sz="1800" i="0" dirty="0">
+              <a:solidFill>
+                <a:schemeClr val="tx1">
+                  <a:lumMod val="75000"/>
+                  <a:lumOff val="25000"/>
+                </a:schemeClr>
+              </a:solidFill>
+            </a:endParaRPr>
+          </a:p>
+          <a:p>
+            <a:pPr>
+              <a:lnSpc>
+                <a:spcPct val="100000"/>
+              </a:lnSpc>
+              <a:buClr>
+                <a:srgbClr val="FF9900"/>
+              </a:buClr>
+              <a:buSzPct val="120000"/>
+              <a:buFont typeface="Lucida Grande"/>
+              <a:buChar char="»"/>
+            </a:pPr>
+            <a:endParaRPr lang="fr-FR" sz="1800" i="0" dirty="0">
+              <a:solidFill>
+                <a:schemeClr val="tx1">
+                  <a:lumMod val="75000"/>
+                  <a:lumOff val="25000"/>
+                </a:schemeClr>
+              </a:solidFill>
+            </a:endParaRPr>
+          </a:p>
+        </p:txBody>
+      </p:sp>
+    </p:spTree>
+    <p:extLst>
+      <p:ext uri="{BB962C8B-B14F-4D97-AF65-F5344CB8AC3E}">
+        <p14:creationId xmlns:p14="http://schemas.microsoft.com/office/powerpoint/2010/main" val="1020765242"/>
+      </p:ext>
+    </p:extLst>
+  </p:cSld>
+  <p:clrMapOvr>
+    <a:masterClrMapping/>
+  </p:clrMapOvr>
+  <p:transition xmlns:p14="http://schemas.microsoft.com/office/powerpoint/2010/main"/>
+  <p:timing>
+    <p:tnLst>
+      <p:par>
+        <p:cTn xmlns:p14="http://schemas.microsoft.com/office/powerpoint/2010/main" id="1" dur="indefinite" restart="never" nodeType="tmRoot"/>
+      </p:par>
+    </p:tnLst>
+  </p:timing>
+</p:sld>
+</file>
+
+<file path=ppt/slides/slide41.xml><?xml version="1.0" encoding="utf-8"?>
+<p:sld xmlns:a="http://schemas.openxmlformats.org/drawingml/2006/main" xmlns:r="http://schemas.openxmlformats.org/officeDocument/2006/relationships" xmlns:p="http://schemas.openxmlformats.org/presentationml/2006/main">
+  <p:cSld>
+    <p:spTree>
+      <p:nvGrpSpPr>
+        <p:cNvPr id="1" name=""/>
+        <p:cNvGrpSpPr/>
+        <p:nvPr/>
+      </p:nvGrpSpPr>
+      <p:grpSpPr>
+        <a:xfrm>
+          <a:off x="0" y="0"/>
+          <a:ext cx="0" cy="0"/>
+          <a:chOff x="0" y="0"/>
+          <a:chExt cx="0" cy="0"/>
+        </a:xfrm>
+      </p:grpSpPr>
+      <p:sp>
+        <p:nvSpPr>
+          <p:cNvPr id="15362" name="Rectangle 1"/>
+          <p:cNvSpPr>
+            <a:spLocks noGrp="1" noChangeArrowheads="1"/>
+          </p:cNvSpPr>
+          <p:nvPr>
+            <p:ph type="title"/>
+          </p:nvPr>
+        </p:nvSpPr>
+        <p:spPr>
+          <a:xfrm>
+            <a:off x="490435" y="255926"/>
+            <a:ext cx="10179255" cy="454024"/>
+          </a:xfrm>
+        </p:spPr>
+        <p:txBody>
+          <a:bodyPr rIns="41783" anchor="b"/>
+          <a:lstStyle/>
+          <a:p>
+            <a:r>
+              <a:rPr lang="fr-FR" dirty="0" err="1" smtClean="0"/>
+              <a:t>Exercise</a:t>
+            </a:r>
+            <a:r>
+              <a:rPr lang="fr-FR" dirty="0" smtClean="0"/>
+              <a:t> 70c : SSO CAS</a:t>
+            </a:r>
+            <a:endParaRPr lang="fr-FR" dirty="0"/>
+          </a:p>
+        </p:txBody>
+      </p:sp>
+      <p:sp>
+        <p:nvSpPr>
+          <p:cNvPr id="15363" name="Rectangle 2"/>
+          <p:cNvSpPr>
+            <a:spLocks noGrp="1" noChangeArrowheads="1"/>
+          </p:cNvSpPr>
+          <p:nvPr>
+            <p:ph type="body" idx="1"/>
+          </p:nvPr>
+        </p:nvSpPr>
+        <p:spPr>
+          <a:xfrm>
+            <a:off x="472905" y="971525"/>
+            <a:ext cx="10219725" cy="5688632"/>
+          </a:xfrm>
+        </p:spPr>
+        <p:txBody>
+          <a:bodyPr rIns="41783" anchor="t"/>
+          <a:lstStyle/>
+          <a:p>
+            <a:pPr>
+              <a:lnSpc>
+                <a:spcPct val="100000"/>
+              </a:lnSpc>
+              <a:buClr>
+                <a:srgbClr val="FF9900"/>
+              </a:buClr>
+              <a:buSzPct val="120000"/>
+              <a:buFont typeface="Lucida Grande"/>
+              <a:buChar char="»"/>
+            </a:pPr>
+            <a:r>
+              <a:rPr lang="fr-FR" sz="2200" i="0" dirty="0" smtClean="0"/>
+              <a:t>Information </a:t>
+            </a:r>
+            <a:r>
+              <a:rPr lang="fr-FR" sz="2200" i="0" dirty="0"/>
+              <a:t>about </a:t>
+            </a:r>
+            <a:r>
+              <a:rPr lang="fr-FR" sz="2200" i="0" dirty="0" err="1"/>
+              <a:t>where</a:t>
+            </a:r>
+            <a:r>
+              <a:rPr lang="fr-FR" sz="2200" i="0" dirty="0"/>
+              <a:t> the CAS </a:t>
+            </a:r>
+            <a:r>
+              <a:rPr lang="fr-FR" sz="2200" i="0" dirty="0" err="1"/>
+              <a:t>is</a:t>
+            </a:r>
+            <a:r>
+              <a:rPr lang="fr-FR" sz="2200" i="0" dirty="0"/>
+              <a:t> </a:t>
+            </a:r>
+            <a:r>
+              <a:rPr lang="fr-FR" sz="2200" i="0" dirty="0" err="1"/>
+              <a:t>hosted</a:t>
+            </a:r>
+            <a:r>
+              <a:rPr lang="fr-FR" sz="2200" i="0" dirty="0"/>
+              <a:t> must </a:t>
+            </a:r>
+            <a:r>
+              <a:rPr lang="fr-FR" sz="2200" i="0" dirty="0" err="1"/>
+              <a:t>be</a:t>
+            </a:r>
+            <a:r>
+              <a:rPr lang="fr-FR" sz="2200" i="0" dirty="0"/>
+              <a:t> </a:t>
+            </a:r>
+            <a:r>
+              <a:rPr lang="fr-FR" sz="2200" i="0" dirty="0" err="1"/>
+              <a:t>properly</a:t>
+            </a:r>
+            <a:r>
+              <a:rPr lang="fr-FR" sz="2200" i="0" dirty="0"/>
+              <a:t> </a:t>
+            </a:r>
+            <a:r>
+              <a:rPr lang="fr-FR" sz="2200" i="0" dirty="0" err="1"/>
+              <a:t>configured</a:t>
+            </a:r>
+            <a:r>
+              <a:rPr lang="fr-FR" sz="2200" i="0" dirty="0"/>
+              <a:t> </a:t>
+            </a:r>
+            <a:r>
+              <a:rPr lang="fr-FR" sz="2200" i="0" dirty="0" err="1"/>
+              <a:t>within</a:t>
+            </a:r>
+            <a:r>
+              <a:rPr lang="fr-FR" sz="2200" i="0" dirty="0"/>
+              <a:t> the </a:t>
+            </a:r>
+            <a:r>
+              <a:rPr lang="fr-FR" sz="2200" i="0" dirty="0" err="1" smtClean="0"/>
+              <a:t>eXo</a:t>
+            </a:r>
+            <a:r>
+              <a:rPr lang="fr-FR" sz="2200" i="0" dirty="0" smtClean="0"/>
+              <a:t> instance</a:t>
+            </a:r>
+            <a:r>
+              <a:rPr lang="fr-FR" sz="2200" i="0" dirty="0"/>
+              <a:t>. The </a:t>
+            </a:r>
+            <a:r>
+              <a:rPr lang="fr-FR" sz="2200" i="0" dirty="0" err="1"/>
+              <a:t>required</a:t>
+            </a:r>
+            <a:r>
+              <a:rPr lang="fr-FR" sz="2200" i="0" dirty="0"/>
+              <a:t> configuration </a:t>
+            </a:r>
+            <a:r>
+              <a:rPr lang="fr-FR" sz="2200" i="0" dirty="0" err="1"/>
+              <a:t>is</a:t>
+            </a:r>
+            <a:r>
+              <a:rPr lang="fr-FR" sz="2200" i="0" dirty="0"/>
+              <a:t> </a:t>
+            </a:r>
+            <a:r>
+              <a:rPr lang="fr-FR" sz="2200" i="0" dirty="0" err="1"/>
+              <a:t>done</a:t>
+            </a:r>
+            <a:r>
+              <a:rPr lang="fr-FR" sz="2200" i="0" dirty="0"/>
+              <a:t> by </a:t>
+            </a:r>
+            <a:r>
+              <a:rPr lang="fr-FR" sz="2200" i="0" dirty="0" err="1" smtClean="0"/>
+              <a:t>modifying</a:t>
+            </a:r>
+            <a:r>
+              <a:rPr lang="fr-FR" sz="2200" i="0" dirty="0" smtClean="0"/>
+              <a:t>:</a:t>
+            </a:r>
+          </a:p>
+          <a:p>
+            <a:pPr marL="3175" indent="0">
+              <a:lnSpc>
+                <a:spcPct val="100000"/>
+              </a:lnSpc>
+              <a:buClr>
+                <a:srgbClr val="FF9900"/>
+              </a:buClr>
+              <a:buSzPct val="120000"/>
+              <a:buNone/>
+            </a:pPr>
+            <a:r>
+              <a:rPr lang="fr-FR" sz="2200" i="0" dirty="0" smtClean="0"/>
+              <a:t>	-  </a:t>
+            </a:r>
+            <a:r>
+              <a:rPr lang="fr-FR" sz="2200" i="0" dirty="0" err="1" smtClean="0"/>
+              <a:t>tomcat_home</a:t>
+            </a:r>
+            <a:r>
+              <a:rPr lang="fr-FR" sz="2200" i="0" dirty="0" smtClean="0"/>
+              <a:t>/</a:t>
+            </a:r>
+            <a:r>
+              <a:rPr lang="fr-FR" sz="2200" i="0" dirty="0" err="1" smtClean="0"/>
+              <a:t>webapps</a:t>
+            </a:r>
+            <a:r>
+              <a:rPr lang="fr-FR" sz="2200" i="0" dirty="0"/>
+              <a:t>/</a:t>
+            </a:r>
+            <a:r>
+              <a:rPr lang="fr-FR" sz="2200" i="0" dirty="0" err="1"/>
+              <a:t>platform</a:t>
+            </a:r>
+            <a:r>
+              <a:rPr lang="fr-FR" sz="2200" i="0" dirty="0"/>
+              <a:t>-extension/login/</a:t>
+            </a:r>
+            <a:r>
+              <a:rPr lang="fr-FR" sz="2200" i="0" dirty="0" err="1" smtClean="0"/>
+              <a:t>jsp</a:t>
+            </a:r>
+            <a:r>
+              <a:rPr lang="fr-FR" sz="2200" i="0" dirty="0" smtClean="0"/>
+              <a:t>/</a:t>
+            </a:r>
+            <a:r>
+              <a:rPr lang="fr-FR" sz="2200" i="0" dirty="0" err="1" smtClean="0"/>
+              <a:t>login.jsp</a:t>
+            </a:r>
+            <a:endParaRPr lang="fr-FR" sz="2200" i="0" dirty="0" smtClean="0"/>
+          </a:p>
+          <a:p>
+            <a:pPr marL="3175" indent="0">
+              <a:lnSpc>
+                <a:spcPct val="100000"/>
+              </a:lnSpc>
+              <a:buNone/>
+            </a:pPr>
+            <a:r>
+              <a:rPr lang="fr-FR" sz="2200" i="0" dirty="0"/>
+              <a:t>	</a:t>
+            </a:r>
+            <a:r>
+              <a:rPr lang="fr-FR" sz="2200" i="0" dirty="0" smtClean="0"/>
+              <a:t>-  </a:t>
+            </a:r>
+            <a:r>
+              <a:rPr lang="fr-FR" sz="2200" i="0" dirty="0"/>
+              <a:t>Replace the </a:t>
+            </a:r>
+            <a:r>
+              <a:rPr lang="fr-FR" sz="2200" i="0" dirty="0" err="1"/>
+              <a:t>InitiateLoginServlet</a:t>
+            </a:r>
+            <a:r>
+              <a:rPr lang="fr-FR" sz="2200" i="0" dirty="0"/>
+              <a:t> </a:t>
+            </a:r>
+            <a:r>
+              <a:rPr lang="fr-FR" sz="2200" i="0" dirty="0" err="1"/>
+              <a:t>declaration</a:t>
+            </a:r>
+            <a:r>
+              <a:rPr lang="fr-FR" sz="2200" i="0" dirty="0"/>
+              <a:t> in </a:t>
+            </a:r>
+            <a:r>
+              <a:rPr lang="fr-FR" sz="2200" i="0" dirty="0" err="1"/>
+              <a:t>tomcat_home</a:t>
+            </a:r>
+            <a:r>
+              <a:rPr lang="fr-FR" sz="2200" i="0" dirty="0"/>
+              <a:t>/</a:t>
+            </a:r>
+            <a:r>
+              <a:rPr lang="fr-FR" sz="2200" i="0" dirty="0" err="1"/>
+              <a:t>webapps</a:t>
+            </a:r>
+            <a:r>
+              <a:rPr lang="fr-FR" sz="2200" i="0" dirty="0"/>
+              <a:t>/</a:t>
+            </a:r>
+            <a:r>
+              <a:rPr lang="fr-FR" sz="2200" i="0" dirty="0" smtClean="0"/>
+              <a:t>portal/</a:t>
+            </a:r>
+            <a:r>
+              <a:rPr lang="fr-FR" sz="2200" i="0" dirty="0"/>
+              <a:t>WEB-INF/</a:t>
+            </a:r>
+            <a:r>
+              <a:rPr lang="fr-FR" sz="2200" i="0" dirty="0" err="1"/>
+              <a:t>web.xml</a:t>
+            </a:r>
+            <a:r>
+              <a:rPr lang="fr-FR" sz="2200" i="0" dirty="0"/>
+              <a:t> </a:t>
+            </a:r>
+            <a:r>
+              <a:rPr lang="fr-FR" sz="2200" i="0" dirty="0" err="1"/>
+              <a:t>with</a:t>
+            </a:r>
+            <a:r>
+              <a:rPr lang="fr-FR" sz="2200" i="0" dirty="0"/>
+              <a:t>: </a:t>
+            </a:r>
+          </a:p>
+          <a:p>
+            <a:pPr marL="3175" indent="0">
+              <a:lnSpc>
+                <a:spcPct val="80000"/>
+              </a:lnSpc>
+              <a:buNone/>
+            </a:pPr>
+            <a:r>
+              <a:rPr lang="fr-FR" sz="2200" i="0" dirty="0" smtClean="0"/>
+              <a:t>	</a:t>
+            </a:r>
+            <a:r>
+              <a:rPr lang="fr-FR" sz="1800" b="0" i="0" dirty="0" smtClean="0"/>
+              <a:t>&lt;</a:t>
+            </a:r>
+            <a:r>
+              <a:rPr lang="fr-FR" sz="1800" b="0" i="0" dirty="0"/>
+              <a:t>servlet&gt; </a:t>
+            </a:r>
+            <a:r>
+              <a:rPr lang="fr-FR" sz="1800" b="0" i="0" dirty="0" smtClean="0"/>
+              <a:t>&lt;</a:t>
+            </a:r>
+            <a:r>
+              <a:rPr lang="fr-FR" sz="1800" b="0" i="0" dirty="0"/>
+              <a:t>servlet-</a:t>
+            </a:r>
+            <a:r>
+              <a:rPr lang="fr-FR" sz="1800" b="0" i="0" dirty="0" err="1"/>
+              <a:t>name</a:t>
+            </a:r>
+            <a:r>
+              <a:rPr lang="fr-FR" sz="1800" b="0" i="0" dirty="0"/>
+              <a:t>&gt;</a:t>
+            </a:r>
+            <a:r>
+              <a:rPr lang="fr-FR" sz="1800" b="0" i="0" dirty="0" err="1"/>
+              <a:t>InitiateLoginServlet</a:t>
+            </a:r>
+            <a:r>
+              <a:rPr lang="fr-FR" sz="1800" b="0" i="0" dirty="0"/>
+              <a:t>&lt;/servlet-</a:t>
+            </a:r>
+            <a:r>
+              <a:rPr lang="fr-FR" sz="1800" b="0" i="0" dirty="0" err="1"/>
+              <a:t>name</a:t>
+            </a:r>
+            <a:r>
+              <a:rPr lang="fr-FR" sz="1800" b="0" i="0" dirty="0"/>
+              <a:t>&gt; &lt;servlet-class&gt;</a:t>
+            </a:r>
+            <a:r>
+              <a:rPr lang="fr-FR" sz="1800" b="0" i="0" dirty="0" err="1"/>
+              <a:t>org.gatein.sso.agent.GenericSSOAgent</a:t>
+            </a:r>
+            <a:r>
+              <a:rPr lang="fr-FR" sz="1800" b="0" i="0" dirty="0"/>
+              <a:t>&lt;/servlet-class&gt; &lt;</a:t>
+            </a:r>
+            <a:r>
+              <a:rPr lang="fr-FR" sz="1800" b="0" i="0" dirty="0" err="1"/>
+              <a:t>init-param</a:t>
+            </a:r>
+            <a:r>
+              <a:rPr lang="fr-FR" sz="1800" b="0" i="0" dirty="0"/>
+              <a:t>&gt; &lt;</a:t>
+            </a:r>
+            <a:r>
+              <a:rPr lang="fr-FR" sz="1800" b="0" i="0" dirty="0" err="1"/>
+              <a:t>param-name</a:t>
+            </a:r>
+            <a:r>
+              <a:rPr lang="fr-FR" sz="1800" b="0" i="0" dirty="0"/>
+              <a:t>&gt;</a:t>
+            </a:r>
+            <a:r>
+              <a:rPr lang="fr-FR" sz="1800" b="0" i="0" dirty="0" err="1"/>
+              <a:t>ssoServerUrl</a:t>
+            </a:r>
+            <a:r>
+              <a:rPr lang="fr-FR" sz="1800" b="0" i="0" dirty="0"/>
+              <a:t>&lt;/</a:t>
+            </a:r>
+            <a:r>
+              <a:rPr lang="fr-FR" sz="1800" b="0" i="0" dirty="0" err="1"/>
+              <a:t>param-name</a:t>
+            </a:r>
+            <a:r>
+              <a:rPr lang="fr-FR" sz="1800" b="0" i="0" dirty="0"/>
+              <a:t>&gt; &lt;</a:t>
+            </a:r>
+            <a:r>
+              <a:rPr lang="fr-FR" sz="1800" b="0" i="0" dirty="0" err="1"/>
+              <a:t>param</a:t>
+            </a:r>
+            <a:r>
+              <a:rPr lang="fr-FR" sz="1800" b="0" i="0" dirty="0"/>
+              <a:t>-value&gt;http://localhost:8888/cas&lt;/</a:t>
+            </a:r>
+            <a:r>
+              <a:rPr lang="fr-FR" sz="1800" b="0" i="0" dirty="0" err="1"/>
+              <a:t>param</a:t>
+            </a:r>
+            <a:r>
+              <a:rPr lang="fr-FR" sz="1800" b="0" i="0" dirty="0"/>
+              <a:t>-value&gt; &lt;/</a:t>
+            </a:r>
+            <a:r>
+              <a:rPr lang="fr-FR" sz="1800" b="0" i="0" dirty="0" err="1"/>
+              <a:t>init-param</a:t>
+            </a:r>
+            <a:r>
+              <a:rPr lang="fr-FR" sz="1800" b="0" i="0" dirty="0"/>
+              <a:t>&gt; &lt;</a:t>
+            </a:r>
+            <a:r>
+              <a:rPr lang="fr-FR" sz="1800" b="0" i="0" dirty="0" err="1"/>
+              <a:t>init-param</a:t>
+            </a:r>
+            <a:r>
+              <a:rPr lang="fr-FR" sz="1800" b="0" i="0" dirty="0"/>
+              <a:t>&gt; &lt;</a:t>
+            </a:r>
+            <a:r>
+              <a:rPr lang="fr-FR" sz="1800" b="0" i="0" dirty="0" err="1"/>
+              <a:t>param-name</a:t>
+            </a:r>
+            <a:r>
+              <a:rPr lang="fr-FR" sz="1800" b="0" i="0" dirty="0"/>
+              <a:t>&gt;</a:t>
+            </a:r>
+            <a:r>
+              <a:rPr lang="fr-FR" sz="1800" b="0" i="0" dirty="0" err="1"/>
+              <a:t>casRenewTicket</a:t>
+            </a:r>
+            <a:r>
+              <a:rPr lang="fr-FR" sz="1800" b="0" i="0" dirty="0"/>
+              <a:t>&lt;/</a:t>
+            </a:r>
+            <a:r>
+              <a:rPr lang="fr-FR" sz="1800" b="0" i="0" dirty="0" err="1"/>
+              <a:t>param-name</a:t>
+            </a:r>
+            <a:r>
+              <a:rPr lang="fr-FR" sz="1800" b="0" i="0" dirty="0"/>
+              <a:t>&gt; &lt;</a:t>
+            </a:r>
+            <a:r>
+              <a:rPr lang="fr-FR" sz="1800" b="0" i="0" dirty="0" err="1"/>
+              <a:t>param</a:t>
+            </a:r>
+            <a:r>
+              <a:rPr lang="fr-FR" sz="1800" b="0" i="0" dirty="0"/>
+              <a:t>-value&gt;false&lt;/</a:t>
+            </a:r>
+            <a:r>
+              <a:rPr lang="fr-FR" sz="1800" b="0" i="0" dirty="0" err="1"/>
+              <a:t>param</a:t>
+            </a:r>
+            <a:r>
+              <a:rPr lang="fr-FR" sz="1800" b="0" i="0" dirty="0"/>
+              <a:t>-value&gt; &lt;/</a:t>
+            </a:r>
+            <a:r>
+              <a:rPr lang="fr-FR" sz="1800" b="0" i="0" dirty="0" err="1"/>
+              <a:t>init-param</a:t>
+            </a:r>
+            <a:r>
+              <a:rPr lang="fr-FR" sz="1800" b="0" i="0" dirty="0"/>
+              <a:t>&gt; &lt;/servlet&gt; </a:t>
+            </a:r>
+            <a:endParaRPr lang="fr-FR" sz="1800" b="0" i="0" dirty="0" smtClean="0"/>
+          </a:p>
+          <a:p>
+            <a:pPr marL="3175" indent="0">
+              <a:lnSpc>
+                <a:spcPct val="80000"/>
+              </a:lnSpc>
+              <a:buNone/>
+            </a:pPr>
+            <a:r>
+              <a:rPr lang="fr-FR" sz="1800" b="0" i="0" dirty="0" err="1" smtClean="0"/>
+              <a:t>Try</a:t>
+            </a:r>
+            <a:r>
+              <a:rPr lang="fr-FR" sz="1800" b="0" i="0" dirty="0" smtClean="0"/>
+              <a:t> to </a:t>
+            </a:r>
+            <a:r>
+              <a:rPr lang="fr-FR" sz="1800" b="0" i="0" dirty="0" err="1" smtClean="0"/>
+              <a:t>access</a:t>
+            </a:r>
+            <a:r>
+              <a:rPr lang="fr-FR" sz="1800" b="0" i="0" dirty="0" smtClean="0"/>
+              <a:t> to </a:t>
+            </a:r>
+            <a:r>
+              <a:rPr lang="fr-FR" sz="1800" b="0" i="0" smtClean="0"/>
+              <a:t>eXo</a:t>
+            </a:r>
+            <a:endParaRPr lang="fr-FR" sz="1800" b="0" i="0" dirty="0"/>
+          </a:p>
+          <a:p>
+            <a:pPr marL="3175" indent="0">
+              <a:lnSpc>
+                <a:spcPct val="100000"/>
+              </a:lnSpc>
+              <a:buClr>
+                <a:srgbClr val="FF9900"/>
+              </a:buClr>
+              <a:buSzPct val="120000"/>
+              <a:buNone/>
+            </a:pPr>
+            <a:endParaRPr lang="fr-FR" sz="2200" i="0" dirty="0" smtClean="0"/>
+          </a:p>
+          <a:p>
+            <a:pPr>
+              <a:lnSpc>
+                <a:spcPct val="100000"/>
+              </a:lnSpc>
+              <a:buClr>
+                <a:srgbClr val="FF9900"/>
+              </a:buClr>
+              <a:buSzPct val="120000"/>
+              <a:buFont typeface="Lucida Grande"/>
+              <a:buChar char="»"/>
+            </a:pPr>
+            <a:endParaRPr lang="fr-FR" sz="2200" b="0" i="0" dirty="0"/>
+          </a:p>
+          <a:p>
+            <a:pPr marL="3175" indent="0">
+              <a:buNone/>
+            </a:pPr>
+            <a:endParaRPr lang="fr-FR" sz="1800" b="0" i="0" dirty="0">
+              <a:solidFill>
+                <a:schemeClr val="tx1">
+                  <a:lumMod val="75000"/>
+                  <a:lumOff val="25000"/>
+                </a:schemeClr>
+              </a:solidFill>
+            </a:endParaRPr>
+          </a:p>
+          <a:p>
+            <a:pPr>
+              <a:lnSpc>
+                <a:spcPct val="100000"/>
+              </a:lnSpc>
+              <a:buClr>
+                <a:srgbClr val="FF9900"/>
+              </a:buClr>
+              <a:buSzPct val="120000"/>
+              <a:buFont typeface="Lucida Grande"/>
+              <a:buChar char="»"/>
+            </a:pPr>
+            <a:endParaRPr lang="fr-FR" sz="1800" b="0" i="0" dirty="0">
+              <a:solidFill>
+                <a:schemeClr val="tx1">
+                  <a:lumMod val="75000"/>
+                  <a:lumOff val="25000"/>
+                </a:schemeClr>
+              </a:solidFill>
+            </a:endParaRPr>
+          </a:p>
+          <a:p>
+            <a:pPr>
+              <a:lnSpc>
+                <a:spcPct val="100000"/>
+              </a:lnSpc>
+              <a:buClr>
+                <a:srgbClr val="FF9900"/>
+              </a:buClr>
+              <a:buSzPct val="120000"/>
+              <a:buFont typeface="Lucida Grande"/>
+              <a:buChar char="»"/>
+            </a:pPr>
+            <a:endParaRPr lang="fr-FR" sz="1800" i="0" dirty="0">
+              <a:solidFill>
+                <a:schemeClr val="tx1">
+                  <a:lumMod val="75000"/>
+                  <a:lumOff val="25000"/>
+                </a:schemeClr>
+              </a:solidFill>
+            </a:endParaRPr>
+          </a:p>
+          <a:p>
+            <a:pPr>
+              <a:lnSpc>
+                <a:spcPct val="100000"/>
+              </a:lnSpc>
+              <a:buClr>
+                <a:srgbClr val="FF9900"/>
+              </a:buClr>
+              <a:buSzPct val="120000"/>
+              <a:buFont typeface="Lucida Grande"/>
+              <a:buChar char="»"/>
+            </a:pPr>
+            <a:endParaRPr lang="fr-FR" sz="1800" i="0" dirty="0">
+              <a:solidFill>
+                <a:schemeClr val="tx1">
+                  <a:lumMod val="75000"/>
+                  <a:lumOff val="25000"/>
+                </a:schemeClr>
+              </a:solidFill>
+            </a:endParaRPr>
+          </a:p>
+        </p:txBody>
+      </p:sp>
+    </p:spTree>
+    <p:extLst>
+      <p:ext uri="{BB962C8B-B14F-4D97-AF65-F5344CB8AC3E}">
+        <p14:creationId xmlns:p14="http://schemas.microsoft.com/office/powerpoint/2010/main" val="364395727"/>
+      </p:ext>
+    </p:extLst>
+  </p:cSld>
+  <p:clrMapOvr>
+    <a:masterClrMapping/>
+  </p:clrMapOvr>
+  <p:transition xmlns:p14="http://schemas.microsoft.com/office/powerpoint/2010/main"/>
+  <p:timing>
+    <p:tnLst>
+      <p:par>
+        <p:cTn xmlns:p14="http://schemas.microsoft.com/office/powerpoint/2010/main" id="1" dur="indefinite" restart="never" nodeType="tmRoot"/>
+      </p:par>
+    </p:tnLst>
+  </p:timing>
+</p:sld>
+</file>
+
+<file path=ppt/slides/slide42.xml><?xml version="1.0" encoding="utf-8"?>
 <p:sld xmlns:a="http://schemas.openxmlformats.org/drawingml/2006/main" xmlns:r="http://schemas.openxmlformats.org/officeDocument/2006/relationships" xmlns:p="http://schemas.openxmlformats.org/presentationml/2006/main">
   <p:cSld>
     <p:spTree>
@@ -44544,848 +47775,6 @@
             </p:seq>
           </p:childTnLst>
         </p:cTn>
-      </p:par>
-    </p:tnLst>
-  </p:timing>
-</p:sld>
-</file>
-
-<file path=ppt/slides/slide4.xml><?xml version="1.0" encoding="utf-8"?>
-<p:sld xmlns:a="http://schemas.openxmlformats.org/drawingml/2006/main" xmlns:r="http://schemas.openxmlformats.org/officeDocument/2006/relationships" xmlns:p="http://schemas.openxmlformats.org/presentationml/2006/main">
-  <p:cSld>
-    <p:spTree>
-      <p:nvGrpSpPr>
-        <p:cNvPr id="1" name=""/>
-        <p:cNvGrpSpPr/>
-        <p:nvPr/>
-      </p:nvGrpSpPr>
-      <p:grpSpPr>
-        <a:xfrm>
-          <a:off x="0" y="0"/>
-          <a:ext cx="0" cy="0"/>
-          <a:chOff x="0" y="0"/>
-          <a:chExt cx="0" cy="0"/>
-        </a:xfrm>
-      </p:grpSpPr>
-      <p:sp>
-        <p:nvSpPr>
-          <p:cNvPr id="15362" name="Rectangle 1"/>
-          <p:cNvSpPr>
-            <a:spLocks noGrp="1" noChangeArrowheads="1"/>
-          </p:cNvSpPr>
-          <p:nvPr>
-            <p:ph type="title"/>
-          </p:nvPr>
-        </p:nvSpPr>
-        <p:spPr>
-          <a:xfrm>
-            <a:off x="490435" y="255926"/>
-            <a:ext cx="10179255" cy="454024"/>
-          </a:xfrm>
-        </p:spPr>
-        <p:txBody>
-          <a:bodyPr rIns="41783" anchor="b"/>
-          <a:lstStyle/>
-          <a:p>
-            <a:r>
-              <a:rPr lang="fr-FR" dirty="0" err="1"/>
-              <a:t>Overview</a:t>
-            </a:r>
-            <a:r>
-              <a:rPr lang="fr-FR" dirty="0"/>
-              <a:t> of the </a:t>
-            </a:r>
-            <a:r>
-              <a:rPr lang="fr-FR" dirty="0" err="1"/>
-              <a:t>Organizational</a:t>
-            </a:r>
-            <a:r>
-              <a:rPr lang="fr-FR" dirty="0"/>
-              <a:t> Model</a:t>
-            </a:r>
-          </a:p>
-        </p:txBody>
-      </p:sp>
-      <p:sp>
-        <p:nvSpPr>
-          <p:cNvPr id="15363" name="Rectangle 2"/>
-          <p:cNvSpPr>
-            <a:spLocks noGrp="1" noChangeArrowheads="1"/>
-          </p:cNvSpPr>
-          <p:nvPr>
-            <p:ph type="body" idx="1"/>
-          </p:nvPr>
-        </p:nvSpPr>
-        <p:spPr>
-          <a:xfrm>
-            <a:off x="467494" y="1350945"/>
-            <a:ext cx="10219725" cy="5089000"/>
-          </a:xfrm>
-        </p:spPr>
-        <p:txBody>
-          <a:bodyPr rIns="41783" anchor="t"/>
-          <a:lstStyle/>
-          <a:p>
-            <a:pPr marL="265113" lvl="1" indent="-265113">
-              <a:lnSpc>
-                <a:spcPct val="100000"/>
-              </a:lnSpc>
-            </a:pPr>
-            <a:r>
-              <a:rPr lang="fr-FR" i="0" dirty="0" smtClean="0">
-                <a:solidFill>
-                  <a:schemeClr val="tx1">
-                    <a:lumMod val="75000"/>
-                    <a:lumOff val="25000"/>
-                  </a:schemeClr>
-                </a:solidFill>
-              </a:rPr>
-              <a:t>User </a:t>
-            </a:r>
-            <a:endParaRPr lang="fr-FR" i="0" dirty="0">
-              <a:solidFill>
-                <a:schemeClr val="tx1">
-                  <a:lumMod val="75000"/>
-                  <a:lumOff val="25000"/>
-                </a:schemeClr>
-              </a:solidFill>
-            </a:endParaRPr>
-          </a:p>
-          <a:p>
-            <a:pPr marL="3175" indent="0">
-              <a:buNone/>
-            </a:pPr>
-            <a:r>
-              <a:rPr lang="fr-FR" sz="2200" i="0" dirty="0" smtClean="0">
-                <a:solidFill>
-                  <a:schemeClr val="tx1">
-                    <a:lumMod val="75000"/>
-                    <a:lumOff val="25000"/>
-                  </a:schemeClr>
-                </a:solidFill>
-              </a:rPr>
-              <a:t>	- </a:t>
-            </a:r>
-            <a:r>
-              <a:rPr lang="fr-FR" sz="2200" i="0" dirty="0" err="1">
-                <a:solidFill>
-                  <a:schemeClr val="tx1">
-                    <a:lumMod val="75000"/>
-                    <a:lumOff val="25000"/>
-                  </a:schemeClr>
-                </a:solidFill>
-              </a:rPr>
-              <a:t>Username</a:t>
-            </a:r>
-            <a:r>
-              <a:rPr lang="fr-FR" sz="2200" i="0" dirty="0">
-                <a:solidFill>
-                  <a:schemeClr val="tx1">
-                    <a:lumMod val="75000"/>
-                    <a:lumOff val="25000"/>
-                  </a:schemeClr>
-                </a:solidFill>
-              </a:rPr>
-              <a:t> </a:t>
-            </a:r>
-            <a:r>
-              <a:rPr lang="fr-FR" sz="2200" i="0" dirty="0" err="1">
-                <a:solidFill>
-                  <a:schemeClr val="tx1">
-                    <a:lumMod val="75000"/>
-                    <a:lumOff val="25000"/>
-                  </a:schemeClr>
-                </a:solidFill>
-              </a:rPr>
-              <a:t>used</a:t>
-            </a:r>
-            <a:r>
-              <a:rPr lang="fr-FR" sz="2200" i="0" dirty="0">
-                <a:solidFill>
-                  <a:schemeClr val="tx1">
-                    <a:lumMod val="75000"/>
-                    <a:lumOff val="25000"/>
-                  </a:schemeClr>
-                </a:solidFill>
-              </a:rPr>
-              <a:t> as the </a:t>
-            </a:r>
-            <a:r>
-              <a:rPr lang="fr-FR" sz="2200" i="0" dirty="0" err="1">
-                <a:solidFill>
-                  <a:schemeClr val="tx1">
-                    <a:lumMod val="75000"/>
-                    <a:lumOff val="25000"/>
-                  </a:schemeClr>
-                </a:solidFill>
-              </a:rPr>
-              <a:t>identified</a:t>
-            </a:r>
-            <a:r>
-              <a:rPr lang="fr-FR" sz="2200" i="0" dirty="0">
-                <a:solidFill>
-                  <a:schemeClr val="tx1">
-                    <a:lumMod val="75000"/>
-                    <a:lumOff val="25000"/>
-                  </a:schemeClr>
-                </a:solidFill>
-              </a:rPr>
-              <a:t> Profile (</a:t>
-            </a:r>
-            <a:r>
-              <a:rPr lang="fr-FR" sz="2200" i="0" dirty="0" err="1">
-                <a:solidFill>
-                  <a:schemeClr val="tx1">
-                    <a:lumMod val="75000"/>
-                    <a:lumOff val="25000"/>
-                  </a:schemeClr>
-                </a:solidFill>
-              </a:rPr>
-              <a:t>identity</a:t>
-            </a:r>
-            <a:r>
-              <a:rPr lang="fr-FR" sz="2200" i="0" dirty="0">
-                <a:solidFill>
-                  <a:schemeClr val="tx1">
-                    <a:lumMod val="75000"/>
-                    <a:lumOff val="25000"/>
-                  </a:schemeClr>
-                </a:solidFill>
-              </a:rPr>
-              <a:t> and </a:t>
-            </a:r>
-            <a:r>
-              <a:rPr lang="fr-FR" sz="2200" i="0" dirty="0" err="1">
-                <a:solidFill>
-                  <a:schemeClr val="tx1">
-                    <a:lumMod val="75000"/>
-                    <a:lumOff val="25000"/>
-                  </a:schemeClr>
-                </a:solidFill>
-              </a:rPr>
-              <a:t>preferences</a:t>
-            </a:r>
-            <a:r>
-              <a:rPr lang="fr-FR" sz="2200" i="0" dirty="0" smtClean="0">
-                <a:solidFill>
-                  <a:schemeClr val="tx1">
-                    <a:lumMod val="75000"/>
-                    <a:lumOff val="25000"/>
-                  </a:schemeClr>
-                </a:solidFill>
-              </a:rPr>
-              <a:t>)</a:t>
-            </a:r>
-          </a:p>
-          <a:p>
-            <a:pPr>
-              <a:buClr>
-                <a:srgbClr val="FF9900"/>
-              </a:buClr>
-              <a:buSzPct val="120000"/>
-              <a:buFont typeface="Lucida Grande"/>
-              <a:buChar char="»"/>
-            </a:pPr>
-            <a:endParaRPr lang="fr-FR" sz="2200" dirty="0" smtClean="0">
-              <a:solidFill>
-                <a:schemeClr val="tx1">
-                  <a:lumMod val="75000"/>
-                  <a:lumOff val="25000"/>
-                </a:schemeClr>
-              </a:solidFill>
-            </a:endParaRPr>
-          </a:p>
-          <a:p>
-            <a:pPr>
-              <a:buClr>
-                <a:srgbClr val="FF9900"/>
-              </a:buClr>
-              <a:buSzPct val="120000"/>
-              <a:buFont typeface="Lucida Grande"/>
-              <a:buChar char="»"/>
-            </a:pPr>
-            <a:r>
-              <a:rPr lang="fr-FR" sz="2200" i="0" dirty="0" smtClean="0">
-                <a:solidFill>
-                  <a:schemeClr val="tx1">
-                    <a:lumMod val="75000"/>
-                    <a:lumOff val="25000"/>
-                  </a:schemeClr>
-                </a:solidFill>
-              </a:rPr>
-              <a:t>Group </a:t>
-            </a:r>
-            <a:endParaRPr lang="fr-FR" sz="2200" i="0" dirty="0">
-              <a:solidFill>
-                <a:schemeClr val="tx1">
-                  <a:lumMod val="75000"/>
-                  <a:lumOff val="25000"/>
-                </a:schemeClr>
-              </a:solidFill>
-            </a:endParaRPr>
-          </a:p>
-          <a:p>
-            <a:pPr marL="3175" indent="0">
-              <a:buClr>
-                <a:srgbClr val="FF9900"/>
-              </a:buClr>
-              <a:buNone/>
-            </a:pPr>
-            <a:r>
-              <a:rPr lang="fr-FR" sz="2200" i="0" dirty="0">
-                <a:solidFill>
-                  <a:schemeClr val="tx1">
-                    <a:lumMod val="75000"/>
-                    <a:lumOff val="25000"/>
-                  </a:schemeClr>
-                </a:solidFill>
-              </a:rPr>
-              <a:t>	</a:t>
-            </a:r>
-            <a:r>
-              <a:rPr lang="fr-FR" sz="2200" i="0" dirty="0" smtClean="0">
-                <a:solidFill>
-                  <a:schemeClr val="tx1">
-                    <a:lumMod val="75000"/>
-                    <a:lumOff val="25000"/>
-                  </a:schemeClr>
-                </a:solidFill>
-              </a:rPr>
-              <a:t>- </a:t>
-            </a:r>
-            <a:r>
-              <a:rPr lang="fr-FR" sz="2200" i="0" dirty="0" err="1" smtClean="0">
-                <a:solidFill>
-                  <a:schemeClr val="tx1">
-                    <a:lumMod val="75000"/>
-                    <a:lumOff val="25000"/>
-                  </a:schemeClr>
-                </a:solidFill>
-              </a:rPr>
-              <a:t>Gather</a:t>
-            </a:r>
-            <a:r>
-              <a:rPr lang="fr-FR" sz="2200" i="0" dirty="0" smtClean="0">
-                <a:solidFill>
-                  <a:schemeClr val="tx1">
-                    <a:lumMod val="75000"/>
-                    <a:lumOff val="25000"/>
-                  </a:schemeClr>
-                </a:solidFill>
-              </a:rPr>
-              <a:t> </a:t>
-            </a:r>
-            <a:r>
-              <a:rPr lang="fr-FR" sz="2200" i="0" dirty="0">
-                <a:solidFill>
-                  <a:schemeClr val="tx1">
-                    <a:lumMod val="75000"/>
-                    <a:lumOff val="25000"/>
-                  </a:schemeClr>
-                </a:solidFill>
-              </a:rPr>
-              <a:t>a set of </a:t>
-            </a:r>
-            <a:r>
-              <a:rPr lang="fr-FR" sz="2200" i="0" dirty="0" err="1">
-                <a:solidFill>
-                  <a:schemeClr val="tx1">
-                    <a:lumMod val="75000"/>
-                    <a:lumOff val="25000"/>
-                  </a:schemeClr>
-                </a:solidFill>
-              </a:rPr>
-              <a:t>users</a:t>
-            </a:r>
-            <a:r>
-              <a:rPr lang="fr-FR" sz="2200" i="0" dirty="0">
-                <a:solidFill>
-                  <a:schemeClr val="tx1">
-                    <a:lumMod val="75000"/>
-                    <a:lumOff val="25000"/>
-                  </a:schemeClr>
-                </a:solidFill>
-              </a:rPr>
-              <a:t> Applicative or business </a:t>
-            </a:r>
-          </a:p>
-          <a:p>
-            <a:pPr marL="3175" indent="0">
-              <a:buNone/>
-            </a:pPr>
-            <a:r>
-              <a:rPr lang="fr-FR" sz="2200" i="0" dirty="0">
-                <a:solidFill>
-                  <a:schemeClr val="tx1">
-                    <a:lumMod val="75000"/>
-                    <a:lumOff val="25000"/>
-                  </a:schemeClr>
-                </a:solidFill>
-              </a:rPr>
-              <a:t>	</a:t>
-            </a:r>
-            <a:r>
-              <a:rPr lang="fr-FR" sz="2200" i="0" dirty="0" smtClean="0">
-                <a:solidFill>
-                  <a:schemeClr val="tx1">
-                    <a:lumMod val="75000"/>
-                    <a:lumOff val="25000"/>
-                  </a:schemeClr>
-                </a:solidFill>
-              </a:rPr>
-              <a:t>- </a:t>
-            </a:r>
-            <a:r>
-              <a:rPr lang="fr-FR" sz="2200" i="0" dirty="0" err="1">
-                <a:solidFill>
-                  <a:schemeClr val="tx1">
-                    <a:lumMod val="75000"/>
-                    <a:lumOff val="25000"/>
-                  </a:schemeClr>
-                </a:solidFill>
-              </a:rPr>
-              <a:t>Tree</a:t>
-            </a:r>
-            <a:r>
-              <a:rPr lang="fr-FR" sz="2200" i="0" dirty="0">
-                <a:solidFill>
-                  <a:schemeClr val="tx1">
-                    <a:lumMod val="75000"/>
-                    <a:lumOff val="25000"/>
-                  </a:schemeClr>
-                </a:solidFill>
-              </a:rPr>
-              <a:t> </a:t>
-            </a:r>
-            <a:r>
-              <a:rPr lang="fr-FR" sz="2200" i="0" dirty="0" err="1">
-                <a:solidFill>
-                  <a:schemeClr val="tx1">
-                    <a:lumMod val="75000"/>
-                    <a:lumOff val="25000"/>
-                  </a:schemeClr>
-                </a:solidFill>
-              </a:rPr>
-              <a:t>structureNo</a:t>
-            </a:r>
-            <a:r>
-              <a:rPr lang="fr-FR" sz="2200" i="0" dirty="0">
-                <a:solidFill>
-                  <a:schemeClr val="tx1">
-                    <a:lumMod val="75000"/>
-                    <a:lumOff val="25000"/>
-                  </a:schemeClr>
-                </a:solidFill>
-              </a:rPr>
-              <a:t> </a:t>
-            </a:r>
-            <a:r>
-              <a:rPr lang="fr-FR" sz="2200" i="0" dirty="0" err="1" smtClean="0">
-                <a:solidFill>
-                  <a:schemeClr val="tx1">
-                    <a:lumMod val="75000"/>
-                    <a:lumOff val="25000"/>
-                  </a:schemeClr>
-                </a:solidFill>
-              </a:rPr>
-              <a:t>inheritance</a:t>
-            </a:r>
-            <a:endParaRPr lang="fr-FR" sz="2200" i="0" dirty="0" smtClean="0">
-              <a:solidFill>
-                <a:schemeClr val="tx1">
-                  <a:lumMod val="75000"/>
-                  <a:lumOff val="25000"/>
-                </a:schemeClr>
-              </a:solidFill>
-            </a:endParaRPr>
-          </a:p>
-          <a:p>
-            <a:pPr marL="3175" indent="0">
-              <a:buNone/>
-            </a:pPr>
-            <a:r>
-              <a:rPr lang="fr-FR" sz="2200" dirty="0">
-                <a:solidFill>
-                  <a:schemeClr val="tx1">
-                    <a:lumMod val="75000"/>
-                    <a:lumOff val="25000"/>
-                  </a:schemeClr>
-                </a:solidFill>
-              </a:rPr>
-              <a:t>	</a:t>
-            </a:r>
-            <a:r>
-              <a:rPr lang="fr-FR" sz="2200" dirty="0" err="1" smtClean="0">
-                <a:solidFill>
-                  <a:schemeClr val="tx1">
-                    <a:lumMod val="75000"/>
-                    <a:lumOff val="25000"/>
-                  </a:schemeClr>
-                </a:solidFill>
-              </a:rPr>
-              <a:t>Expressed</a:t>
-            </a:r>
-            <a:r>
-              <a:rPr lang="fr-FR" sz="2200" dirty="0" smtClean="0">
-                <a:solidFill>
-                  <a:schemeClr val="tx1">
-                    <a:lumMod val="75000"/>
-                    <a:lumOff val="25000"/>
-                  </a:schemeClr>
-                </a:solidFill>
-              </a:rPr>
-              <a:t> </a:t>
-            </a:r>
-            <a:r>
-              <a:rPr lang="fr-FR" sz="2200" dirty="0">
-                <a:solidFill>
-                  <a:schemeClr val="tx1">
-                    <a:lumMod val="75000"/>
-                    <a:lumOff val="25000"/>
-                  </a:schemeClr>
-                </a:solidFill>
-              </a:rPr>
-              <a:t>as /group/</a:t>
-            </a:r>
-            <a:r>
-              <a:rPr lang="fr-FR" sz="2200" dirty="0" err="1">
-                <a:solidFill>
-                  <a:schemeClr val="tx1">
-                    <a:lumMod val="75000"/>
-                    <a:lumOff val="25000"/>
-                  </a:schemeClr>
-                </a:solidFill>
-              </a:rPr>
-              <a:t>subgroup</a:t>
-            </a:r>
-            <a:r>
-              <a:rPr lang="fr-FR" sz="2200" dirty="0">
-                <a:solidFill>
-                  <a:schemeClr val="tx1">
-                    <a:lumMod val="75000"/>
-                    <a:lumOff val="25000"/>
-                  </a:schemeClr>
-                </a:solidFill>
-              </a:rPr>
-              <a:t>/</a:t>
-            </a:r>
-            <a:r>
-              <a:rPr lang="fr-FR" sz="2200" dirty="0" err="1">
-                <a:solidFill>
-                  <a:schemeClr val="tx1">
-                    <a:lumMod val="75000"/>
-                    <a:lumOff val="25000"/>
-                  </a:schemeClr>
-                </a:solidFill>
-              </a:rPr>
-              <a:t>subsubgroup</a:t>
-            </a:r>
-            <a:endParaRPr lang="fr-FR" sz="2200" dirty="0">
-              <a:solidFill>
-                <a:schemeClr val="tx1">
-                  <a:lumMod val="75000"/>
-                  <a:lumOff val="25000"/>
-                </a:schemeClr>
-              </a:solidFill>
-            </a:endParaRPr>
-          </a:p>
-          <a:p>
-            <a:endParaRPr lang="fr-FR" sz="2200" dirty="0">
-              <a:solidFill>
-                <a:schemeClr val="tx1">
-                  <a:lumMod val="75000"/>
-                  <a:lumOff val="25000"/>
-                </a:schemeClr>
-              </a:solidFill>
-            </a:endParaRPr>
-          </a:p>
-          <a:p>
-            <a:pPr>
-              <a:buClr>
-                <a:srgbClr val="FF9900"/>
-              </a:buClr>
-              <a:buSzPct val="120000"/>
-              <a:buFont typeface="Lucida Grande"/>
-              <a:buChar char="»"/>
-            </a:pPr>
-            <a:r>
-              <a:rPr lang="fr-FR" sz="2200" i="0" dirty="0" err="1">
-                <a:solidFill>
-                  <a:schemeClr val="tx1">
-                    <a:lumMod val="75000"/>
-                    <a:lumOff val="25000"/>
-                  </a:schemeClr>
-                </a:solidFill>
-              </a:rPr>
-              <a:t>Membership</a:t>
-            </a:r>
-            <a:endParaRPr lang="fr-FR" sz="2200" i="0" dirty="0">
-              <a:solidFill>
-                <a:schemeClr val="tx1">
-                  <a:lumMod val="75000"/>
-                  <a:lumOff val="25000"/>
-                </a:schemeClr>
-              </a:solidFill>
-            </a:endParaRPr>
-          </a:p>
-          <a:p>
-            <a:pPr marL="3175" indent="0">
-              <a:buNone/>
-            </a:pPr>
-            <a:r>
-              <a:rPr lang="fr-FR" sz="2200" i="0" dirty="0" smtClean="0">
-                <a:solidFill>
-                  <a:schemeClr val="tx1">
-                    <a:lumMod val="75000"/>
-                    <a:lumOff val="25000"/>
-                  </a:schemeClr>
-                </a:solidFill>
-              </a:rPr>
-              <a:t>	- </a:t>
-            </a:r>
-            <a:r>
-              <a:rPr lang="fr-FR" sz="2200" i="0" dirty="0">
-                <a:solidFill>
-                  <a:schemeClr val="tx1">
-                    <a:lumMod val="75000"/>
-                    <a:lumOff val="25000"/>
-                  </a:schemeClr>
-                </a:solidFill>
-              </a:rPr>
-              <a:t>Qualifies the group </a:t>
-            </a:r>
-            <a:r>
-              <a:rPr lang="fr-FR" sz="2200" i="0" dirty="0" err="1">
-                <a:solidFill>
-                  <a:schemeClr val="tx1">
-                    <a:lumMod val="75000"/>
-                    <a:lumOff val="25000"/>
-                  </a:schemeClr>
-                </a:solidFill>
-              </a:rPr>
-              <a:t>belonging</a:t>
-            </a:r>
-            <a:endParaRPr lang="fr-FR" sz="2200" i="0" dirty="0">
-              <a:solidFill>
-                <a:schemeClr val="tx1">
-                  <a:lumMod val="75000"/>
-                  <a:lumOff val="25000"/>
-                </a:schemeClr>
-              </a:solidFill>
-            </a:endParaRPr>
-          </a:p>
-          <a:p>
-            <a:pPr marL="3175" indent="0">
-              <a:buNone/>
-            </a:pPr>
-            <a:r>
-              <a:rPr lang="fr-FR" sz="2200" i="0" dirty="0">
-                <a:solidFill>
-                  <a:schemeClr val="tx1">
-                    <a:lumMod val="75000"/>
-                    <a:lumOff val="25000"/>
-                  </a:schemeClr>
-                </a:solidFill>
-              </a:rPr>
-              <a:t>	</a:t>
-            </a:r>
-            <a:r>
-              <a:rPr lang="fr-FR" sz="2200" i="0" dirty="0" smtClean="0">
-                <a:solidFill>
-                  <a:schemeClr val="tx1">
-                    <a:lumMod val="75000"/>
-                    <a:lumOff val="25000"/>
-                  </a:schemeClr>
-                </a:solidFill>
-              </a:rPr>
-              <a:t>- </a:t>
-            </a:r>
-            <a:r>
-              <a:rPr lang="fr-FR" sz="2200" i="0" dirty="0">
-                <a:solidFill>
-                  <a:schemeClr val="tx1">
-                    <a:lumMod val="75000"/>
-                    <a:lumOff val="25000"/>
-                  </a:schemeClr>
-                </a:solidFill>
-              </a:rPr>
-              <a:t>"</a:t>
-            </a:r>
-            <a:r>
-              <a:rPr lang="fr-FR" sz="2200" i="0" dirty="0" err="1">
-                <a:solidFill>
-                  <a:schemeClr val="tx1">
-                    <a:lumMod val="75000"/>
-                    <a:lumOff val="25000"/>
-                  </a:schemeClr>
-                </a:solidFill>
-              </a:rPr>
-              <a:t>Member</a:t>
-            </a:r>
-            <a:r>
-              <a:rPr lang="fr-FR" sz="2200" i="0" dirty="0">
-                <a:solidFill>
-                  <a:schemeClr val="tx1">
-                    <a:lumMod val="75000"/>
-                    <a:lumOff val="25000"/>
-                  </a:schemeClr>
-                </a:solidFill>
-              </a:rPr>
-              <a:t> of group as </a:t>
-            </a:r>
-            <a:r>
-              <a:rPr lang="fr-FR" sz="2200" i="0" dirty="0" smtClean="0">
-                <a:solidFill>
-                  <a:schemeClr val="tx1">
-                    <a:lumMod val="75000"/>
-                    <a:lumOff val="25000"/>
-                  </a:schemeClr>
-                </a:solidFill>
-              </a:rPr>
-              <a:t>XXX »</a:t>
-            </a:r>
-            <a:endParaRPr lang="fr-FR" sz="2400" i="0" dirty="0" smtClean="0"/>
-          </a:p>
-          <a:p>
-            <a:pPr marL="3175" indent="0">
-              <a:buNone/>
-            </a:pPr>
-            <a:r>
-              <a:rPr lang="fr-FR" sz="2400" dirty="0"/>
-              <a:t>	</a:t>
-            </a:r>
-            <a:r>
-              <a:rPr lang="fr-FR" sz="2200" dirty="0" err="1" smtClean="0">
-                <a:solidFill>
-                  <a:schemeClr val="tx1">
-                    <a:lumMod val="75000"/>
-                    <a:lumOff val="25000"/>
-                  </a:schemeClr>
-                </a:solidFill>
-              </a:rPr>
-              <a:t>Expressed</a:t>
-            </a:r>
-            <a:r>
-              <a:rPr lang="fr-FR" sz="2200" dirty="0" smtClean="0">
-                <a:solidFill>
-                  <a:schemeClr val="tx1">
-                    <a:lumMod val="75000"/>
-                    <a:lumOff val="25000"/>
-                  </a:schemeClr>
-                </a:solidFill>
-              </a:rPr>
-              <a:t> </a:t>
-            </a:r>
-            <a:r>
-              <a:rPr lang="fr-FR" sz="2200" dirty="0">
-                <a:solidFill>
-                  <a:schemeClr val="tx1">
-                    <a:lumMod val="75000"/>
-                    <a:lumOff val="25000"/>
-                  </a:schemeClr>
-                </a:solidFill>
-              </a:rPr>
-              <a:t>as : manager:/</a:t>
-            </a:r>
-            <a:r>
-              <a:rPr lang="fr-FR" sz="2200" dirty="0" err="1">
-                <a:solidFill>
-                  <a:schemeClr val="tx1">
-                    <a:lumMod val="75000"/>
-                    <a:lumOff val="25000"/>
-                  </a:schemeClr>
-                </a:solidFill>
-              </a:rPr>
-              <a:t>organization</a:t>
-            </a:r>
-            <a:r>
-              <a:rPr lang="fr-FR" sz="2200" dirty="0">
-                <a:solidFill>
-                  <a:schemeClr val="tx1">
-                    <a:lumMod val="75000"/>
-                    <a:lumOff val="25000"/>
-                  </a:schemeClr>
-                </a:solidFill>
-              </a:rPr>
-              <a:t>/</a:t>
-            </a:r>
-            <a:r>
-              <a:rPr lang="fr-FR" sz="2200" dirty="0" err="1">
-                <a:solidFill>
-                  <a:schemeClr val="tx1">
-                    <a:lumMod val="75000"/>
-                    <a:lumOff val="25000"/>
-                  </a:schemeClr>
-                </a:solidFill>
-              </a:rPr>
-              <a:t>hr</a:t>
-            </a:r>
-            <a:r>
-              <a:rPr lang="fr-FR" sz="2200" dirty="0">
-                <a:solidFill>
-                  <a:schemeClr val="tx1">
-                    <a:lumMod val="75000"/>
-                    <a:lumOff val="25000"/>
-                  </a:schemeClr>
-                </a:solidFill>
-              </a:rPr>
-              <a:t>, *:/</a:t>
-            </a:r>
-            <a:r>
-              <a:rPr lang="fr-FR" sz="2200" dirty="0" err="1">
-                <a:solidFill>
-                  <a:schemeClr val="tx1">
-                    <a:lumMod val="75000"/>
-                    <a:lumOff val="25000"/>
-                  </a:schemeClr>
-                </a:solidFill>
-              </a:rPr>
-              <a:t>partners</a:t>
-            </a:r>
-            <a:endParaRPr lang="fr-FR" sz="2200" dirty="0" smtClean="0">
-              <a:solidFill>
-                <a:schemeClr val="tx1">
-                  <a:lumMod val="75000"/>
-                  <a:lumOff val="25000"/>
-                </a:schemeClr>
-              </a:solidFill>
-            </a:endParaRPr>
-          </a:p>
-          <a:p>
-            <a:pPr marL="3175" indent="0">
-              <a:buNone/>
-            </a:pPr>
-            <a:endParaRPr lang="fr-FR" sz="2000" dirty="0"/>
-          </a:p>
-          <a:p>
-            <a:pPr marL="3175" indent="0">
-              <a:buNone/>
-            </a:pPr>
-            <a:endParaRPr lang="fr-FR" sz="2000" dirty="0"/>
-          </a:p>
-          <a:p>
-            <a:pPr marL="3175" indent="0">
-              <a:buNone/>
-            </a:pPr>
-            <a:endParaRPr lang="fr-FR" dirty="0"/>
-          </a:p>
-        </p:txBody>
-      </p:sp>
-    </p:spTree>
-    <p:extLst>
-      <p:ext uri="{BB962C8B-B14F-4D97-AF65-F5344CB8AC3E}">
-        <p14:creationId xmlns:p14="http://schemas.microsoft.com/office/powerpoint/2010/main" val="2439149100"/>
-      </p:ext>
-    </p:extLst>
-  </p:cSld>
-  <p:clrMapOvr>
-    <a:masterClrMapping/>
-  </p:clrMapOvr>
-  <p:transition xmlns:p14="http://schemas.microsoft.com/office/powerpoint/2010/main"/>
-  <p:timing>
-    <p:tnLst>
-      <p:par>
-        <p:cTn xmlns:p14="http://schemas.microsoft.com/office/powerpoint/2010/main" id="1" dur="indefinite" restart="never" nodeType="tmRoot"/>
       </p:par>
     </p:tnLst>
   </p:timing>

--- a/exo-sysAdmin/970-LdapConfig-XSys.pptx
+++ b/exo-sysAdmin/970-LdapConfig-XSys.pptx
@@ -22808,14 +22808,6 @@
               </a:rPr>
               <a:t>By</a:t>
             </a:r>
-            <a:endParaRPr lang="fr-FR" sz="2200" i="0" dirty="0" smtClean="0">
-              <a:solidFill>
-                <a:schemeClr val="tx1">
-                  <a:lumMod val="75000"/>
-                  <a:lumOff val="25000"/>
-                </a:schemeClr>
-              </a:solidFill>
-            </a:endParaRPr>
           </a:p>
           <a:p>
             <a:pPr marL="3175" indent="0">
@@ -34438,15 +34430,7 @@
             </a:r>
             <a:r>
               <a:rPr lang="fr-FR" dirty="0" smtClean="0"/>
-              <a:t> </a:t>
-            </a:r>
-            <a:r>
-              <a:rPr lang="fr-FR" dirty="0" smtClean="0"/>
-              <a:t>1a </a:t>
-            </a:r>
-            <a:r>
-              <a:rPr lang="fr-FR" dirty="0" smtClean="0"/>
-              <a:t>: Configuration </a:t>
+              <a:t> 1a : Configuration </a:t>
             </a:r>
             <a:r>
               <a:rPr lang="fr-FR" dirty="0" err="1" smtClean="0"/>
@@ -35816,19 +35800,7 @@
             </a:r>
             <a:r>
               <a:rPr lang="fr-FR" dirty="0" smtClean="0"/>
-              <a:t> </a:t>
-            </a:r>
-            <a:r>
-              <a:rPr lang="fr-FR" dirty="0" smtClean="0"/>
-              <a:t>1b</a:t>
-            </a:r>
-            <a:r>
-              <a:rPr lang="fr-FR" dirty="0" smtClean="0"/>
-              <a:t> </a:t>
-            </a:r>
-            <a:r>
-              <a:rPr lang="fr-FR" dirty="0" smtClean="0"/>
-              <a:t>: Configuration </a:t>
+              <a:t> 1b : Configuration </a:t>
             </a:r>
             <a:r>
               <a:rPr lang="fr-FR" dirty="0" err="1" smtClean="0"/>
@@ -36164,18 +36136,17 @@
             </a:endParaRPr>
           </a:p>
           <a:p>
-            <a:pPr marL="3175" indent="0">
+            <a:pPr marL="1031875" lvl="2" indent="0">
               <a:lnSpc>
                 <a:spcPct val="100000"/>
               </a:lnSpc>
               <a:buClr>
                 <a:srgbClr val="FF9900"/>
               </a:buClr>
-              <a:buSzPct val="120000"/>
               <a:buNone/>
             </a:pPr>
             <a:r>
-              <a:rPr lang="fr-FR" sz="2200" b="0" i="0" dirty="0">
+              <a:rPr lang="fr-FR" sz="1800" b="0" i="0" dirty="0">
                 <a:solidFill>
                   <a:schemeClr val="tx1">
                     <a:lumMod val="75000"/>
@@ -36186,7 +36157,7 @@
               <a:t> </a:t>
             </a:r>
             <a:r>
-              <a:rPr lang="fr-FR" sz="2200" b="0" i="0" dirty="0" smtClean="0">
+              <a:rPr lang="fr-FR" sz="2000" b="0" i="0" dirty="0" smtClean="0">
                 <a:solidFill>
                   <a:schemeClr val="tx1">
                     <a:lumMod val="75000"/>
@@ -36197,7 +36168,7 @@
               <a:t>   </a:t>
             </a:r>
             <a:r>
-              <a:rPr lang="fr-FR" sz="2200" i="0" dirty="0" smtClean="0">
+              <a:rPr lang="fr-FR" sz="2000" i="0" dirty="0" smtClean="0">
                 <a:solidFill>
                   <a:schemeClr val="tx1">
                     <a:lumMod val="75000"/>
@@ -36208,7 +36179,7 @@
               <a:t>- Comment the </a:t>
             </a:r>
             <a:r>
-              <a:rPr lang="fr-FR" sz="2200" i="0" dirty="0" err="1" smtClean="0">
+              <a:rPr lang="fr-FR" sz="2000" i="0" dirty="0" err="1" smtClean="0">
                 <a:solidFill>
                   <a:schemeClr val="tx1">
                     <a:lumMod val="75000"/>
@@ -36219,7 +36190,7 @@
               <a:t>Picketlink</a:t>
             </a:r>
             <a:r>
-              <a:rPr lang="fr-FR" sz="2200" i="0" dirty="0" smtClean="0">
+              <a:rPr lang="fr-FR" sz="2000" i="0" dirty="0" smtClean="0">
                 <a:solidFill>
                   <a:schemeClr val="tx1">
                     <a:lumMod val="75000"/>
@@ -36230,7 +36201,7 @@
               <a:t> import </a:t>
             </a:r>
             <a:r>
-              <a:rPr lang="fr-FR" sz="1400" i="0" dirty="0" smtClean="0">
+              <a:rPr lang="fr-FR" sz="1800" i="0" dirty="0" smtClean="0">
                 <a:solidFill>
                   <a:schemeClr val="tx1">
                     <a:lumMod val="75000"/>
@@ -36240,141 +36211,159 @@
               </a:rPr>
               <a:t>:  </a:t>
             </a:r>
-            <a:r>
-              <a:rPr lang="fr-FR" sz="1400" b="0" i="0" dirty="0" smtClean="0">
-                <a:solidFill>
-                  <a:schemeClr val="tx1">
-                    <a:lumMod val="75000"/>
-                    <a:lumOff val="25000"/>
-                  </a:schemeClr>
-                </a:solidFill>
-              </a:rPr>
-              <a:t>&lt;</a:t>
-            </a:r>
-            <a:r>
-              <a:rPr lang="fr-FR" sz="1400" b="0" i="0" dirty="0">
-                <a:solidFill>
-                  <a:schemeClr val="tx1">
-                    <a:lumMod val="75000"/>
-                    <a:lumOff val="25000"/>
-                  </a:schemeClr>
-                </a:solidFill>
-              </a:rPr>
-              <a:t>import&gt;</a:t>
-            </a:r>
-            <a:r>
-              <a:rPr lang="fr-FR" sz="1400" b="0" i="0" dirty="0" err="1">
-                <a:solidFill>
-                  <a:schemeClr val="tx1">
-                    <a:lumMod val="75000"/>
-                    <a:lumOff val="25000"/>
-                  </a:schemeClr>
-                </a:solidFill>
-              </a:rPr>
-              <a:t>war</a:t>
-            </a:r>
-            <a:r>
-              <a:rPr lang="fr-FR" sz="1400" b="0" i="0" dirty="0">
-                <a:solidFill>
-                  <a:schemeClr val="tx1">
-                    <a:lumMod val="75000"/>
-                    <a:lumOff val="25000"/>
-                  </a:schemeClr>
-                </a:solidFill>
-              </a:rPr>
-              <a:t>:/</a:t>
-            </a:r>
-            <a:r>
-              <a:rPr lang="fr-FR" sz="1400" b="0" i="0" dirty="0" err="1">
-                <a:solidFill>
-                  <a:schemeClr val="tx1">
-                    <a:lumMod val="75000"/>
-                    <a:lumOff val="25000"/>
-                  </a:schemeClr>
-                </a:solidFill>
-              </a:rPr>
-              <a:t>conf</a:t>
-            </a:r>
-            <a:r>
-              <a:rPr lang="fr-FR" sz="1400" b="0" i="0" dirty="0">
-                <a:solidFill>
-                  <a:schemeClr val="tx1">
-                    <a:lumMod val="75000"/>
-                    <a:lumOff val="25000"/>
-                  </a:schemeClr>
-                </a:solidFill>
-              </a:rPr>
-              <a:t>/</a:t>
-            </a:r>
-            <a:r>
-              <a:rPr lang="fr-FR" sz="1400" b="0" i="0" dirty="0" err="1">
-                <a:solidFill>
-                  <a:schemeClr val="tx1">
-                    <a:lumMod val="75000"/>
-                    <a:lumOff val="25000"/>
-                  </a:schemeClr>
-                </a:solidFill>
-              </a:rPr>
-              <a:t>organization</a:t>
-            </a:r>
-            <a:r>
-              <a:rPr lang="fr-FR" sz="1400" b="0" i="0" dirty="0">
-                <a:solidFill>
-                  <a:schemeClr val="tx1">
-                    <a:lumMod val="75000"/>
-                    <a:lumOff val="25000"/>
-                  </a:schemeClr>
-                </a:solidFill>
-              </a:rPr>
-              <a:t>/</a:t>
-            </a:r>
-            <a:r>
-              <a:rPr lang="fr-FR" sz="1400" b="0" i="0" dirty="0" err="1">
-                <a:solidFill>
-                  <a:schemeClr val="tx1">
-                    <a:lumMod val="75000"/>
-                    <a:lumOff val="25000"/>
-                  </a:schemeClr>
-                </a:solidFill>
-              </a:rPr>
-              <a:t>idm-configuration.xml</a:t>
-            </a:r>
-            <a:r>
-              <a:rPr lang="fr-FR" sz="1400" b="0" i="0" dirty="0">
-                <a:solidFill>
-                  <a:schemeClr val="tx1">
-                    <a:lumMod val="75000"/>
-                    <a:lumOff val="25000"/>
-                  </a:schemeClr>
-                </a:solidFill>
-              </a:rPr>
-              <a:t>&lt;/import</a:t>
-            </a:r>
-            <a:r>
-              <a:rPr lang="fr-FR" sz="1400" b="0" i="0" dirty="0" smtClean="0">
-                <a:solidFill>
-                  <a:schemeClr val="tx1">
-                    <a:lumMod val="75000"/>
-                    <a:lumOff val="25000"/>
-                  </a:schemeClr>
-                </a:solidFill>
-              </a:rPr>
-              <a:t>&gt;</a:t>
-            </a:r>
-          </a:p>
-          <a:p>
-            <a:pPr marL="3175" indent="0">
+            <a:endParaRPr lang="fr-FR" sz="1800" i="0" dirty="0" smtClean="0">
+              <a:solidFill>
+                <a:schemeClr val="tx1">
+                  <a:lumMod val="75000"/>
+                  <a:lumOff val="25000"/>
+                </a:schemeClr>
+              </a:solidFill>
+            </a:endParaRPr>
+          </a:p>
+          <a:p>
+            <a:pPr marL="1031875" lvl="2" indent="0">
               <a:lnSpc>
                 <a:spcPct val="100000"/>
               </a:lnSpc>
               <a:buClr>
                 <a:srgbClr val="FF9900"/>
               </a:buClr>
-              <a:buSzPct val="120000"/>
               <a:buNone/>
             </a:pPr>
             <a:r>
-              <a:rPr lang="fr-FR" sz="2200" b="0" i="0" dirty="0">
+              <a:rPr lang="fr-FR" sz="1800" b="0" i="0" dirty="0" smtClean="0">
+                <a:solidFill>
+                  <a:schemeClr val="tx1">
+                    <a:lumMod val="75000"/>
+                    <a:lumOff val="25000"/>
+                  </a:schemeClr>
+                </a:solidFill>
+              </a:rPr>
+              <a:t>&lt;</a:t>
+            </a:r>
+            <a:r>
+              <a:rPr lang="fr-FR" sz="1800" b="0" i="0" dirty="0">
+                <a:solidFill>
+                  <a:schemeClr val="tx1">
+                    <a:lumMod val="75000"/>
+                    <a:lumOff val="25000"/>
+                  </a:schemeClr>
+                </a:solidFill>
+              </a:rPr>
+              <a:t>import&gt;</a:t>
+            </a:r>
+            <a:r>
+              <a:rPr lang="fr-FR" sz="1800" b="0" i="0" dirty="0" err="1">
+                <a:solidFill>
+                  <a:schemeClr val="tx1">
+                    <a:lumMod val="75000"/>
+                    <a:lumOff val="25000"/>
+                  </a:schemeClr>
+                </a:solidFill>
+              </a:rPr>
+              <a:t>war</a:t>
+            </a:r>
+            <a:r>
+              <a:rPr lang="fr-FR" sz="1800" b="0" i="0" dirty="0">
+                <a:solidFill>
+                  <a:schemeClr val="tx1">
+                    <a:lumMod val="75000"/>
+                    <a:lumOff val="25000"/>
+                  </a:schemeClr>
+                </a:solidFill>
+              </a:rPr>
+              <a:t>:/</a:t>
+            </a:r>
+            <a:r>
+              <a:rPr lang="fr-FR" sz="1800" b="0" i="0" dirty="0" err="1">
+                <a:solidFill>
+                  <a:schemeClr val="tx1">
+                    <a:lumMod val="75000"/>
+                    <a:lumOff val="25000"/>
+                  </a:schemeClr>
+                </a:solidFill>
+              </a:rPr>
+              <a:t>conf</a:t>
+            </a:r>
+            <a:r>
+              <a:rPr lang="fr-FR" sz="1800" b="0" i="0" dirty="0">
+                <a:solidFill>
+                  <a:schemeClr val="tx1">
+                    <a:lumMod val="75000"/>
+                    <a:lumOff val="25000"/>
+                  </a:schemeClr>
+                </a:solidFill>
+              </a:rPr>
+              <a:t>/</a:t>
+            </a:r>
+            <a:r>
+              <a:rPr lang="fr-FR" sz="1800" b="0" i="0" dirty="0" err="1">
+                <a:solidFill>
+                  <a:schemeClr val="tx1">
+                    <a:lumMod val="75000"/>
+                    <a:lumOff val="25000"/>
+                  </a:schemeClr>
+                </a:solidFill>
+              </a:rPr>
+              <a:t>organization</a:t>
+            </a:r>
+            <a:r>
+              <a:rPr lang="fr-FR" sz="1800" b="0" i="0" dirty="0">
+                <a:solidFill>
+                  <a:schemeClr val="tx1">
+                    <a:lumMod val="75000"/>
+                    <a:lumOff val="25000"/>
+                  </a:schemeClr>
+                </a:solidFill>
+              </a:rPr>
+              <a:t>/</a:t>
+            </a:r>
+            <a:r>
+              <a:rPr lang="fr-FR" sz="1800" b="0" i="0" dirty="0" err="1">
+                <a:solidFill>
+                  <a:schemeClr val="tx1">
+                    <a:lumMod val="75000"/>
+                    <a:lumOff val="25000"/>
+                  </a:schemeClr>
+                </a:solidFill>
+              </a:rPr>
+              <a:t>idm-configuration.xml</a:t>
+            </a:r>
+            <a:r>
+              <a:rPr lang="fr-FR" sz="1800" b="0" i="0" dirty="0">
+                <a:solidFill>
+                  <a:schemeClr val="tx1">
+                    <a:lumMod val="75000"/>
+                    <a:lumOff val="25000"/>
+                  </a:schemeClr>
+                </a:solidFill>
+              </a:rPr>
+              <a:t>&lt;/import</a:t>
+            </a:r>
+            <a:r>
+              <a:rPr lang="fr-FR" sz="1800" b="0" i="0" dirty="0" smtClean="0">
+                <a:solidFill>
+                  <a:schemeClr val="tx1">
+                    <a:lumMod val="75000"/>
+                    <a:lumOff val="25000"/>
+                  </a:schemeClr>
+                </a:solidFill>
+              </a:rPr>
+              <a:t>&gt;</a:t>
+            </a:r>
+          </a:p>
+          <a:p>
+            <a:pPr marL="1031875" lvl="2" indent="0">
+              <a:lnSpc>
+                <a:spcPct val="100000"/>
+              </a:lnSpc>
+              <a:buClr>
+                <a:srgbClr val="FF9900"/>
+              </a:buClr>
+              <a:buNone/>
+            </a:pPr>
+            <a:r>
+              <a:rPr lang="fr-FR" sz="2000" b="0" i="0" dirty="0">
                 <a:solidFill>
                   <a:schemeClr val="tx1">
                     <a:lumMod val="75000"/>
@@ -36385,7 +36374,7 @@
               <a:t> </a:t>
             </a:r>
             <a:r>
-              <a:rPr lang="fr-FR" sz="2200" b="0" i="0" dirty="0" smtClean="0">
+              <a:rPr lang="fr-FR" sz="2000" b="0" i="0" dirty="0" smtClean="0">
                 <a:solidFill>
                   <a:schemeClr val="tx1">
                     <a:lumMod val="75000"/>
@@ -36396,7 +36385,7 @@
               <a:t>  </a:t>
             </a:r>
             <a:r>
-              <a:rPr lang="fr-FR" sz="2200" i="0" dirty="0" smtClean="0">
+              <a:rPr lang="fr-FR" sz="2000" i="0" dirty="0" smtClean="0">
                 <a:solidFill>
                   <a:schemeClr val="tx1">
                     <a:lumMod val="75000"/>
@@ -36407,7 +36396,7 @@
               <a:t> - </a:t>
             </a:r>
             <a:r>
-              <a:rPr lang="fr-FR" sz="2200" i="0" dirty="0" err="1" smtClean="0">
+              <a:rPr lang="fr-FR" sz="2000" i="0" dirty="0" err="1" smtClean="0">
                 <a:solidFill>
                   <a:schemeClr val="tx1">
                     <a:lumMod val="75000"/>
@@ -36418,7 +36407,7 @@
               <a:t>Uncomment</a:t>
             </a:r>
             <a:r>
-              <a:rPr lang="fr-FR" sz="2200" i="0" dirty="0" smtClean="0">
+              <a:rPr lang="fr-FR" sz="2000" i="0" dirty="0" smtClean="0">
                 <a:solidFill>
                   <a:schemeClr val="tx1">
                     <a:lumMod val="75000"/>
@@ -36429,7 +36418,7 @@
               <a:t> the </a:t>
             </a:r>
             <a:r>
-              <a:rPr lang="fr-FR" sz="2200" i="0" dirty="0" err="1" smtClean="0">
+              <a:rPr lang="fr-FR" sz="2000" i="0" dirty="0" err="1" smtClean="0">
                 <a:solidFill>
                   <a:schemeClr val="tx1">
                     <a:lumMod val="75000"/>
@@ -36440,18 +36429,40 @@
               <a:t>ldap</a:t>
             </a:r>
             <a:r>
-              <a:rPr lang="fr-FR" sz="2200" i="0" dirty="0" smtClean="0">
-                <a:solidFill>
-                  <a:schemeClr val="tx1">
-                    <a:lumMod val="75000"/>
-                    <a:lumOff val="25000"/>
-                  </a:schemeClr>
-                </a:solidFill>
-              </a:rPr>
-              <a:t> configuration :</a:t>
-            </a:r>
-            <a:r>
-              <a:rPr lang="fr-FR" sz="1400" b="0" i="0" dirty="0" smtClean="0">
+              <a:rPr lang="fr-FR" sz="2000" i="0" dirty="0" smtClean="0">
+                <a:solidFill>
+                  <a:schemeClr val="tx1">
+                    <a:lumMod val="75000"/>
+                    <a:lumOff val="25000"/>
+                  </a:schemeClr>
+                </a:solidFill>
+              </a:rPr>
+              <a:t> configuration </a:t>
+            </a:r>
+            <a:r>
+              <a:rPr lang="fr-FR" sz="2000" i="0" dirty="0" smtClean="0">
+                <a:solidFill>
+                  <a:schemeClr val="tx1">
+                    <a:lumMod val="75000"/>
+                    <a:lumOff val="25000"/>
+                  </a:schemeClr>
+                </a:solidFill>
+              </a:rPr>
+              <a:t>:</a:t>
+            </a:r>
+          </a:p>
+          <a:p>
+            <a:pPr marL="1031875" lvl="2" indent="0">
+              <a:lnSpc>
+                <a:spcPct val="100000"/>
+              </a:lnSpc>
+              <a:buClr>
+                <a:srgbClr val="FF9900"/>
+              </a:buClr>
+              <a:buNone/>
+            </a:pPr>
+            <a:r>
+              <a:rPr lang="fr-FR" sz="1800" b="0" i="0" dirty="0" smtClean="0">
                 <a:solidFill>
                   <a:schemeClr val="tx1">
                     <a:lumMod val="75000"/>
@@ -36462,7 +36473,7 @@
               <a:t>&lt;</a:t>
             </a:r>
             <a:r>
-              <a:rPr lang="fr-FR" sz="1400" b="0" i="0" dirty="0">
+              <a:rPr lang="fr-FR" sz="1800" b="0" i="0" dirty="0">
                 <a:solidFill>
                   <a:schemeClr val="tx1">
                     <a:lumMod val="75000"/>
@@ -36473,7 +36484,7 @@
               <a:t>import&gt;</a:t>
             </a:r>
             <a:r>
-              <a:rPr lang="fr-FR" sz="1400" b="0" i="0" dirty="0" err="1">
+              <a:rPr lang="fr-FR" sz="1800" b="0" i="0" dirty="0" err="1">
                 <a:solidFill>
                   <a:schemeClr val="tx1">
                     <a:lumMod val="75000"/>
@@ -36484,7 +36495,7 @@
               <a:t>organization</a:t>
             </a:r>
             <a:r>
-              <a:rPr lang="fr-FR" sz="1400" b="0" i="0" dirty="0">
+              <a:rPr lang="fr-FR" sz="1800" b="0" i="0" dirty="0">
                 <a:solidFill>
                   <a:schemeClr val="tx1">
                     <a:lumMod val="75000"/>
@@ -36495,7 +36506,7 @@
               <a:t>/exo/</a:t>
             </a:r>
             <a:r>
-              <a:rPr lang="fr-FR" sz="1400" b="0" i="0" dirty="0" err="1">
+              <a:rPr lang="fr-FR" sz="1800" b="0" i="0" dirty="0" err="1">
                 <a:solidFill>
                   <a:schemeClr val="tx1">
                     <a:lumMod val="75000"/>
@@ -36506,7 +36517,7 @@
               <a:t>ldap-configuration.xml</a:t>
             </a:r>
             <a:r>
-              <a:rPr lang="fr-FR" sz="1400" b="0" i="0" dirty="0">
+              <a:rPr lang="fr-FR" sz="1800" b="0" i="0" dirty="0">
                 <a:solidFill>
                   <a:schemeClr val="tx1">
                     <a:lumMod val="75000"/>
@@ -36517,7 +36528,7 @@
               <a:t>&lt;/import</a:t>
             </a:r>
             <a:r>
-              <a:rPr lang="fr-FR" sz="1400" b="0" i="0" dirty="0" smtClean="0">
+              <a:rPr lang="fr-FR" sz="1800" b="0" i="0" dirty="0" smtClean="0">
                 <a:solidFill>
                   <a:schemeClr val="tx1">
                     <a:lumMod val="75000"/>
@@ -36527,7 +36538,7 @@
               </a:rPr>
               <a:t>&gt;</a:t>
             </a:r>
-            <a:endParaRPr lang="fr-FR" sz="1400" i="0" dirty="0" smtClean="0">
+            <a:endParaRPr lang="fr-FR" sz="1800" i="0" dirty="0" smtClean="0">
               <a:solidFill>
                 <a:schemeClr val="tx1">
                   <a:lumMod val="75000"/>
@@ -36815,6 +36826,17 @@
               <a:buChar char="»"/>
             </a:pPr>
             <a:r>
+              <a:rPr lang="fr-FR" sz="2200" i="0" dirty="0" smtClean="0">
+                <a:solidFill>
+                  <a:schemeClr val="tx1">
+                    <a:lumMod val="75000"/>
+                    <a:lumOff val="25000"/>
+                  </a:schemeClr>
+                </a:solidFill>
+              </a:rPr>
+              <a:t>Check </a:t>
+            </a:r>
+            <a:r>
               <a:rPr lang="fr-FR" sz="2200" i="0" dirty="0">
                 <a:solidFill>
                   <a:schemeClr val="tx1">
@@ -36823,7 +36845,40 @@
                   </a:schemeClr>
                 </a:solidFill>
               </a:rPr>
-              <a:t> Check if the organisation model are in the </a:t>
+              <a:t>if the organisation model are in </a:t>
+            </a:r>
+            <a:r>
+              <a:rPr lang="fr-FR" sz="2200" i="0" dirty="0" err="1" smtClean="0">
+                <a:solidFill>
+                  <a:schemeClr val="tx1">
+                    <a:lumMod val="75000"/>
+                    <a:lumOff val="25000"/>
+                  </a:schemeClr>
+                </a:solidFill>
+              </a:rPr>
+              <a:t>ldap</a:t>
+            </a:r>
+            <a:r>
+              <a:rPr lang="fr-FR" sz="2200" i="0" dirty="0" smtClean="0">
+                <a:solidFill>
+                  <a:schemeClr val="tx1">
+                    <a:lumMod val="75000"/>
+                    <a:lumOff val="25000"/>
+                  </a:schemeClr>
+                </a:solidFill>
+              </a:rPr>
+              <a:t> </a:t>
+            </a:r>
+            <a:r>
+              <a:rPr lang="fr-FR" sz="2200" i="0" dirty="0">
+                <a:solidFill>
+                  <a:schemeClr val="tx1">
+                    <a:lumMod val="75000"/>
+                    <a:lumOff val="25000"/>
+                  </a:schemeClr>
+                </a:solidFill>
+              </a:rPr>
+              <a:t>(</a:t>
             </a:r>
             <a:r>
               <a:rPr lang="fr-FR" sz="2200" i="0" dirty="0" err="1">
@@ -36834,7 +36889,7 @@
                   </a:schemeClr>
                 </a:solidFill>
               </a:rPr>
-              <a:t>ldap</a:t>
+              <a:t>left</a:t>
             </a:r>
             <a:r>
               <a:rPr lang="fr-FR" sz="2200" i="0" dirty="0">
@@ -36845,7 +36900,7 @@
                   </a:schemeClr>
                 </a:solidFill>
               </a:rPr>
-              <a:t> (</a:t>
+              <a:t> panel, manage entry, select the ou=</a:t>
             </a:r>
             <a:r>
               <a:rPr lang="fr-FR" sz="2200" i="0" dirty="0" err="1">
@@ -36856,7 +36911,7 @@
                   </a:schemeClr>
                 </a:solidFill>
               </a:rPr>
-              <a:t>left</a:t>
+              <a:t>portal,dc</a:t>
             </a:r>
             <a:r>
               <a:rPr lang="fr-FR" sz="2200" i="0" dirty="0">
@@ -36867,7 +36922,7 @@
                   </a:schemeClr>
                 </a:solidFill>
               </a:rPr>
-              <a:t> panel, manage entry, select the ou=</a:t>
+              <a:t>=</a:t>
             </a:r>
             <a:r>
               <a:rPr lang="fr-FR" sz="2200" i="0" dirty="0" err="1">
@@ -36878,7 +36933,7 @@
                   </a:schemeClr>
                 </a:solidFill>
               </a:rPr>
-              <a:t>portal,dc</a:t>
+              <a:t>exoplatform,dc</a:t>
             </a:r>
             <a:r>
               <a:rPr lang="fr-FR" sz="2200" i="0" dirty="0">
@@ -36900,7 +36955,7 @@
                   </a:schemeClr>
                 </a:solidFill>
               </a:rPr>
-              <a:t>exoplatform,dc</a:t>
+              <a:t>org</a:t>
             </a:r>
             <a:r>
               <a:rPr lang="fr-FR" sz="2200" i="0" dirty="0">
@@ -36911,7 +36966,7 @@
                   </a:schemeClr>
                 </a:solidFill>
               </a:rPr>
-              <a:t>=</a:t>
+              <a:t> </a:t>
             </a:r>
             <a:r>
               <a:rPr lang="fr-FR" sz="2200" i="0" dirty="0" err="1">
@@ -36922,41 +36977,27 @@
                   </a:schemeClr>
                 </a:solidFill>
               </a:rPr>
-              <a:t>org</a:t>
-            </a:r>
-            <a:r>
-              <a:rPr lang="fr-FR" sz="2200" i="0" dirty="0">
-                <a:solidFill>
-                  <a:schemeClr val="tx1">
-                    <a:lumMod val="75000"/>
-                    <a:lumOff val="25000"/>
-                  </a:schemeClr>
-                </a:solidFill>
-              </a:rPr>
-              <a:t> </a:t>
-            </a:r>
-            <a:r>
-              <a:rPr lang="fr-FR" sz="2200" i="0" dirty="0" err="1">
-                <a:solidFill>
-                  <a:schemeClr val="tx1">
-                    <a:lumMod val="75000"/>
-                    <a:lumOff val="25000"/>
-                  </a:schemeClr>
-                </a:solidFill>
-              </a:rPr>
               <a:t>dn</a:t>
             </a:r>
             <a:r>
-              <a:rPr lang="fr-FR" sz="2200" i="0" dirty="0">
-                <a:solidFill>
-                  <a:schemeClr val="tx1">
-                    <a:lumMod val="75000"/>
-                    <a:lumOff val="25000"/>
-                  </a:schemeClr>
-                </a:solidFill>
-              </a:rPr>
-              <a:t>.</a:t>
-            </a:r>
+              <a:rPr lang="fr-FR" sz="2200" i="0" dirty="0" smtClean="0">
+                <a:solidFill>
+                  <a:schemeClr val="tx1">
+                    <a:lumMod val="75000"/>
+                    <a:lumOff val="25000"/>
+                  </a:schemeClr>
+                </a:solidFill>
+              </a:rPr>
+              <a:t>.)</a:t>
+            </a:r>
+            <a:endParaRPr lang="fr-FR" sz="2200" i="0" dirty="0">
+              <a:solidFill>
+                <a:schemeClr val="tx1">
+                  <a:lumMod val="75000"/>
+                  <a:lumOff val="25000"/>
+                </a:schemeClr>
+              </a:solidFill>
+            </a:endParaRPr>
           </a:p>
           <a:p>
             <a:pPr>
@@ -38813,6 +38854,10 @@
               <a:buSzPct val="120000"/>
               <a:buNone/>
             </a:pPr>
+            <a:r>
+              <a:rPr lang="fr-FR" sz="2200" i="0" dirty="0" smtClean="0"/>
+              <a:t> </a:t>
+            </a:r>
             <a:endParaRPr lang="fr-FR" sz="2200" i="0" dirty="0"/>
           </a:p>
         </p:txBody>
@@ -38934,15 +38979,7 @@
                   <a:srgbClr val="FF9900"/>
                 </a:solidFill>
               </a:rPr>
-              <a:t> </a:t>
-            </a:r>
-            <a:r>
-              <a:rPr lang="fr-FR" dirty="0" smtClean="0">
-                <a:solidFill>
-                  <a:srgbClr val="FF9900"/>
-                </a:solidFill>
-              </a:rPr>
-              <a:t>configuration</a:t>
+              <a:t> configuration</a:t>
             </a:r>
             <a:endParaRPr lang="fr-FR" dirty="0">
               <a:solidFill>
@@ -39058,11 +39095,7 @@
             </a:pPr>
             <a:r>
               <a:rPr lang="fr-FR" sz="2200" i="0" dirty="0" err="1" smtClean="0"/>
-              <a:t>L</a:t>
-            </a:r>
-            <a:r>
-              <a:rPr lang="fr-FR" sz="2200" i="0" dirty="0" err="1" smtClean="0"/>
-              <a:t>egacy</a:t>
+              <a:t>Legacy</a:t>
             </a:r>
             <a:r>
               <a:rPr lang="fr-FR" sz="2200" i="0" dirty="0" smtClean="0"/>
@@ -39383,15 +39416,7 @@
                   <a:srgbClr val="FF9900"/>
                 </a:solidFill>
               </a:rPr>
-              <a:t> </a:t>
-            </a:r>
-            <a:r>
-              <a:rPr lang="fr-FR" dirty="0" smtClean="0">
-                <a:solidFill>
-                  <a:srgbClr val="FF9900"/>
-                </a:solidFill>
-              </a:rPr>
-              <a:t>configuration</a:t>
+              <a:t> configuration</a:t>
             </a:r>
             <a:endParaRPr lang="fr-FR" dirty="0">
               <a:solidFill>
@@ -39434,11 +39459,7 @@
             </a:pPr>
             <a:r>
               <a:rPr lang="fr-FR" sz="2200" i="0" dirty="0" smtClean="0"/>
-              <a:t>By </a:t>
-            </a:r>
-            <a:r>
-              <a:rPr lang="fr-FR" sz="2200" i="0" dirty="0" smtClean="0"/>
-              <a:t>setting the config </a:t>
+              <a:t>By setting the config </a:t>
             </a:r>
             <a:r>
               <a:rPr lang="fr-FR" sz="2200" i="0" dirty="0" err="1" smtClean="0"/>
@@ -39486,11 +39507,7 @@
             </a:r>
             <a:r>
               <a:rPr lang="fr-FR" sz="2200" i="0" dirty="0" smtClean="0"/>
-              <a:t> configuration to </a:t>
-            </a:r>
-            <a:r>
-              <a:rPr lang="fr-FR" sz="2200" i="0" dirty="0" smtClean="0"/>
-              <a:t>use</a:t>
+              <a:t> configuration to use</a:t>
             </a:r>
           </a:p>
           <a:p>
@@ -39840,11 +39857,7 @@
             </a:r>
             <a:r>
               <a:rPr lang="fr-FR" sz="2200" i="0" dirty="0" smtClean="0"/>
-              <a:t> </a:t>
-            </a:r>
-            <a:r>
-              <a:rPr lang="fr-FR" sz="2200" i="0" dirty="0" smtClean="0"/>
-              <a:t>configuration</a:t>
+              <a:t> configuration</a:t>
             </a:r>
           </a:p>
           <a:p>
@@ -40017,19 +40030,7 @@
             </a:r>
             <a:r>
               <a:rPr lang="fr-FR" dirty="0" smtClean="0"/>
-              <a:t> </a:t>
-            </a:r>
-            <a:r>
-              <a:rPr lang="fr-FR" dirty="0" smtClean="0"/>
-              <a:t>2a</a:t>
-            </a:r>
-            <a:r>
-              <a:rPr lang="fr-FR" dirty="0" smtClean="0"/>
-              <a:t> </a:t>
-            </a:r>
-            <a:r>
-              <a:rPr lang="fr-FR" dirty="0" smtClean="0"/>
-              <a:t>: Configuration </a:t>
+              <a:t> 2a : Configuration </a:t>
             </a:r>
             <a:r>
               <a:rPr lang="fr-FR" dirty="0" err="1" smtClean="0"/>
@@ -40357,29 +40358,7 @@
                   </a:schemeClr>
                 </a:solidFill>
               </a:rPr>
-              <a:t> </a:t>
-            </a:r>
-            <a:r>
-              <a:rPr lang="fr-FR" sz="2200" i="0" dirty="0" smtClean="0">
-                <a:solidFill>
-                  <a:schemeClr val="tx1">
-                    <a:lumMod val="75000"/>
-                    <a:lumOff val="25000"/>
-                  </a:schemeClr>
-                </a:solidFill>
-              </a:rPr>
-              <a:t>configuration </a:t>
-            </a:r>
-            <a:r>
-              <a:rPr lang="fr-FR" sz="2200" i="0" dirty="0" smtClean="0">
-                <a:solidFill>
-                  <a:schemeClr val="tx1">
-                    <a:lumMod val="75000"/>
-                    <a:lumOff val="25000"/>
-                  </a:schemeClr>
-                </a:solidFill>
-              </a:rPr>
-              <a:t>: </a:t>
+              <a:t> configuration : </a:t>
             </a:r>
             <a:r>
               <a:rPr lang="fr-FR" sz="2200" b="0" i="0" dirty="0" smtClean="0">
@@ -40423,7 +40402,18 @@
                   </a:schemeClr>
                 </a:solidFill>
               </a:rPr>
-              <a:t>idm-</a:t>
+              <a:t>idm-configuration.xml</a:t>
+            </a:r>
+            <a:r>
+              <a:rPr lang="fr-FR" sz="2200" b="0" i="0" dirty="0" smtClean="0">
+                <a:solidFill>
+                  <a:schemeClr val="tx1">
+                    <a:lumMod val="75000"/>
+                    <a:lumOff val="25000"/>
+                  </a:schemeClr>
+                </a:solidFill>
+              </a:rPr>
+              <a:t>, in </a:t>
             </a:r>
             <a:r>
               <a:rPr lang="fr-FR" sz="2200" b="0" i="0" dirty="0" err="1" smtClean="0">
@@ -40434,7 +40424,7 @@
                   </a:schemeClr>
                 </a:solidFill>
               </a:rPr>
-              <a:t>configuration.xml</a:t>
+              <a:t>this</a:t>
             </a:r>
             <a:r>
               <a:rPr lang="fr-FR" sz="2200" b="0" i="0" dirty="0" smtClean="0">
@@ -40445,38 +40435,8 @@
                   </a:schemeClr>
                 </a:solidFill>
               </a:rPr>
-              <a:t>, in </a:t>
-            </a:r>
-            <a:r>
-              <a:rPr lang="fr-FR" sz="2200" b="0" i="0" dirty="0" err="1" smtClean="0">
-                <a:solidFill>
-                  <a:schemeClr val="tx1">
-                    <a:lumMod val="75000"/>
-                    <a:lumOff val="25000"/>
-                  </a:schemeClr>
-                </a:solidFill>
-              </a:rPr>
-              <a:t>this</a:t>
-            </a:r>
-            <a:r>
-              <a:rPr lang="fr-FR" sz="2200" b="0" i="0" dirty="0" smtClean="0">
-                <a:solidFill>
-                  <a:schemeClr val="tx1">
-                    <a:lumMod val="75000"/>
-                    <a:lumOff val="25000"/>
-                  </a:schemeClr>
-                </a:solidFill>
-              </a:rPr>
               <a:t> file do :</a:t>
             </a:r>
-            <a:endParaRPr lang="fr-FR" sz="2200" b="0" i="0" dirty="0" smtClean="0">
-              <a:solidFill>
-                <a:schemeClr val="tx1">
-                  <a:lumMod val="75000"/>
-                  <a:lumOff val="25000"/>
-                </a:schemeClr>
-              </a:solidFill>
-            </a:endParaRPr>
           </a:p>
           <a:p>
             <a:pPr marL="1031875" lvl="2" indent="0">
@@ -40791,9 +40751,108 @@
                   </a:schemeClr>
                 </a:solidFill>
               </a:rPr>
+              <a:t> configuration </a:t>
+            </a:r>
+            <a:r>
+              <a:rPr lang="fr-FR" sz="1800" i="0" dirty="0" smtClean="0">
+                <a:solidFill>
+                  <a:schemeClr val="tx1">
+                    <a:lumMod val="75000"/>
+                    <a:lumOff val="25000"/>
+                  </a:schemeClr>
+                </a:solidFill>
+              </a:rPr>
+              <a:t>(</a:t>
+            </a:r>
+            <a:r>
+              <a:rPr lang="fr-FR" sz="1800" i="0" dirty="0" err="1" smtClean="0">
+                <a:solidFill>
+                  <a:schemeClr val="tx1">
+                    <a:lumMod val="75000"/>
+                    <a:lumOff val="25000"/>
+                  </a:schemeClr>
+                </a:solidFill>
+              </a:rPr>
+              <a:t>readonly</a:t>
+            </a:r>
+            <a:r>
+              <a:rPr lang="fr-FR" sz="1800" i="0" dirty="0" smtClean="0">
+                <a:solidFill>
+                  <a:schemeClr val="tx1">
+                    <a:lumMod val="75000"/>
+                    <a:lumOff val="25000"/>
+                  </a:schemeClr>
+                </a:solidFill>
+              </a:rPr>
               <a:t> </a:t>
             </a:r>
             <a:r>
+              <a:rPr lang="fr-FR" sz="1800" i="0" dirty="0" err="1" smtClean="0">
+                <a:solidFill>
+                  <a:schemeClr val="tx1">
+                    <a:lumMod val="75000"/>
+                    <a:lumOff val="25000"/>
+                  </a:schemeClr>
+                </a:solidFill>
+              </a:rPr>
+              <a:t>is</a:t>
+            </a:r>
+            <a:r>
+              <a:rPr lang="fr-FR" sz="1800" i="0" dirty="0" smtClean="0">
+                <a:solidFill>
+                  <a:schemeClr val="tx1">
+                    <a:lumMod val="75000"/>
+                    <a:lumOff val="25000"/>
+                  </a:schemeClr>
+                </a:solidFill>
+              </a:rPr>
+              <a:t> </a:t>
+            </a:r>
+            <a:r>
+              <a:rPr lang="fr-FR" sz="1800" i="0" dirty="0" err="1" smtClean="0">
+                <a:solidFill>
+                  <a:schemeClr val="tx1">
+                    <a:lumMod val="75000"/>
+                    <a:lumOff val="25000"/>
+                  </a:schemeClr>
+                </a:solidFill>
+              </a:rPr>
+              <a:t>already</a:t>
+            </a:r>
+            <a:r>
+              <a:rPr lang="fr-FR" sz="1800" i="0" dirty="0" smtClean="0">
+                <a:solidFill>
+                  <a:schemeClr val="tx1">
+                    <a:lumMod val="75000"/>
+                    <a:lumOff val="25000"/>
+                  </a:schemeClr>
+                </a:solidFill>
+              </a:rPr>
+              <a:t> « </a:t>
+            </a:r>
+            <a:r>
+              <a:rPr lang="fr-FR" sz="1800" i="0" dirty="0" err="1" smtClean="0">
+                <a:solidFill>
+                  <a:schemeClr val="tx1">
+                    <a:lumMod val="75000"/>
+                    <a:lumOff val="25000"/>
+                  </a:schemeClr>
+                </a:solidFill>
+              </a:rPr>
+              <a:t>true</a:t>
+            </a:r>
+            <a:r>
+              <a:rPr lang="fr-FR" sz="1800" i="0" dirty="0" smtClean="0">
+                <a:solidFill>
+                  <a:schemeClr val="tx1">
+                    <a:lumMod val="75000"/>
+                    <a:lumOff val="25000"/>
+                  </a:schemeClr>
+                </a:solidFill>
+              </a:rPr>
+              <a:t> »)</a:t>
+            </a:r>
+            <a:r>
               <a:rPr lang="fr-FR" sz="2400" i="0" dirty="0" smtClean="0">
                 <a:solidFill>
                   <a:schemeClr val="tx1">
@@ -40802,139 +40861,7 @@
                   </a:schemeClr>
                 </a:solidFill>
               </a:rPr>
-              <a:t>configuration </a:t>
-            </a:r>
-            <a:r>
-              <a:rPr lang="fr-FR" sz="1800" i="0" dirty="0" smtClean="0">
-                <a:solidFill>
-                  <a:schemeClr val="tx1">
-                    <a:lumMod val="75000"/>
-                    <a:lumOff val="25000"/>
-                  </a:schemeClr>
-                </a:solidFill>
-              </a:rPr>
-              <a:t>(</a:t>
-            </a:r>
-            <a:r>
-              <a:rPr lang="fr-FR" sz="1800" i="0" dirty="0" err="1" smtClean="0">
-                <a:solidFill>
-                  <a:schemeClr val="tx1">
-                    <a:lumMod val="75000"/>
-                    <a:lumOff val="25000"/>
-                  </a:schemeClr>
-                </a:solidFill>
-              </a:rPr>
-              <a:t>readonly</a:t>
-            </a:r>
-            <a:r>
-              <a:rPr lang="fr-FR" sz="1800" i="0" dirty="0" smtClean="0">
-                <a:solidFill>
-                  <a:schemeClr val="tx1">
-                    <a:lumMod val="75000"/>
-                    <a:lumOff val="25000"/>
-                  </a:schemeClr>
-                </a:solidFill>
-              </a:rPr>
-              <a:t> </a:t>
-            </a:r>
-            <a:r>
-              <a:rPr lang="fr-FR" sz="1800" i="0" dirty="0" err="1" smtClean="0">
-                <a:solidFill>
-                  <a:schemeClr val="tx1">
-                    <a:lumMod val="75000"/>
-                    <a:lumOff val="25000"/>
-                  </a:schemeClr>
-                </a:solidFill>
-              </a:rPr>
-              <a:t>is</a:t>
-            </a:r>
-            <a:r>
-              <a:rPr lang="fr-FR" sz="1800" i="0" dirty="0" smtClean="0">
-                <a:solidFill>
-                  <a:schemeClr val="tx1">
-                    <a:lumMod val="75000"/>
-                    <a:lumOff val="25000"/>
-                  </a:schemeClr>
-                </a:solidFill>
-              </a:rPr>
-              <a:t> </a:t>
-            </a:r>
-            <a:r>
-              <a:rPr lang="fr-FR" sz="1800" i="0" dirty="0" err="1" smtClean="0">
-                <a:solidFill>
-                  <a:schemeClr val="tx1">
-                    <a:lumMod val="75000"/>
-                    <a:lumOff val="25000"/>
-                  </a:schemeClr>
-                </a:solidFill>
-              </a:rPr>
-              <a:t>already</a:t>
-            </a:r>
-            <a:r>
-              <a:rPr lang="fr-FR" sz="1800" i="0" dirty="0" smtClean="0">
-                <a:solidFill>
-                  <a:schemeClr val="tx1">
-                    <a:lumMod val="75000"/>
-                    <a:lumOff val="25000"/>
-                  </a:schemeClr>
-                </a:solidFill>
-              </a:rPr>
-              <a:t> </a:t>
-            </a:r>
-            <a:r>
-              <a:rPr lang="fr-FR" sz="1800" i="0" dirty="0" smtClean="0">
-                <a:solidFill>
-                  <a:schemeClr val="tx1">
-                    <a:lumMod val="75000"/>
-                    <a:lumOff val="25000"/>
-                  </a:schemeClr>
-                </a:solidFill>
-              </a:rPr>
-              <a:t>« </a:t>
-            </a:r>
-            <a:r>
-              <a:rPr lang="fr-FR" sz="1800" i="0" dirty="0" err="1" smtClean="0">
-                <a:solidFill>
-                  <a:schemeClr val="tx1">
-                    <a:lumMod val="75000"/>
-                    <a:lumOff val="25000"/>
-                  </a:schemeClr>
-                </a:solidFill>
-              </a:rPr>
-              <a:t>true</a:t>
-            </a:r>
-            <a:r>
-              <a:rPr lang="fr-FR" sz="1800" i="0" dirty="0" smtClean="0">
-                <a:solidFill>
-                  <a:schemeClr val="tx1">
-                    <a:lumMod val="75000"/>
-                    <a:lumOff val="25000"/>
-                  </a:schemeClr>
-                </a:solidFill>
-              </a:rPr>
-              <a:t> »)</a:t>
-            </a:r>
-            <a:r>
-              <a:rPr lang="fr-FR" sz="2400" i="0" dirty="0" smtClean="0">
-                <a:solidFill>
-                  <a:schemeClr val="tx1">
-                    <a:lumMod val="75000"/>
-                    <a:lumOff val="25000"/>
-                  </a:schemeClr>
-                </a:solidFill>
-              </a:rPr>
-              <a:t> </a:t>
-            </a:r>
-            <a:r>
-              <a:rPr lang="fr-FR" sz="2400" i="0" dirty="0" smtClean="0">
-                <a:solidFill>
-                  <a:schemeClr val="tx1">
-                    <a:lumMod val="75000"/>
-                    <a:lumOff val="25000"/>
-                  </a:schemeClr>
-                </a:solidFill>
-              </a:rPr>
-              <a:t>:</a:t>
+              <a:t> :</a:t>
             </a:r>
           </a:p>
           <a:p>
@@ -41516,15 +41443,7 @@
             </a:r>
             <a:r>
               <a:rPr lang="fr-FR" dirty="0" smtClean="0"/>
-              <a:t> </a:t>
-            </a:r>
-            <a:r>
-              <a:rPr lang="fr-FR" dirty="0" smtClean="0"/>
-              <a:t>2b: </a:t>
-            </a:r>
-            <a:r>
-              <a:rPr lang="fr-FR" dirty="0" smtClean="0"/>
-              <a:t>Configuration </a:t>
+              <a:t> 2b: Configuration </a:t>
             </a:r>
             <a:r>
               <a:rPr lang="fr-FR" dirty="0" err="1" smtClean="0"/>
@@ -41607,7 +41526,29 @@
                   </a:schemeClr>
                 </a:solidFill>
               </a:rPr>
-              <a:t> </a:t>
+              <a:t> configuration (in </a:t>
+            </a:r>
+            <a:r>
+              <a:rPr lang="fr-FR" sz="2400" b="0" i="0" dirty="0" err="1">
+                <a:solidFill>
+                  <a:schemeClr val="tx1">
+                    <a:lumMod val="75000"/>
+                    <a:lumOff val="25000"/>
+                  </a:schemeClr>
+                </a:solidFill>
+              </a:rPr>
+              <a:t>picketlink-idm-ldap-acme-</a:t>
+            </a:r>
+            <a:r>
+              <a:rPr lang="fr-FR" sz="2400" b="0" i="0" dirty="0" err="1" smtClean="0">
+                <a:solidFill>
+                  <a:schemeClr val="tx1">
+                    <a:lumMod val="75000"/>
+                    <a:lumOff val="25000"/>
+                  </a:schemeClr>
+                </a:solidFill>
+              </a:rPr>
+              <a:t>config.xml</a:t>
             </a:r>
             <a:r>
               <a:rPr lang="fr-FR" sz="2200" i="0" dirty="0" smtClean="0">
@@ -41618,51 +41559,7 @@
                   </a:schemeClr>
                 </a:solidFill>
               </a:rPr>
-              <a:t>configuration (in </a:t>
-            </a:r>
-            <a:r>
-              <a:rPr lang="fr-FR" sz="2400" b="0" i="0" dirty="0" err="1">
-                <a:solidFill>
-                  <a:schemeClr val="tx1">
-                    <a:lumMod val="75000"/>
-                    <a:lumOff val="25000"/>
-                  </a:schemeClr>
-                </a:solidFill>
-              </a:rPr>
-              <a:t>picketlink-idm-ldap-acme-</a:t>
-            </a:r>
-            <a:r>
-              <a:rPr lang="fr-FR" sz="2400" b="0" i="0" dirty="0" err="1" smtClean="0">
-                <a:solidFill>
-                  <a:schemeClr val="tx1">
-                    <a:lumMod val="75000"/>
-                    <a:lumOff val="25000"/>
-                  </a:schemeClr>
-                </a:solidFill>
-              </a:rPr>
-              <a:t>config.xml</a:t>
-            </a:r>
-            <a:r>
-              <a:rPr lang="fr-FR" sz="2200" i="0" dirty="0" smtClean="0">
-                <a:solidFill>
-                  <a:schemeClr val="tx1">
-                    <a:lumMod val="75000"/>
-                    <a:lumOff val="25000"/>
-                  </a:schemeClr>
-                </a:solidFill>
-              </a:rPr>
-              <a:t>) </a:t>
-            </a:r>
-            <a:r>
-              <a:rPr lang="fr-FR" sz="2200" i="0" dirty="0" smtClean="0">
-                <a:solidFill>
-                  <a:schemeClr val="tx1">
-                    <a:lumMod val="75000"/>
-                    <a:lumOff val="25000"/>
-                  </a:schemeClr>
-                </a:solidFill>
-              </a:rPr>
-              <a:t>:</a:t>
+              <a:t>) :</a:t>
             </a:r>
           </a:p>
           <a:p>
@@ -42526,15 +42423,7 @@
             </a:r>
             <a:r>
               <a:rPr lang="fr-FR" dirty="0" smtClean="0"/>
-              <a:t> </a:t>
-            </a:r>
-            <a:r>
-              <a:rPr lang="fr-FR" dirty="0" smtClean="0"/>
-              <a:t>2c: </a:t>
-            </a:r>
-            <a:r>
-              <a:rPr lang="fr-FR" dirty="0" smtClean="0"/>
-              <a:t>Configuration </a:t>
+              <a:t> 2c: Configuration </a:t>
             </a:r>
             <a:r>
               <a:rPr lang="fr-FR" dirty="0" err="1" smtClean="0"/>
@@ -42677,15 +42566,7 @@
             </a:r>
             <a:r>
               <a:rPr lang="en-US" sz="2000" i="0" dirty="0" smtClean="0"/>
-              <a:t> group type name (same </a:t>
-            </a:r>
-            <a:r>
-              <a:rPr lang="en-US" sz="2000" i="0" dirty="0" smtClean="0"/>
-              <a:t>for </a:t>
-            </a:r>
-            <a:r>
-              <a:rPr lang="en-US" sz="2000" i="0" dirty="0" smtClean="0"/>
-              <a:t> /acme/</a:t>
+              <a:t> group type name (same for  /acme/</a:t>
             </a:r>
             <a:r>
               <a:rPr lang="en-US" sz="2000" i="0" dirty="0" err="1" smtClean="0"/>
@@ -42701,11 +42582,7 @@
             </a:r>
             <a:r>
               <a:rPr lang="en-US" sz="2000" i="0" dirty="0" smtClean="0"/>
-              <a:t>)</a:t>
-            </a:r>
-            <a:r>
-              <a:rPr lang="en-US" sz="2000" i="0" dirty="0" smtClean="0"/>
-              <a:t>. </a:t>
+              <a:t>). </a:t>
             </a:r>
             <a:r>
               <a:rPr lang="en-US" sz="2000" i="0" dirty="0"/>
@@ -42719,7 +42596,6 @@
               <a:rPr lang="en-US" sz="2000" i="0" dirty="0" smtClean="0"/>
               <a:t>)</a:t>
             </a:r>
-            <a:endParaRPr lang="en-US" sz="2000" i="0" dirty="0" smtClean="0"/>
           </a:p>
           <a:p>
             <a:pPr marL="3175" indent="0">
@@ -42758,15 +42634,7 @@
             </a:r>
             <a:r>
               <a:rPr lang="en-US" sz="2000" i="0" dirty="0" smtClean="0"/>
-              <a:t>) </a:t>
-            </a:r>
-            <a:r>
-              <a:rPr lang="en-US" sz="2000" i="0" dirty="0" smtClean="0"/>
-              <a:t>to be stored in LDAP. An additional option defines that nothing should be written (except password update) from eXo, so that </a:t>
-            </a:r>
-            <a:r>
-              <a:rPr lang="en-US" sz="2000" i="0" dirty="0" smtClean="0"/>
-              <a:t>this is </a:t>
+              <a:t>) to be stored in LDAP. An additional option defines that nothing should be written (except password update) from eXo, so that this is </a:t>
             </a:r>
             <a:r>
               <a:rPr lang="en-US" sz="2000" i="0" dirty="0" err="1" smtClean="0"/>
@@ -42812,7 +42680,6 @@
               <a:rPr lang="en-US" sz="2000" i="0" dirty="0" smtClean="0"/>
               <a:t>)</a:t>
             </a:r>
-            <a:endParaRPr lang="en-US" sz="2000" i="0" dirty="0" smtClean="0"/>
           </a:p>
           <a:p>
             <a:pPr>
@@ -43071,7 +42938,7 @@
         </p:nvSpPr>
         <p:spPr bwMode="auto">
           <a:xfrm>
-            <a:off x="550863" y="4692650"/>
+            <a:off x="2411710" y="4643933"/>
             <a:ext cx="10044112" cy="1492250"/>
           </a:xfrm>
           <a:prstGeom prst="rect">
@@ -43815,15 +43682,7 @@
             </a:r>
             <a:r>
               <a:rPr lang="fr-FR" dirty="0" smtClean="0"/>
-              <a:t> </a:t>
-            </a:r>
-            <a:r>
-              <a:rPr lang="fr-FR" dirty="0" smtClean="0"/>
-              <a:t>3a: </a:t>
-            </a:r>
-            <a:r>
-              <a:rPr lang="fr-FR" dirty="0" smtClean="0"/>
-              <a:t>SSO CAS</a:t>
+              <a:t> 3a: SSO CAS</a:t>
             </a:r>
             <a:endParaRPr lang="fr-FR" dirty="0"/>
           </a:p>
@@ -43902,6 +43761,86 @@
             </a:r>
           </a:p>
           <a:p>
+            <a:pPr marL="1031875" lvl="2" indent="0">
+              <a:lnSpc>
+                <a:spcPct val="100000"/>
+              </a:lnSpc>
+              <a:buClr>
+                <a:srgbClr val="FF9900"/>
+              </a:buClr>
+              <a:buNone/>
+            </a:pPr>
+            <a:r>
+              <a:rPr lang="fr-FR" sz="2000" i="0" dirty="0"/>
+              <a:t> </a:t>
+            </a:r>
+            <a:r>
+              <a:rPr lang="fr-FR" sz="2400" i="0" dirty="0" smtClean="0"/>
+              <a:t>1.</a:t>
+            </a:r>
+            <a:r>
+              <a:rPr lang="fr-FR" sz="2400" i="0" dirty="0" smtClean="0"/>
+              <a:t> </a:t>
+            </a:r>
+            <a:r>
+              <a:rPr lang="fr-FR" sz="2400" i="0" dirty="0" err="1" smtClean="0"/>
+              <a:t>installing</a:t>
+            </a:r>
+            <a:r>
+              <a:rPr lang="fr-FR" sz="2400" i="0" dirty="0" smtClean="0"/>
+              <a:t> </a:t>
+            </a:r>
+            <a:r>
+              <a:rPr lang="fr-FR" sz="2400" i="0" dirty="0"/>
+              <a:t>or </a:t>
+            </a:r>
+            <a:r>
+              <a:rPr lang="fr-FR" sz="2400" i="0" dirty="0" err="1"/>
+              <a:t>configuring</a:t>
+            </a:r>
+            <a:r>
+              <a:rPr lang="fr-FR" sz="2400" i="0" dirty="0"/>
+              <a:t> a CAS </a:t>
+            </a:r>
+            <a:r>
+              <a:rPr lang="fr-FR" sz="2400" i="0" dirty="0" smtClean="0"/>
+              <a:t>server</a:t>
+            </a:r>
+            <a:endParaRPr lang="fr-FR" sz="2400" i="0" dirty="0"/>
+          </a:p>
+          <a:p>
+            <a:pPr marL="1031875" lvl="2" indent="0">
+              <a:lnSpc>
+                <a:spcPct val="100000"/>
+              </a:lnSpc>
+              <a:buClr>
+                <a:srgbClr val="FF9900"/>
+              </a:buClr>
+              <a:buNone/>
+            </a:pPr>
+            <a:r>
+              <a:rPr lang="fr-FR" sz="2400" i="0" dirty="0" smtClean="0"/>
+              <a:t> </a:t>
+            </a:r>
+            <a:r>
+              <a:rPr lang="fr-FR" sz="2400" i="0" dirty="0" smtClean="0"/>
+              <a:t>2. </a:t>
+            </a:r>
+            <a:r>
+              <a:rPr lang="fr-FR" sz="2400" i="0" dirty="0" smtClean="0"/>
+              <a:t>setting </a:t>
+            </a:r>
+            <a:r>
+              <a:rPr lang="fr-FR" sz="2400" i="0" dirty="0"/>
+              <a:t>up the </a:t>
+            </a:r>
+            <a:r>
+              <a:rPr lang="fr-FR" sz="2400" i="0" dirty="0" smtClean="0"/>
+              <a:t>eXo (CAS Client). </a:t>
+            </a:r>
+            <a:endParaRPr lang="fr-FR" sz="2400" i="0" dirty="0" smtClean="0"/>
+          </a:p>
+          <a:p>
             <a:pPr marL="3175" indent="0">
               <a:lnSpc>
                 <a:spcPct val="100000"/>
@@ -43913,77 +43852,8 @@
               <a:buNone/>
             </a:pPr>
             <a:r>
-              <a:rPr lang="fr-FR" sz="2400" i="0" dirty="0"/>
-              <a:t> </a:t>
-            </a:r>
-            <a:r>
-              <a:rPr lang="fr-FR" sz="2400" i="0" dirty="0" smtClean="0"/>
-              <a:t>- the </a:t>
-            </a:r>
-            <a:r>
-              <a:rPr lang="fr-FR" sz="2400" i="0" dirty="0"/>
-              <a:t>first part </a:t>
-            </a:r>
-            <a:r>
-              <a:rPr lang="fr-FR" sz="2400" i="0" dirty="0" err="1"/>
-              <a:t>consists</a:t>
-            </a:r>
-            <a:r>
-              <a:rPr lang="fr-FR" sz="2400" i="0" dirty="0"/>
-              <a:t> of </a:t>
-            </a:r>
-            <a:r>
-              <a:rPr lang="fr-FR" sz="2400" i="0" dirty="0" err="1"/>
-              <a:t>installing</a:t>
-            </a:r>
-            <a:r>
-              <a:rPr lang="fr-FR" sz="2400" i="0" dirty="0"/>
-              <a:t> or </a:t>
-            </a:r>
-            <a:r>
-              <a:rPr lang="fr-FR" sz="2400" i="0" dirty="0" err="1"/>
-              <a:t>configuring</a:t>
-            </a:r>
-            <a:r>
-              <a:rPr lang="fr-FR" sz="2400" i="0" dirty="0"/>
-              <a:t> a CAS </a:t>
-            </a:r>
-            <a:r>
-              <a:rPr lang="fr-FR" sz="2400" i="0" dirty="0" smtClean="0"/>
-              <a:t>server</a:t>
-            </a:r>
-            <a:endParaRPr lang="fr-FR" sz="2400" i="0" dirty="0"/>
-          </a:p>
-          <a:p>
-            <a:pPr marL="3175" indent="0">
-              <a:lnSpc>
-                <a:spcPct val="100000"/>
-              </a:lnSpc>
-              <a:buClr>
-                <a:srgbClr val="FF9900"/>
-              </a:buClr>
-              <a:buSzPct val="120000"/>
-              <a:buNone/>
-            </a:pPr>
-            <a:r>
-              <a:rPr lang="fr-FR" sz="2400" i="0" dirty="0" smtClean="0"/>
-              <a:t> - the </a:t>
-            </a:r>
-            <a:r>
-              <a:rPr lang="fr-FR" sz="2400" i="0" dirty="0"/>
-              <a:t>second part </a:t>
-            </a:r>
-            <a:r>
-              <a:rPr lang="fr-FR" sz="2400" i="0" dirty="0" err="1"/>
-              <a:t>consists</a:t>
-            </a:r>
-            <a:r>
-              <a:rPr lang="fr-FR" sz="2400" i="0" dirty="0"/>
-              <a:t> of setting up the </a:t>
-            </a:r>
-            <a:r>
-              <a:rPr lang="fr-FR" sz="2400" i="0" dirty="0" smtClean="0"/>
-              <a:t>portal. </a:t>
+              <a:rPr lang="fr-FR" sz="2200" i="0" u="sng" dirty="0" smtClean="0"/>
+              <a:t>CAS Server Setup</a:t>
             </a:r>
           </a:p>
           <a:p>
@@ -44008,7 +43878,19 @@
             </a:r>
             <a:r>
               <a:rPr lang="fr-FR" sz="2200" i="0" dirty="0" smtClean="0"/>
-              <a:t> the CAS server, copy the </a:t>
+              <a:t> the CAS server, copy </a:t>
+            </a:r>
+            <a:r>
+              <a:rPr lang="fr-FR" sz="2200" i="0" dirty="0" smtClean="0"/>
+              <a:t>the </a:t>
+            </a:r>
+            <a:r>
+              <a:rPr lang="fr-FR" sz="2200" i="0" dirty="0" err="1" smtClean="0"/>
+              <a:t>prepared</a:t>
+            </a:r>
+            <a:r>
+              <a:rPr lang="fr-FR" sz="2200" i="0" dirty="0" smtClean="0"/>
+              <a:t> </a:t>
             </a:r>
             <a:r>
               <a:rPr lang="fr-FR" sz="2200" i="0" dirty="0" err="1" smtClean="0"/>
@@ -44016,7 +43898,19 @@
             </a:r>
             <a:r>
               <a:rPr lang="fr-FR" sz="2200" i="0" dirty="0" smtClean="0"/>
-              <a:t> in the </a:t>
+              <a:t> </a:t>
+            </a:r>
+            <a:r>
+              <a:rPr lang="fr-FR" sz="2200" i="0" dirty="0" smtClean="0"/>
+              <a:t>in </a:t>
+            </a:r>
+            <a:r>
+              <a:rPr lang="fr-FR" sz="2200" i="0" dirty="0" err="1" smtClean="0"/>
+              <a:t>into</a:t>
+            </a:r>
+            <a:r>
+              <a:rPr lang="fr-FR" sz="2200" i="0" dirty="0" smtClean="0"/>
+              <a:t> </a:t>
             </a:r>
             <a:r>
               <a:rPr lang="fr-FR" sz="2200" i="0" dirty="0" err="1" smtClean="0"/>
@@ -44028,9 +43922,20 @@
             </a:r>
             <a:r>
               <a:rPr lang="fr-FR" sz="2200" i="0" dirty="0" err="1" smtClean="0"/>
-              <a:t>webapp</a:t>
-            </a:r>
-            <a:endParaRPr lang="fr-FR" sz="2200" i="0" dirty="0" smtClean="0"/>
+              <a:t>webapps</a:t>
+            </a:r>
+            <a:r>
+              <a:rPr lang="fr-FR" sz="2200" i="0" dirty="0" smtClean="0"/>
+              <a:t> (in the </a:t>
+            </a:r>
+            <a:r>
+              <a:rPr lang="fr-FR" sz="2200" i="0" dirty="0" err="1" smtClean="0"/>
+              <a:t>toolkit</a:t>
+            </a:r>
+            <a:r>
+              <a:rPr lang="fr-FR" sz="2200" i="0" dirty="0" smtClean="0"/>
+              <a:t>)</a:t>
+            </a:r>
           </a:p>
           <a:p>
             <a:pPr>
@@ -44045,79 +43950,91 @@
               <a:buChar char="»"/>
             </a:pPr>
             <a:r>
-              <a:rPr lang="fr-FR" sz="2200" i="0" dirty="0" smtClean="0"/>
+              <a:rPr lang="fr-FR" sz="2200" dirty="0" smtClean="0"/>
               <a:t>For </a:t>
             </a:r>
             <a:r>
-              <a:rPr lang="fr-FR" sz="2200" i="0" dirty="0" smtClean="0"/>
+              <a:rPr lang="fr-FR" sz="2200" dirty="0" smtClean="0"/>
               <a:t>the </a:t>
             </a:r>
             <a:r>
-              <a:rPr lang="fr-FR" sz="2200" i="0" dirty="0" err="1" smtClean="0"/>
+              <a:rPr lang="fr-FR" sz="2200" dirty="0" err="1" smtClean="0"/>
               <a:t>exercise</a:t>
             </a:r>
             <a:r>
-              <a:rPr lang="fr-FR" sz="2200" i="0" dirty="0" smtClean="0"/>
+              <a:rPr lang="fr-FR" sz="2200" dirty="0" smtClean="0"/>
               <a:t>, </a:t>
             </a:r>
             <a:r>
-              <a:rPr lang="fr-FR" sz="2200" i="0" dirty="0" err="1" smtClean="0"/>
+              <a:rPr lang="fr-FR" sz="2200" dirty="0" err="1" smtClean="0"/>
               <a:t>we</a:t>
             </a:r>
             <a:r>
-              <a:rPr lang="fr-FR" sz="2200" i="0" dirty="0" smtClean="0"/>
+              <a:rPr lang="fr-FR" sz="2200" dirty="0" smtClean="0"/>
               <a:t> </a:t>
             </a:r>
             <a:r>
-              <a:rPr lang="fr-FR" sz="2200" i="0" dirty="0" err="1" smtClean="0"/>
+              <a:rPr lang="fr-FR" sz="2200" dirty="0" err="1" smtClean="0"/>
               <a:t>will</a:t>
             </a:r>
             <a:r>
-              <a:rPr lang="fr-FR" sz="2200" i="0" dirty="0" smtClean="0"/>
+              <a:rPr lang="fr-FR" sz="2200" dirty="0" smtClean="0"/>
               <a:t> </a:t>
             </a:r>
             <a:r>
-              <a:rPr lang="fr-FR" sz="2200" i="0" dirty="0" err="1" smtClean="0"/>
+              <a:rPr lang="fr-FR" sz="2200" dirty="0" err="1" smtClean="0"/>
               <a:t>deploy</a:t>
             </a:r>
             <a:r>
-              <a:rPr lang="fr-FR" sz="2200" i="0" dirty="0" smtClean="0"/>
+              <a:rPr lang="fr-FR" sz="2200" dirty="0" smtClean="0"/>
               <a:t> the CAS on the </a:t>
             </a:r>
             <a:r>
-              <a:rPr lang="fr-FR" sz="2200" i="0" dirty="0" err="1" smtClean="0"/>
+              <a:rPr lang="fr-FR" sz="2200" dirty="0" err="1" smtClean="0"/>
               <a:t>same</a:t>
             </a:r>
             <a:r>
-              <a:rPr lang="fr-FR" sz="2200" i="0" dirty="0" smtClean="0"/>
+              <a:rPr lang="fr-FR" sz="2200" dirty="0" smtClean="0"/>
               <a:t> </a:t>
             </a:r>
             <a:r>
-              <a:rPr lang="fr-FR" sz="2200" i="0" dirty="0" err="1" smtClean="0"/>
+              <a:rPr lang="fr-FR" sz="2200" dirty="0" err="1" smtClean="0"/>
               <a:t>tomcat</a:t>
             </a:r>
             <a:r>
-              <a:rPr lang="fr-FR" sz="2200" i="0" dirty="0"/>
+              <a:rPr lang="fr-FR" sz="2200" dirty="0"/>
               <a:t> </a:t>
             </a:r>
             <a:r>
-              <a:rPr lang="fr-FR" sz="2200" i="0" dirty="0" smtClean="0"/>
-              <a:t>as eXo, on production environnement, CAS server </a:t>
-            </a:r>
-            <a:r>
-              <a:rPr lang="fr-FR" sz="2200" i="0" dirty="0" err="1" smtClean="0"/>
-              <a:t>run</a:t>
-            </a:r>
-            <a:r>
-              <a:rPr lang="fr-FR" sz="2200" i="0" dirty="0" smtClean="0"/>
-              <a:t> on a </a:t>
-            </a:r>
-            <a:r>
-              <a:rPr lang="fr-FR" sz="2200" i="0" dirty="0" err="1" smtClean="0"/>
+              <a:rPr lang="fr-FR" sz="2200" dirty="0" smtClean="0"/>
+              <a:t>as eXo, on production environnement, </a:t>
+            </a:r>
+            <a:r>
+              <a:rPr lang="fr-FR" sz="2200" dirty="0" smtClean="0"/>
+              <a:t>a CAS </a:t>
+            </a:r>
+            <a:r>
+              <a:rPr lang="fr-FR" sz="2200" dirty="0" smtClean="0"/>
+              <a:t>server </a:t>
+            </a:r>
+            <a:r>
+              <a:rPr lang="fr-FR" sz="2200" dirty="0" err="1" smtClean="0"/>
+              <a:t>runs</a:t>
+            </a:r>
+            <a:r>
+              <a:rPr lang="fr-FR" sz="2200" dirty="0" smtClean="0"/>
+              <a:t> </a:t>
+            </a:r>
+            <a:r>
+              <a:rPr lang="fr-FR" sz="2200" dirty="0" smtClean="0"/>
+              <a:t>on a </a:t>
+            </a:r>
+            <a:r>
+              <a:rPr lang="fr-FR" sz="2200" dirty="0" err="1" smtClean="0"/>
               <a:t>standalone</a:t>
             </a:r>
             <a:r>
-              <a:rPr lang="fr-FR" sz="2200" i="0" dirty="0" smtClean="0"/>
+              <a:rPr lang="fr-FR" sz="2200" dirty="0" smtClean="0"/>
               <a:t> server.</a:t>
             </a:r>
           </a:p>
@@ -44163,15 +44080,7 @@
             </a:r>
             <a:r>
               <a:rPr lang="fr-FR" sz="2200" i="0" dirty="0" smtClean="0"/>
-              <a:t> </a:t>
-            </a:r>
-            <a:r>
-              <a:rPr lang="fr-FR" sz="2200" i="0" dirty="0" err="1" smtClean="0"/>
-              <a:t>eXo</a:t>
-            </a:r>
-            <a:r>
-              <a:rPr lang="fr-FR" sz="2200" i="0" dirty="0" smtClean="0"/>
-              <a:t>, </a:t>
+              <a:t> eXo, </a:t>
             </a:r>
             <a:r>
               <a:rPr lang="fr-FR" sz="2200" i="0" dirty="0" err="1" smtClean="0"/>
@@ -44195,7 +44104,11 @@
             </a:r>
             <a:r>
               <a:rPr lang="fr-FR" sz="2200" i="0" dirty="0" smtClean="0"/>
-              <a:t> more informations </a:t>
+              <a:t> more </a:t>
+            </a:r>
+            <a:r>
+              <a:rPr lang="fr-FR" sz="2200" i="0" dirty="0" smtClean="0"/>
+              <a:t>information </a:t>
             </a:r>
             <a:r>
               <a:rPr lang="fr-FR" sz="2200" i="0" dirty="0" err="1" smtClean="0"/>
@@ -44204,6 +44117,49 @@
             <a:r>
               <a:rPr lang="fr-FR" sz="2200" i="0" dirty="0" smtClean="0"/>
               <a:t>:</a:t>
+            </a:r>
+            <a:br>
+              <a:rPr lang="fr-FR" sz="2200" i="0" dirty="0" smtClean="0"/>
+            </a:br>
+            <a:r>
+              <a:rPr lang="fr-FR" sz="2200" i="0" dirty="0" smtClean="0"/>
+              <a:t>http</a:t>
+            </a:r>
+            <a:r>
+              <a:rPr lang="fr-FR" sz="2200" i="0" dirty="0"/>
+              <a:t>://</a:t>
+            </a:r>
+            <a:r>
+              <a:rPr lang="fr-FR" sz="2200" i="0" dirty="0" err="1"/>
+              <a:t>docs.jboss.com</a:t>
+            </a:r>
+            <a:r>
+              <a:rPr lang="fr-FR" sz="2200" i="0" dirty="0"/>
+              <a:t>/</a:t>
+            </a:r>
+            <a:r>
+              <a:rPr lang="fr-FR" sz="2200" i="0" dirty="0" err="1"/>
+              <a:t>gatein</a:t>
+            </a:r>
+            <a:r>
+              <a:rPr lang="fr-FR" sz="2200" i="0" dirty="0"/>
+              <a:t>/portal/3.1.0-FINAL/</a:t>
+            </a:r>
+            <a:r>
+              <a:rPr lang="fr-FR" sz="2200" i="0" dirty="0" err="1"/>
+              <a:t>reference</a:t>
+            </a:r>
+            <a:r>
+              <a:rPr lang="fr-FR" sz="2200" i="0" dirty="0"/>
+              <a:t>-guide/en-US/</a:t>
+            </a:r>
+            <a:r>
+              <a:rPr lang="fr-FR" sz="2200" i="0" dirty="0" err="1"/>
+              <a:t>html_single</a:t>
+            </a:r>
+            <a:r>
+              <a:rPr lang="fr-FR" sz="2200" i="0" dirty="0"/>
+              <a:t>/index.html#sect-Reference_Guide-Single_Sign_On-CAS_Central_Authentication_Service</a:t>
             </a:r>
           </a:p>
           <a:p>
@@ -44218,31 +44174,7 @@
               <a:buFont typeface="Lucida Grande"/>
               <a:buChar char="»"/>
             </a:pPr>
-            <a:r>
-              <a:rPr lang="fr-FR" sz="2400" b="0" i="0" dirty="0">
-                <a:solidFill>
-                  <a:schemeClr val="tx1">
-                    <a:lumMod val="75000"/>
-                    <a:lumOff val="25000"/>
-                  </a:schemeClr>
-                </a:solidFill>
-                <a:hlinkClick r:id="rId2"/>
-              </a:rPr>
-              <a:t>http://docs.jboss.com/gatein/portal/3.1.0-FINAL/reference-guide/en-US/html_single/index.html#sect-Reference_Guide-Single_Sign_On-</a:t>
-            </a:r>
-            <a:r>
-              <a:rPr lang="fr-FR" sz="2400" b="0" i="0" dirty="0" smtClean="0">
-                <a:solidFill>
-                  <a:schemeClr val="tx1">
-                    <a:lumMod val="75000"/>
-                    <a:lumOff val="25000"/>
-                  </a:schemeClr>
-                </a:solidFill>
-                <a:hlinkClick r:id="rId2"/>
-              </a:rPr>
-              <a:t>CAS_Central_Authentication_Service</a:t>
-            </a:r>
-            <a:endParaRPr lang="fr-FR" sz="2200" i="0" dirty="0"/>
+            <a:endParaRPr lang="fr-FR" sz="2200" i="0" dirty="0" smtClean="0"/>
           </a:p>
           <a:p>
             <a:pPr marL="3175" indent="0">
@@ -44393,15 +44325,7 @@
             </a:r>
             <a:r>
               <a:rPr lang="fr-FR" dirty="0" smtClean="0"/>
-              <a:t> </a:t>
-            </a:r>
-            <a:r>
-              <a:rPr lang="fr-FR" dirty="0" smtClean="0"/>
-              <a:t>3b: </a:t>
-            </a:r>
-            <a:r>
-              <a:rPr lang="fr-FR" dirty="0" smtClean="0"/>
-              <a:t>SSO CAS</a:t>
+              <a:t> 3b: SSO CAS</a:t>
             </a:r>
             <a:endParaRPr lang="fr-FR" dirty="0"/>
           </a:p>
@@ -44455,20 +44379,36 @@
               <a:t>the </a:t>
             </a:r>
             <a:r>
-              <a:rPr lang="fr-CA" sz="2200" i="0" dirty="0" err="1"/>
+              <a:rPr lang="fr-CA" sz="2200" i="0" dirty="0" err="1" smtClean="0"/>
+              <a:t>tomcat</a:t>
+            </a:r>
+            <a:r>
+              <a:rPr lang="fr-CA" sz="2200" i="0" dirty="0" smtClean="0"/>
+              <a:t>/</a:t>
+            </a:r>
+            <a:r>
+              <a:rPr lang="fr-CA" sz="2200" i="0" dirty="0" err="1" smtClean="0"/>
+              <a:t>conf</a:t>
+            </a:r>
+            <a:r>
+              <a:rPr lang="fr-CA" sz="2200" i="0" dirty="0" smtClean="0"/>
+              <a:t>/</a:t>
+            </a:r>
+            <a:r>
+              <a:rPr lang="fr-CA" sz="2200" i="0" dirty="0" err="1" smtClean="0"/>
               <a:t>server.xml</a:t>
             </a:r>
             <a:r>
+              <a:rPr lang="fr-CA" sz="2200" i="0" dirty="0" smtClean="0"/>
+              <a:t> </a:t>
+            </a:r>
+            <a:r>
               <a:rPr lang="fr-CA" sz="2200" i="0" dirty="0"/>
-              <a:t> file in </a:t>
-            </a:r>
-            <a:r>
-              <a:rPr lang="fr-CA" sz="2200" i="0" dirty="0" err="1"/>
-              <a:t>tomcat</a:t>
-            </a:r>
-            <a:r>
-              <a:rPr lang="fr-CA" sz="2200" i="0" dirty="0"/>
-              <a:t> and </a:t>
+              <a:t>file in </a:t>
+            </a:r>
+            <a:r>
+              <a:rPr lang="fr-CA" sz="2200" i="0" dirty="0" smtClean="0"/>
+              <a:t>the CAS server and </a:t>
             </a:r>
             <a:r>
               <a:rPr lang="fr-CA" sz="2200" i="0" dirty="0" err="1"/>
@@ -44487,27 +44427,27 @@
               <a:buNone/>
             </a:pPr>
             <a:r>
-              <a:rPr lang="fr-CA" sz="1200" b="0" i="0" dirty="0" smtClean="0"/>
+              <a:rPr lang="fr-CA" sz="1600" b="0" i="0" dirty="0" smtClean="0"/>
               <a:t>	&lt;</a:t>
             </a:r>
             <a:r>
-              <a:rPr lang="fr-CA" sz="1200" b="0" i="0" dirty="0"/>
+              <a:rPr lang="fr-CA" sz="1600" b="0" i="0" dirty="0"/>
               <a:t>!-- </a:t>
             </a:r>
             <a:r>
-              <a:rPr lang="fr-CA" sz="1200" b="0" i="0" dirty="0" err="1"/>
+              <a:rPr lang="fr-CA" sz="1600" b="0" i="0" dirty="0" err="1"/>
               <a:t>Define</a:t>
             </a:r>
             <a:r>
-              <a:rPr lang="fr-CA" sz="1200" b="0" i="0" dirty="0"/>
+              <a:rPr lang="fr-CA" sz="1600" b="0" i="0" dirty="0"/>
               <a:t> a SSL HTTP/1.1 </a:t>
             </a:r>
             <a:r>
-              <a:rPr lang="fr-CA" sz="1200" b="0" i="0" dirty="0" err="1"/>
+              <a:rPr lang="fr-CA" sz="1600" b="0" i="0" dirty="0" err="1"/>
               <a:t>Connector</a:t>
             </a:r>
             <a:r>
-              <a:rPr lang="fr-CA" sz="1200" b="0" i="0" dirty="0"/>
+              <a:rPr lang="fr-CA" sz="1600" b="0" i="0" dirty="0"/>
               <a:t> on port 8443 --&gt;</a:t>
             </a:r>
           </a:p>
@@ -44519,23 +44459,23 @@
               <a:buNone/>
             </a:pPr>
             <a:r>
-              <a:rPr lang="fr-CA" sz="1200" b="0" i="0" dirty="0" smtClean="0"/>
+              <a:rPr lang="fr-CA" sz="1600" b="0" i="0" dirty="0" smtClean="0"/>
               <a:t>	&lt;</a:t>
             </a:r>
             <a:r>
-              <a:rPr lang="fr-CA" sz="1200" b="0" i="0" dirty="0" err="1"/>
+              <a:rPr lang="fr-CA" sz="1600" b="0" i="0" dirty="0" err="1"/>
               <a:t>Connector</a:t>
             </a:r>
             <a:r>
-              <a:rPr lang="fr-CA" sz="1200" b="0" i="0" dirty="0"/>
+              <a:rPr lang="fr-CA" sz="1600" b="0" i="0" dirty="0"/>
               <a:t> port="8443" </a:t>
             </a:r>
             <a:r>
-              <a:rPr lang="fr-CA" sz="1200" b="0" i="0" dirty="0" err="1"/>
+              <a:rPr lang="fr-CA" sz="1600" b="0" i="0" dirty="0" err="1"/>
               <a:t>maxHttpHeaderSize</a:t>
             </a:r>
             <a:r>
-              <a:rPr lang="fr-CA" sz="1200" b="0" i="0" dirty="0"/>
+              <a:rPr lang="fr-CA" sz="1600" b="0" i="0" dirty="0"/>
               <a:t>="8192"</a:t>
             </a:r>
           </a:p>
@@ -44547,31 +44487,31 @@
               <a:buNone/>
             </a:pPr>
             <a:r>
-              <a:rPr lang="fr-CA" sz="1200" b="0" i="0" dirty="0" smtClean="0"/>
+              <a:rPr lang="fr-CA" sz="1600" b="0" i="0" dirty="0" smtClean="0"/>
               <a:t>	</a:t>
             </a:r>
             <a:r>
-              <a:rPr lang="fr-CA" sz="1200" b="0" i="0" dirty="0" err="1" smtClean="0"/>
+              <a:rPr lang="fr-CA" sz="1600" b="0" i="0" dirty="0" err="1" smtClean="0"/>
               <a:t>maxThreads</a:t>
             </a:r>
             <a:r>
-              <a:rPr lang="fr-CA" sz="1200" b="0" i="0" dirty="0"/>
+              <a:rPr lang="fr-CA" sz="1600" b="0" i="0" dirty="0"/>
               <a:t>="150" </a:t>
             </a:r>
             <a:r>
-              <a:rPr lang="fr-CA" sz="1200" b="0" i="0" dirty="0" err="1"/>
+              <a:rPr lang="fr-CA" sz="1600" b="0" i="0" dirty="0" err="1"/>
               <a:t>minSpareThreads</a:t>
             </a:r>
             <a:r>
-              <a:rPr lang="fr-CA" sz="1200" b="0" i="0" dirty="0"/>
+              <a:rPr lang="fr-CA" sz="1600" b="0" i="0" dirty="0"/>
               <a:t>="25" </a:t>
             </a:r>
             <a:r>
-              <a:rPr lang="fr-CA" sz="1200" b="0" i="0" dirty="0" err="1"/>
+              <a:rPr lang="fr-CA" sz="1600" b="0" i="0" dirty="0" err="1"/>
               <a:t>maxSpareThreads</a:t>
             </a:r>
             <a:r>
-              <a:rPr lang="fr-CA" sz="1200" b="0" i="0" dirty="0"/>
+              <a:rPr lang="fr-CA" sz="1600" b="0" i="0" dirty="0"/>
               <a:t>="75"</a:t>
             </a:r>
           </a:p>
@@ -44583,55 +44523,55 @@
               <a:buNone/>
             </a:pPr>
             <a:r>
-              <a:rPr lang="fr-CA" sz="1200" b="0" i="0" dirty="0" smtClean="0"/>
+              <a:rPr lang="fr-CA" sz="1600" b="0" i="0" dirty="0" smtClean="0"/>
               <a:t>	</a:t>
             </a:r>
             <a:r>
-              <a:rPr lang="fr-CA" sz="1200" b="0" i="0" dirty="0" err="1" smtClean="0"/>
+              <a:rPr lang="fr-CA" sz="1600" b="0" i="0" dirty="0" err="1" smtClean="0"/>
               <a:t>enableLookups</a:t>
             </a:r>
             <a:r>
-              <a:rPr lang="fr-CA" sz="1200" b="0" i="0" dirty="0"/>
+              <a:rPr lang="fr-CA" sz="1600" b="0" i="0" dirty="0"/>
               <a:t>="false" </a:t>
             </a:r>
             <a:r>
-              <a:rPr lang="fr-CA" sz="1200" b="0" i="0" dirty="0" err="1"/>
+              <a:rPr lang="fr-CA" sz="1600" b="0" i="0" dirty="0" err="1"/>
               <a:t>disableUploadTimeout</a:t>
             </a:r>
             <a:r>
-              <a:rPr lang="fr-CA" sz="1200" b="0" i="0" dirty="0"/>
+              <a:rPr lang="fr-CA" sz="1600" b="0" i="0" dirty="0"/>
               <a:t>="</a:t>
             </a:r>
             <a:r>
-              <a:rPr lang="fr-CA" sz="1200" b="0" i="0" dirty="0" err="1" smtClean="0"/>
+              <a:rPr lang="fr-CA" sz="1600" b="0" i="0" dirty="0" err="1" smtClean="0"/>
               <a:t>true</a:t>
             </a:r>
             <a:r>
-              <a:rPr lang="fr-CA" sz="1200" b="0" i="0" dirty="0" smtClean="0"/>
+              <a:rPr lang="fr-CA" sz="1600" b="0" i="0" dirty="0" smtClean="0"/>
               <a:t>" </a:t>
             </a:r>
             <a:r>
-              <a:rPr lang="fr-CA" sz="1200" b="0" i="0" dirty="0" err="1" smtClean="0"/>
+              <a:rPr lang="fr-CA" sz="1600" b="0" i="0" dirty="0" err="1" smtClean="0"/>
               <a:t>acceptCount</a:t>
             </a:r>
             <a:r>
-              <a:rPr lang="fr-CA" sz="1200" b="0" i="0" dirty="0" smtClean="0"/>
+              <a:rPr lang="fr-CA" sz="1600" b="0" i="0" dirty="0" smtClean="0"/>
               <a:t>="100" </a:t>
             </a:r>
             <a:r>
-              <a:rPr lang="fr-CA" sz="1200" b="0" i="0" dirty="0" err="1" smtClean="0"/>
+              <a:rPr lang="fr-CA" sz="1600" b="0" i="0" dirty="0" err="1" smtClean="0"/>
               <a:t>scheme</a:t>
             </a:r>
             <a:r>
-              <a:rPr lang="fr-CA" sz="1200" b="0" i="0" dirty="0" smtClean="0"/>
+              <a:rPr lang="fr-CA" sz="1600" b="0" i="0" dirty="0" smtClean="0"/>
               <a:t>="</a:t>
             </a:r>
             <a:r>
-              <a:rPr lang="fr-CA" sz="1200" b="0" i="0" dirty="0" err="1" smtClean="0"/>
+              <a:rPr lang="fr-CA" sz="1600" b="0" i="0" dirty="0" err="1" smtClean="0"/>
               <a:t>https</a:t>
             </a:r>
             <a:r>
-              <a:rPr lang="fr-CA" sz="1200" b="0" i="0" dirty="0" smtClean="0"/>
+              <a:rPr lang="fr-CA" sz="1600" b="0" i="0" dirty="0" smtClean="0"/>
               <a:t>" </a:t>
             </a:r>
           </a:p>
@@ -44643,46 +44583,63 @@
               <a:buNone/>
             </a:pPr>
             <a:r>
-              <a:rPr lang="fr-CA" sz="1200" b="0" i="0" dirty="0"/>
+              <a:rPr lang="fr-CA" sz="1600" b="0" i="0" dirty="0"/>
               <a:t>	</a:t>
             </a:r>
             <a:r>
-              <a:rPr lang="fr-CA" sz="1200" b="0" i="0" dirty="0" err="1" smtClean="0"/>
+              <a:rPr lang="fr-CA" sz="1600" b="0" i="0" dirty="0" err="1" smtClean="0"/>
               <a:t>secure</a:t>
             </a:r>
             <a:r>
-              <a:rPr lang="fr-CA" sz="1200" b="0" i="0" dirty="0" smtClean="0"/>
+              <a:rPr lang="fr-CA" sz="1600" b="0" i="0" dirty="0" smtClean="0"/>
               <a:t>="</a:t>
             </a:r>
             <a:r>
-              <a:rPr lang="fr-CA" sz="1200" b="0" i="0" dirty="0" err="1" smtClean="0"/>
+              <a:rPr lang="fr-CA" sz="1600" b="0" i="0" dirty="0" err="1" smtClean="0"/>
               <a:t>true</a:t>
             </a:r>
             <a:r>
-              <a:rPr lang="fr-CA" sz="1200" b="0" i="0" dirty="0" smtClean="0"/>
+              <a:rPr lang="fr-CA" sz="1600" b="0" i="0" dirty="0" smtClean="0"/>
               <a:t>" </a:t>
             </a:r>
             <a:r>
-              <a:rPr lang="fr-CA" sz="1200" b="0" i="0" dirty="0" err="1" smtClean="0"/>
+              <a:rPr lang="fr-CA" sz="1600" b="0" i="0" dirty="0" err="1" smtClean="0"/>
               <a:t>clientAuth</a:t>
             </a:r>
             <a:r>
-              <a:rPr lang="fr-CA" sz="1200" b="0" i="0" dirty="0"/>
+              <a:rPr lang="fr-CA" sz="1600" b="0" i="0" dirty="0"/>
               <a:t>="false" </a:t>
             </a:r>
             <a:r>
-              <a:rPr lang="fr-CA" sz="1200" b="0" i="0" dirty="0" err="1"/>
+              <a:rPr lang="fr-CA" sz="1600" b="0" i="0" dirty="0" err="1"/>
               <a:t>sslProtocol</a:t>
             </a:r>
             <a:r>
-              <a:rPr lang="fr-CA" sz="1200" b="0" i="0" dirty="0"/>
+              <a:rPr lang="fr-CA" sz="1600" b="0" i="0" dirty="0"/>
               <a:t>="TLS" /</a:t>
             </a:r>
             <a:r>
-              <a:rPr lang="fr-CA" sz="1200" b="0" i="0" dirty="0" smtClean="0"/>
+              <a:rPr lang="fr-CA" sz="1600" b="0" i="0" dirty="0" smtClean="0"/>
               <a:t>&gt;</a:t>
             </a:r>
-            <a:endParaRPr lang="fr-CA" sz="1200" b="0" i="0" dirty="0"/>
+            <a:endParaRPr lang="fr-CA" sz="1600" b="0" i="0" dirty="0"/>
+          </a:p>
+          <a:p>
+            <a:pPr marL="3175" indent="0">
+              <a:lnSpc>
+                <a:spcPct val="100000"/>
+              </a:lnSpc>
+              <a:buClr>
+                <a:srgbClr val="FF9900"/>
+              </a:buClr>
+              <a:buSzPct val="120000"/>
+              <a:buNone/>
+            </a:pPr>
+            <a:r>
+              <a:rPr lang="fr-FR" sz="2200" i="0" u="sng" dirty="0" smtClean="0"/>
+              <a:t>CAS Client Setup</a:t>
+            </a:r>
+            <a:endParaRPr lang="fr-FR" sz="2200" i="0" u="sng" dirty="0" smtClean="0"/>
           </a:p>
           <a:p>
             <a:pPr>
@@ -44697,32 +44654,224 @@
               <a:buChar char="»"/>
             </a:pPr>
             <a:r>
-              <a:rPr lang="fr-FR" sz="2200" i="0" dirty="0" err="1"/>
-              <a:t>Now</a:t>
-            </a:r>
-            <a:r>
-              <a:rPr lang="fr-FR" sz="2200" i="0" dirty="0"/>
-              <a:t>, </a:t>
-            </a:r>
-            <a:r>
-              <a:rPr lang="fr-FR" sz="2200" i="0" dirty="0" err="1"/>
-              <a:t>we</a:t>
-            </a:r>
-            <a:r>
-              <a:rPr lang="fr-FR" sz="2200" i="0" dirty="0"/>
+              <a:rPr lang="fr-CA" sz="2200" i="0" dirty="0" err="1" smtClean="0"/>
+              <a:t>Generate</a:t>
+            </a:r>
+            <a:r>
+              <a:rPr lang="fr-CA" sz="2200" i="0" dirty="0" smtClean="0"/>
               <a:t> </a:t>
             </a:r>
             <a:r>
-              <a:rPr lang="fr-FR" sz="2200" i="0" dirty="0" err="1"/>
-              <a:t>will</a:t>
-            </a:r>
-            <a:r>
-              <a:rPr lang="fr-FR" sz="2200" i="0" dirty="0"/>
-              <a:t> setup the </a:t>
-            </a:r>
-            <a:r>
-              <a:rPr lang="fr-FR" sz="2200" i="0" dirty="0" smtClean="0"/>
-              <a:t>client</a:t>
+              <a:rPr lang="fr-CA" sz="2200" i="0" dirty="0"/>
+              <a:t>the SSL </a:t>
+            </a:r>
+            <a:r>
+              <a:rPr lang="fr-CA" sz="2200" i="0" dirty="0" err="1"/>
+              <a:t>cert</a:t>
+            </a:r>
+            <a:r>
+              <a:rPr lang="fr-CA" sz="2200" i="0" dirty="0"/>
+              <a:t> </a:t>
+            </a:r>
+            <a:r>
+              <a:rPr lang="fr-CA" sz="2200" i="0" dirty="0" err="1"/>
+              <a:t>with</a:t>
+            </a:r>
+            <a:r>
+              <a:rPr lang="fr-CA" sz="2200" i="0" dirty="0"/>
+              <a:t> Java </a:t>
+            </a:r>
+            <a:r>
+              <a:rPr lang="fr-CA" sz="2200" i="0" dirty="0" err="1" smtClean="0"/>
+              <a:t>keytool</a:t>
+            </a:r>
+            <a:r>
+              <a:rPr lang="fr-CA" sz="2200" i="0" dirty="0" smtClean="0"/>
+              <a:t>. </a:t>
+            </a:r>
+            <a:r>
+              <a:rPr lang="fr-CA" sz="2200" i="0" dirty="0" err="1" smtClean="0"/>
+              <a:t>Answer</a:t>
+            </a:r>
+            <a:r>
+              <a:rPr lang="fr-CA" sz="2200" i="0" dirty="0" smtClean="0"/>
+              <a:t> </a:t>
+            </a:r>
+            <a:r>
+              <a:rPr lang="fr-CA" sz="2200" i="0" dirty="0"/>
+              <a:t>the questions: </a:t>
+            </a:r>
+            <a:r>
+              <a:rPr lang="fr-CA" sz="2200" i="0" dirty="0" err="1" smtClean="0"/>
+              <a:t>your</a:t>
+            </a:r>
+            <a:r>
+              <a:rPr lang="fr-CA" sz="2200" i="0" dirty="0" smtClean="0"/>
+              <a:t> </a:t>
+            </a:r>
+            <a:r>
+              <a:rPr lang="fr-CA" sz="2200" i="0" dirty="0" err="1"/>
+              <a:t>firstname</a:t>
+            </a:r>
+            <a:r>
+              <a:rPr lang="fr-CA" sz="2200" i="0" dirty="0"/>
+              <a:t> and </a:t>
+            </a:r>
+            <a:r>
+              <a:rPr lang="fr-CA" sz="2200" i="0" dirty="0" err="1"/>
+              <a:t>lastname</a:t>
+            </a:r>
+            <a:r>
+              <a:rPr lang="fr-CA" sz="2200" i="0" dirty="0"/>
+              <a:t> MUST </a:t>
+            </a:r>
+            <a:r>
+              <a:rPr lang="fr-CA" sz="2200" i="0" dirty="0" err="1"/>
+              <a:t>be</a:t>
+            </a:r>
+            <a:r>
+              <a:rPr lang="fr-CA" sz="2200" i="0" dirty="0"/>
+              <a:t> </a:t>
+            </a:r>
+            <a:r>
+              <a:rPr lang="fr-CA" sz="2200" i="0" dirty="0" smtClean="0"/>
+              <a:t>the </a:t>
+            </a:r>
+            <a:r>
+              <a:rPr lang="fr-CA" sz="2200" i="0" dirty="0" err="1" smtClean="0"/>
+              <a:t>hostname</a:t>
+            </a:r>
+            <a:r>
+              <a:rPr lang="fr-CA" sz="2200" i="0" dirty="0" smtClean="0"/>
+              <a:t> </a:t>
+            </a:r>
+            <a:r>
+              <a:rPr lang="fr-CA" sz="2200" i="0" dirty="0" smtClean="0"/>
+              <a:t>(</a:t>
+            </a:r>
+            <a:r>
+              <a:rPr lang="fr-CA" sz="2200" i="0" dirty="0" err="1" smtClean="0"/>
+              <a:t>localhost</a:t>
+            </a:r>
+            <a:r>
+              <a:rPr lang="fr-CA" sz="2200" i="0" dirty="0" smtClean="0"/>
+              <a:t> for </a:t>
+            </a:r>
+            <a:r>
+              <a:rPr lang="fr-CA" sz="2200" i="0" dirty="0" err="1" smtClean="0"/>
+              <a:t>testing</a:t>
+            </a:r>
+            <a:r>
+              <a:rPr lang="fr-CA" sz="2200" i="0" dirty="0" smtClean="0"/>
+              <a:t>) of </a:t>
+            </a:r>
+            <a:r>
+              <a:rPr lang="fr-CA" sz="2200" i="0" dirty="0" err="1"/>
+              <a:t>your</a:t>
+            </a:r>
+            <a:r>
+              <a:rPr lang="fr-CA" sz="2200" i="0" dirty="0"/>
+              <a:t> server and </a:t>
+            </a:r>
+            <a:r>
+              <a:rPr lang="fr-CA" sz="2200" i="0" dirty="0" err="1"/>
+              <a:t>cannot</a:t>
+            </a:r>
+            <a:r>
+              <a:rPr lang="fr-CA" sz="2200" i="0" dirty="0"/>
+              <a:t> </a:t>
+            </a:r>
+            <a:r>
+              <a:rPr lang="fr-CA" sz="2200" i="0" dirty="0" err="1"/>
+              <a:t>be</a:t>
+            </a:r>
+            <a:r>
+              <a:rPr lang="fr-CA" sz="2200" i="0" dirty="0"/>
+              <a:t> </a:t>
+            </a:r>
+            <a:r>
+              <a:rPr lang="fr-CA" sz="2200" i="0" dirty="0" smtClean="0"/>
+              <a:t>an </a:t>
+            </a:r>
+            <a:r>
+              <a:rPr lang="fr-CA" sz="2200" i="0" dirty="0"/>
+              <a:t>IP </a:t>
+            </a:r>
+            <a:r>
+              <a:rPr lang="fr-CA" sz="2200" i="0" dirty="0" err="1" smtClean="0"/>
+              <a:t>address</a:t>
+            </a:r>
+            <a:r>
+              <a:rPr lang="fr-CA" sz="2200" i="0" dirty="0" smtClean="0"/>
+              <a:t>:</a:t>
+            </a:r>
+            <a:endParaRPr lang="fr-CA" sz="2200" i="0" dirty="0" smtClean="0"/>
+          </a:p>
+          <a:p>
+            <a:pPr marL="1031875" lvl="2" indent="0">
+              <a:lnSpc>
+                <a:spcPct val="100000"/>
+              </a:lnSpc>
+              <a:buClr>
+                <a:srgbClr val="FF9900"/>
+              </a:buClr>
+              <a:buNone/>
+            </a:pPr>
+            <a:r>
+              <a:rPr lang="fr-CA" sz="1800" b="0" i="0" dirty="0" err="1" smtClean="0"/>
+              <a:t>keytool</a:t>
+            </a:r>
+            <a:r>
+              <a:rPr lang="fr-CA" sz="1800" b="0" i="0" dirty="0" smtClean="0"/>
+              <a:t> </a:t>
+            </a:r>
+            <a:r>
+              <a:rPr lang="fr-CA" sz="1800" b="0" i="0" dirty="0"/>
+              <a:t>-</a:t>
+            </a:r>
+            <a:r>
+              <a:rPr lang="fr-CA" sz="1800" b="0" i="0" dirty="0" err="1"/>
+              <a:t>genkey</a:t>
+            </a:r>
+            <a:r>
+              <a:rPr lang="fr-CA" sz="1800" b="0" i="0" dirty="0"/>
+              <a:t> -alias </a:t>
+            </a:r>
+            <a:r>
+              <a:rPr lang="fr-CA" sz="1800" b="0" i="0" dirty="0" err="1"/>
+              <a:t>tomcat</a:t>
+            </a:r>
+            <a:r>
+              <a:rPr lang="fr-CA" sz="1800" b="0" i="0" dirty="0"/>
+              <a:t> -</a:t>
+            </a:r>
+            <a:r>
+              <a:rPr lang="fr-CA" sz="1800" b="0" i="0" dirty="0" err="1"/>
+              <a:t>keypass</a:t>
+            </a:r>
+            <a:r>
+              <a:rPr lang="fr-CA" sz="1800" b="0" i="0" dirty="0"/>
+              <a:t> </a:t>
+            </a:r>
+            <a:r>
+              <a:rPr lang="fr-CA" sz="1800" b="0" i="0" dirty="0" err="1"/>
+              <a:t>changeit</a:t>
+            </a:r>
+            <a:r>
+              <a:rPr lang="fr-CA" sz="1800" b="0" i="0" dirty="0"/>
+              <a:t> -</a:t>
+            </a:r>
+            <a:r>
+              <a:rPr lang="fr-CA" sz="1800" b="0" i="0" dirty="0" err="1"/>
+              <a:t>keyalg</a:t>
+            </a:r>
+            <a:r>
+              <a:rPr lang="fr-CA" sz="1800" b="0" i="0" dirty="0"/>
+              <a:t> </a:t>
+            </a:r>
+            <a:r>
+              <a:rPr lang="fr-CA" sz="1800" b="0" i="0" dirty="0" smtClean="0"/>
+              <a:t>RSA</a:t>
             </a:r>
           </a:p>
           <a:p>
@@ -44738,153 +44887,17 @@
               <a:buChar char="»"/>
             </a:pPr>
             <a:r>
+              <a:rPr lang="fr-CA" sz="2200" i="0" dirty="0" smtClean="0"/>
+              <a:t>Export </a:t>
+            </a:r>
+            <a:r>
               <a:rPr lang="fr-CA" sz="2200" i="0" dirty="0" err="1" smtClean="0"/>
-              <a:t>Generate</a:t>
+              <a:t>it</a:t>
             </a:r>
             <a:r>
               <a:rPr lang="fr-CA" sz="2200" i="0" dirty="0" smtClean="0"/>
-              <a:t> </a:t>
-            </a:r>
-            <a:r>
-              <a:rPr lang="fr-CA" sz="2200" i="0" dirty="0"/>
-              <a:t>the SSL </a:t>
-            </a:r>
-            <a:r>
-              <a:rPr lang="fr-CA" sz="2200" i="0" dirty="0" err="1"/>
-              <a:t>cert</a:t>
-            </a:r>
-            <a:r>
-              <a:rPr lang="fr-CA" sz="2200" i="0" dirty="0"/>
-              <a:t> </a:t>
-            </a:r>
-            <a:r>
-              <a:rPr lang="fr-CA" sz="2200" i="0" dirty="0" err="1"/>
-              <a:t>with</a:t>
-            </a:r>
-            <a:r>
-              <a:rPr lang="fr-CA" sz="2200" i="0" dirty="0"/>
-              <a:t> Java </a:t>
-            </a:r>
-            <a:r>
-              <a:rPr lang="fr-CA" sz="2200" i="0" dirty="0" err="1" smtClean="0"/>
-              <a:t>keytool</a:t>
-            </a:r>
-            <a:r>
-              <a:rPr lang="fr-CA" sz="2200" i="0" dirty="0" smtClean="0"/>
-              <a:t> (</a:t>
-            </a:r>
-            <a:r>
-              <a:rPr lang="fr-CA" sz="2200" i="0" dirty="0" err="1"/>
-              <a:t>Answer</a:t>
-            </a:r>
-            <a:r>
-              <a:rPr lang="fr-CA" sz="2200" i="0" dirty="0"/>
-              <a:t> the questions: </a:t>
-            </a:r>
-            <a:r>
-              <a:rPr lang="fr-CA" sz="2200" i="0" dirty="0" err="1" smtClean="0"/>
-              <a:t>your</a:t>
-            </a:r>
-            <a:r>
-              <a:rPr lang="fr-CA" sz="2200" i="0" dirty="0" smtClean="0"/>
-              <a:t> </a:t>
-            </a:r>
-            <a:r>
-              <a:rPr lang="fr-CA" sz="2200" i="0" dirty="0" err="1"/>
-              <a:t>firstname</a:t>
-            </a:r>
-            <a:r>
-              <a:rPr lang="fr-CA" sz="2200" i="0" dirty="0"/>
-              <a:t> and </a:t>
-            </a:r>
-            <a:r>
-              <a:rPr lang="fr-CA" sz="2200" i="0" dirty="0" err="1"/>
-              <a:t>lastname</a:t>
-            </a:r>
-            <a:r>
-              <a:rPr lang="fr-CA" sz="2200" i="0" dirty="0"/>
-              <a:t> MUST </a:t>
-            </a:r>
-            <a:r>
-              <a:rPr lang="fr-CA" sz="2200" i="0" dirty="0" err="1"/>
-              <a:t>be</a:t>
-            </a:r>
-            <a:r>
-              <a:rPr lang="fr-CA" sz="2200" i="0" dirty="0"/>
-              <a:t> </a:t>
-            </a:r>
-            <a:r>
-              <a:rPr lang="fr-CA" sz="2200" i="0" dirty="0" err="1"/>
-              <a:t>hostname</a:t>
-            </a:r>
-            <a:r>
-              <a:rPr lang="fr-CA" sz="2200" i="0" dirty="0"/>
-              <a:t> </a:t>
-            </a:r>
-            <a:r>
-              <a:rPr lang="fr-CA" sz="2200" i="0" dirty="0" smtClean="0"/>
-              <a:t>(</a:t>
-            </a:r>
-            <a:r>
-              <a:rPr lang="fr-CA" sz="2200" i="0" dirty="0" err="1" smtClean="0"/>
-              <a:t>localhost</a:t>
-            </a:r>
-            <a:r>
-              <a:rPr lang="fr-CA" sz="2200" i="0" dirty="0" smtClean="0"/>
-              <a:t> for </a:t>
-            </a:r>
-            <a:r>
-              <a:rPr lang="fr-CA" sz="2200" i="0" dirty="0" err="1" smtClean="0"/>
-              <a:t>testing</a:t>
-            </a:r>
-            <a:r>
-              <a:rPr lang="fr-CA" sz="2200" i="0" dirty="0" smtClean="0"/>
-              <a:t>) of </a:t>
-            </a:r>
-            <a:r>
-              <a:rPr lang="fr-CA" sz="2200" i="0" dirty="0" err="1"/>
-              <a:t>your</a:t>
-            </a:r>
-            <a:r>
-              <a:rPr lang="fr-CA" sz="2200" i="0" dirty="0"/>
-              <a:t> server and </a:t>
-            </a:r>
-            <a:r>
-              <a:rPr lang="fr-CA" sz="2200" i="0" dirty="0" err="1"/>
-              <a:t>cannot</a:t>
-            </a:r>
-            <a:r>
-              <a:rPr lang="fr-CA" sz="2200" i="0" dirty="0"/>
-              <a:t> </a:t>
-            </a:r>
-            <a:r>
-              <a:rPr lang="fr-CA" sz="2200" i="0" dirty="0" err="1"/>
-              <a:t>be</a:t>
-            </a:r>
-            <a:r>
-              <a:rPr lang="fr-CA" sz="2200" i="0" dirty="0"/>
-              <a:t> a IP </a:t>
-            </a:r>
-            <a:r>
-              <a:rPr lang="fr-CA" sz="2200" i="0" dirty="0" err="1" smtClean="0"/>
-              <a:t>address</a:t>
-            </a:r>
-            <a:r>
-              <a:rPr lang="fr-CA" sz="2200" i="0" dirty="0" smtClean="0"/>
-              <a:t>):</a:t>
-            </a:r>
-          </a:p>
-          <a:p>
-            <a:pPr marL="3175" indent="0">
-              <a:lnSpc>
-                <a:spcPct val="100000"/>
-              </a:lnSpc>
-              <a:buClr>
-                <a:srgbClr val="FF9900"/>
-              </a:buClr>
-              <a:buSzPct val="120000"/>
-              <a:buNone/>
-            </a:pPr>
+              <a:t> : </a:t>
+            </a:r>
             <a:r>
               <a:rPr lang="fr-CA" sz="1800" b="0" i="0" dirty="0" err="1" smtClean="0"/>
               <a:t>keytool</a:t>
@@ -44895,15 +44908,7 @@
             </a:r>
             <a:r>
               <a:rPr lang="fr-CA" sz="1800" b="0" i="0" dirty="0"/>
-              <a:t>-</a:t>
-            </a:r>
-            <a:r>
-              <a:rPr lang="fr-CA" sz="1800" b="0" i="0" dirty="0" err="1"/>
-              <a:t>genkey</a:t>
-            </a:r>
-            <a:r>
-              <a:rPr lang="fr-CA" sz="1800" b="0" i="0" dirty="0"/>
-              <a:t> -alias </a:t>
+              <a:t>-export -alias </a:t>
             </a:r>
             <a:r>
               <a:rPr lang="fr-CA" sz="1800" b="0" i="0" dirty="0" err="1"/>
@@ -44927,20 +44932,13 @@
             </a:r>
             <a:r>
               <a:rPr lang="fr-CA" sz="1800" b="0" i="0" dirty="0"/>
-              <a:t> -</a:t>
-            </a:r>
-            <a:r>
-              <a:rPr lang="fr-CA" sz="1800" b="0" i="0" dirty="0" err="1"/>
-              <a:t>keyalg</a:t>
-            </a:r>
-            <a:r>
-              <a:rPr lang="fr-CA" sz="1800" b="0" i="0" dirty="0"/>
-              <a:t> </a:t>
+              <a:t> -file %FILE_NAME</a:t>
             </a:r>
             <a:r>
               <a:rPr lang="fr-CA" sz="1800" b="0" i="0" dirty="0" smtClean="0"/>
-              <a:t>RSA</a:t>
-            </a:r>
+              <a:t>%</a:t>
+            </a:r>
+            <a:endParaRPr lang="fr-CA" sz="1800" dirty="0"/>
           </a:p>
           <a:p>
             <a:pPr>
@@ -44955,16 +44953,52 @@
               <a:buChar char="»"/>
             </a:pPr>
             <a:r>
+              <a:rPr lang="fr-CA" sz="2200" i="0" dirty="0" err="1"/>
+              <a:t>Finally</a:t>
+            </a:r>
+            <a:r>
+              <a:rPr lang="fr-CA" sz="2200" i="0" dirty="0"/>
+              <a:t> import the </a:t>
+            </a:r>
+            <a:r>
+              <a:rPr lang="fr-CA" sz="2200" i="0" dirty="0" err="1"/>
+              <a:t>cert</a:t>
+            </a:r>
+            <a:r>
+              <a:rPr lang="fr-CA" sz="2200" i="0" dirty="0"/>
+              <a:t> </a:t>
+            </a:r>
+            <a:r>
+              <a:rPr lang="fr-CA" sz="2200" i="0" dirty="0" err="1"/>
+              <a:t>into</a:t>
+            </a:r>
+            <a:r>
+              <a:rPr lang="fr-CA" sz="2200" i="0" dirty="0"/>
+              <a:t> </a:t>
+            </a:r>
+            <a:r>
+              <a:rPr lang="fr-CA" sz="2200" i="0" dirty="0" err="1"/>
+              <a:t>Java's</a:t>
+            </a:r>
+            <a:r>
+              <a:rPr lang="fr-CA" sz="2200" i="0" dirty="0"/>
+              <a:t> </a:t>
+            </a:r>
+            <a:r>
+              <a:rPr lang="fr-CA" sz="2200" i="0" dirty="0" err="1" smtClean="0"/>
+              <a:t>keystore</a:t>
+            </a:r>
+            <a:r>
               <a:rPr lang="fr-CA" sz="2200" i="0" dirty="0" smtClean="0"/>
-              <a:t>Export </a:t>
-            </a:r>
-            <a:r>
-              <a:rPr lang="fr-CA" sz="2200" i="0" dirty="0" err="1" smtClean="0"/>
-              <a:t>it</a:t>
-            </a:r>
-            <a:r>
-              <a:rPr lang="fr-CA" sz="2200" i="0" dirty="0" smtClean="0"/>
-              <a:t> : </a:t>
+              <a:t> </a:t>
+            </a:r>
+            <a:r>
+              <a:rPr lang="fr-CA" sz="1800" dirty="0" smtClean="0"/>
+              <a:t>:</a:t>
+            </a:r>
+            <a:r>
+              <a:rPr lang="fr-CA" sz="1800" dirty="0"/>
+              <a:t>	 </a:t>
             </a:r>
             <a:r>
               <a:rPr lang="fr-CA" sz="1800" b="0" i="0" dirty="0" err="1" smtClean="0"/>
@@ -44976,7 +45010,7 @@
             </a:r>
             <a:r>
               <a:rPr lang="fr-CA" sz="1800" b="0" i="0" dirty="0"/>
-              <a:t>-export -alias </a:t>
+              <a:t>-import -alias </a:t>
             </a:r>
             <a:r>
               <a:rPr lang="fr-CA" sz="1800" b="0" i="0" dirty="0" err="1"/>
@@ -44984,7 +45018,7 @@
             </a:r>
             <a:r>
               <a:rPr lang="fr-CA" sz="1800" b="0" i="0" dirty="0"/>
-              <a:t> -</a:t>
+              <a:t> -file %FILE_NAME% -</a:t>
             </a:r>
             <a:r>
               <a:rPr lang="fr-CA" sz="1800" b="0" i="0" dirty="0" err="1"/>
@@ -44995,114 +45029,8 @@
               <a:t> </a:t>
             </a:r>
             <a:r>
-              <a:rPr lang="fr-CA" sz="1800" b="0" i="0" dirty="0" err="1"/>
-              <a:t>changeit</a:t>
-            </a:r>
-            <a:r>
-              <a:rPr lang="fr-CA" sz="1800" b="0" i="0" dirty="0"/>
-              <a:t> -file %FILE_NAME</a:t>
-            </a:r>
-            <a:r>
               <a:rPr lang="fr-CA" sz="1800" b="0" i="0" dirty="0" smtClean="0"/>
-              <a:t>%</a:t>
-            </a:r>
-            <a:endParaRPr lang="fr-CA" sz="1800" dirty="0"/>
-          </a:p>
-          <a:p>
-            <a:pPr>
-              <a:lnSpc>
-                <a:spcPct val="100000"/>
-              </a:lnSpc>
-              <a:buClr>
-                <a:srgbClr val="FF9900"/>
-              </a:buClr>
-              <a:buSzPct val="120000"/>
-              <a:buFont typeface="Lucida Grande"/>
-              <a:buChar char="»"/>
-            </a:pPr>
-            <a:r>
-              <a:rPr lang="fr-CA" sz="2200" i="0" dirty="0" err="1"/>
-              <a:t>Finally</a:t>
-            </a:r>
-            <a:r>
-              <a:rPr lang="fr-CA" sz="2200" i="0" dirty="0"/>
-              <a:t> import the </a:t>
-            </a:r>
-            <a:r>
-              <a:rPr lang="fr-CA" sz="2200" i="0" dirty="0" err="1"/>
-              <a:t>cert</a:t>
-            </a:r>
-            <a:r>
-              <a:rPr lang="fr-CA" sz="2200" i="0" dirty="0"/>
-              <a:t> </a:t>
-            </a:r>
-            <a:r>
-              <a:rPr lang="fr-CA" sz="2200" i="0" dirty="0" err="1"/>
-              <a:t>into</a:t>
-            </a:r>
-            <a:r>
-              <a:rPr lang="fr-CA" sz="2200" i="0" dirty="0"/>
-              <a:t> </a:t>
-            </a:r>
-            <a:r>
-              <a:rPr lang="fr-CA" sz="2200" i="0" dirty="0" err="1"/>
-              <a:t>Java's</a:t>
-            </a:r>
-            <a:r>
-              <a:rPr lang="fr-CA" sz="2200" i="0" dirty="0"/>
-              <a:t> </a:t>
-            </a:r>
-            <a:r>
-              <a:rPr lang="fr-CA" sz="2200" i="0" dirty="0" err="1" smtClean="0"/>
-              <a:t>keystore</a:t>
-            </a:r>
-            <a:r>
-              <a:rPr lang="fr-CA" sz="2200" i="0" dirty="0" smtClean="0"/>
-              <a:t> </a:t>
-            </a:r>
-            <a:r>
-              <a:rPr lang="fr-CA" sz="1800" dirty="0" smtClean="0"/>
-              <a:t>:</a:t>
-            </a:r>
-            <a:r>
-              <a:rPr lang="fr-CA" sz="1800" dirty="0"/>
-              <a:t>	 </a:t>
-            </a:r>
-            <a:r>
-              <a:rPr lang="fr-CA" sz="1800" b="0" i="0" dirty="0" err="1" smtClean="0"/>
-              <a:t>keytool</a:t>
-            </a:r>
-            <a:r>
-              <a:rPr lang="fr-CA" sz="1800" b="0" i="0" dirty="0" smtClean="0"/>
-              <a:t> </a:t>
-            </a:r>
-            <a:r>
-              <a:rPr lang="fr-CA" sz="1800" b="0" i="0" dirty="0"/>
-              <a:t>-import -alias </a:t>
-            </a:r>
-            <a:r>
-              <a:rPr lang="fr-CA" sz="1800" b="0" i="0" dirty="0" err="1"/>
-              <a:t>tomcat</a:t>
-            </a:r>
-            <a:r>
-              <a:rPr lang="fr-CA" sz="1800" b="0" i="0" dirty="0"/>
-              <a:t> -file %FILE_NAME% -</a:t>
-            </a:r>
-            <a:r>
-              <a:rPr lang="fr-CA" sz="1800" b="0" i="0" dirty="0" err="1"/>
-              <a:t>keypass</a:t>
-            </a:r>
-            <a:r>
-              <a:rPr lang="fr-CA" sz="1800" b="0" i="0" dirty="0"/>
-              <a:t> </a:t>
-            </a:r>
-            <a:r>
-              <a:rPr lang="fr-CA" sz="1800" b="0" i="0" dirty="0" err="1"/>
-              <a:t>changeit</a:t>
-            </a:r>
-            <a:r>
-              <a:rPr lang="fr-CA" sz="1800" b="0" i="0" dirty="0"/>
-              <a:t> -</a:t>
+              <a:t>%PASSWORD% -</a:t>
             </a:r>
             <a:r>
               <a:rPr lang="fr-CA" sz="1800" b="0" i="0" dirty="0" err="1"/>
@@ -46197,15 +46125,7 @@
             </a:r>
             <a:r>
               <a:rPr lang="fr-FR" dirty="0" smtClean="0"/>
-              <a:t> </a:t>
-            </a:r>
-            <a:r>
-              <a:rPr lang="fr-FR" dirty="0" smtClean="0"/>
-              <a:t>3c: </a:t>
-            </a:r>
-            <a:r>
-              <a:rPr lang="fr-FR" dirty="0" smtClean="0"/>
-              <a:t>SSO CAS</a:t>
+              <a:t> 3c: SSO CAS</a:t>
             </a:r>
             <a:endParaRPr lang="fr-FR" dirty="0"/>
           </a:p>
@@ -46223,7 +46143,7 @@
         </p:nvSpPr>
         <p:spPr>
           <a:xfrm>
-            <a:off x="472905" y="971525"/>
+            <a:off x="472905" y="1043533"/>
             <a:ext cx="10219725" cy="5688632"/>
           </a:xfrm>
         </p:spPr>
@@ -46259,12 +46179,24 @@
               <a:t> </a:t>
             </a:r>
             <a:r>
-              <a:rPr lang="fr-FR" sz="2200" i="0" dirty="0" err="1"/>
+              <a:rPr lang="fr-FR" sz="2200" i="0" dirty="0" err="1" smtClean="0"/>
               <a:t>from</a:t>
             </a:r>
             <a:r>
+              <a:rPr lang="fr-FR" sz="2200" i="0" dirty="0" smtClean="0"/>
+              <a:t> the %</a:t>
+            </a:r>
+            <a:r>
+              <a:rPr lang="fr-FR" sz="2200" i="0" dirty="0" err="1" smtClean="0"/>
+              <a:t>CAS_toolkit%gatein_sso</a:t>
+            </a:r>
+            <a:r>
+              <a:rPr lang="fr-FR" sz="2200" i="0" dirty="0" smtClean="0"/>
+              <a:t>/</a:t>
+            </a:r>
+            <a:r>
               <a:rPr lang="fr-FR" sz="2200" i="0" dirty="0"/>
-              <a:t> GATEIN_SSO_HOME/cas/</a:t>
+              <a:t>cas/</a:t>
             </a:r>
             <a:r>
               <a:rPr lang="fr-FR" sz="2200" i="0" dirty="0" err="1"/>
@@ -46320,8 +46252,12 @@
               <a:t>dit </a:t>
             </a:r>
             <a:r>
-              <a:rPr lang="fr-FR" sz="2200" i="0" dirty="0"/>
-              <a:t>GATEIN_HOME/</a:t>
+              <a:rPr lang="fr-FR" sz="2200" i="0" dirty="0" err="1" smtClean="0"/>
+              <a:t>tomcat</a:t>
+            </a:r>
+            <a:r>
+              <a:rPr lang="fr-FR" sz="2200" i="0" dirty="0" smtClean="0"/>
+              <a:t>/</a:t>
             </a:r>
             <a:r>
               <a:rPr lang="fr-FR" sz="2200" i="0" dirty="0" err="1"/>
@@ -46332,12 +46268,16 @@
               <a:t>/</a:t>
             </a:r>
             <a:r>
-              <a:rPr lang="fr-FR" sz="2200" i="0" dirty="0" err="1"/>
+              <a:rPr lang="fr-FR" sz="2200" i="0" dirty="0" err="1" smtClean="0"/>
               <a:t>jaas.conf</a:t>
             </a:r>
             <a:r>
-              <a:rPr lang="fr-FR" sz="2200" i="0" dirty="0"/>
-              <a:t> and </a:t>
+              <a:rPr lang="fr-FR" sz="2200" i="0" dirty="0" smtClean="0"/>
+              <a:t>, comment the default configuration </a:t>
+            </a:r>
+            <a:r>
+              <a:rPr lang="fr-FR" sz="2200" i="0" dirty="0" smtClean="0"/>
+              <a:t>and </a:t>
             </a:r>
             <a:r>
               <a:rPr lang="fr-FR" sz="2200" i="0" dirty="0" err="1"/>
@@ -46483,21 +46423,19 @@
               <a:t>	</a:t>
             </a:r>
             <a:r>
-              <a:rPr lang="pl-PL" sz="2400" b="0" i="0" dirty="0" smtClean="0">
-                <a:hlinkClick r:id="rId2"/>
-              </a:rPr>
-              <a:t>https:</a:t>
-            </a:r>
-            <a:r>
-              <a:rPr lang="pl-PL" sz="2400" b="0" i="0" dirty="0">
-                <a:hlinkClick r:id="rId2"/>
-              </a:rPr>
-              <a:t>//127.0.0.1:8080/</a:t>
-            </a:r>
-            <a:r>
-              <a:rPr lang="pl-PL" sz="2400" b="0" i="0" dirty="0" smtClean="0">
-                <a:hlinkClick r:id="rId2"/>
-              </a:rPr>
+              <a:rPr lang="pl-PL" sz="2400" b="0" i="0" dirty="0" err="1"/>
+              <a:t>https</a:t>
+            </a:r>
+            <a:r>
+              <a:rPr lang="pl-PL" sz="2400" b="0" i="0" dirty="0"/>
+              <a:t>://127.0.0.1:</a:t>
+            </a:r>
+            <a:r>
+              <a:rPr lang="pl-PL" sz="2400" b="0" i="0" dirty="0" smtClean="0"/>
+              <a:t>8443/</a:t>
+            </a:r>
+            <a:r>
+              <a:rPr lang="pl-PL" sz="2400" b="0" i="0" dirty="0" err="1"/>
               <a:t>cas</a:t>
             </a:r>
             <a:endParaRPr lang="fr-FR" sz="2200" i="0" dirty="0" smtClean="0"/>
@@ -46515,84 +46453,80 @@
               <a:buChar char="»"/>
             </a:pPr>
             <a:r>
-              <a:rPr lang="fr-FR" sz="2200" i="0" dirty="0"/>
+              <a:rPr lang="fr-FR" sz="2200" i="0" dirty="0" smtClean="0"/>
               <a:t>Login </a:t>
             </a:r>
             <a:r>
-              <a:rPr lang="fr-FR" sz="2200" i="0" dirty="0" err="1"/>
+              <a:rPr lang="fr-FR" sz="2200" i="0" dirty="0" err="1" smtClean="0"/>
               <a:t>with</a:t>
             </a:r>
             <a:r>
-              <a:rPr lang="fr-FR" sz="2200" i="0" dirty="0"/>
+              <a:rPr lang="fr-FR" sz="2200" i="0" dirty="0" smtClean="0"/>
               <a:t> the </a:t>
             </a:r>
             <a:r>
-              <a:rPr lang="fr-FR" sz="2200" i="0" dirty="0" err="1"/>
+              <a:rPr lang="fr-FR" sz="2200" i="0" dirty="0" err="1" smtClean="0"/>
               <a:t>username</a:t>
             </a:r>
             <a:r>
-              <a:rPr lang="fr-FR" sz="2200" i="0" dirty="0"/>
+              <a:rPr lang="fr-FR" sz="2200" i="0" dirty="0" smtClean="0"/>
               <a:t> </a:t>
             </a:r>
             <a:r>
-              <a:rPr lang="fr-FR" sz="2200" i="0" dirty="0" err="1"/>
+              <a:rPr lang="fr-FR" sz="2200" i="0" dirty="0" err="1" smtClean="0"/>
               <a:t>root</a:t>
             </a:r>
             <a:r>
-              <a:rPr lang="fr-FR" sz="2200" i="0" dirty="0"/>
+              <a:rPr lang="fr-FR" sz="2200" i="0" dirty="0" smtClean="0"/>
               <a:t> and the </a:t>
             </a:r>
             <a:r>
-              <a:rPr lang="fr-FR" sz="2200" i="0" dirty="0" err="1"/>
+              <a:rPr lang="fr-FR" sz="2200" i="0" dirty="0" err="1" smtClean="0"/>
               <a:t>password</a:t>
             </a:r>
             <a:r>
-              <a:rPr lang="fr-FR" sz="2200" i="0" dirty="0"/>
+              <a:rPr lang="fr-FR" sz="2200" i="0" dirty="0" smtClean="0"/>
               <a:t> </a:t>
             </a:r>
             <a:r>
-              <a:rPr lang="fr-FR" sz="2200" i="0" dirty="0" err="1"/>
+              <a:rPr lang="fr-FR" sz="2200" i="0" dirty="0" err="1" smtClean="0"/>
               <a:t>gtn</a:t>
             </a:r>
             <a:r>
-              <a:rPr lang="fr-FR" sz="2200" i="0" dirty="0"/>
+              <a:rPr lang="fr-FR" sz="2200" i="0" dirty="0" smtClean="0"/>
               <a:t> (or </a:t>
             </a:r>
             <a:r>
-              <a:rPr lang="fr-FR" sz="2200" i="0" dirty="0" err="1"/>
+              <a:rPr lang="fr-FR" sz="2200" i="0" dirty="0" err="1" smtClean="0"/>
               <a:t>any</a:t>
             </a:r>
             <a:r>
-              <a:rPr lang="fr-FR" sz="2200" i="0" dirty="0"/>
+              <a:rPr lang="fr-FR" sz="2200" i="0" dirty="0" smtClean="0"/>
               <a:t> </a:t>
             </a:r>
             <a:r>
-              <a:rPr lang="fr-FR" sz="2200" i="0" dirty="0" err="1"/>
+              <a:rPr lang="fr-FR" sz="2200" i="0" dirty="0" err="1" smtClean="0"/>
               <a:t>account</a:t>
             </a:r>
             <a:r>
-              <a:rPr lang="fr-FR" sz="2200" i="0" dirty="0"/>
+              <a:rPr lang="fr-FR" sz="2200" i="0" dirty="0" smtClean="0"/>
               <a:t> </a:t>
             </a:r>
             <a:r>
-              <a:rPr lang="fr-FR" sz="2200" i="0" dirty="0" err="1"/>
+              <a:rPr lang="fr-FR" sz="2200" i="0" dirty="0" err="1" smtClean="0"/>
               <a:t>created</a:t>
             </a:r>
             <a:r>
-              <a:rPr lang="fr-FR" sz="2200" i="0" dirty="0"/>
+              <a:rPr lang="fr-FR" sz="2200" i="0" dirty="0" smtClean="0"/>
               <a:t> </a:t>
             </a:r>
             <a:r>
-              <a:rPr lang="fr-FR" sz="2200" i="0" dirty="0" err="1"/>
+              <a:rPr lang="fr-FR" sz="2200" i="0" dirty="0" err="1" smtClean="0"/>
               <a:t>through</a:t>
             </a:r>
             <a:r>
-              <a:rPr lang="fr-FR" sz="2200" i="0" dirty="0"/>
-              <a:t> the portal</a:t>
-            </a:r>
-            <a:r>
               <a:rPr lang="fr-FR" sz="2200" i="0" dirty="0" smtClean="0"/>
-              <a:t>)</a:t>
+              <a:t> the portal)</a:t>
             </a:r>
           </a:p>
           <a:p>
@@ -46609,15 +46543,7 @@
             </a:pPr>
             <a:r>
               <a:rPr lang="fr-FR" sz="2200" i="0" dirty="0" smtClean="0"/>
-              <a:t>To </a:t>
-            </a:r>
-            <a:r>
-              <a:rPr lang="fr-FR" sz="2200" i="0" dirty="0" err="1" smtClean="0"/>
-              <a:t>utilize</a:t>
-            </a:r>
-            <a:r>
-              <a:rPr lang="fr-FR" sz="2200" i="0" dirty="0" smtClean="0"/>
-              <a:t> the </a:t>
+              <a:t>To use the </a:t>
             </a:r>
             <a:r>
               <a:rPr lang="fr-FR" sz="2200" i="0" dirty="0"/>
@@ -46656,12 +46582,16 @@
               <a:t> all user </a:t>
             </a:r>
             <a:r>
-              <a:rPr lang="fr-FR" sz="2200" i="0" dirty="0" err="1"/>
-              <a:t>authentication</a:t>
+              <a:rPr lang="fr-FR" sz="2200" i="0" dirty="0" err="1" smtClean="0"/>
+              <a:t>authentications</a:t>
+            </a:r>
+            <a:r>
+              <a:rPr lang="fr-FR" sz="2200" i="0" dirty="0" smtClean="0"/>
+              <a:t> </a:t>
             </a:r>
             <a:r>
               <a:rPr lang="fr-FR" sz="2200" i="0" dirty="0"/>
-              <a:t> to the CAS server. </a:t>
+              <a:t>to the CAS server. </a:t>
             </a:r>
           </a:p>
           <a:p>
@@ -46836,15 +46766,7 @@
             </a:r>
             <a:r>
               <a:rPr lang="fr-FR" dirty="0" smtClean="0"/>
-              <a:t> </a:t>
-            </a:r>
-            <a:r>
-              <a:rPr lang="fr-FR" dirty="0" smtClean="0"/>
-              <a:t>3d: </a:t>
-            </a:r>
-            <a:r>
-              <a:rPr lang="fr-FR" dirty="0" smtClean="0"/>
-              <a:t>SSO CAS</a:t>
+              <a:t> 3d: SSO CAS</a:t>
             </a:r>
             <a:endParaRPr lang="fr-FR" dirty="0"/>
           </a:p>
@@ -47111,263 +47033,323 @@
               <a:t> </a:t>
             </a:r>
             <a:r>
-              <a:rPr lang="fr-FR" sz="2200" i="0" dirty="0" err="1"/>
-              <a:t>with</a:t>
-            </a:r>
-            <a:r>
-              <a:rPr lang="fr-FR" sz="2200" i="0" dirty="0"/>
-              <a:t>: </a:t>
-            </a:r>
-          </a:p>
-          <a:p>
-            <a:pPr marL="3175" indent="0">
+              <a:rPr lang="fr-FR" sz="2200" i="0" dirty="0" smtClean="0"/>
+              <a:t>by: </a:t>
+            </a:r>
+            <a:endParaRPr lang="fr-FR" sz="2200" i="0" dirty="0"/>
+          </a:p>
+          <a:p>
+            <a:pPr marL="1031875" lvl="2" indent="0">
               <a:lnSpc>
                 <a:spcPct val="80000"/>
               </a:lnSpc>
               <a:buNone/>
             </a:pPr>
             <a:r>
-              <a:rPr lang="fr-FR" sz="2200" i="0" dirty="0" smtClean="0"/>
-              <a:t>	</a:t>
-            </a:r>
-            <a:r>
-              <a:rPr lang="fr-FR" sz="1800" b="0" i="0" dirty="0" smtClean="0"/>
+              <a:rPr lang="fr-FR" sz="2000" b="0" i="0" dirty="0" smtClean="0"/>
               <a:t>&lt;</a:t>
             </a:r>
             <a:r>
-              <a:rPr lang="fr-FR" sz="1800" b="0" i="0" dirty="0"/>
+              <a:rPr lang="fr-FR" sz="2000" b="0" i="0" dirty="0"/>
               <a:t>servlet&gt; </a:t>
             </a:r>
             <a:r>
-              <a:rPr lang="fr-FR" sz="1800" b="0" i="0" dirty="0" smtClean="0"/>
+              <a:rPr lang="fr-FR" sz="2000" b="0" i="0" dirty="0" smtClean="0"/>
               <a:t>&lt;</a:t>
             </a:r>
             <a:r>
-              <a:rPr lang="fr-FR" sz="1800" b="0" i="0" dirty="0"/>
+              <a:rPr lang="fr-FR" sz="2000" b="0" i="0" dirty="0"/>
               <a:t>servlet-</a:t>
             </a:r>
             <a:r>
-              <a:rPr lang="fr-FR" sz="1800" b="0" i="0" dirty="0" err="1"/>
+              <a:rPr lang="fr-FR" sz="2000" b="0" i="0" dirty="0" err="1"/>
               <a:t>name</a:t>
             </a:r>
             <a:r>
-              <a:rPr lang="fr-FR" sz="1800" b="0" i="0" dirty="0"/>
+              <a:rPr lang="fr-FR" sz="2000" b="0" i="0" dirty="0"/>
               <a:t>&gt;</a:t>
             </a:r>
             <a:r>
-              <a:rPr lang="fr-FR" sz="1800" b="0" i="0" dirty="0" err="1"/>
+              <a:rPr lang="fr-FR" sz="2000" b="0" i="0" dirty="0" err="1"/>
               <a:t>InitiateLoginServlet</a:t>
             </a:r>
             <a:r>
-              <a:rPr lang="fr-FR" sz="1800" b="0" i="0" dirty="0"/>
+              <a:rPr lang="fr-FR" sz="2000" b="0" i="0" dirty="0"/>
               <a:t>&lt;/servlet-</a:t>
             </a:r>
             <a:r>
-              <a:rPr lang="fr-FR" sz="1800" b="0" i="0" dirty="0" err="1"/>
+              <a:rPr lang="fr-FR" sz="2000" b="0" i="0" dirty="0" err="1"/>
               <a:t>name</a:t>
             </a:r>
             <a:r>
-              <a:rPr lang="fr-FR" sz="1800" b="0" i="0" dirty="0" smtClean="0"/>
+              <a:rPr lang="fr-FR" sz="2000" b="0" i="0" dirty="0" smtClean="0"/>
               <a:t>&gt;</a:t>
             </a:r>
           </a:p>
           <a:p>
-            <a:pPr marL="3175" indent="0">
+            <a:pPr marL="1031875" lvl="2" indent="0">
               <a:lnSpc>
                 <a:spcPct val="80000"/>
               </a:lnSpc>
               <a:buNone/>
             </a:pPr>
             <a:r>
-              <a:rPr lang="fr-FR" sz="1800" b="0" i="0" dirty="0" smtClean="0"/>
+              <a:rPr lang="fr-FR" sz="2000" b="0" i="0" dirty="0" smtClean="0"/>
               <a:t> </a:t>
             </a:r>
             <a:r>
-              <a:rPr lang="fr-FR" sz="1800" b="0" i="0" dirty="0"/>
+              <a:rPr lang="fr-FR" sz="2000" b="0" i="0" dirty="0"/>
               <a:t>&lt;servlet-class&gt;</a:t>
             </a:r>
             <a:r>
-              <a:rPr lang="fr-FR" sz="1800" b="0" i="0" dirty="0" err="1"/>
+              <a:rPr lang="fr-FR" sz="2000" b="0" i="0" dirty="0" err="1"/>
               <a:t>org.gatein.sso.agent.GenericSSOAgent</a:t>
             </a:r>
             <a:r>
-              <a:rPr lang="fr-FR" sz="1800" b="0" i="0" dirty="0"/>
+              <a:rPr lang="fr-FR" sz="2000" b="0" i="0" dirty="0"/>
               <a:t>&lt;/servlet-class&gt; </a:t>
             </a:r>
-            <a:endParaRPr lang="fr-FR" sz="1800" b="0" i="0" dirty="0" smtClean="0"/>
-          </a:p>
-          <a:p>
-            <a:pPr marL="3175" indent="0">
+            <a:endParaRPr lang="fr-FR" sz="2000" b="0" i="0" dirty="0" smtClean="0"/>
+          </a:p>
+          <a:p>
+            <a:pPr marL="1031875" lvl="2" indent="0">
               <a:lnSpc>
                 <a:spcPct val="80000"/>
               </a:lnSpc>
               <a:buNone/>
             </a:pPr>
             <a:r>
-              <a:rPr lang="fr-FR" sz="1800" b="0" i="0" dirty="0" smtClean="0"/>
+              <a:rPr lang="fr-FR" sz="2000" b="0" i="0" dirty="0" smtClean="0"/>
               <a:t>&lt;</a:t>
             </a:r>
             <a:r>
-              <a:rPr lang="fr-FR" sz="1800" b="0" i="0" dirty="0" err="1"/>
+              <a:rPr lang="fr-FR" sz="2000" b="0" i="0" dirty="0" err="1"/>
               <a:t>init-param</a:t>
             </a:r>
             <a:r>
-              <a:rPr lang="fr-FR" sz="1800" b="0" i="0" dirty="0"/>
-              <a:t>&gt; &lt;</a:t>
-            </a:r>
-            <a:r>
-              <a:rPr lang="fr-FR" sz="1800" b="0" i="0" dirty="0" err="1"/>
-              <a:t>param-name</a:t>
-            </a:r>
-            <a:r>
-              <a:rPr lang="fr-FR" sz="1800" b="0" i="0" dirty="0"/>
-              <a:t>&gt;</a:t>
-            </a:r>
-            <a:r>
-              <a:rPr lang="fr-FR" sz="1800" b="0" i="0" dirty="0" err="1"/>
-              <a:t>ssoServerUrl</a:t>
-            </a:r>
-            <a:r>
-              <a:rPr lang="fr-FR" sz="1800" b="0" i="0" dirty="0"/>
-              <a:t>&lt;/</a:t>
-            </a:r>
-            <a:r>
-              <a:rPr lang="fr-FR" sz="1800" b="0" i="0" dirty="0" err="1"/>
-              <a:t>param-name</a:t>
-            </a:r>
-            <a:r>
-              <a:rPr lang="fr-FR" sz="1800" b="0" i="0" dirty="0" smtClean="0"/>
-              <a:t>&gt;</a:t>
-            </a:r>
-          </a:p>
-          <a:p>
-            <a:pPr marL="3175" indent="0">
+              <a:rPr lang="fr-FR" sz="2000" b="0" i="0" dirty="0"/>
+              <a:t>&gt; </a:t>
+            </a:r>
+            <a:endParaRPr lang="fr-FR" sz="2000" b="0" i="0" dirty="0" smtClean="0"/>
+          </a:p>
+          <a:p>
+            <a:pPr marL="1031875" lvl="2" indent="0">
               <a:lnSpc>
                 <a:spcPct val="80000"/>
               </a:lnSpc>
               <a:buNone/>
             </a:pPr>
             <a:r>
-              <a:rPr lang="fr-FR" sz="1800" b="0" i="0" dirty="0" smtClean="0"/>
-              <a:t> </a:t>
-            </a:r>
-            <a:r>
-              <a:rPr lang="fr-FR" sz="1800" b="0" i="0" dirty="0"/>
+              <a:rPr lang="fr-FR" sz="2000" b="0" i="0" dirty="0" smtClean="0"/>
               <a:t>&lt;</a:t>
             </a:r>
             <a:r>
-              <a:rPr lang="fr-FR" sz="1800" b="0" i="0" dirty="0" err="1"/>
-              <a:t>param</a:t>
-            </a:r>
-            <a:r>
-              <a:rPr lang="fr-FR" sz="1800" b="0" i="0" dirty="0"/>
-              <a:t>-value&gt;http://localhost:8888/cas&lt;/</a:t>
-            </a:r>
-            <a:r>
-              <a:rPr lang="fr-FR" sz="1800" b="0" i="0" dirty="0" err="1"/>
-              <a:t>param</a:t>
-            </a:r>
-            <a:r>
-              <a:rPr lang="fr-FR" sz="1800" b="0" i="0" dirty="0"/>
-              <a:t>-value&gt; &lt;/</a:t>
-            </a:r>
-            <a:r>
-              <a:rPr lang="fr-FR" sz="1800" b="0" i="0" dirty="0" err="1"/>
-              <a:t>init-param</a:t>
-            </a:r>
-            <a:r>
-              <a:rPr lang="fr-FR" sz="1800" b="0" i="0" dirty="0" smtClean="0"/>
+              <a:rPr lang="fr-FR" sz="2000" b="0" i="0" dirty="0" err="1"/>
+              <a:t>param-name</a:t>
+            </a:r>
+            <a:r>
+              <a:rPr lang="fr-FR" sz="2000" b="0" i="0" dirty="0"/>
               <a:t>&gt;</a:t>
             </a:r>
-          </a:p>
-          <a:p>
-            <a:pPr marL="3175" indent="0">
+            <a:r>
+              <a:rPr lang="fr-FR" sz="2000" b="0" i="0" dirty="0" err="1"/>
+              <a:t>ssoServerUrl</a:t>
+            </a:r>
+            <a:r>
+              <a:rPr lang="fr-FR" sz="2000" b="0" i="0" dirty="0"/>
+              <a:t>&lt;/</a:t>
+            </a:r>
+            <a:r>
+              <a:rPr lang="fr-FR" sz="2000" b="0" i="0" dirty="0" err="1"/>
+              <a:t>param-name</a:t>
+            </a:r>
+            <a:r>
+              <a:rPr lang="fr-FR" sz="2000" b="0" i="0" dirty="0" smtClean="0"/>
+              <a:t>&gt;</a:t>
+            </a:r>
+          </a:p>
+          <a:p>
+            <a:pPr marL="1031875" lvl="2" indent="0">
               <a:lnSpc>
                 <a:spcPct val="80000"/>
               </a:lnSpc>
               <a:buNone/>
             </a:pPr>
             <a:r>
-              <a:rPr lang="fr-FR" sz="1800" b="0" i="0" dirty="0" smtClean="0"/>
+              <a:rPr lang="fr-FR" sz="2000" b="0" i="0" dirty="0" smtClean="0"/>
               <a:t> </a:t>
             </a:r>
             <a:r>
-              <a:rPr lang="fr-FR" sz="1800" b="0" i="0" dirty="0"/>
+              <a:rPr lang="fr-FR" sz="2000" b="0" i="0" dirty="0"/>
               <a:t>&lt;</a:t>
             </a:r>
             <a:r>
-              <a:rPr lang="fr-FR" sz="1800" b="0" i="0" dirty="0" err="1"/>
+              <a:rPr lang="fr-FR" sz="2000" b="0" i="0" dirty="0" err="1"/>
+              <a:t>param</a:t>
+            </a:r>
+            <a:r>
+              <a:rPr lang="fr-FR" sz="2000" b="0" i="0" dirty="0"/>
+              <a:t>-value&gt;</a:t>
+            </a:r>
+            <a:r>
+              <a:rPr lang="fr-FR" sz="2000" b="0" i="0" dirty="0" err="1" smtClean="0"/>
+              <a:t>https</a:t>
+            </a:r>
+            <a:r>
+              <a:rPr lang="fr-FR" sz="2000" b="0" i="0" dirty="0" smtClean="0"/>
+              <a:t>:</a:t>
+            </a:r>
+            <a:r>
+              <a:rPr lang="fr-FR" sz="2000" b="0" i="0" dirty="0"/>
+              <a:t>//localhost</a:t>
+            </a:r>
+            <a:r>
+              <a:rPr lang="fr-FR" sz="2000" b="0" i="0" dirty="0" smtClean="0"/>
+              <a:t>:8443/</a:t>
+            </a:r>
+            <a:r>
+              <a:rPr lang="fr-FR" sz="2000" b="0" i="0" dirty="0"/>
+              <a:t>cas&lt;/</a:t>
+            </a:r>
+            <a:r>
+              <a:rPr lang="fr-FR" sz="2000" b="0" i="0" dirty="0" err="1"/>
+              <a:t>param</a:t>
+            </a:r>
+            <a:r>
+              <a:rPr lang="fr-FR" sz="2000" b="0" i="0" dirty="0"/>
+              <a:t>-value&gt; &lt;/</a:t>
+            </a:r>
+            <a:r>
+              <a:rPr lang="fr-FR" sz="2000" b="0" i="0" dirty="0" err="1"/>
               <a:t>init-param</a:t>
             </a:r>
             <a:r>
-              <a:rPr lang="fr-FR" sz="1800" b="0" i="0" dirty="0"/>
-              <a:t>&gt; &lt;</a:t>
-            </a:r>
-            <a:r>
-              <a:rPr lang="fr-FR" sz="1800" b="0" i="0" dirty="0" err="1"/>
-              <a:t>param-name</a:t>
-            </a:r>
-            <a:r>
-              <a:rPr lang="fr-FR" sz="1800" b="0" i="0" dirty="0"/>
+              <a:rPr lang="fr-FR" sz="2000" b="0" i="0" dirty="0" smtClean="0"/>
               <a:t>&gt;</a:t>
             </a:r>
-            <a:r>
-              <a:rPr lang="fr-FR" sz="1800" b="0" i="0" dirty="0" err="1"/>
-              <a:t>casRenewTicket</a:t>
-            </a:r>
-            <a:r>
-              <a:rPr lang="fr-FR" sz="1800" b="0" i="0" dirty="0"/>
-              <a:t>&lt;/</a:t>
-            </a:r>
-            <a:r>
-              <a:rPr lang="fr-FR" sz="1800" b="0" i="0" dirty="0" err="1"/>
-              <a:t>param-name</a:t>
-            </a:r>
-            <a:r>
-              <a:rPr lang="fr-FR" sz="1800" b="0" i="0" dirty="0" smtClean="0"/>
-              <a:t>&gt;</a:t>
-            </a:r>
-          </a:p>
-          <a:p>
-            <a:pPr marL="3175" indent="0">
+          </a:p>
+          <a:p>
+            <a:pPr marL="1031875" lvl="2" indent="0">
               <a:lnSpc>
                 <a:spcPct val="80000"/>
               </a:lnSpc>
               <a:buNone/>
             </a:pPr>
             <a:r>
-              <a:rPr lang="fr-FR" sz="1800" b="0" i="0" dirty="0" smtClean="0"/>
+              <a:rPr lang="fr-FR" sz="2000" b="0" i="0" dirty="0" smtClean="0"/>
               <a:t> </a:t>
             </a:r>
             <a:r>
-              <a:rPr lang="fr-FR" sz="1800" b="0" i="0" dirty="0"/>
+              <a:rPr lang="fr-FR" sz="2000" b="0" i="0" dirty="0"/>
               <a:t>&lt;</a:t>
             </a:r>
             <a:r>
-              <a:rPr lang="fr-FR" sz="1800" b="0" i="0" dirty="0" err="1"/>
+              <a:rPr lang="fr-FR" sz="2000" b="0" i="0" dirty="0" err="1"/>
+              <a:t>init-param</a:t>
+            </a:r>
+            <a:r>
+              <a:rPr lang="fr-FR" sz="2000" b="0" i="0" dirty="0"/>
+              <a:t>&gt; &lt;</a:t>
+            </a:r>
+            <a:r>
+              <a:rPr lang="fr-FR" sz="2000" b="0" i="0" dirty="0" err="1"/>
+              <a:t>param-name</a:t>
+            </a:r>
+            <a:r>
+              <a:rPr lang="fr-FR" sz="2000" b="0" i="0" dirty="0"/>
+              <a:t>&gt;</a:t>
+            </a:r>
+            <a:r>
+              <a:rPr lang="fr-FR" sz="2000" b="0" i="0" dirty="0" err="1"/>
+              <a:t>casRenewTicket</a:t>
+            </a:r>
+            <a:r>
+              <a:rPr lang="fr-FR" sz="2000" b="0" i="0" dirty="0"/>
+              <a:t>&lt;/</a:t>
+            </a:r>
+            <a:r>
+              <a:rPr lang="fr-FR" sz="2000" b="0" i="0" dirty="0" err="1"/>
+              <a:t>param-name</a:t>
+            </a:r>
+            <a:r>
+              <a:rPr lang="fr-FR" sz="2000" b="0" i="0" dirty="0" smtClean="0"/>
+              <a:t>&gt;</a:t>
+            </a:r>
+          </a:p>
+          <a:p>
+            <a:pPr marL="1031875" lvl="2" indent="0">
+              <a:lnSpc>
+                <a:spcPct val="80000"/>
+              </a:lnSpc>
+              <a:buNone/>
+            </a:pPr>
+            <a:r>
+              <a:rPr lang="fr-FR" sz="2000" b="0" i="0" dirty="0" smtClean="0"/>
+              <a:t> </a:t>
+            </a:r>
+            <a:r>
+              <a:rPr lang="fr-FR" sz="2000" b="0" i="0" dirty="0"/>
+              <a:t>&lt;</a:t>
+            </a:r>
+            <a:r>
+              <a:rPr lang="fr-FR" sz="2000" b="0" i="0" dirty="0" err="1"/>
               <a:t>param</a:t>
             </a:r>
             <a:r>
-              <a:rPr lang="fr-FR" sz="1800" b="0" i="0" dirty="0"/>
+              <a:rPr lang="fr-FR" sz="2000" b="0" i="0" dirty="0"/>
               <a:t>-value&gt;false&lt;/</a:t>
             </a:r>
             <a:r>
-              <a:rPr lang="fr-FR" sz="1800" b="0" i="0" dirty="0" err="1"/>
+              <a:rPr lang="fr-FR" sz="2000" b="0" i="0" dirty="0" err="1"/>
               <a:t>param</a:t>
             </a:r>
             <a:r>
-              <a:rPr lang="fr-FR" sz="1800" b="0" i="0" dirty="0"/>
-              <a:t>-value&gt; &lt;/</a:t>
-            </a:r>
-            <a:r>
-              <a:rPr lang="fr-FR" sz="1800" b="0" i="0" dirty="0" err="1"/>
+              <a:rPr lang="fr-FR" sz="2000" b="0" i="0" dirty="0"/>
+              <a:t>-value&gt; </a:t>
+            </a:r>
+            <a:endParaRPr lang="fr-FR" sz="2000" b="0" i="0" dirty="0" smtClean="0"/>
+          </a:p>
+          <a:p>
+            <a:pPr marL="1031875" lvl="2" indent="0">
+              <a:lnSpc>
+                <a:spcPct val="80000"/>
+              </a:lnSpc>
+              <a:buNone/>
+            </a:pPr>
+            <a:r>
+              <a:rPr lang="fr-FR" sz="2000" b="0" i="0" dirty="0" smtClean="0"/>
+              <a:t>&lt;</a:t>
+            </a:r>
+            <a:r>
+              <a:rPr lang="fr-FR" sz="2000" b="0" i="0" dirty="0"/>
+              <a:t>/</a:t>
+            </a:r>
+            <a:r>
+              <a:rPr lang="fr-FR" sz="2000" b="0" i="0" dirty="0" err="1"/>
               <a:t>init-param</a:t>
             </a:r>
             <a:r>
-              <a:rPr lang="fr-FR" sz="1800" b="0" i="0" dirty="0"/>
-              <a:t>&gt; &lt;/servlet&gt; </a:t>
-            </a:r>
-            <a:endParaRPr lang="fr-FR" sz="1800" b="0" i="0" dirty="0" smtClean="0"/>
+              <a:rPr lang="fr-FR" sz="2000" b="0" i="0" dirty="0"/>
+              <a:t>&gt; </a:t>
+            </a:r>
+            <a:endParaRPr lang="fr-FR" sz="2000" b="0" i="0" dirty="0" smtClean="0"/>
+          </a:p>
+          <a:p>
+            <a:pPr marL="1031875" lvl="2" indent="0">
+              <a:lnSpc>
+                <a:spcPct val="80000"/>
+              </a:lnSpc>
+              <a:buNone/>
+            </a:pPr>
+            <a:r>
+              <a:rPr lang="fr-FR" sz="2000" b="0" i="0" dirty="0" smtClean="0"/>
+              <a:t>&lt;</a:t>
+            </a:r>
+            <a:r>
+              <a:rPr lang="fr-FR" sz="2000" b="0" i="0" dirty="0"/>
+              <a:t>/servlet&gt; </a:t>
+            </a:r>
+            <a:endParaRPr lang="fr-FR" sz="2000" b="0" i="0" dirty="0" smtClean="0"/>
           </a:p>
           <a:p>
             <a:pPr>
@@ -47397,7 +47379,6 @@
               <a:rPr lang="fr-FR" sz="2200" i="0" dirty="0"/>
               <a:t> to eXo</a:t>
             </a:r>
-            <a:endParaRPr lang="fr-FR" sz="2200" i="0" dirty="0"/>
           </a:p>
           <a:p>
             <a:pPr marL="3175" indent="0">
